--- a/miao/LC15-three-sum(时间复杂度简介2).pptx
+++ b/miao/LC15-three-sum(时间复杂度简介2).pptx
@@ -4,12 +4,22 @@
   <p:sldMasterIdLst>
     <p:sldMasterId id="2147483648" r:id="rId1"/>
   </p:sldMasterIdLst>
+  <p:notesMasterIdLst>
+    <p:notesMasterId r:id="rId14"/>
+  </p:notesMasterIdLst>
   <p:sldIdLst>
     <p:sldId id="256" r:id="rId2"/>
     <p:sldId id="257" r:id="rId3"/>
     <p:sldId id="258" r:id="rId4"/>
     <p:sldId id="259" r:id="rId5"/>
     <p:sldId id="260" r:id="rId6"/>
+    <p:sldId id="261" r:id="rId7"/>
+    <p:sldId id="262" r:id="rId8"/>
+    <p:sldId id="263" r:id="rId9"/>
+    <p:sldId id="264" r:id="rId10"/>
+    <p:sldId id="265" r:id="rId11"/>
+    <p:sldId id="266" r:id="rId12"/>
+    <p:sldId id="267" r:id="rId13"/>
   </p:sldIdLst>
   <p:sldSz cx="12192000" cy="6858000"/>
   <p:notesSz cx="6858000" cy="9144000"/>
@@ -108,7 +118,852 @@
       </a:defRPr>
     </a:lvl9pPr>
   </p:defaultTextStyle>
+  <p:extLst>
+    <p:ext uri="{EFAFB233-063F-42B5-8137-9DF3F51BA10A}">
+      <p15:sldGuideLst xmlns:p15="http://schemas.microsoft.com/office/powerpoint/2012/main"/>
+    </p:ext>
+  </p:extLst>
 </p:presentation>
+</file>
+
+<file path=ppt/notesMasters/notesMaster1.xml><?xml version="1.0" encoding="utf-8"?>
+<p:notesMaster xmlns:a="http://schemas.openxmlformats.org/drawingml/2006/main" xmlns:r="http://schemas.openxmlformats.org/officeDocument/2006/relationships" xmlns:p="http://schemas.openxmlformats.org/presentationml/2006/main">
+  <p:cSld>
+    <p:bg>
+      <p:bgRef idx="1001">
+        <a:schemeClr val="bg1"/>
+      </p:bgRef>
+    </p:bg>
+    <p:spTree>
+      <p:nvGrpSpPr>
+        <p:cNvPr id="1" name=""/>
+        <p:cNvGrpSpPr/>
+        <p:nvPr/>
+      </p:nvGrpSpPr>
+      <p:grpSpPr>
+        <a:xfrm>
+          <a:off x="0" y="0"/>
+          <a:ext cx="0" cy="0"/>
+          <a:chOff x="0" y="0"/>
+          <a:chExt cx="0" cy="0"/>
+        </a:xfrm>
+      </p:grpSpPr>
+      <p:sp>
+        <p:nvSpPr>
+          <p:cNvPr id="2" name="页眉占位符 1"/>
+          <p:cNvSpPr>
+            <a:spLocks noGrp="1"/>
+          </p:cNvSpPr>
+          <p:nvPr>
+            <p:ph type="hdr" sz="quarter"/>
+          </p:nvPr>
+        </p:nvSpPr>
+        <p:spPr>
+          <a:xfrm>
+            <a:off x="0" y="0"/>
+            <a:ext cx="2971800" cy="458788"/>
+          </a:xfrm>
+          <a:prstGeom prst="rect">
+            <a:avLst/>
+          </a:prstGeom>
+        </p:spPr>
+        <p:txBody>
+          <a:bodyPr vert="horz" lIns="91440" tIns="45720" rIns="91440" bIns="45720" rtlCol="0"/>
+          <a:lstStyle>
+            <a:lvl1pPr algn="l">
+              <a:defRPr sz="1200"/>
+            </a:lvl1pPr>
+          </a:lstStyle>
+          <a:p>
+            <a:endParaRPr lang="zh-CN" altLang="en-US"/>
+          </a:p>
+        </p:txBody>
+      </p:sp>
+      <p:sp>
+        <p:nvSpPr>
+          <p:cNvPr id="3" name="日期占位符 2"/>
+          <p:cNvSpPr>
+            <a:spLocks noGrp="1"/>
+          </p:cNvSpPr>
+          <p:nvPr>
+            <p:ph type="dt" idx="1"/>
+          </p:nvPr>
+        </p:nvSpPr>
+        <p:spPr>
+          <a:xfrm>
+            <a:off x="3884613" y="0"/>
+            <a:ext cx="2971800" cy="458788"/>
+          </a:xfrm>
+          <a:prstGeom prst="rect">
+            <a:avLst/>
+          </a:prstGeom>
+        </p:spPr>
+        <p:txBody>
+          <a:bodyPr vert="horz" lIns="91440" tIns="45720" rIns="91440" bIns="45720" rtlCol="0"/>
+          <a:lstStyle>
+            <a:lvl1pPr algn="r">
+              <a:defRPr sz="1200"/>
+            </a:lvl1pPr>
+          </a:lstStyle>
+          <a:p>
+            <a:fld id="{1E97ACA0-DD0D-4CCC-B665-A6C2E9397C08}" type="datetimeFigureOut">
+              <a:rPr lang="zh-CN" altLang="en-US" smtClean="0"/>
+              <a:t>2021/10/27</a:t>
+            </a:fld>
+            <a:endParaRPr lang="zh-CN" altLang="en-US"/>
+          </a:p>
+        </p:txBody>
+      </p:sp>
+      <p:sp>
+        <p:nvSpPr>
+          <p:cNvPr id="4" name="幻灯片图像占位符 3"/>
+          <p:cNvSpPr>
+            <a:spLocks noGrp="1" noRot="1" noChangeAspect="1"/>
+          </p:cNvSpPr>
+          <p:nvPr>
+            <p:ph type="sldImg" idx="2"/>
+          </p:nvPr>
+        </p:nvSpPr>
+        <p:spPr>
+          <a:xfrm>
+            <a:off x="685800" y="1143000"/>
+            <a:ext cx="5486400" cy="3086100"/>
+          </a:xfrm>
+          <a:prstGeom prst="rect">
+            <a:avLst/>
+          </a:prstGeom>
+          <a:noFill/>
+          <a:ln w="12700">
+            <a:solidFill>
+              <a:prstClr val="black"/>
+            </a:solidFill>
+          </a:ln>
+        </p:spPr>
+        <p:txBody>
+          <a:bodyPr vert="horz" lIns="91440" tIns="45720" rIns="91440" bIns="45720" rtlCol="0" anchor="ctr"/>
+          <a:lstStyle/>
+          <a:p>
+            <a:endParaRPr lang="zh-CN" altLang="en-US"/>
+          </a:p>
+        </p:txBody>
+      </p:sp>
+      <p:sp>
+        <p:nvSpPr>
+          <p:cNvPr id="5" name="备注占位符 4"/>
+          <p:cNvSpPr>
+            <a:spLocks noGrp="1"/>
+          </p:cNvSpPr>
+          <p:nvPr>
+            <p:ph type="body" sz="quarter" idx="3"/>
+          </p:nvPr>
+        </p:nvSpPr>
+        <p:spPr>
+          <a:xfrm>
+            <a:off x="685800" y="4400550"/>
+            <a:ext cx="5486400" cy="3600450"/>
+          </a:xfrm>
+          <a:prstGeom prst="rect">
+            <a:avLst/>
+          </a:prstGeom>
+        </p:spPr>
+        <p:txBody>
+          <a:bodyPr vert="horz" lIns="91440" tIns="45720" rIns="91440" bIns="45720" rtlCol="0"/>
+          <a:lstStyle/>
+          <a:p>
+            <a:pPr lvl="0"/>
+            <a:r>
+              <a:rPr lang="zh-CN" altLang="en-US"/>
+              <a:t>单击此处编辑母版文本样式</a:t>
+            </a:r>
+          </a:p>
+          <a:p>
+            <a:pPr lvl="1"/>
+            <a:r>
+              <a:rPr lang="zh-CN" altLang="en-US"/>
+              <a:t>二级</a:t>
+            </a:r>
+          </a:p>
+          <a:p>
+            <a:pPr lvl="2"/>
+            <a:r>
+              <a:rPr lang="zh-CN" altLang="en-US"/>
+              <a:t>三级</a:t>
+            </a:r>
+          </a:p>
+          <a:p>
+            <a:pPr lvl="3"/>
+            <a:r>
+              <a:rPr lang="zh-CN" altLang="en-US"/>
+              <a:t>四级</a:t>
+            </a:r>
+          </a:p>
+          <a:p>
+            <a:pPr lvl="4"/>
+            <a:r>
+              <a:rPr lang="zh-CN" altLang="en-US"/>
+              <a:t>五级</a:t>
+            </a:r>
+          </a:p>
+        </p:txBody>
+      </p:sp>
+      <p:sp>
+        <p:nvSpPr>
+          <p:cNvPr id="6" name="页脚占位符 5"/>
+          <p:cNvSpPr>
+            <a:spLocks noGrp="1"/>
+          </p:cNvSpPr>
+          <p:nvPr>
+            <p:ph type="ftr" sz="quarter" idx="4"/>
+          </p:nvPr>
+        </p:nvSpPr>
+        <p:spPr>
+          <a:xfrm>
+            <a:off x="0" y="8685213"/>
+            <a:ext cx="2971800" cy="458787"/>
+          </a:xfrm>
+          <a:prstGeom prst="rect">
+            <a:avLst/>
+          </a:prstGeom>
+        </p:spPr>
+        <p:txBody>
+          <a:bodyPr vert="horz" lIns="91440" tIns="45720" rIns="91440" bIns="45720" rtlCol="0" anchor="b"/>
+          <a:lstStyle>
+            <a:lvl1pPr algn="l">
+              <a:defRPr sz="1200"/>
+            </a:lvl1pPr>
+          </a:lstStyle>
+          <a:p>
+            <a:endParaRPr lang="zh-CN" altLang="en-US"/>
+          </a:p>
+        </p:txBody>
+      </p:sp>
+      <p:sp>
+        <p:nvSpPr>
+          <p:cNvPr id="7" name="灯片编号占位符 6"/>
+          <p:cNvSpPr>
+            <a:spLocks noGrp="1"/>
+          </p:cNvSpPr>
+          <p:nvPr>
+            <p:ph type="sldNum" sz="quarter" idx="5"/>
+          </p:nvPr>
+        </p:nvSpPr>
+        <p:spPr>
+          <a:xfrm>
+            <a:off x="3884613" y="8685213"/>
+            <a:ext cx="2971800" cy="458787"/>
+          </a:xfrm>
+          <a:prstGeom prst="rect">
+            <a:avLst/>
+          </a:prstGeom>
+        </p:spPr>
+        <p:txBody>
+          <a:bodyPr vert="horz" lIns="91440" tIns="45720" rIns="91440" bIns="45720" rtlCol="0" anchor="b"/>
+          <a:lstStyle>
+            <a:lvl1pPr algn="r">
+              <a:defRPr sz="1200"/>
+            </a:lvl1pPr>
+          </a:lstStyle>
+          <a:p>
+            <a:fld id="{F7346A2A-9DD7-4132-A51B-5E058A3D4A9C}" type="slidenum">
+              <a:rPr lang="zh-CN" altLang="en-US" smtClean="0"/>
+              <a:t>‹#›</a:t>
+            </a:fld>
+            <a:endParaRPr lang="zh-CN" altLang="en-US"/>
+          </a:p>
+        </p:txBody>
+      </p:sp>
+    </p:spTree>
+    <p:extLst>
+      <p:ext uri="{BB962C8B-B14F-4D97-AF65-F5344CB8AC3E}">
+        <p14:creationId xmlns:p14="http://schemas.microsoft.com/office/powerpoint/2010/main" val="2099963209"/>
+      </p:ext>
+    </p:extLst>
+  </p:cSld>
+  <p:clrMap bg1="lt1" tx1="dk1" bg2="lt2" tx2="dk2" accent1="accent1" accent2="accent2" accent3="accent3" accent4="accent4" accent5="accent5" accent6="accent6" hlink="hlink" folHlink="folHlink"/>
+  <p:notesStyle>
+    <a:lvl1pPr marL="0" algn="l" defTabSz="914400" rtl="0" eaLnBrk="1" latinLnBrk="0" hangingPunct="1">
+      <a:defRPr sz="1200" kern="1200">
+        <a:solidFill>
+          <a:schemeClr val="tx1"/>
+        </a:solidFill>
+        <a:latin typeface="+mn-lt"/>
+        <a:ea typeface="+mn-ea"/>
+        <a:cs typeface="+mn-cs"/>
+      </a:defRPr>
+    </a:lvl1pPr>
+    <a:lvl2pPr marL="457200" algn="l" defTabSz="914400" rtl="0" eaLnBrk="1" latinLnBrk="0" hangingPunct="1">
+      <a:defRPr sz="1200" kern="1200">
+        <a:solidFill>
+          <a:schemeClr val="tx1"/>
+        </a:solidFill>
+        <a:latin typeface="+mn-lt"/>
+        <a:ea typeface="+mn-ea"/>
+        <a:cs typeface="+mn-cs"/>
+      </a:defRPr>
+    </a:lvl2pPr>
+    <a:lvl3pPr marL="914400" algn="l" defTabSz="914400" rtl="0" eaLnBrk="1" latinLnBrk="0" hangingPunct="1">
+      <a:defRPr sz="1200" kern="1200">
+        <a:solidFill>
+          <a:schemeClr val="tx1"/>
+        </a:solidFill>
+        <a:latin typeface="+mn-lt"/>
+        <a:ea typeface="+mn-ea"/>
+        <a:cs typeface="+mn-cs"/>
+      </a:defRPr>
+    </a:lvl3pPr>
+    <a:lvl4pPr marL="1371600" algn="l" defTabSz="914400" rtl="0" eaLnBrk="1" latinLnBrk="0" hangingPunct="1">
+      <a:defRPr sz="1200" kern="1200">
+        <a:solidFill>
+          <a:schemeClr val="tx1"/>
+        </a:solidFill>
+        <a:latin typeface="+mn-lt"/>
+        <a:ea typeface="+mn-ea"/>
+        <a:cs typeface="+mn-cs"/>
+      </a:defRPr>
+    </a:lvl4pPr>
+    <a:lvl5pPr marL="1828800" algn="l" defTabSz="914400" rtl="0" eaLnBrk="1" latinLnBrk="0" hangingPunct="1">
+      <a:defRPr sz="1200" kern="1200">
+        <a:solidFill>
+          <a:schemeClr val="tx1"/>
+        </a:solidFill>
+        <a:latin typeface="+mn-lt"/>
+        <a:ea typeface="+mn-ea"/>
+        <a:cs typeface="+mn-cs"/>
+      </a:defRPr>
+    </a:lvl5pPr>
+    <a:lvl6pPr marL="2286000" algn="l" defTabSz="914400" rtl="0" eaLnBrk="1" latinLnBrk="0" hangingPunct="1">
+      <a:defRPr sz="1200" kern="1200">
+        <a:solidFill>
+          <a:schemeClr val="tx1"/>
+        </a:solidFill>
+        <a:latin typeface="+mn-lt"/>
+        <a:ea typeface="+mn-ea"/>
+        <a:cs typeface="+mn-cs"/>
+      </a:defRPr>
+    </a:lvl6pPr>
+    <a:lvl7pPr marL="2743200" algn="l" defTabSz="914400" rtl="0" eaLnBrk="1" latinLnBrk="0" hangingPunct="1">
+      <a:defRPr sz="1200" kern="1200">
+        <a:solidFill>
+          <a:schemeClr val="tx1"/>
+        </a:solidFill>
+        <a:latin typeface="+mn-lt"/>
+        <a:ea typeface="+mn-ea"/>
+        <a:cs typeface="+mn-cs"/>
+      </a:defRPr>
+    </a:lvl7pPr>
+    <a:lvl8pPr marL="3200400" algn="l" defTabSz="914400" rtl="0" eaLnBrk="1" latinLnBrk="0" hangingPunct="1">
+      <a:defRPr sz="1200" kern="1200">
+        <a:solidFill>
+          <a:schemeClr val="tx1"/>
+        </a:solidFill>
+        <a:latin typeface="+mn-lt"/>
+        <a:ea typeface="+mn-ea"/>
+        <a:cs typeface="+mn-cs"/>
+      </a:defRPr>
+    </a:lvl8pPr>
+    <a:lvl9pPr marL="3657600" algn="l" defTabSz="914400" rtl="0" eaLnBrk="1" latinLnBrk="0" hangingPunct="1">
+      <a:defRPr sz="1200" kern="1200">
+        <a:solidFill>
+          <a:schemeClr val="tx1"/>
+        </a:solidFill>
+        <a:latin typeface="+mn-lt"/>
+        <a:ea typeface="+mn-ea"/>
+        <a:cs typeface="+mn-cs"/>
+      </a:defRPr>
+    </a:lvl9pPr>
+  </p:notesStyle>
+</p:notesMaster>
+</file>
+
+<file path=ppt/notesSlides/notesSlide1.xml><?xml version="1.0" encoding="utf-8"?>
+<p:notes xmlns:a="http://schemas.openxmlformats.org/drawingml/2006/main" xmlns:r="http://schemas.openxmlformats.org/officeDocument/2006/relationships" xmlns:p="http://schemas.openxmlformats.org/presentationml/2006/main">
+  <p:cSld>
+    <p:spTree>
+      <p:nvGrpSpPr>
+        <p:cNvPr id="1" name=""/>
+        <p:cNvGrpSpPr/>
+        <p:nvPr/>
+      </p:nvGrpSpPr>
+      <p:grpSpPr>
+        <a:xfrm>
+          <a:off x="0" y="0"/>
+          <a:ext cx="0" cy="0"/>
+          <a:chOff x="0" y="0"/>
+          <a:chExt cx="0" cy="0"/>
+        </a:xfrm>
+      </p:grpSpPr>
+      <p:sp>
+        <p:nvSpPr>
+          <p:cNvPr id="2" name="幻灯片图像占位符 1"/>
+          <p:cNvSpPr>
+            <a:spLocks noGrp="1" noRot="1" noChangeAspect="1"/>
+          </p:cNvSpPr>
+          <p:nvPr>
+            <p:ph type="sldImg"/>
+          </p:nvPr>
+        </p:nvSpPr>
+        <p:spPr/>
+      </p:sp>
+      <p:sp>
+        <p:nvSpPr>
+          <p:cNvPr id="3" name="备注占位符 2"/>
+          <p:cNvSpPr>
+            <a:spLocks noGrp="1"/>
+          </p:cNvSpPr>
+          <p:nvPr>
+            <p:ph type="body" idx="1"/>
+          </p:nvPr>
+        </p:nvSpPr>
+        <p:spPr/>
+        <p:txBody>
+          <a:bodyPr/>
+          <a:lstStyle/>
+          <a:p>
+            <a:r>
+              <a:rPr lang="zh-CN" altLang="en-US" dirty="0"/>
+              <a:t>这里的分析其实是基于输入规模</a:t>
+            </a:r>
+            <a:r>
+              <a:rPr lang="en-US" altLang="zh-CN" dirty="0"/>
+              <a:t>n</a:t>
+            </a:r>
+            <a:r>
+              <a:rPr lang="zh-CN" altLang="en-US" dirty="0"/>
+              <a:t>是</a:t>
+            </a:r>
+            <a:r>
+              <a:rPr lang="en-US" altLang="zh-CN" dirty="0"/>
+              <a:t>2</a:t>
+            </a:r>
+            <a:r>
+              <a:rPr lang="zh-CN" altLang="en-US" dirty="0"/>
+              <a:t>的幂的情况，如果</a:t>
+            </a:r>
+            <a:r>
+              <a:rPr lang="en-US" altLang="zh-CN" dirty="0"/>
+              <a:t>n</a:t>
+            </a:r>
+            <a:r>
+              <a:rPr lang="zh-CN" altLang="en-US" dirty="0"/>
+              <a:t>不是</a:t>
+            </a:r>
+            <a:r>
+              <a:rPr lang="en-US" altLang="zh-CN" dirty="0"/>
+              <a:t>2</a:t>
+            </a:r>
+            <a:r>
+              <a:rPr lang="zh-CN" altLang="en-US" dirty="0"/>
+              <a:t>的整数次幂的画，分析过程可能会复杂一些，但是总体上而言，大</a:t>
+            </a:r>
+            <a:r>
+              <a:rPr lang="en-US" altLang="zh-CN" dirty="0"/>
+              <a:t>O</a:t>
+            </a:r>
+            <a:r>
+              <a:rPr lang="zh-CN" altLang="en-US" dirty="0"/>
+              <a:t>的结果是不变的</a:t>
+            </a:r>
+          </a:p>
+        </p:txBody>
+      </p:sp>
+      <p:sp>
+        <p:nvSpPr>
+          <p:cNvPr id="4" name="灯片编号占位符 3"/>
+          <p:cNvSpPr>
+            <a:spLocks noGrp="1"/>
+          </p:cNvSpPr>
+          <p:nvPr>
+            <p:ph type="sldNum" sz="quarter" idx="5"/>
+          </p:nvPr>
+        </p:nvSpPr>
+        <p:spPr/>
+        <p:txBody>
+          <a:bodyPr/>
+          <a:lstStyle/>
+          <a:p>
+            <a:fld id="{F7346A2A-9DD7-4132-A51B-5E058A3D4A9C}" type="slidenum">
+              <a:rPr lang="zh-CN" altLang="en-US" smtClean="0"/>
+              <a:t>4</a:t>
+            </a:fld>
+            <a:endParaRPr lang="zh-CN" altLang="en-US"/>
+          </a:p>
+        </p:txBody>
+      </p:sp>
+    </p:spTree>
+    <p:extLst>
+      <p:ext uri="{BB962C8B-B14F-4D97-AF65-F5344CB8AC3E}">
+        <p14:creationId xmlns:p14="http://schemas.microsoft.com/office/powerpoint/2010/main" val="4125105439"/>
+      </p:ext>
+    </p:extLst>
+  </p:cSld>
+  <p:clrMapOvr>
+    <a:masterClrMapping/>
+  </p:clrMapOvr>
+</p:notes>
+</file>
+
+<file path=ppt/notesSlides/notesSlide2.xml><?xml version="1.0" encoding="utf-8"?>
+<p:notes xmlns:a="http://schemas.openxmlformats.org/drawingml/2006/main" xmlns:r="http://schemas.openxmlformats.org/officeDocument/2006/relationships" xmlns:p="http://schemas.openxmlformats.org/presentationml/2006/main">
+  <p:cSld>
+    <p:spTree>
+      <p:nvGrpSpPr>
+        <p:cNvPr id="1" name=""/>
+        <p:cNvGrpSpPr/>
+        <p:nvPr/>
+      </p:nvGrpSpPr>
+      <p:grpSpPr>
+        <a:xfrm>
+          <a:off x="0" y="0"/>
+          <a:ext cx="0" cy="0"/>
+          <a:chOff x="0" y="0"/>
+          <a:chExt cx="0" cy="0"/>
+        </a:xfrm>
+      </p:grpSpPr>
+      <p:sp>
+        <p:nvSpPr>
+          <p:cNvPr id="2" name="幻灯片图像占位符 1"/>
+          <p:cNvSpPr>
+            <a:spLocks noGrp="1" noRot="1" noChangeAspect="1"/>
+          </p:cNvSpPr>
+          <p:nvPr>
+            <p:ph type="sldImg"/>
+          </p:nvPr>
+        </p:nvSpPr>
+        <p:spPr/>
+      </p:sp>
+      <p:sp>
+        <p:nvSpPr>
+          <p:cNvPr id="3" name="备注占位符 2"/>
+          <p:cNvSpPr>
+            <a:spLocks noGrp="1"/>
+          </p:cNvSpPr>
+          <p:nvPr>
+            <p:ph type="body" idx="1"/>
+          </p:nvPr>
+        </p:nvSpPr>
+        <p:spPr/>
+        <p:txBody>
+          <a:bodyPr/>
+          <a:lstStyle/>
+          <a:p>
+            <a:r>
+              <a:rPr lang="zh-CN" altLang="en-US" dirty="0"/>
+              <a:t>网上存在很多快速排序的版本，本质其实是一样的，但是有些版本的时间复杂度没有上面这个好分析（上面这个也是网上流传的版本）</a:t>
+            </a:r>
+          </a:p>
+        </p:txBody>
+      </p:sp>
+      <p:sp>
+        <p:nvSpPr>
+          <p:cNvPr id="4" name="灯片编号占位符 3"/>
+          <p:cNvSpPr>
+            <a:spLocks noGrp="1"/>
+          </p:cNvSpPr>
+          <p:nvPr>
+            <p:ph type="sldNum" sz="quarter" idx="5"/>
+          </p:nvPr>
+        </p:nvSpPr>
+        <p:spPr/>
+        <p:txBody>
+          <a:bodyPr/>
+          <a:lstStyle/>
+          <a:p>
+            <a:fld id="{F7346A2A-9DD7-4132-A51B-5E058A3D4A9C}" type="slidenum">
+              <a:rPr lang="zh-CN" altLang="en-US" smtClean="0"/>
+              <a:t>5</a:t>
+            </a:fld>
+            <a:endParaRPr lang="zh-CN" altLang="en-US"/>
+          </a:p>
+        </p:txBody>
+      </p:sp>
+    </p:spTree>
+    <p:extLst>
+      <p:ext uri="{BB962C8B-B14F-4D97-AF65-F5344CB8AC3E}">
+        <p14:creationId xmlns:p14="http://schemas.microsoft.com/office/powerpoint/2010/main" val="544716209"/>
+      </p:ext>
+    </p:extLst>
+  </p:cSld>
+  <p:clrMapOvr>
+    <a:masterClrMapping/>
+  </p:clrMapOvr>
+</p:notes>
+</file>
+
+<file path=ppt/notesSlides/notesSlide3.xml><?xml version="1.0" encoding="utf-8"?>
+<p:notes xmlns:a="http://schemas.openxmlformats.org/drawingml/2006/main" xmlns:r="http://schemas.openxmlformats.org/officeDocument/2006/relationships" xmlns:p="http://schemas.openxmlformats.org/presentationml/2006/main">
+  <p:cSld>
+    <p:spTree>
+      <p:nvGrpSpPr>
+        <p:cNvPr id="1" name=""/>
+        <p:cNvGrpSpPr/>
+        <p:nvPr/>
+      </p:nvGrpSpPr>
+      <p:grpSpPr>
+        <a:xfrm>
+          <a:off x="0" y="0"/>
+          <a:ext cx="0" cy="0"/>
+          <a:chOff x="0" y="0"/>
+          <a:chExt cx="0" cy="0"/>
+        </a:xfrm>
+      </p:grpSpPr>
+      <p:sp>
+        <p:nvSpPr>
+          <p:cNvPr id="2" name="幻灯片图像占位符 1"/>
+          <p:cNvSpPr>
+            <a:spLocks noGrp="1" noRot="1" noChangeAspect="1"/>
+          </p:cNvSpPr>
+          <p:nvPr>
+            <p:ph type="sldImg"/>
+          </p:nvPr>
+        </p:nvSpPr>
+        <p:spPr/>
+      </p:sp>
+      <p:sp>
+        <p:nvSpPr>
+          <p:cNvPr id="3" name="备注占位符 2"/>
+          <p:cNvSpPr>
+            <a:spLocks noGrp="1"/>
+          </p:cNvSpPr>
+          <p:nvPr>
+            <p:ph type="body" idx="1"/>
+          </p:nvPr>
+        </p:nvSpPr>
+        <p:spPr/>
+        <p:txBody>
+          <a:bodyPr/>
+          <a:lstStyle/>
+          <a:p>
+            <a:r>
+              <a:rPr lang="zh-CN" altLang="en-US" dirty="0"/>
+              <a:t>代码呼之欲出，是不是就是在两数之和的代码外面套一层</a:t>
+            </a:r>
+            <a:r>
+              <a:rPr lang="en-US" altLang="zh-CN" dirty="0"/>
+              <a:t>for</a:t>
+            </a:r>
+            <a:r>
+              <a:rPr lang="zh-CN" altLang="en-US" dirty="0"/>
+              <a:t>循环就好了呢？</a:t>
+            </a:r>
+          </a:p>
+        </p:txBody>
+      </p:sp>
+      <p:sp>
+        <p:nvSpPr>
+          <p:cNvPr id="4" name="灯片编号占位符 3"/>
+          <p:cNvSpPr>
+            <a:spLocks noGrp="1"/>
+          </p:cNvSpPr>
+          <p:nvPr>
+            <p:ph type="sldNum" sz="quarter" idx="5"/>
+          </p:nvPr>
+        </p:nvSpPr>
+        <p:spPr/>
+        <p:txBody>
+          <a:bodyPr/>
+          <a:lstStyle/>
+          <a:p>
+            <a:fld id="{F7346A2A-9DD7-4132-A51B-5E058A3D4A9C}" type="slidenum">
+              <a:rPr lang="zh-CN" altLang="en-US" smtClean="0"/>
+              <a:t>7</a:t>
+            </a:fld>
+            <a:endParaRPr lang="zh-CN" altLang="en-US"/>
+          </a:p>
+        </p:txBody>
+      </p:sp>
+    </p:spTree>
+    <p:extLst>
+      <p:ext uri="{BB962C8B-B14F-4D97-AF65-F5344CB8AC3E}">
+        <p14:creationId xmlns:p14="http://schemas.microsoft.com/office/powerpoint/2010/main" val="1450176733"/>
+      </p:ext>
+    </p:extLst>
+  </p:cSld>
+  <p:clrMapOvr>
+    <a:masterClrMapping/>
+  </p:clrMapOvr>
+</p:notes>
+</file>
+
+<file path=ppt/notesSlides/notesSlide4.xml><?xml version="1.0" encoding="utf-8"?>
+<p:notes xmlns:a="http://schemas.openxmlformats.org/drawingml/2006/main" xmlns:r="http://schemas.openxmlformats.org/officeDocument/2006/relationships" xmlns:p="http://schemas.openxmlformats.org/presentationml/2006/main">
+  <p:cSld>
+    <p:spTree>
+      <p:nvGrpSpPr>
+        <p:cNvPr id="1" name=""/>
+        <p:cNvGrpSpPr/>
+        <p:nvPr/>
+      </p:nvGrpSpPr>
+      <p:grpSpPr>
+        <a:xfrm>
+          <a:off x="0" y="0"/>
+          <a:ext cx="0" cy="0"/>
+          <a:chOff x="0" y="0"/>
+          <a:chExt cx="0" cy="0"/>
+        </a:xfrm>
+      </p:grpSpPr>
+      <p:sp>
+        <p:nvSpPr>
+          <p:cNvPr id="2" name="幻灯片图像占位符 1"/>
+          <p:cNvSpPr>
+            <a:spLocks noGrp="1" noRot="1" noChangeAspect="1"/>
+          </p:cNvSpPr>
+          <p:nvPr>
+            <p:ph type="sldImg"/>
+          </p:nvPr>
+        </p:nvSpPr>
+        <p:spPr/>
+      </p:sp>
+      <p:sp>
+        <p:nvSpPr>
+          <p:cNvPr id="3" name="备注占位符 2"/>
+          <p:cNvSpPr>
+            <a:spLocks noGrp="1"/>
+          </p:cNvSpPr>
+          <p:nvPr>
+            <p:ph type="body" idx="1"/>
+          </p:nvPr>
+        </p:nvSpPr>
+        <p:spPr/>
+        <p:txBody>
+          <a:bodyPr/>
+          <a:lstStyle/>
+          <a:p>
+            <a:r>
+              <a:rPr lang="zh-CN" altLang="en-US" dirty="0"/>
+              <a:t>试着提交一下这个代码</a:t>
+            </a:r>
+          </a:p>
+        </p:txBody>
+      </p:sp>
+      <p:sp>
+        <p:nvSpPr>
+          <p:cNvPr id="4" name="灯片编号占位符 3"/>
+          <p:cNvSpPr>
+            <a:spLocks noGrp="1"/>
+          </p:cNvSpPr>
+          <p:nvPr>
+            <p:ph type="sldNum" sz="quarter" idx="5"/>
+          </p:nvPr>
+        </p:nvSpPr>
+        <p:spPr/>
+        <p:txBody>
+          <a:bodyPr/>
+          <a:lstStyle/>
+          <a:p>
+            <a:fld id="{F7346A2A-9DD7-4132-A51B-5E058A3D4A9C}" type="slidenum">
+              <a:rPr lang="zh-CN" altLang="en-US" smtClean="0"/>
+              <a:t>8</a:t>
+            </a:fld>
+            <a:endParaRPr lang="zh-CN" altLang="en-US"/>
+          </a:p>
+        </p:txBody>
+      </p:sp>
+    </p:spTree>
+    <p:extLst>
+      <p:ext uri="{BB962C8B-B14F-4D97-AF65-F5344CB8AC3E}">
+        <p14:creationId xmlns:p14="http://schemas.microsoft.com/office/powerpoint/2010/main" val="1574181860"/>
+      </p:ext>
+    </p:extLst>
+  </p:cSld>
+  <p:clrMapOvr>
+    <a:masterClrMapping/>
+  </p:clrMapOvr>
+</p:notes>
+</file>
+
+<file path=ppt/notesSlides/notesSlide5.xml><?xml version="1.0" encoding="utf-8"?>
+<p:notes xmlns:a="http://schemas.openxmlformats.org/drawingml/2006/main" xmlns:r="http://schemas.openxmlformats.org/officeDocument/2006/relationships" xmlns:p="http://schemas.openxmlformats.org/presentationml/2006/main">
+  <p:cSld>
+    <p:spTree>
+      <p:nvGrpSpPr>
+        <p:cNvPr id="1" name=""/>
+        <p:cNvGrpSpPr/>
+        <p:nvPr/>
+      </p:nvGrpSpPr>
+      <p:grpSpPr>
+        <a:xfrm>
+          <a:off x="0" y="0"/>
+          <a:ext cx="0" cy="0"/>
+          <a:chOff x="0" y="0"/>
+          <a:chExt cx="0" cy="0"/>
+        </a:xfrm>
+      </p:grpSpPr>
+      <p:sp>
+        <p:nvSpPr>
+          <p:cNvPr id="2" name="幻灯片图像占位符 1"/>
+          <p:cNvSpPr>
+            <a:spLocks noGrp="1" noRot="1" noChangeAspect="1"/>
+          </p:cNvSpPr>
+          <p:nvPr>
+            <p:ph type="sldImg"/>
+          </p:nvPr>
+        </p:nvSpPr>
+        <p:spPr/>
+      </p:sp>
+      <p:sp>
+        <p:nvSpPr>
+          <p:cNvPr id="3" name="备注占位符 2"/>
+          <p:cNvSpPr>
+            <a:spLocks noGrp="1"/>
+          </p:cNvSpPr>
+          <p:nvPr>
+            <p:ph type="body" idx="1"/>
+          </p:nvPr>
+        </p:nvSpPr>
+        <p:spPr/>
+        <p:txBody>
+          <a:bodyPr/>
+          <a:lstStyle/>
+          <a:p>
+            <a:r>
+              <a:rPr lang="zh-CN" altLang="en-US" dirty="0"/>
+              <a:t>我们完善之后，再来提交一次（结合</a:t>
+            </a:r>
+            <a:r>
+              <a:rPr lang="en-US" altLang="zh-CN" dirty="0" err="1"/>
+              <a:t>leetcode</a:t>
+            </a:r>
+            <a:r>
+              <a:rPr lang="zh-CN" altLang="en-US" dirty="0"/>
+              <a:t>提交）</a:t>
+            </a:r>
+          </a:p>
+        </p:txBody>
+      </p:sp>
+      <p:sp>
+        <p:nvSpPr>
+          <p:cNvPr id="4" name="灯片编号占位符 3"/>
+          <p:cNvSpPr>
+            <a:spLocks noGrp="1"/>
+          </p:cNvSpPr>
+          <p:nvPr>
+            <p:ph type="sldNum" sz="quarter" idx="5"/>
+          </p:nvPr>
+        </p:nvSpPr>
+        <p:spPr/>
+        <p:txBody>
+          <a:bodyPr/>
+          <a:lstStyle/>
+          <a:p>
+            <a:fld id="{F7346A2A-9DD7-4132-A51B-5E058A3D4A9C}" type="slidenum">
+              <a:rPr lang="zh-CN" altLang="en-US" smtClean="0"/>
+              <a:t>10</a:t>
+            </a:fld>
+            <a:endParaRPr lang="zh-CN" altLang="en-US"/>
+          </a:p>
+        </p:txBody>
+      </p:sp>
+    </p:spTree>
+    <p:extLst>
+      <p:ext uri="{BB962C8B-B14F-4D97-AF65-F5344CB8AC3E}">
+        <p14:creationId xmlns:p14="http://schemas.microsoft.com/office/powerpoint/2010/main" val="873076093"/>
+      </p:ext>
+    </p:extLst>
+  </p:cSld>
+  <p:clrMapOvr>
+    <a:masterClrMapping/>
+  </p:clrMapOvr>
+</p:notes>
 </file>
 
 <file path=ppt/slideLayouts/slideLayout1.xml><?xml version="1.0" encoding="utf-8"?>
@@ -258,7 +1113,7 @@
           <a:p>
             <a:fld id="{EADF89E7-CFC6-480C-BCC0-E8CDE8980CE4}" type="datetimeFigureOut">
               <a:rPr lang="zh-CN" altLang="en-US" smtClean="0"/>
-              <a:t>2021/10/26</a:t>
+              <a:t>2021/10/27</a:t>
             </a:fld>
             <a:endParaRPr lang="zh-CN" altLang="en-US"/>
           </a:p>
@@ -456,7 +1311,7 @@
           <a:p>
             <a:fld id="{EADF89E7-CFC6-480C-BCC0-E8CDE8980CE4}" type="datetimeFigureOut">
               <a:rPr lang="zh-CN" altLang="en-US" smtClean="0"/>
-              <a:t>2021/10/26</a:t>
+              <a:t>2021/10/27</a:t>
             </a:fld>
             <a:endParaRPr lang="zh-CN" altLang="en-US"/>
           </a:p>
@@ -664,7 +1519,7 @@
           <a:p>
             <a:fld id="{EADF89E7-CFC6-480C-BCC0-E8CDE8980CE4}" type="datetimeFigureOut">
               <a:rPr lang="zh-CN" altLang="en-US" smtClean="0"/>
-              <a:t>2021/10/26</a:t>
+              <a:t>2021/10/27</a:t>
             </a:fld>
             <a:endParaRPr lang="zh-CN" altLang="en-US"/>
           </a:p>
@@ -862,7 +1717,7 @@
           <a:p>
             <a:fld id="{EADF89E7-CFC6-480C-BCC0-E8CDE8980CE4}" type="datetimeFigureOut">
               <a:rPr lang="zh-CN" altLang="en-US" smtClean="0"/>
-              <a:t>2021/10/26</a:t>
+              <a:t>2021/10/27</a:t>
             </a:fld>
             <a:endParaRPr lang="zh-CN" altLang="en-US"/>
           </a:p>
@@ -1137,7 +1992,7 @@
           <a:p>
             <a:fld id="{EADF89E7-CFC6-480C-BCC0-E8CDE8980CE4}" type="datetimeFigureOut">
               <a:rPr lang="zh-CN" altLang="en-US" smtClean="0"/>
-              <a:t>2021/10/26</a:t>
+              <a:t>2021/10/27</a:t>
             </a:fld>
             <a:endParaRPr lang="zh-CN" altLang="en-US"/>
           </a:p>
@@ -1402,7 +2257,7 @@
           <a:p>
             <a:fld id="{EADF89E7-CFC6-480C-BCC0-E8CDE8980CE4}" type="datetimeFigureOut">
               <a:rPr lang="zh-CN" altLang="en-US" smtClean="0"/>
-              <a:t>2021/10/26</a:t>
+              <a:t>2021/10/27</a:t>
             </a:fld>
             <a:endParaRPr lang="zh-CN" altLang="en-US"/>
           </a:p>
@@ -1814,7 +2669,7 @@
           <a:p>
             <a:fld id="{EADF89E7-CFC6-480C-BCC0-E8CDE8980CE4}" type="datetimeFigureOut">
               <a:rPr lang="zh-CN" altLang="en-US" smtClean="0"/>
-              <a:t>2021/10/26</a:t>
+              <a:t>2021/10/27</a:t>
             </a:fld>
             <a:endParaRPr lang="zh-CN" altLang="en-US"/>
           </a:p>
@@ -1955,7 +2810,7 @@
           <a:p>
             <a:fld id="{EADF89E7-CFC6-480C-BCC0-E8CDE8980CE4}" type="datetimeFigureOut">
               <a:rPr lang="zh-CN" altLang="en-US" smtClean="0"/>
-              <a:t>2021/10/26</a:t>
+              <a:t>2021/10/27</a:t>
             </a:fld>
             <a:endParaRPr lang="zh-CN" altLang="en-US"/>
           </a:p>
@@ -2068,7 +2923,7 @@
           <a:p>
             <a:fld id="{EADF89E7-CFC6-480C-BCC0-E8CDE8980CE4}" type="datetimeFigureOut">
               <a:rPr lang="zh-CN" altLang="en-US" smtClean="0"/>
-              <a:t>2021/10/26</a:t>
+              <a:t>2021/10/27</a:t>
             </a:fld>
             <a:endParaRPr lang="zh-CN" altLang="en-US"/>
           </a:p>
@@ -2379,7 +3234,7 @@
           <a:p>
             <a:fld id="{EADF89E7-CFC6-480C-BCC0-E8CDE8980CE4}" type="datetimeFigureOut">
               <a:rPr lang="zh-CN" altLang="en-US" smtClean="0"/>
-              <a:t>2021/10/26</a:t>
+              <a:t>2021/10/27</a:t>
             </a:fld>
             <a:endParaRPr lang="zh-CN" altLang="en-US"/>
           </a:p>
@@ -2667,7 +3522,7 @@
           <a:p>
             <a:fld id="{EADF89E7-CFC6-480C-BCC0-E8CDE8980CE4}" type="datetimeFigureOut">
               <a:rPr lang="zh-CN" altLang="en-US" smtClean="0"/>
-              <a:t>2021/10/26</a:t>
+              <a:t>2021/10/27</a:t>
             </a:fld>
             <a:endParaRPr lang="zh-CN" altLang="en-US"/>
           </a:p>
@@ -2908,7 +3763,7 @@
           <a:p>
             <a:fld id="{EADF89E7-CFC6-480C-BCC0-E8CDE8980CE4}" type="datetimeFigureOut">
               <a:rPr lang="zh-CN" altLang="en-US" smtClean="0"/>
-              <a:t>2021/10/26</a:t>
+              <a:t>2021/10/27</a:t>
             </a:fld>
             <a:endParaRPr lang="zh-CN" altLang="en-US"/>
           </a:p>
@@ -3394,23 +4249,15 @@
             </a:r>
             <a:r>
               <a:rPr lang="zh-CN" altLang="en-US" sz="2000" dirty="0"/>
-              <a:t>、分析一个典型算法</a:t>
-            </a:r>
-            <a:r>
-              <a:rPr lang="en-US" altLang="zh-CN" sz="2000" dirty="0"/>
-              <a:t>(</a:t>
+              <a:t>、</a:t>
+            </a:r>
+            <a:r>
+              <a:rPr lang="en-US" altLang="zh-CN" sz="2000" dirty="0" err="1"/>
+              <a:t>nlogn</a:t>
             </a:r>
             <a:r>
               <a:rPr lang="zh-CN" altLang="en-US" sz="2000" dirty="0"/>
-              <a:t>归并排序</a:t>
-            </a:r>
-            <a:r>
-              <a:rPr lang="en-US" altLang="zh-CN" sz="2000" dirty="0"/>
-              <a:t>)</a:t>
-            </a:r>
-            <a:r>
-              <a:rPr lang="zh-CN" altLang="en-US" sz="2000" dirty="0"/>
-              <a:t>的时间复杂度</a:t>
+              <a:t>时间复杂度如何得出</a:t>
             </a:r>
             <a:endParaRPr lang="en-US" altLang="zh-CN" sz="2000" dirty="0"/>
           </a:p>
@@ -3537,6 +4384,2379 @@
     <p:extLst>
       <p:ext uri="{BB962C8B-B14F-4D97-AF65-F5344CB8AC3E}">
         <p14:creationId xmlns:p14="http://schemas.microsoft.com/office/powerpoint/2010/main" val="2446016398"/>
+      </p:ext>
+    </p:extLst>
+  </p:cSld>
+  <p:clrMapOvr>
+    <a:masterClrMapping/>
+  </p:clrMapOvr>
+</p:sld>
+</file>
+
+<file path=ppt/slides/slide10.xml><?xml version="1.0" encoding="utf-8"?>
+<p:sld xmlns:a="http://schemas.openxmlformats.org/drawingml/2006/main" xmlns:r="http://schemas.openxmlformats.org/officeDocument/2006/relationships" xmlns:p="http://schemas.openxmlformats.org/presentationml/2006/main">
+  <p:cSld>
+    <p:spTree>
+      <p:nvGrpSpPr>
+        <p:cNvPr id="1" name=""/>
+        <p:cNvGrpSpPr/>
+        <p:nvPr/>
+      </p:nvGrpSpPr>
+      <p:grpSpPr>
+        <a:xfrm>
+          <a:off x="0" y="0"/>
+          <a:ext cx="0" cy="0"/>
+          <a:chOff x="0" y="0"/>
+          <a:chExt cx="0" cy="0"/>
+        </a:xfrm>
+      </p:grpSpPr>
+      <p:sp>
+        <p:nvSpPr>
+          <p:cNvPr id="3" name="文本框 2">
+            <a:extLst>
+              <a:ext uri="{FF2B5EF4-FFF2-40B4-BE49-F238E27FC236}">
+                <a16:creationId xmlns:a16="http://schemas.microsoft.com/office/drawing/2014/main" id="{C5D52FDC-4A08-4494-BC2A-848FE78AD164}"/>
+              </a:ext>
+            </a:extLst>
+          </p:cNvPr>
+          <p:cNvSpPr txBox="1"/>
+          <p:nvPr/>
+        </p:nvSpPr>
+        <p:spPr>
+          <a:xfrm>
+            <a:off x="1010412" y="768096"/>
+            <a:ext cx="5536692" cy="461665"/>
+          </a:xfrm>
+          <a:prstGeom prst="rect">
+            <a:avLst/>
+          </a:prstGeom>
+          <a:noFill/>
+        </p:spPr>
+        <p:txBody>
+          <a:bodyPr wrap="square" rtlCol="0">
+            <a:spAutoFit/>
+          </a:bodyPr>
+          <a:lstStyle/>
+          <a:p>
+            <a:r>
+              <a:rPr lang="en-US" altLang="zh-CN" sz="2400" b="1" dirty="0"/>
+              <a:t>LeetCode-15</a:t>
+            </a:r>
+            <a:r>
+              <a:rPr lang="zh-CN" altLang="en-US" sz="2400" b="1" dirty="0"/>
+              <a:t>：</a:t>
+            </a:r>
+            <a:r>
+              <a:rPr lang="en-US" altLang="zh-CN" sz="2400" b="1" dirty="0"/>
+              <a:t>three-sum/</a:t>
+            </a:r>
+            <a:r>
+              <a:rPr lang="zh-CN" altLang="en-US" sz="2400" b="1" dirty="0"/>
+              <a:t>三数之和</a:t>
+            </a:r>
+          </a:p>
+        </p:txBody>
+      </p:sp>
+      <p:sp>
+        <p:nvSpPr>
+          <p:cNvPr id="4" name="文本框 3">
+            <a:extLst>
+              <a:ext uri="{FF2B5EF4-FFF2-40B4-BE49-F238E27FC236}">
+                <a16:creationId xmlns:a16="http://schemas.microsoft.com/office/drawing/2014/main" id="{D0989CDE-A64D-4DF1-9037-7ADDF2B5CFF2}"/>
+              </a:ext>
+            </a:extLst>
+          </p:cNvPr>
+          <p:cNvSpPr txBox="1"/>
+          <p:nvPr/>
+        </p:nvSpPr>
+        <p:spPr>
+          <a:xfrm>
+            <a:off x="1984248" y="1474502"/>
+            <a:ext cx="7256486" cy="4770537"/>
+          </a:xfrm>
+          <a:prstGeom prst="rect">
+            <a:avLst/>
+          </a:prstGeom>
+          <a:noFill/>
+        </p:spPr>
+        <p:txBody>
+          <a:bodyPr wrap="square" rtlCol="0">
+            <a:spAutoFit/>
+          </a:bodyPr>
+          <a:lstStyle/>
+          <a:p>
+            <a:r>
+              <a:rPr lang="en-US" altLang="zh-CN" sz="1600" dirty="0">
+                <a:latin typeface="Consolas" panose="020B0609020204030204" pitchFamily="49" charset="0"/>
+              </a:rPr>
+              <a:t>/**</a:t>
+            </a:r>
+          </a:p>
+          <a:p>
+            <a:r>
+              <a:rPr lang="en-US" altLang="zh-CN" sz="1600" dirty="0">
+                <a:latin typeface="Consolas" panose="020B0609020204030204" pitchFamily="49" charset="0"/>
+              </a:rPr>
+              <a:t> * @param {number[]} </a:t>
+            </a:r>
+            <a:r>
+              <a:rPr lang="en-US" altLang="zh-CN" sz="1600" dirty="0" err="1">
+                <a:latin typeface="Consolas" panose="020B0609020204030204" pitchFamily="49" charset="0"/>
+              </a:rPr>
+              <a:t>nums</a:t>
+            </a:r>
+            <a:endParaRPr lang="en-US" altLang="zh-CN" sz="1600" dirty="0">
+              <a:latin typeface="Consolas" panose="020B0609020204030204" pitchFamily="49" charset="0"/>
+            </a:endParaRPr>
+          </a:p>
+          <a:p>
+            <a:r>
+              <a:rPr lang="en-US" altLang="zh-CN" sz="1600" dirty="0">
+                <a:latin typeface="Consolas" panose="020B0609020204030204" pitchFamily="49" charset="0"/>
+              </a:rPr>
+              <a:t> * @return {number[][]}</a:t>
+            </a:r>
+          </a:p>
+          <a:p>
+            <a:r>
+              <a:rPr lang="en-US" altLang="zh-CN" sz="1600" dirty="0">
+                <a:latin typeface="Consolas" panose="020B0609020204030204" pitchFamily="49" charset="0"/>
+              </a:rPr>
+              <a:t> */</a:t>
+            </a:r>
+          </a:p>
+          <a:p>
+            <a:r>
+              <a:rPr lang="en-US" altLang="zh-CN" sz="1600" dirty="0">
+                <a:latin typeface="Consolas" panose="020B0609020204030204" pitchFamily="49" charset="0"/>
+              </a:rPr>
+              <a:t>const </a:t>
+            </a:r>
+            <a:r>
+              <a:rPr lang="en-US" altLang="zh-CN" sz="1600" dirty="0" err="1">
+                <a:latin typeface="Consolas" panose="020B0609020204030204" pitchFamily="49" charset="0"/>
+              </a:rPr>
+              <a:t>threeSum</a:t>
+            </a:r>
+            <a:r>
+              <a:rPr lang="en-US" altLang="zh-CN" sz="1600" dirty="0">
+                <a:latin typeface="Consolas" panose="020B0609020204030204" pitchFamily="49" charset="0"/>
+              </a:rPr>
+              <a:t> = function(</a:t>
+            </a:r>
+            <a:r>
+              <a:rPr lang="en-US" altLang="zh-CN" sz="1600" dirty="0" err="1">
+                <a:latin typeface="Consolas" panose="020B0609020204030204" pitchFamily="49" charset="0"/>
+              </a:rPr>
+              <a:t>nums</a:t>
+            </a:r>
+            <a:r>
+              <a:rPr lang="en-US" altLang="zh-CN" sz="1600" dirty="0">
+                <a:latin typeface="Consolas" panose="020B0609020204030204" pitchFamily="49" charset="0"/>
+              </a:rPr>
+              <a:t>) {</a:t>
+            </a:r>
+          </a:p>
+          <a:p>
+            <a:r>
+              <a:rPr lang="en-US" altLang="zh-CN" sz="1600" dirty="0">
+                <a:latin typeface="Consolas" panose="020B0609020204030204" pitchFamily="49" charset="0"/>
+              </a:rPr>
+              <a:t>    </a:t>
+            </a:r>
+            <a:r>
+              <a:rPr lang="en-US" altLang="zh-CN" sz="1600" dirty="0" err="1">
+                <a:latin typeface="Consolas" panose="020B0609020204030204" pitchFamily="49" charset="0"/>
+              </a:rPr>
+              <a:t>nums.sort</a:t>
+            </a:r>
+            <a:r>
+              <a:rPr lang="en-US" altLang="zh-CN" sz="1600" dirty="0">
+                <a:latin typeface="Consolas" panose="020B0609020204030204" pitchFamily="49" charset="0"/>
+              </a:rPr>
+              <a:t>((a, b) =&gt; a - b);</a:t>
+            </a:r>
+          </a:p>
+          <a:p>
+            <a:r>
+              <a:rPr lang="en-US" altLang="zh-CN" sz="1600" dirty="0">
+                <a:latin typeface="Consolas" panose="020B0609020204030204" pitchFamily="49" charset="0"/>
+              </a:rPr>
+              <a:t>    let </a:t>
+            </a:r>
+            <a:r>
+              <a:rPr lang="en-US" altLang="zh-CN" sz="1600" dirty="0" err="1">
+                <a:latin typeface="Consolas" panose="020B0609020204030204" pitchFamily="49" charset="0"/>
+              </a:rPr>
+              <a:t>ans</a:t>
+            </a:r>
+            <a:r>
+              <a:rPr lang="en-US" altLang="zh-CN" sz="1600" dirty="0">
+                <a:latin typeface="Consolas" panose="020B0609020204030204" pitchFamily="49" charset="0"/>
+              </a:rPr>
+              <a:t> = [];</a:t>
+            </a:r>
+          </a:p>
+          <a:p>
+            <a:r>
+              <a:rPr lang="en-US" altLang="zh-CN" sz="1600" dirty="0">
+                <a:latin typeface="Consolas" panose="020B0609020204030204" pitchFamily="49" charset="0"/>
+              </a:rPr>
+              <a:t>    for (let </a:t>
+            </a:r>
+            <a:r>
+              <a:rPr lang="en-US" altLang="zh-CN" sz="1600" dirty="0" err="1">
+                <a:latin typeface="Consolas" panose="020B0609020204030204" pitchFamily="49" charset="0"/>
+              </a:rPr>
+              <a:t>i</a:t>
+            </a:r>
+            <a:r>
+              <a:rPr lang="en-US" altLang="zh-CN" sz="1600" dirty="0">
+                <a:latin typeface="Consolas" panose="020B0609020204030204" pitchFamily="49" charset="0"/>
+              </a:rPr>
+              <a:t> = 0; </a:t>
+            </a:r>
+            <a:r>
+              <a:rPr lang="en-US" altLang="zh-CN" sz="1600" dirty="0" err="1">
+                <a:latin typeface="Consolas" panose="020B0609020204030204" pitchFamily="49" charset="0"/>
+              </a:rPr>
+              <a:t>i</a:t>
+            </a:r>
+            <a:r>
+              <a:rPr lang="en-US" altLang="zh-CN" sz="1600" dirty="0">
+                <a:latin typeface="Consolas" panose="020B0609020204030204" pitchFamily="49" charset="0"/>
+              </a:rPr>
+              <a:t> &lt; </a:t>
+            </a:r>
+            <a:r>
+              <a:rPr lang="en-US" altLang="zh-CN" sz="1600" dirty="0" err="1">
+                <a:latin typeface="Consolas" panose="020B0609020204030204" pitchFamily="49" charset="0"/>
+              </a:rPr>
+              <a:t>nums.length</a:t>
+            </a:r>
+            <a:r>
+              <a:rPr lang="en-US" altLang="zh-CN" sz="1600" dirty="0">
+                <a:latin typeface="Consolas" panose="020B0609020204030204" pitchFamily="49" charset="0"/>
+              </a:rPr>
+              <a:t>; </a:t>
+            </a:r>
+            <a:r>
+              <a:rPr lang="en-US" altLang="zh-CN" sz="1600" dirty="0" err="1">
+                <a:latin typeface="Consolas" panose="020B0609020204030204" pitchFamily="49" charset="0"/>
+              </a:rPr>
+              <a:t>i</a:t>
+            </a:r>
+            <a:r>
+              <a:rPr lang="en-US" altLang="zh-CN" sz="1600" dirty="0">
+                <a:latin typeface="Consolas" panose="020B0609020204030204" pitchFamily="49" charset="0"/>
+              </a:rPr>
+              <a:t>++) {</a:t>
+            </a:r>
+          </a:p>
+          <a:p>
+            <a:r>
+              <a:rPr lang="en-US" altLang="zh-CN" sz="1600" dirty="0">
+                <a:latin typeface="Consolas" panose="020B0609020204030204" pitchFamily="49" charset="0"/>
+              </a:rPr>
+              <a:t>        if (</a:t>
+            </a:r>
+            <a:r>
+              <a:rPr lang="en-US" altLang="zh-CN" sz="1600" dirty="0" err="1">
+                <a:latin typeface="Consolas" panose="020B0609020204030204" pitchFamily="49" charset="0"/>
+              </a:rPr>
+              <a:t>i</a:t>
+            </a:r>
+            <a:r>
+              <a:rPr lang="en-US" altLang="zh-CN" sz="1600" dirty="0">
+                <a:latin typeface="Consolas" panose="020B0609020204030204" pitchFamily="49" charset="0"/>
+              </a:rPr>
+              <a:t> &gt; 0 &amp;&amp; </a:t>
+            </a:r>
+            <a:r>
+              <a:rPr lang="en-US" altLang="zh-CN" sz="1600" dirty="0" err="1">
+                <a:latin typeface="Consolas" panose="020B0609020204030204" pitchFamily="49" charset="0"/>
+              </a:rPr>
+              <a:t>nums</a:t>
+            </a:r>
+            <a:r>
+              <a:rPr lang="en-US" altLang="zh-CN" sz="1600" dirty="0">
+                <a:latin typeface="Consolas" panose="020B0609020204030204" pitchFamily="49" charset="0"/>
+              </a:rPr>
+              <a:t>[</a:t>
+            </a:r>
+            <a:r>
+              <a:rPr lang="en-US" altLang="zh-CN" sz="1600" dirty="0" err="1">
+                <a:latin typeface="Consolas" panose="020B0609020204030204" pitchFamily="49" charset="0"/>
+              </a:rPr>
+              <a:t>i</a:t>
+            </a:r>
+            <a:r>
+              <a:rPr lang="en-US" altLang="zh-CN" sz="1600" dirty="0">
+                <a:latin typeface="Consolas" panose="020B0609020204030204" pitchFamily="49" charset="0"/>
+              </a:rPr>
+              <a:t>] == </a:t>
+            </a:r>
+            <a:r>
+              <a:rPr lang="en-US" altLang="zh-CN" sz="1600" dirty="0" err="1">
+                <a:latin typeface="Consolas" panose="020B0609020204030204" pitchFamily="49" charset="0"/>
+              </a:rPr>
+              <a:t>nums</a:t>
+            </a:r>
+            <a:r>
+              <a:rPr lang="en-US" altLang="zh-CN" sz="1600" dirty="0">
+                <a:latin typeface="Consolas" panose="020B0609020204030204" pitchFamily="49" charset="0"/>
+              </a:rPr>
+              <a:t>[</a:t>
+            </a:r>
+            <a:r>
+              <a:rPr lang="en-US" altLang="zh-CN" sz="1600" dirty="0" err="1">
+                <a:latin typeface="Consolas" panose="020B0609020204030204" pitchFamily="49" charset="0"/>
+              </a:rPr>
+              <a:t>i</a:t>
+            </a:r>
+            <a:r>
+              <a:rPr lang="en-US" altLang="zh-CN" sz="1600" dirty="0">
+                <a:latin typeface="Consolas" panose="020B0609020204030204" pitchFamily="49" charset="0"/>
+              </a:rPr>
+              <a:t> - 1]) continue;</a:t>
+            </a:r>
+          </a:p>
+          <a:p>
+            <a:r>
+              <a:rPr lang="en-US" altLang="zh-CN" sz="1600" dirty="0">
+                <a:latin typeface="Consolas" panose="020B0609020204030204" pitchFamily="49" charset="0"/>
+              </a:rPr>
+              <a:t>        let c = </a:t>
+            </a:r>
+            <a:r>
+              <a:rPr lang="en-US" altLang="zh-CN" sz="1600" dirty="0" err="1">
+                <a:latin typeface="Consolas" panose="020B0609020204030204" pitchFamily="49" charset="0"/>
+              </a:rPr>
+              <a:t>nums</a:t>
+            </a:r>
+            <a:r>
+              <a:rPr lang="en-US" altLang="zh-CN" sz="1600" dirty="0">
+                <a:latin typeface="Consolas" panose="020B0609020204030204" pitchFamily="49" charset="0"/>
+              </a:rPr>
+              <a:t>[</a:t>
+            </a:r>
+            <a:r>
+              <a:rPr lang="en-US" altLang="zh-CN" sz="1600" dirty="0" err="1">
+                <a:latin typeface="Consolas" panose="020B0609020204030204" pitchFamily="49" charset="0"/>
+              </a:rPr>
+              <a:t>i</a:t>
+            </a:r>
+            <a:r>
+              <a:rPr lang="en-US" altLang="zh-CN" sz="1600" dirty="0">
+                <a:latin typeface="Consolas" panose="020B0609020204030204" pitchFamily="49" charset="0"/>
+              </a:rPr>
+              <a:t>], target = -c;</a:t>
+            </a:r>
+          </a:p>
+          <a:p>
+            <a:r>
+              <a:rPr lang="en-US" altLang="zh-CN" sz="1600" dirty="0">
+                <a:latin typeface="Consolas" panose="020B0609020204030204" pitchFamily="49" charset="0"/>
+              </a:rPr>
+              <a:t>        for (let j = </a:t>
+            </a:r>
+            <a:r>
+              <a:rPr lang="en-US" altLang="zh-CN" sz="1600" dirty="0" err="1">
+                <a:latin typeface="Consolas" panose="020B0609020204030204" pitchFamily="49" charset="0"/>
+              </a:rPr>
+              <a:t>i</a:t>
+            </a:r>
+            <a:r>
+              <a:rPr lang="en-US" altLang="zh-CN" sz="1600" dirty="0">
+                <a:latin typeface="Consolas" panose="020B0609020204030204" pitchFamily="49" charset="0"/>
+              </a:rPr>
+              <a:t> + 1, k = </a:t>
+            </a:r>
+            <a:r>
+              <a:rPr lang="en-US" altLang="zh-CN" sz="1600" dirty="0" err="1">
+                <a:latin typeface="Consolas" panose="020B0609020204030204" pitchFamily="49" charset="0"/>
+              </a:rPr>
+              <a:t>nums.length</a:t>
+            </a:r>
+            <a:r>
+              <a:rPr lang="en-US" altLang="zh-CN" sz="1600" dirty="0">
+                <a:latin typeface="Consolas" panose="020B0609020204030204" pitchFamily="49" charset="0"/>
+              </a:rPr>
+              <a:t> - 1; j &lt; k; </a:t>
+            </a:r>
+            <a:r>
+              <a:rPr lang="en-US" altLang="zh-CN" sz="1600" dirty="0" err="1">
+                <a:latin typeface="Consolas" panose="020B0609020204030204" pitchFamily="49" charset="0"/>
+              </a:rPr>
+              <a:t>j++</a:t>
+            </a:r>
+            <a:r>
+              <a:rPr lang="en-US" altLang="zh-CN" sz="1600" dirty="0">
+                <a:latin typeface="Consolas" panose="020B0609020204030204" pitchFamily="49" charset="0"/>
+              </a:rPr>
+              <a:t>) {</a:t>
+            </a:r>
+          </a:p>
+          <a:p>
+            <a:r>
+              <a:rPr lang="en-US" altLang="zh-CN" sz="1600" dirty="0">
+                <a:latin typeface="Consolas" panose="020B0609020204030204" pitchFamily="49" charset="0"/>
+              </a:rPr>
+              <a:t>            while (j &lt; k &amp;&amp; </a:t>
+            </a:r>
+            <a:r>
+              <a:rPr lang="en-US" altLang="zh-CN" sz="1600" dirty="0" err="1">
+                <a:latin typeface="Consolas" panose="020B0609020204030204" pitchFamily="49" charset="0"/>
+              </a:rPr>
+              <a:t>nums</a:t>
+            </a:r>
+            <a:r>
+              <a:rPr lang="en-US" altLang="zh-CN" sz="1600" dirty="0">
+                <a:latin typeface="Consolas" panose="020B0609020204030204" pitchFamily="49" charset="0"/>
+              </a:rPr>
+              <a:t>[j] + </a:t>
+            </a:r>
+            <a:r>
+              <a:rPr lang="en-US" altLang="zh-CN" sz="1600" dirty="0" err="1">
+                <a:latin typeface="Consolas" panose="020B0609020204030204" pitchFamily="49" charset="0"/>
+              </a:rPr>
+              <a:t>nums</a:t>
+            </a:r>
+            <a:r>
+              <a:rPr lang="en-US" altLang="zh-CN" sz="1600" dirty="0">
+                <a:latin typeface="Consolas" panose="020B0609020204030204" pitchFamily="49" charset="0"/>
+              </a:rPr>
+              <a:t>[k] &gt; target) k--;</a:t>
+            </a:r>
+          </a:p>
+          <a:p>
+            <a:r>
+              <a:rPr lang="en-US" altLang="zh-CN" sz="1600" dirty="0">
+                <a:latin typeface="Consolas" panose="020B0609020204030204" pitchFamily="49" charset="0"/>
+              </a:rPr>
+              <a:t>            if (j &lt; k &amp;&amp; </a:t>
+            </a:r>
+            <a:r>
+              <a:rPr lang="en-US" altLang="zh-CN" sz="1600" dirty="0" err="1">
+                <a:latin typeface="Consolas" panose="020B0609020204030204" pitchFamily="49" charset="0"/>
+              </a:rPr>
+              <a:t>nums</a:t>
+            </a:r>
+            <a:r>
+              <a:rPr lang="en-US" altLang="zh-CN" sz="1600" dirty="0">
+                <a:latin typeface="Consolas" panose="020B0609020204030204" pitchFamily="49" charset="0"/>
+              </a:rPr>
+              <a:t>[j] + </a:t>
+            </a:r>
+            <a:r>
+              <a:rPr lang="en-US" altLang="zh-CN" sz="1600" dirty="0" err="1">
+                <a:latin typeface="Consolas" panose="020B0609020204030204" pitchFamily="49" charset="0"/>
+              </a:rPr>
+              <a:t>nums</a:t>
+            </a:r>
+            <a:r>
+              <a:rPr lang="en-US" altLang="zh-CN" sz="1600" dirty="0">
+                <a:latin typeface="Consolas" panose="020B0609020204030204" pitchFamily="49" charset="0"/>
+              </a:rPr>
+              <a:t>[k] == target) {</a:t>
+            </a:r>
+          </a:p>
+          <a:p>
+            <a:r>
+              <a:rPr lang="en-US" altLang="zh-CN" sz="1600" dirty="0">
+                <a:latin typeface="Consolas" panose="020B0609020204030204" pitchFamily="49" charset="0"/>
+              </a:rPr>
+              <a:t>                </a:t>
+            </a:r>
+            <a:r>
+              <a:rPr lang="en-US" altLang="zh-CN" sz="1600" dirty="0" err="1">
+                <a:latin typeface="Consolas" panose="020B0609020204030204" pitchFamily="49" charset="0"/>
+              </a:rPr>
+              <a:t>ans.push</a:t>
+            </a:r>
+            <a:r>
+              <a:rPr lang="en-US" altLang="zh-CN" sz="1600" dirty="0">
+                <a:latin typeface="Consolas" panose="020B0609020204030204" pitchFamily="49" charset="0"/>
+              </a:rPr>
+              <a:t>([</a:t>
+            </a:r>
+            <a:r>
+              <a:rPr lang="en-US" altLang="zh-CN" sz="1600" dirty="0" err="1">
+                <a:latin typeface="Consolas" panose="020B0609020204030204" pitchFamily="49" charset="0"/>
+              </a:rPr>
+              <a:t>nums</a:t>
+            </a:r>
+            <a:r>
+              <a:rPr lang="en-US" altLang="zh-CN" sz="1600" dirty="0">
+                <a:latin typeface="Consolas" panose="020B0609020204030204" pitchFamily="49" charset="0"/>
+              </a:rPr>
+              <a:t>[</a:t>
+            </a:r>
+            <a:r>
+              <a:rPr lang="en-US" altLang="zh-CN" sz="1600" dirty="0" err="1">
+                <a:latin typeface="Consolas" panose="020B0609020204030204" pitchFamily="49" charset="0"/>
+              </a:rPr>
+              <a:t>i</a:t>
+            </a:r>
+            <a:r>
+              <a:rPr lang="en-US" altLang="zh-CN" sz="1600" dirty="0">
+                <a:latin typeface="Consolas" panose="020B0609020204030204" pitchFamily="49" charset="0"/>
+              </a:rPr>
+              <a:t>], </a:t>
+            </a:r>
+            <a:r>
+              <a:rPr lang="en-US" altLang="zh-CN" sz="1600" dirty="0" err="1">
+                <a:latin typeface="Consolas" panose="020B0609020204030204" pitchFamily="49" charset="0"/>
+              </a:rPr>
+              <a:t>nums</a:t>
+            </a:r>
+            <a:r>
+              <a:rPr lang="en-US" altLang="zh-CN" sz="1600" dirty="0">
+                <a:latin typeface="Consolas" panose="020B0609020204030204" pitchFamily="49" charset="0"/>
+              </a:rPr>
+              <a:t>[j], </a:t>
+            </a:r>
+            <a:r>
+              <a:rPr lang="en-US" altLang="zh-CN" sz="1600" dirty="0" err="1">
+                <a:latin typeface="Consolas" panose="020B0609020204030204" pitchFamily="49" charset="0"/>
+              </a:rPr>
+              <a:t>nums</a:t>
+            </a:r>
+            <a:r>
+              <a:rPr lang="en-US" altLang="zh-CN" sz="1600" dirty="0">
+                <a:latin typeface="Consolas" panose="020B0609020204030204" pitchFamily="49" charset="0"/>
+              </a:rPr>
+              <a:t>[k]]);</a:t>
+            </a:r>
+          </a:p>
+          <a:p>
+            <a:r>
+              <a:rPr lang="en-US" altLang="zh-CN" sz="1600" dirty="0">
+                <a:latin typeface="Consolas" panose="020B0609020204030204" pitchFamily="49" charset="0"/>
+              </a:rPr>
+              <a:t>            }</a:t>
+            </a:r>
+          </a:p>
+          <a:p>
+            <a:r>
+              <a:rPr lang="en-US" altLang="zh-CN" sz="1600" dirty="0">
+                <a:latin typeface="Consolas" panose="020B0609020204030204" pitchFamily="49" charset="0"/>
+              </a:rPr>
+              <a:t>        }</a:t>
+            </a:r>
+          </a:p>
+          <a:p>
+            <a:r>
+              <a:rPr lang="en-US" altLang="zh-CN" sz="1600" dirty="0">
+                <a:latin typeface="Consolas" panose="020B0609020204030204" pitchFamily="49" charset="0"/>
+              </a:rPr>
+              <a:t>    }</a:t>
+            </a:r>
+          </a:p>
+          <a:p>
+            <a:r>
+              <a:rPr lang="en-US" altLang="zh-CN" sz="1600" dirty="0">
+                <a:latin typeface="Consolas" panose="020B0609020204030204" pitchFamily="49" charset="0"/>
+              </a:rPr>
+              <a:t>    return </a:t>
+            </a:r>
+            <a:r>
+              <a:rPr lang="en-US" altLang="zh-CN" sz="1600" dirty="0" err="1">
+                <a:latin typeface="Consolas" panose="020B0609020204030204" pitchFamily="49" charset="0"/>
+              </a:rPr>
+              <a:t>ans</a:t>
+            </a:r>
+            <a:r>
+              <a:rPr lang="en-US" altLang="zh-CN" sz="1600" dirty="0">
+                <a:latin typeface="Consolas" panose="020B0609020204030204" pitchFamily="49" charset="0"/>
+              </a:rPr>
+              <a:t>;</a:t>
+            </a:r>
+          </a:p>
+          <a:p>
+            <a:r>
+              <a:rPr lang="en-US" altLang="zh-CN" sz="1600" dirty="0">
+                <a:latin typeface="Consolas" panose="020B0609020204030204" pitchFamily="49" charset="0"/>
+              </a:rPr>
+              <a:t>};</a:t>
+            </a:r>
+            <a:endParaRPr lang="zh-CN" altLang="en-US" sz="1600" dirty="0">
+              <a:latin typeface="Consolas" panose="020B0609020204030204" pitchFamily="49" charset="0"/>
+            </a:endParaRPr>
+          </a:p>
+        </p:txBody>
+      </p:sp>
+    </p:spTree>
+    <p:extLst>
+      <p:ext uri="{BB962C8B-B14F-4D97-AF65-F5344CB8AC3E}">
+        <p14:creationId xmlns:p14="http://schemas.microsoft.com/office/powerpoint/2010/main" val="3847184072"/>
+      </p:ext>
+    </p:extLst>
+  </p:cSld>
+  <p:clrMapOvr>
+    <a:masterClrMapping/>
+  </p:clrMapOvr>
+  <p:timing>
+    <p:tnLst>
+      <p:par>
+        <p:cTn id="1" dur="indefinite" restart="never" nodeType="tmRoot">
+          <p:childTnLst>
+            <p:seq concurrent="1" nextAc="seek">
+              <p:cTn id="2" dur="indefinite" nodeType="mainSeq">
+                <p:childTnLst>
+                  <p:par>
+                    <p:cTn id="3" fill="hold">
+                      <p:stCondLst>
+                        <p:cond delay="indefinite"/>
+                      </p:stCondLst>
+                      <p:childTnLst>
+                        <p:par>
+                          <p:cTn id="4" fill="hold">
+                            <p:stCondLst>
+                              <p:cond delay="0"/>
+                            </p:stCondLst>
+                            <p:childTnLst>
+                              <p:par>
+                                <p:cTn id="5" presetID="42" presetClass="entr" presetSubtype="0" fill="hold" grpId="0" nodeType="clickEffect">
+                                  <p:stCondLst>
+                                    <p:cond delay="0"/>
+                                  </p:stCondLst>
+                                  <p:childTnLst>
+                                    <p:set>
+                                      <p:cBhvr>
+                                        <p:cTn id="6" dur="1" fill="hold">
+                                          <p:stCondLst>
+                                            <p:cond delay="0"/>
+                                          </p:stCondLst>
+                                        </p:cTn>
+                                        <p:tgtEl>
+                                          <p:spTgt spid="4"/>
+                                        </p:tgtEl>
+                                        <p:attrNameLst>
+                                          <p:attrName>style.visibility</p:attrName>
+                                        </p:attrNameLst>
+                                      </p:cBhvr>
+                                      <p:to>
+                                        <p:strVal val="visible"/>
+                                      </p:to>
+                                    </p:set>
+                                    <p:animEffect transition="in" filter="fade">
+                                      <p:cBhvr>
+                                        <p:cTn id="7" dur="1000"/>
+                                        <p:tgtEl>
+                                          <p:spTgt spid="4"/>
+                                        </p:tgtEl>
+                                      </p:cBhvr>
+                                    </p:animEffect>
+                                    <p:anim calcmode="lin" valueType="num">
+                                      <p:cBhvr>
+                                        <p:cTn id="8" dur="1000" fill="hold"/>
+                                        <p:tgtEl>
+                                          <p:spTgt spid="4"/>
+                                        </p:tgtEl>
+                                        <p:attrNameLst>
+                                          <p:attrName>ppt_x</p:attrName>
+                                        </p:attrNameLst>
+                                      </p:cBhvr>
+                                      <p:tavLst>
+                                        <p:tav tm="0">
+                                          <p:val>
+                                            <p:strVal val="#ppt_x"/>
+                                          </p:val>
+                                        </p:tav>
+                                        <p:tav tm="100000">
+                                          <p:val>
+                                            <p:strVal val="#ppt_x"/>
+                                          </p:val>
+                                        </p:tav>
+                                      </p:tavLst>
+                                    </p:anim>
+                                    <p:anim calcmode="lin" valueType="num">
+                                      <p:cBhvr>
+                                        <p:cTn id="9" dur="1000" fill="hold"/>
+                                        <p:tgtEl>
+                                          <p:spTgt spid="4"/>
+                                        </p:tgtEl>
+                                        <p:attrNameLst>
+                                          <p:attrName>ppt_y</p:attrName>
+                                        </p:attrNameLst>
+                                      </p:cBhvr>
+                                      <p:tavLst>
+                                        <p:tav tm="0">
+                                          <p:val>
+                                            <p:strVal val="#ppt_y+.1"/>
+                                          </p:val>
+                                        </p:tav>
+                                        <p:tav tm="100000">
+                                          <p:val>
+                                            <p:strVal val="#ppt_y"/>
+                                          </p:val>
+                                        </p:tav>
+                                      </p:tavLst>
+                                    </p:anim>
+                                  </p:childTnLst>
+                                </p:cTn>
+                              </p:par>
+                            </p:childTnLst>
+                          </p:cTn>
+                        </p:par>
+                      </p:childTnLst>
+                    </p:cTn>
+                  </p:par>
+                </p:childTnLst>
+              </p:cTn>
+              <p:prevCondLst>
+                <p:cond evt="onPrev" delay="0">
+                  <p:tgtEl>
+                    <p:sldTgt/>
+                  </p:tgtEl>
+                </p:cond>
+              </p:prevCondLst>
+              <p:nextCondLst>
+                <p:cond evt="onNext" delay="0">
+                  <p:tgtEl>
+                    <p:sldTgt/>
+                  </p:tgtEl>
+                </p:cond>
+              </p:nextCondLst>
+            </p:seq>
+          </p:childTnLst>
+        </p:cTn>
+      </p:par>
+    </p:tnLst>
+    <p:bldLst>
+      <p:bldP spid="4" grpId="0"/>
+    </p:bldLst>
+  </p:timing>
+</p:sld>
+</file>
+
+<file path=ppt/slides/slide11.xml><?xml version="1.0" encoding="utf-8"?>
+<p:sld xmlns:a="http://schemas.openxmlformats.org/drawingml/2006/main" xmlns:r="http://schemas.openxmlformats.org/officeDocument/2006/relationships" xmlns:p="http://schemas.openxmlformats.org/presentationml/2006/main">
+  <p:cSld>
+    <p:spTree>
+      <p:nvGrpSpPr>
+        <p:cNvPr id="1" name=""/>
+        <p:cNvGrpSpPr/>
+        <p:nvPr/>
+      </p:nvGrpSpPr>
+      <p:grpSpPr>
+        <a:xfrm>
+          <a:off x="0" y="0"/>
+          <a:ext cx="0" cy="0"/>
+          <a:chOff x="0" y="0"/>
+          <a:chExt cx="0" cy="0"/>
+        </a:xfrm>
+      </p:grpSpPr>
+      <p:sp>
+        <p:nvSpPr>
+          <p:cNvPr id="3" name="文本框 2">
+            <a:extLst>
+              <a:ext uri="{FF2B5EF4-FFF2-40B4-BE49-F238E27FC236}">
+                <a16:creationId xmlns:a16="http://schemas.microsoft.com/office/drawing/2014/main" id="{CD6179A6-B137-47E2-89CA-C6AE02099C5B}"/>
+              </a:ext>
+            </a:extLst>
+          </p:cNvPr>
+          <p:cNvSpPr txBox="1"/>
+          <p:nvPr/>
+        </p:nvSpPr>
+        <p:spPr>
+          <a:xfrm>
+            <a:off x="1010412" y="768096"/>
+            <a:ext cx="5536692" cy="461665"/>
+          </a:xfrm>
+          <a:prstGeom prst="rect">
+            <a:avLst/>
+          </a:prstGeom>
+          <a:noFill/>
+        </p:spPr>
+        <p:txBody>
+          <a:bodyPr wrap="square" rtlCol="0">
+            <a:spAutoFit/>
+          </a:bodyPr>
+          <a:lstStyle/>
+          <a:p>
+            <a:r>
+              <a:rPr lang="en-US" altLang="zh-CN" sz="2400" b="1" dirty="0"/>
+              <a:t>LeetCode-15</a:t>
+            </a:r>
+            <a:r>
+              <a:rPr lang="zh-CN" altLang="en-US" sz="2400" b="1" dirty="0"/>
+              <a:t>：</a:t>
+            </a:r>
+            <a:r>
+              <a:rPr lang="en-US" altLang="zh-CN" sz="2400" b="1" dirty="0"/>
+              <a:t>three-sum/</a:t>
+            </a:r>
+            <a:r>
+              <a:rPr lang="zh-CN" altLang="en-US" sz="2400" b="1" dirty="0"/>
+              <a:t>三数之和</a:t>
+            </a:r>
+          </a:p>
+        </p:txBody>
+      </p:sp>
+      <p:sp>
+        <p:nvSpPr>
+          <p:cNvPr id="4" name="文本框 3">
+            <a:extLst>
+              <a:ext uri="{FF2B5EF4-FFF2-40B4-BE49-F238E27FC236}">
+                <a16:creationId xmlns:a16="http://schemas.microsoft.com/office/drawing/2014/main" id="{4F57D235-BE85-4B5D-A628-0F5FA71BCE37}"/>
+              </a:ext>
+            </a:extLst>
+          </p:cNvPr>
+          <p:cNvSpPr txBox="1"/>
+          <p:nvPr/>
+        </p:nvSpPr>
+        <p:spPr>
+          <a:xfrm>
+            <a:off x="1819656" y="1648238"/>
+            <a:ext cx="7256486" cy="5016758"/>
+          </a:xfrm>
+          <a:prstGeom prst="rect">
+            <a:avLst/>
+          </a:prstGeom>
+          <a:noFill/>
+        </p:spPr>
+        <p:txBody>
+          <a:bodyPr wrap="square" rtlCol="0">
+            <a:spAutoFit/>
+          </a:bodyPr>
+          <a:lstStyle/>
+          <a:p>
+            <a:r>
+              <a:rPr lang="en-US" altLang="zh-CN" sz="1600" dirty="0">
+                <a:latin typeface="Consolas" panose="020B0609020204030204" pitchFamily="49" charset="0"/>
+              </a:rPr>
+              <a:t>/**</a:t>
+            </a:r>
+          </a:p>
+          <a:p>
+            <a:r>
+              <a:rPr lang="en-US" altLang="zh-CN" sz="1600" dirty="0">
+                <a:latin typeface="Consolas" panose="020B0609020204030204" pitchFamily="49" charset="0"/>
+              </a:rPr>
+              <a:t> * @param {number[]} </a:t>
+            </a:r>
+            <a:r>
+              <a:rPr lang="en-US" altLang="zh-CN" sz="1600" dirty="0" err="1">
+                <a:latin typeface="Consolas" panose="020B0609020204030204" pitchFamily="49" charset="0"/>
+              </a:rPr>
+              <a:t>nums</a:t>
+            </a:r>
+            <a:endParaRPr lang="en-US" altLang="zh-CN" sz="1600" dirty="0">
+              <a:latin typeface="Consolas" panose="020B0609020204030204" pitchFamily="49" charset="0"/>
+            </a:endParaRPr>
+          </a:p>
+          <a:p>
+            <a:r>
+              <a:rPr lang="en-US" altLang="zh-CN" sz="1600" dirty="0">
+                <a:latin typeface="Consolas" panose="020B0609020204030204" pitchFamily="49" charset="0"/>
+              </a:rPr>
+              <a:t> * @return {number[][]}</a:t>
+            </a:r>
+          </a:p>
+          <a:p>
+            <a:r>
+              <a:rPr lang="en-US" altLang="zh-CN" sz="1600" dirty="0">
+                <a:latin typeface="Consolas" panose="020B0609020204030204" pitchFamily="49" charset="0"/>
+              </a:rPr>
+              <a:t> */</a:t>
+            </a:r>
+          </a:p>
+          <a:p>
+            <a:r>
+              <a:rPr lang="en-US" altLang="zh-CN" sz="1600" dirty="0">
+                <a:latin typeface="Consolas" panose="020B0609020204030204" pitchFamily="49" charset="0"/>
+              </a:rPr>
+              <a:t>const </a:t>
+            </a:r>
+            <a:r>
+              <a:rPr lang="en-US" altLang="zh-CN" sz="1600" dirty="0" err="1">
+                <a:latin typeface="Consolas" panose="020B0609020204030204" pitchFamily="49" charset="0"/>
+              </a:rPr>
+              <a:t>threeSum</a:t>
+            </a:r>
+            <a:r>
+              <a:rPr lang="en-US" altLang="zh-CN" sz="1600" dirty="0">
+                <a:latin typeface="Consolas" panose="020B0609020204030204" pitchFamily="49" charset="0"/>
+              </a:rPr>
+              <a:t> = function(</a:t>
+            </a:r>
+            <a:r>
+              <a:rPr lang="en-US" altLang="zh-CN" sz="1600" dirty="0" err="1">
+                <a:latin typeface="Consolas" panose="020B0609020204030204" pitchFamily="49" charset="0"/>
+              </a:rPr>
+              <a:t>nums</a:t>
+            </a:r>
+            <a:r>
+              <a:rPr lang="en-US" altLang="zh-CN" sz="1600" dirty="0">
+                <a:latin typeface="Consolas" panose="020B0609020204030204" pitchFamily="49" charset="0"/>
+              </a:rPr>
+              <a:t>) {</a:t>
+            </a:r>
+          </a:p>
+          <a:p>
+            <a:r>
+              <a:rPr lang="en-US" altLang="zh-CN" sz="1600" dirty="0">
+                <a:latin typeface="Consolas" panose="020B0609020204030204" pitchFamily="49" charset="0"/>
+              </a:rPr>
+              <a:t>    </a:t>
+            </a:r>
+            <a:r>
+              <a:rPr lang="en-US" altLang="zh-CN" sz="1600" dirty="0" err="1">
+                <a:latin typeface="Consolas" panose="020B0609020204030204" pitchFamily="49" charset="0"/>
+              </a:rPr>
+              <a:t>nums.sort</a:t>
+            </a:r>
+            <a:r>
+              <a:rPr lang="en-US" altLang="zh-CN" sz="1600" dirty="0">
+                <a:latin typeface="Consolas" panose="020B0609020204030204" pitchFamily="49" charset="0"/>
+              </a:rPr>
+              <a:t>((a, b) =&gt; a - b);</a:t>
+            </a:r>
+          </a:p>
+          <a:p>
+            <a:r>
+              <a:rPr lang="en-US" altLang="zh-CN" sz="1600" dirty="0">
+                <a:latin typeface="Consolas" panose="020B0609020204030204" pitchFamily="49" charset="0"/>
+              </a:rPr>
+              <a:t>    let </a:t>
+            </a:r>
+            <a:r>
+              <a:rPr lang="en-US" altLang="zh-CN" sz="1600" dirty="0" err="1">
+                <a:latin typeface="Consolas" panose="020B0609020204030204" pitchFamily="49" charset="0"/>
+              </a:rPr>
+              <a:t>ans</a:t>
+            </a:r>
+            <a:r>
+              <a:rPr lang="en-US" altLang="zh-CN" sz="1600" dirty="0">
+                <a:latin typeface="Consolas" panose="020B0609020204030204" pitchFamily="49" charset="0"/>
+              </a:rPr>
+              <a:t> = [];</a:t>
+            </a:r>
+          </a:p>
+          <a:p>
+            <a:r>
+              <a:rPr lang="en-US" altLang="zh-CN" sz="1600" dirty="0">
+                <a:latin typeface="Consolas" panose="020B0609020204030204" pitchFamily="49" charset="0"/>
+              </a:rPr>
+              <a:t>    for (let </a:t>
+            </a:r>
+            <a:r>
+              <a:rPr lang="en-US" altLang="zh-CN" sz="1600" dirty="0" err="1">
+                <a:latin typeface="Consolas" panose="020B0609020204030204" pitchFamily="49" charset="0"/>
+              </a:rPr>
+              <a:t>i</a:t>
+            </a:r>
+            <a:r>
+              <a:rPr lang="en-US" altLang="zh-CN" sz="1600" dirty="0">
+                <a:latin typeface="Consolas" panose="020B0609020204030204" pitchFamily="49" charset="0"/>
+              </a:rPr>
+              <a:t> = 0; </a:t>
+            </a:r>
+            <a:r>
+              <a:rPr lang="en-US" altLang="zh-CN" sz="1600" dirty="0" err="1">
+                <a:latin typeface="Consolas" panose="020B0609020204030204" pitchFamily="49" charset="0"/>
+              </a:rPr>
+              <a:t>i</a:t>
+            </a:r>
+            <a:r>
+              <a:rPr lang="en-US" altLang="zh-CN" sz="1600" dirty="0">
+                <a:latin typeface="Consolas" panose="020B0609020204030204" pitchFamily="49" charset="0"/>
+              </a:rPr>
+              <a:t> &lt; </a:t>
+            </a:r>
+            <a:r>
+              <a:rPr lang="en-US" altLang="zh-CN" sz="1600" dirty="0" err="1">
+                <a:latin typeface="Consolas" panose="020B0609020204030204" pitchFamily="49" charset="0"/>
+              </a:rPr>
+              <a:t>nums.length</a:t>
+            </a:r>
+            <a:r>
+              <a:rPr lang="en-US" altLang="zh-CN" sz="1600" dirty="0">
+                <a:latin typeface="Consolas" panose="020B0609020204030204" pitchFamily="49" charset="0"/>
+              </a:rPr>
+              <a:t>; </a:t>
+            </a:r>
+            <a:r>
+              <a:rPr lang="en-US" altLang="zh-CN" sz="1600" dirty="0" err="1">
+                <a:latin typeface="Consolas" panose="020B0609020204030204" pitchFamily="49" charset="0"/>
+              </a:rPr>
+              <a:t>i</a:t>
+            </a:r>
+            <a:r>
+              <a:rPr lang="en-US" altLang="zh-CN" sz="1600" dirty="0">
+                <a:latin typeface="Consolas" panose="020B0609020204030204" pitchFamily="49" charset="0"/>
+              </a:rPr>
+              <a:t>++) {</a:t>
+            </a:r>
+          </a:p>
+          <a:p>
+            <a:r>
+              <a:rPr lang="en-US" altLang="zh-CN" sz="1600" dirty="0">
+                <a:latin typeface="Consolas" panose="020B0609020204030204" pitchFamily="49" charset="0"/>
+              </a:rPr>
+              <a:t>        if (</a:t>
+            </a:r>
+            <a:r>
+              <a:rPr lang="en-US" altLang="zh-CN" sz="1600" dirty="0" err="1">
+                <a:latin typeface="Consolas" panose="020B0609020204030204" pitchFamily="49" charset="0"/>
+              </a:rPr>
+              <a:t>i</a:t>
+            </a:r>
+            <a:r>
+              <a:rPr lang="en-US" altLang="zh-CN" sz="1600" dirty="0">
+                <a:latin typeface="Consolas" panose="020B0609020204030204" pitchFamily="49" charset="0"/>
+              </a:rPr>
+              <a:t> &gt; 0 &amp;&amp; </a:t>
+            </a:r>
+            <a:r>
+              <a:rPr lang="en-US" altLang="zh-CN" sz="1600" dirty="0" err="1">
+                <a:latin typeface="Consolas" panose="020B0609020204030204" pitchFamily="49" charset="0"/>
+              </a:rPr>
+              <a:t>nums</a:t>
+            </a:r>
+            <a:r>
+              <a:rPr lang="en-US" altLang="zh-CN" sz="1600" dirty="0">
+                <a:latin typeface="Consolas" panose="020B0609020204030204" pitchFamily="49" charset="0"/>
+              </a:rPr>
+              <a:t>[</a:t>
+            </a:r>
+            <a:r>
+              <a:rPr lang="en-US" altLang="zh-CN" sz="1600" dirty="0" err="1">
+                <a:latin typeface="Consolas" panose="020B0609020204030204" pitchFamily="49" charset="0"/>
+              </a:rPr>
+              <a:t>i</a:t>
+            </a:r>
+            <a:r>
+              <a:rPr lang="en-US" altLang="zh-CN" sz="1600" dirty="0">
+                <a:latin typeface="Consolas" panose="020B0609020204030204" pitchFamily="49" charset="0"/>
+              </a:rPr>
+              <a:t>] == </a:t>
+            </a:r>
+            <a:r>
+              <a:rPr lang="en-US" altLang="zh-CN" sz="1600" dirty="0" err="1">
+                <a:latin typeface="Consolas" panose="020B0609020204030204" pitchFamily="49" charset="0"/>
+              </a:rPr>
+              <a:t>nums</a:t>
+            </a:r>
+            <a:r>
+              <a:rPr lang="en-US" altLang="zh-CN" sz="1600" dirty="0">
+                <a:latin typeface="Consolas" panose="020B0609020204030204" pitchFamily="49" charset="0"/>
+              </a:rPr>
+              <a:t>[</a:t>
+            </a:r>
+            <a:r>
+              <a:rPr lang="en-US" altLang="zh-CN" sz="1600" dirty="0" err="1">
+                <a:latin typeface="Consolas" panose="020B0609020204030204" pitchFamily="49" charset="0"/>
+              </a:rPr>
+              <a:t>i</a:t>
+            </a:r>
+            <a:r>
+              <a:rPr lang="en-US" altLang="zh-CN" sz="1600" dirty="0">
+                <a:latin typeface="Consolas" panose="020B0609020204030204" pitchFamily="49" charset="0"/>
+              </a:rPr>
+              <a:t> - 1]) continue;</a:t>
+            </a:r>
+          </a:p>
+          <a:p>
+            <a:r>
+              <a:rPr lang="en-US" altLang="zh-CN" sz="1600" dirty="0">
+                <a:latin typeface="Consolas" panose="020B0609020204030204" pitchFamily="49" charset="0"/>
+              </a:rPr>
+              <a:t>        let c = </a:t>
+            </a:r>
+            <a:r>
+              <a:rPr lang="en-US" altLang="zh-CN" sz="1600" dirty="0" err="1">
+                <a:latin typeface="Consolas" panose="020B0609020204030204" pitchFamily="49" charset="0"/>
+              </a:rPr>
+              <a:t>nums</a:t>
+            </a:r>
+            <a:r>
+              <a:rPr lang="en-US" altLang="zh-CN" sz="1600" dirty="0">
+                <a:latin typeface="Consolas" panose="020B0609020204030204" pitchFamily="49" charset="0"/>
+              </a:rPr>
+              <a:t>[</a:t>
+            </a:r>
+            <a:r>
+              <a:rPr lang="en-US" altLang="zh-CN" sz="1600" dirty="0" err="1">
+                <a:latin typeface="Consolas" panose="020B0609020204030204" pitchFamily="49" charset="0"/>
+              </a:rPr>
+              <a:t>i</a:t>
+            </a:r>
+            <a:r>
+              <a:rPr lang="en-US" altLang="zh-CN" sz="1600" dirty="0">
+                <a:latin typeface="Consolas" panose="020B0609020204030204" pitchFamily="49" charset="0"/>
+              </a:rPr>
+              <a:t>], target = -c;</a:t>
+            </a:r>
+          </a:p>
+          <a:p>
+            <a:r>
+              <a:rPr lang="en-US" altLang="zh-CN" sz="1600" dirty="0">
+                <a:latin typeface="Consolas" panose="020B0609020204030204" pitchFamily="49" charset="0"/>
+              </a:rPr>
+              <a:t>        for (let j = </a:t>
+            </a:r>
+            <a:r>
+              <a:rPr lang="en-US" altLang="zh-CN" sz="1600" dirty="0" err="1">
+                <a:latin typeface="Consolas" panose="020B0609020204030204" pitchFamily="49" charset="0"/>
+              </a:rPr>
+              <a:t>i</a:t>
+            </a:r>
+            <a:r>
+              <a:rPr lang="en-US" altLang="zh-CN" sz="1600" dirty="0">
+                <a:latin typeface="Consolas" panose="020B0609020204030204" pitchFamily="49" charset="0"/>
+              </a:rPr>
+              <a:t> + 1, k = </a:t>
+            </a:r>
+            <a:r>
+              <a:rPr lang="en-US" altLang="zh-CN" sz="1600" dirty="0" err="1">
+                <a:latin typeface="Consolas" panose="020B0609020204030204" pitchFamily="49" charset="0"/>
+              </a:rPr>
+              <a:t>nums.length</a:t>
+            </a:r>
+            <a:r>
+              <a:rPr lang="en-US" altLang="zh-CN" sz="1600" dirty="0">
+                <a:latin typeface="Consolas" panose="020B0609020204030204" pitchFamily="49" charset="0"/>
+              </a:rPr>
+              <a:t> - 1; j &lt; k; </a:t>
+            </a:r>
+            <a:r>
+              <a:rPr lang="en-US" altLang="zh-CN" sz="1600" dirty="0" err="1">
+                <a:latin typeface="Consolas" panose="020B0609020204030204" pitchFamily="49" charset="0"/>
+              </a:rPr>
+              <a:t>j++</a:t>
+            </a:r>
+            <a:r>
+              <a:rPr lang="en-US" altLang="zh-CN" sz="1600" dirty="0">
+                <a:latin typeface="Consolas" panose="020B0609020204030204" pitchFamily="49" charset="0"/>
+              </a:rPr>
+              <a:t>) {</a:t>
+            </a:r>
+          </a:p>
+          <a:p>
+            <a:r>
+              <a:rPr lang="en-US" altLang="zh-CN" sz="1600" dirty="0">
+                <a:latin typeface="Consolas" panose="020B0609020204030204" pitchFamily="49" charset="0"/>
+              </a:rPr>
+              <a:t>            if (j &gt; </a:t>
+            </a:r>
+            <a:r>
+              <a:rPr lang="en-US" altLang="zh-CN" sz="1600" dirty="0" err="1">
+                <a:latin typeface="Consolas" panose="020B0609020204030204" pitchFamily="49" charset="0"/>
+              </a:rPr>
+              <a:t>i</a:t>
+            </a:r>
+            <a:r>
+              <a:rPr lang="en-US" altLang="zh-CN" sz="1600" dirty="0">
+                <a:latin typeface="Consolas" panose="020B0609020204030204" pitchFamily="49" charset="0"/>
+              </a:rPr>
+              <a:t> + 1 &amp;&amp; </a:t>
+            </a:r>
+            <a:r>
+              <a:rPr lang="en-US" altLang="zh-CN" sz="1600" dirty="0" err="1">
+                <a:latin typeface="Consolas" panose="020B0609020204030204" pitchFamily="49" charset="0"/>
+              </a:rPr>
+              <a:t>nums</a:t>
+            </a:r>
+            <a:r>
+              <a:rPr lang="en-US" altLang="zh-CN" sz="1600" dirty="0">
+                <a:latin typeface="Consolas" panose="020B0609020204030204" pitchFamily="49" charset="0"/>
+              </a:rPr>
+              <a:t>[j] == </a:t>
+            </a:r>
+            <a:r>
+              <a:rPr lang="en-US" altLang="zh-CN" sz="1600" dirty="0" err="1">
+                <a:latin typeface="Consolas" panose="020B0609020204030204" pitchFamily="49" charset="0"/>
+              </a:rPr>
+              <a:t>nums</a:t>
+            </a:r>
+            <a:r>
+              <a:rPr lang="en-US" altLang="zh-CN" sz="1600" dirty="0">
+                <a:latin typeface="Consolas" panose="020B0609020204030204" pitchFamily="49" charset="0"/>
+              </a:rPr>
+              <a:t>[j - 1]) continue;</a:t>
+            </a:r>
+          </a:p>
+          <a:p>
+            <a:r>
+              <a:rPr lang="en-US" altLang="zh-CN" sz="1600" dirty="0">
+                <a:latin typeface="Consolas" panose="020B0609020204030204" pitchFamily="49" charset="0"/>
+              </a:rPr>
+              <a:t>            while (j &lt; k &amp;&amp; </a:t>
+            </a:r>
+            <a:r>
+              <a:rPr lang="en-US" altLang="zh-CN" sz="1600" dirty="0" err="1">
+                <a:latin typeface="Consolas" panose="020B0609020204030204" pitchFamily="49" charset="0"/>
+              </a:rPr>
+              <a:t>nums</a:t>
+            </a:r>
+            <a:r>
+              <a:rPr lang="en-US" altLang="zh-CN" sz="1600" dirty="0">
+                <a:latin typeface="Consolas" panose="020B0609020204030204" pitchFamily="49" charset="0"/>
+              </a:rPr>
+              <a:t>[j] + </a:t>
+            </a:r>
+            <a:r>
+              <a:rPr lang="en-US" altLang="zh-CN" sz="1600" dirty="0" err="1">
+                <a:latin typeface="Consolas" panose="020B0609020204030204" pitchFamily="49" charset="0"/>
+              </a:rPr>
+              <a:t>nums</a:t>
+            </a:r>
+            <a:r>
+              <a:rPr lang="en-US" altLang="zh-CN" sz="1600" dirty="0">
+                <a:latin typeface="Consolas" panose="020B0609020204030204" pitchFamily="49" charset="0"/>
+              </a:rPr>
+              <a:t>[k] &gt; target) k--;</a:t>
+            </a:r>
+          </a:p>
+          <a:p>
+            <a:r>
+              <a:rPr lang="en-US" altLang="zh-CN" sz="1600" dirty="0">
+                <a:latin typeface="Consolas" panose="020B0609020204030204" pitchFamily="49" charset="0"/>
+              </a:rPr>
+              <a:t>            if (j &lt; k &amp;&amp; </a:t>
+            </a:r>
+            <a:r>
+              <a:rPr lang="en-US" altLang="zh-CN" sz="1600" dirty="0" err="1">
+                <a:latin typeface="Consolas" panose="020B0609020204030204" pitchFamily="49" charset="0"/>
+              </a:rPr>
+              <a:t>nums</a:t>
+            </a:r>
+            <a:r>
+              <a:rPr lang="en-US" altLang="zh-CN" sz="1600" dirty="0">
+                <a:latin typeface="Consolas" panose="020B0609020204030204" pitchFamily="49" charset="0"/>
+              </a:rPr>
+              <a:t>[j] + </a:t>
+            </a:r>
+            <a:r>
+              <a:rPr lang="en-US" altLang="zh-CN" sz="1600" dirty="0" err="1">
+                <a:latin typeface="Consolas" panose="020B0609020204030204" pitchFamily="49" charset="0"/>
+              </a:rPr>
+              <a:t>nums</a:t>
+            </a:r>
+            <a:r>
+              <a:rPr lang="en-US" altLang="zh-CN" sz="1600" dirty="0">
+                <a:latin typeface="Consolas" panose="020B0609020204030204" pitchFamily="49" charset="0"/>
+              </a:rPr>
+              <a:t>[k] == target) {</a:t>
+            </a:r>
+          </a:p>
+          <a:p>
+            <a:r>
+              <a:rPr lang="en-US" altLang="zh-CN" sz="1600" dirty="0">
+                <a:latin typeface="Consolas" panose="020B0609020204030204" pitchFamily="49" charset="0"/>
+              </a:rPr>
+              <a:t>                </a:t>
+            </a:r>
+            <a:r>
+              <a:rPr lang="en-US" altLang="zh-CN" sz="1600" dirty="0" err="1">
+                <a:latin typeface="Consolas" panose="020B0609020204030204" pitchFamily="49" charset="0"/>
+              </a:rPr>
+              <a:t>ans.push</a:t>
+            </a:r>
+            <a:r>
+              <a:rPr lang="en-US" altLang="zh-CN" sz="1600" dirty="0">
+                <a:latin typeface="Consolas" panose="020B0609020204030204" pitchFamily="49" charset="0"/>
+              </a:rPr>
+              <a:t>([</a:t>
+            </a:r>
+            <a:r>
+              <a:rPr lang="en-US" altLang="zh-CN" sz="1600" dirty="0" err="1">
+                <a:latin typeface="Consolas" panose="020B0609020204030204" pitchFamily="49" charset="0"/>
+              </a:rPr>
+              <a:t>nums</a:t>
+            </a:r>
+            <a:r>
+              <a:rPr lang="en-US" altLang="zh-CN" sz="1600" dirty="0">
+                <a:latin typeface="Consolas" panose="020B0609020204030204" pitchFamily="49" charset="0"/>
+              </a:rPr>
+              <a:t>[</a:t>
+            </a:r>
+            <a:r>
+              <a:rPr lang="en-US" altLang="zh-CN" sz="1600" dirty="0" err="1">
+                <a:latin typeface="Consolas" panose="020B0609020204030204" pitchFamily="49" charset="0"/>
+              </a:rPr>
+              <a:t>i</a:t>
+            </a:r>
+            <a:r>
+              <a:rPr lang="en-US" altLang="zh-CN" sz="1600" dirty="0">
+                <a:latin typeface="Consolas" panose="020B0609020204030204" pitchFamily="49" charset="0"/>
+              </a:rPr>
+              <a:t>], </a:t>
+            </a:r>
+            <a:r>
+              <a:rPr lang="en-US" altLang="zh-CN" sz="1600" dirty="0" err="1">
+                <a:latin typeface="Consolas" panose="020B0609020204030204" pitchFamily="49" charset="0"/>
+              </a:rPr>
+              <a:t>nums</a:t>
+            </a:r>
+            <a:r>
+              <a:rPr lang="en-US" altLang="zh-CN" sz="1600" dirty="0">
+                <a:latin typeface="Consolas" panose="020B0609020204030204" pitchFamily="49" charset="0"/>
+              </a:rPr>
+              <a:t>[j], </a:t>
+            </a:r>
+            <a:r>
+              <a:rPr lang="en-US" altLang="zh-CN" sz="1600" dirty="0" err="1">
+                <a:latin typeface="Consolas" panose="020B0609020204030204" pitchFamily="49" charset="0"/>
+              </a:rPr>
+              <a:t>nums</a:t>
+            </a:r>
+            <a:r>
+              <a:rPr lang="en-US" altLang="zh-CN" sz="1600" dirty="0">
+                <a:latin typeface="Consolas" panose="020B0609020204030204" pitchFamily="49" charset="0"/>
+              </a:rPr>
+              <a:t>[k]]);</a:t>
+            </a:r>
+          </a:p>
+          <a:p>
+            <a:r>
+              <a:rPr lang="en-US" altLang="zh-CN" sz="1600" dirty="0">
+                <a:latin typeface="Consolas" panose="020B0609020204030204" pitchFamily="49" charset="0"/>
+              </a:rPr>
+              <a:t>            }</a:t>
+            </a:r>
+          </a:p>
+          <a:p>
+            <a:r>
+              <a:rPr lang="en-US" altLang="zh-CN" sz="1600" dirty="0">
+                <a:latin typeface="Consolas" panose="020B0609020204030204" pitchFamily="49" charset="0"/>
+              </a:rPr>
+              <a:t>        }</a:t>
+            </a:r>
+          </a:p>
+          <a:p>
+            <a:r>
+              <a:rPr lang="en-US" altLang="zh-CN" sz="1600" dirty="0">
+                <a:latin typeface="Consolas" panose="020B0609020204030204" pitchFamily="49" charset="0"/>
+              </a:rPr>
+              <a:t>    }</a:t>
+            </a:r>
+          </a:p>
+          <a:p>
+            <a:r>
+              <a:rPr lang="en-US" altLang="zh-CN" sz="1600" dirty="0">
+                <a:latin typeface="Consolas" panose="020B0609020204030204" pitchFamily="49" charset="0"/>
+              </a:rPr>
+              <a:t>    return </a:t>
+            </a:r>
+            <a:r>
+              <a:rPr lang="en-US" altLang="zh-CN" sz="1600" dirty="0" err="1">
+                <a:latin typeface="Consolas" panose="020B0609020204030204" pitchFamily="49" charset="0"/>
+              </a:rPr>
+              <a:t>ans</a:t>
+            </a:r>
+            <a:r>
+              <a:rPr lang="en-US" altLang="zh-CN" sz="1600" dirty="0">
+                <a:latin typeface="Consolas" panose="020B0609020204030204" pitchFamily="49" charset="0"/>
+              </a:rPr>
+              <a:t>;</a:t>
+            </a:r>
+          </a:p>
+          <a:p>
+            <a:r>
+              <a:rPr lang="en-US" altLang="zh-CN" sz="1600" dirty="0">
+                <a:latin typeface="Consolas" panose="020B0609020204030204" pitchFamily="49" charset="0"/>
+              </a:rPr>
+              <a:t>};</a:t>
+            </a:r>
+            <a:endParaRPr lang="zh-CN" altLang="en-US" sz="1600" dirty="0">
+              <a:latin typeface="Consolas" panose="020B0609020204030204" pitchFamily="49" charset="0"/>
+            </a:endParaRPr>
+          </a:p>
+        </p:txBody>
+      </p:sp>
+      <p:sp>
+        <p:nvSpPr>
+          <p:cNvPr id="5" name="文本框 4">
+            <a:extLst>
+              <a:ext uri="{FF2B5EF4-FFF2-40B4-BE49-F238E27FC236}">
+                <a16:creationId xmlns:a16="http://schemas.microsoft.com/office/drawing/2014/main" id="{B586163F-BAD1-4ADD-B6A5-275665A9A7FF}"/>
+              </a:ext>
+            </a:extLst>
+          </p:cNvPr>
+          <p:cNvSpPr txBox="1"/>
+          <p:nvPr/>
+        </p:nvSpPr>
+        <p:spPr>
+          <a:xfrm>
+            <a:off x="1550508" y="1269722"/>
+            <a:ext cx="9090984" cy="338554"/>
+          </a:xfrm>
+          <a:prstGeom prst="rect">
+            <a:avLst/>
+          </a:prstGeom>
+          <a:noFill/>
+        </p:spPr>
+        <p:txBody>
+          <a:bodyPr wrap="square" rtlCol="0">
+            <a:spAutoFit/>
+          </a:bodyPr>
+          <a:lstStyle/>
+          <a:p>
+            <a:r>
+              <a:rPr lang="zh-CN" altLang="en-US" sz="1600" dirty="0">
+                <a:latin typeface="Consolas" panose="020B0609020204030204" pitchFamily="49" charset="0"/>
+              </a:rPr>
+              <a:t>最终完整代码如下：</a:t>
+            </a:r>
+            <a:endParaRPr lang="en-US" altLang="zh-CN" sz="1600" dirty="0">
+              <a:latin typeface="Consolas" panose="020B0609020204030204" pitchFamily="49" charset="0"/>
+            </a:endParaRPr>
+          </a:p>
+        </p:txBody>
+      </p:sp>
+    </p:spTree>
+    <p:extLst>
+      <p:ext uri="{BB962C8B-B14F-4D97-AF65-F5344CB8AC3E}">
+        <p14:creationId xmlns:p14="http://schemas.microsoft.com/office/powerpoint/2010/main" val="2628135204"/>
+      </p:ext>
+    </p:extLst>
+  </p:cSld>
+  <p:clrMapOvr>
+    <a:masterClrMapping/>
+  </p:clrMapOvr>
+  <p:timing>
+    <p:tnLst>
+      <p:par>
+        <p:cTn id="1" dur="indefinite" restart="never" nodeType="tmRoot">
+          <p:childTnLst>
+            <p:seq concurrent="1" nextAc="seek">
+              <p:cTn id="2" dur="indefinite" nodeType="mainSeq">
+                <p:childTnLst>
+                  <p:par>
+                    <p:cTn id="3" fill="hold">
+                      <p:stCondLst>
+                        <p:cond delay="indefinite"/>
+                      </p:stCondLst>
+                      <p:childTnLst>
+                        <p:par>
+                          <p:cTn id="4" fill="hold">
+                            <p:stCondLst>
+                              <p:cond delay="0"/>
+                            </p:stCondLst>
+                            <p:childTnLst>
+                              <p:par>
+                                <p:cTn id="5" presetID="42" presetClass="entr" presetSubtype="0" fill="hold" grpId="0" nodeType="clickEffect">
+                                  <p:stCondLst>
+                                    <p:cond delay="0"/>
+                                  </p:stCondLst>
+                                  <p:childTnLst>
+                                    <p:set>
+                                      <p:cBhvr>
+                                        <p:cTn id="6" dur="1" fill="hold">
+                                          <p:stCondLst>
+                                            <p:cond delay="0"/>
+                                          </p:stCondLst>
+                                        </p:cTn>
+                                        <p:tgtEl>
+                                          <p:spTgt spid="5"/>
+                                        </p:tgtEl>
+                                        <p:attrNameLst>
+                                          <p:attrName>style.visibility</p:attrName>
+                                        </p:attrNameLst>
+                                      </p:cBhvr>
+                                      <p:to>
+                                        <p:strVal val="visible"/>
+                                      </p:to>
+                                    </p:set>
+                                    <p:animEffect transition="in" filter="fade">
+                                      <p:cBhvr>
+                                        <p:cTn id="7" dur="1000"/>
+                                        <p:tgtEl>
+                                          <p:spTgt spid="5"/>
+                                        </p:tgtEl>
+                                      </p:cBhvr>
+                                    </p:animEffect>
+                                    <p:anim calcmode="lin" valueType="num">
+                                      <p:cBhvr>
+                                        <p:cTn id="8" dur="1000" fill="hold"/>
+                                        <p:tgtEl>
+                                          <p:spTgt spid="5"/>
+                                        </p:tgtEl>
+                                        <p:attrNameLst>
+                                          <p:attrName>ppt_x</p:attrName>
+                                        </p:attrNameLst>
+                                      </p:cBhvr>
+                                      <p:tavLst>
+                                        <p:tav tm="0">
+                                          <p:val>
+                                            <p:strVal val="#ppt_x"/>
+                                          </p:val>
+                                        </p:tav>
+                                        <p:tav tm="100000">
+                                          <p:val>
+                                            <p:strVal val="#ppt_x"/>
+                                          </p:val>
+                                        </p:tav>
+                                      </p:tavLst>
+                                    </p:anim>
+                                    <p:anim calcmode="lin" valueType="num">
+                                      <p:cBhvr>
+                                        <p:cTn id="9" dur="1000" fill="hold"/>
+                                        <p:tgtEl>
+                                          <p:spTgt spid="5"/>
+                                        </p:tgtEl>
+                                        <p:attrNameLst>
+                                          <p:attrName>ppt_y</p:attrName>
+                                        </p:attrNameLst>
+                                      </p:cBhvr>
+                                      <p:tavLst>
+                                        <p:tav tm="0">
+                                          <p:val>
+                                            <p:strVal val="#ppt_y+.1"/>
+                                          </p:val>
+                                        </p:tav>
+                                        <p:tav tm="100000">
+                                          <p:val>
+                                            <p:strVal val="#ppt_y"/>
+                                          </p:val>
+                                        </p:tav>
+                                      </p:tavLst>
+                                    </p:anim>
+                                  </p:childTnLst>
+                                </p:cTn>
+                              </p:par>
+                              <p:par>
+                                <p:cTn id="10" presetID="42" presetClass="entr" presetSubtype="0" fill="hold" grpId="0" nodeType="withEffect">
+                                  <p:stCondLst>
+                                    <p:cond delay="0"/>
+                                  </p:stCondLst>
+                                  <p:childTnLst>
+                                    <p:set>
+                                      <p:cBhvr>
+                                        <p:cTn id="11" dur="1" fill="hold">
+                                          <p:stCondLst>
+                                            <p:cond delay="0"/>
+                                          </p:stCondLst>
+                                        </p:cTn>
+                                        <p:tgtEl>
+                                          <p:spTgt spid="4"/>
+                                        </p:tgtEl>
+                                        <p:attrNameLst>
+                                          <p:attrName>style.visibility</p:attrName>
+                                        </p:attrNameLst>
+                                      </p:cBhvr>
+                                      <p:to>
+                                        <p:strVal val="visible"/>
+                                      </p:to>
+                                    </p:set>
+                                    <p:animEffect transition="in" filter="fade">
+                                      <p:cBhvr>
+                                        <p:cTn id="12" dur="1000"/>
+                                        <p:tgtEl>
+                                          <p:spTgt spid="4"/>
+                                        </p:tgtEl>
+                                      </p:cBhvr>
+                                    </p:animEffect>
+                                    <p:anim calcmode="lin" valueType="num">
+                                      <p:cBhvr>
+                                        <p:cTn id="13" dur="1000" fill="hold"/>
+                                        <p:tgtEl>
+                                          <p:spTgt spid="4"/>
+                                        </p:tgtEl>
+                                        <p:attrNameLst>
+                                          <p:attrName>ppt_x</p:attrName>
+                                        </p:attrNameLst>
+                                      </p:cBhvr>
+                                      <p:tavLst>
+                                        <p:tav tm="0">
+                                          <p:val>
+                                            <p:strVal val="#ppt_x"/>
+                                          </p:val>
+                                        </p:tav>
+                                        <p:tav tm="100000">
+                                          <p:val>
+                                            <p:strVal val="#ppt_x"/>
+                                          </p:val>
+                                        </p:tav>
+                                      </p:tavLst>
+                                    </p:anim>
+                                    <p:anim calcmode="lin" valueType="num">
+                                      <p:cBhvr>
+                                        <p:cTn id="14" dur="1000" fill="hold"/>
+                                        <p:tgtEl>
+                                          <p:spTgt spid="4"/>
+                                        </p:tgtEl>
+                                        <p:attrNameLst>
+                                          <p:attrName>ppt_y</p:attrName>
+                                        </p:attrNameLst>
+                                      </p:cBhvr>
+                                      <p:tavLst>
+                                        <p:tav tm="0">
+                                          <p:val>
+                                            <p:strVal val="#ppt_y+.1"/>
+                                          </p:val>
+                                        </p:tav>
+                                        <p:tav tm="100000">
+                                          <p:val>
+                                            <p:strVal val="#ppt_y"/>
+                                          </p:val>
+                                        </p:tav>
+                                      </p:tavLst>
+                                    </p:anim>
+                                  </p:childTnLst>
+                                </p:cTn>
+                              </p:par>
+                            </p:childTnLst>
+                          </p:cTn>
+                        </p:par>
+                      </p:childTnLst>
+                    </p:cTn>
+                  </p:par>
+                </p:childTnLst>
+              </p:cTn>
+              <p:prevCondLst>
+                <p:cond evt="onPrev" delay="0">
+                  <p:tgtEl>
+                    <p:sldTgt/>
+                  </p:tgtEl>
+                </p:cond>
+              </p:prevCondLst>
+              <p:nextCondLst>
+                <p:cond evt="onNext" delay="0">
+                  <p:tgtEl>
+                    <p:sldTgt/>
+                  </p:tgtEl>
+                </p:cond>
+              </p:nextCondLst>
+            </p:seq>
+          </p:childTnLst>
+        </p:cTn>
+      </p:par>
+    </p:tnLst>
+    <p:bldLst>
+      <p:bldP spid="4" grpId="0"/>
+      <p:bldP spid="5" grpId="0"/>
+    </p:bldLst>
+  </p:timing>
+</p:sld>
+</file>
+
+<file path=ppt/slides/slide12.xml><?xml version="1.0" encoding="utf-8"?>
+<p:sld xmlns:a="http://schemas.openxmlformats.org/drawingml/2006/main" xmlns:r="http://schemas.openxmlformats.org/officeDocument/2006/relationships" xmlns:p="http://schemas.openxmlformats.org/presentationml/2006/main">
+  <p:cSld>
+    <p:spTree>
+      <p:nvGrpSpPr>
+        <p:cNvPr id="1" name=""/>
+        <p:cNvGrpSpPr/>
+        <p:nvPr/>
+      </p:nvGrpSpPr>
+      <p:grpSpPr>
+        <a:xfrm>
+          <a:off x="0" y="0"/>
+          <a:ext cx="0" cy="0"/>
+          <a:chOff x="0" y="0"/>
+          <a:chExt cx="0" cy="0"/>
+        </a:xfrm>
+      </p:grpSpPr>
+      <p:sp>
+        <p:nvSpPr>
+          <p:cNvPr id="5" name="文本框 4">
+            <a:extLst>
+              <a:ext uri="{FF2B5EF4-FFF2-40B4-BE49-F238E27FC236}">
+                <a16:creationId xmlns:a16="http://schemas.microsoft.com/office/drawing/2014/main" id="{890A178C-4AE7-4D75-AECD-8BA29E124C0F}"/>
+              </a:ext>
+            </a:extLst>
+          </p:cNvPr>
+          <p:cNvSpPr txBox="1"/>
+          <p:nvPr/>
+        </p:nvSpPr>
+        <p:spPr>
+          <a:xfrm>
+            <a:off x="1541907" y="296787"/>
+            <a:ext cx="9105138" cy="6463308"/>
+          </a:xfrm>
+          <a:prstGeom prst="rect">
+            <a:avLst/>
+          </a:prstGeom>
+          <a:noFill/>
+        </p:spPr>
+        <p:txBody>
+          <a:bodyPr wrap="square">
+            <a:spAutoFit/>
+          </a:bodyPr>
+          <a:lstStyle/>
+          <a:p>
+            <a:r>
+              <a:rPr lang="en-US" altLang="zh-CN" dirty="0">
+                <a:latin typeface="Consolas" panose="020B0609020204030204" pitchFamily="49" charset="0"/>
+              </a:rPr>
+              <a:t>// Java</a:t>
+            </a:r>
+            <a:r>
+              <a:rPr lang="zh-CN" altLang="en-US" dirty="0">
+                <a:latin typeface="Consolas" panose="020B0609020204030204" pitchFamily="49" charset="0"/>
+              </a:rPr>
+              <a:t>实现</a:t>
+            </a:r>
+            <a:endParaRPr lang="en-US" altLang="zh-CN" dirty="0">
+              <a:latin typeface="Consolas" panose="020B0609020204030204" pitchFamily="49" charset="0"/>
+            </a:endParaRPr>
+          </a:p>
+          <a:p>
+            <a:r>
+              <a:rPr lang="en-US" altLang="zh-CN" dirty="0">
+                <a:latin typeface="Consolas" panose="020B0609020204030204" pitchFamily="49" charset="0"/>
+              </a:rPr>
+              <a:t>class Solution {</a:t>
+            </a:r>
+          </a:p>
+          <a:p>
+            <a:r>
+              <a:rPr lang="en-US" altLang="zh-CN" dirty="0">
+                <a:latin typeface="Consolas" panose="020B0609020204030204" pitchFamily="49" charset="0"/>
+              </a:rPr>
+              <a:t>    public List&lt;List&lt;Integer&gt;&gt; </a:t>
+            </a:r>
+            <a:r>
+              <a:rPr lang="en-US" altLang="zh-CN" dirty="0" err="1">
+                <a:latin typeface="Consolas" panose="020B0609020204030204" pitchFamily="49" charset="0"/>
+              </a:rPr>
+              <a:t>threeSum</a:t>
+            </a:r>
+            <a:r>
+              <a:rPr lang="en-US" altLang="zh-CN" dirty="0">
+                <a:latin typeface="Consolas" panose="020B0609020204030204" pitchFamily="49" charset="0"/>
+              </a:rPr>
+              <a:t>(int[] </a:t>
+            </a:r>
+            <a:r>
+              <a:rPr lang="en-US" altLang="zh-CN" dirty="0" err="1">
+                <a:latin typeface="Consolas" panose="020B0609020204030204" pitchFamily="49" charset="0"/>
+              </a:rPr>
+              <a:t>nums</a:t>
+            </a:r>
+            <a:r>
+              <a:rPr lang="en-US" altLang="zh-CN" dirty="0">
+                <a:latin typeface="Consolas" panose="020B0609020204030204" pitchFamily="49" charset="0"/>
+              </a:rPr>
+              <a:t>) {</a:t>
+            </a:r>
+          </a:p>
+          <a:p>
+            <a:r>
+              <a:rPr lang="en-US" altLang="zh-CN" dirty="0">
+                <a:latin typeface="Consolas" panose="020B0609020204030204" pitchFamily="49" charset="0"/>
+              </a:rPr>
+              <a:t>        </a:t>
+            </a:r>
+            <a:r>
+              <a:rPr lang="en-US" altLang="zh-CN" dirty="0" err="1">
+                <a:latin typeface="Consolas" panose="020B0609020204030204" pitchFamily="49" charset="0"/>
+              </a:rPr>
+              <a:t>Arrays.sort</a:t>
+            </a:r>
+            <a:r>
+              <a:rPr lang="en-US" altLang="zh-CN" dirty="0">
+                <a:latin typeface="Consolas" panose="020B0609020204030204" pitchFamily="49" charset="0"/>
+              </a:rPr>
+              <a:t>(</a:t>
+            </a:r>
+            <a:r>
+              <a:rPr lang="en-US" altLang="zh-CN" dirty="0" err="1">
+                <a:latin typeface="Consolas" panose="020B0609020204030204" pitchFamily="49" charset="0"/>
+              </a:rPr>
+              <a:t>nums</a:t>
+            </a:r>
+            <a:r>
+              <a:rPr lang="en-US" altLang="zh-CN" dirty="0">
+                <a:latin typeface="Consolas" panose="020B0609020204030204" pitchFamily="49" charset="0"/>
+              </a:rPr>
+              <a:t>);</a:t>
+            </a:r>
+          </a:p>
+          <a:p>
+            <a:r>
+              <a:rPr lang="en-US" altLang="zh-CN" dirty="0">
+                <a:latin typeface="Consolas" panose="020B0609020204030204" pitchFamily="49" charset="0"/>
+              </a:rPr>
+              <a:t>        List&lt;List&lt;Integer&gt;&gt; </a:t>
+            </a:r>
+            <a:r>
+              <a:rPr lang="en-US" altLang="zh-CN" dirty="0" err="1">
+                <a:latin typeface="Consolas" panose="020B0609020204030204" pitchFamily="49" charset="0"/>
+              </a:rPr>
+              <a:t>ans</a:t>
+            </a:r>
+            <a:r>
+              <a:rPr lang="en-US" altLang="zh-CN" dirty="0">
+                <a:latin typeface="Consolas" panose="020B0609020204030204" pitchFamily="49" charset="0"/>
+              </a:rPr>
+              <a:t> = new </a:t>
+            </a:r>
+            <a:r>
+              <a:rPr lang="en-US" altLang="zh-CN" dirty="0" err="1">
+                <a:latin typeface="Consolas" panose="020B0609020204030204" pitchFamily="49" charset="0"/>
+              </a:rPr>
+              <a:t>ArrayList</a:t>
+            </a:r>
+            <a:r>
+              <a:rPr lang="en-US" altLang="zh-CN" dirty="0">
+                <a:latin typeface="Consolas" panose="020B0609020204030204" pitchFamily="49" charset="0"/>
+              </a:rPr>
+              <a:t>&lt;&gt;();</a:t>
+            </a:r>
+          </a:p>
+          <a:p>
+            <a:r>
+              <a:rPr lang="en-US" altLang="zh-CN" dirty="0">
+                <a:latin typeface="Consolas" panose="020B0609020204030204" pitchFamily="49" charset="0"/>
+              </a:rPr>
+              <a:t>        for (int </a:t>
+            </a:r>
+            <a:r>
+              <a:rPr lang="en-US" altLang="zh-CN" dirty="0" err="1">
+                <a:latin typeface="Consolas" panose="020B0609020204030204" pitchFamily="49" charset="0"/>
+              </a:rPr>
+              <a:t>i</a:t>
+            </a:r>
+            <a:r>
+              <a:rPr lang="en-US" altLang="zh-CN" dirty="0">
+                <a:latin typeface="Consolas" panose="020B0609020204030204" pitchFamily="49" charset="0"/>
+              </a:rPr>
+              <a:t> = 0; </a:t>
+            </a:r>
+            <a:r>
+              <a:rPr lang="en-US" altLang="zh-CN" dirty="0" err="1">
+                <a:latin typeface="Consolas" panose="020B0609020204030204" pitchFamily="49" charset="0"/>
+              </a:rPr>
+              <a:t>i</a:t>
+            </a:r>
+            <a:r>
+              <a:rPr lang="en-US" altLang="zh-CN" dirty="0">
+                <a:latin typeface="Consolas" panose="020B0609020204030204" pitchFamily="49" charset="0"/>
+              </a:rPr>
+              <a:t> &lt; </a:t>
+            </a:r>
+            <a:r>
+              <a:rPr lang="en-US" altLang="zh-CN" dirty="0" err="1">
+                <a:latin typeface="Consolas" panose="020B0609020204030204" pitchFamily="49" charset="0"/>
+              </a:rPr>
+              <a:t>nums.length</a:t>
+            </a:r>
+            <a:r>
+              <a:rPr lang="en-US" altLang="zh-CN" dirty="0">
+                <a:latin typeface="Consolas" panose="020B0609020204030204" pitchFamily="49" charset="0"/>
+              </a:rPr>
+              <a:t> - 2; </a:t>
+            </a:r>
+            <a:r>
+              <a:rPr lang="en-US" altLang="zh-CN" dirty="0" err="1">
+                <a:latin typeface="Consolas" panose="020B0609020204030204" pitchFamily="49" charset="0"/>
+              </a:rPr>
+              <a:t>i</a:t>
+            </a:r>
+            <a:r>
+              <a:rPr lang="en-US" altLang="zh-CN" dirty="0">
+                <a:latin typeface="Consolas" panose="020B0609020204030204" pitchFamily="49" charset="0"/>
+              </a:rPr>
+              <a:t>++) {</a:t>
+            </a:r>
+          </a:p>
+          <a:p>
+            <a:r>
+              <a:rPr lang="en-US" altLang="zh-CN" dirty="0">
+                <a:latin typeface="Consolas" panose="020B0609020204030204" pitchFamily="49" charset="0"/>
+              </a:rPr>
+              <a:t>            if (</a:t>
+            </a:r>
+            <a:r>
+              <a:rPr lang="en-US" altLang="zh-CN" dirty="0" err="1">
+                <a:latin typeface="Consolas" panose="020B0609020204030204" pitchFamily="49" charset="0"/>
+              </a:rPr>
+              <a:t>i</a:t>
+            </a:r>
+            <a:r>
+              <a:rPr lang="en-US" altLang="zh-CN" dirty="0">
+                <a:latin typeface="Consolas" panose="020B0609020204030204" pitchFamily="49" charset="0"/>
+              </a:rPr>
+              <a:t> &gt; 0 &amp;&amp; </a:t>
+            </a:r>
+            <a:r>
+              <a:rPr lang="en-US" altLang="zh-CN" dirty="0" err="1">
+                <a:latin typeface="Consolas" panose="020B0609020204030204" pitchFamily="49" charset="0"/>
+              </a:rPr>
+              <a:t>nums</a:t>
+            </a:r>
+            <a:r>
+              <a:rPr lang="en-US" altLang="zh-CN" dirty="0">
+                <a:latin typeface="Consolas" panose="020B0609020204030204" pitchFamily="49" charset="0"/>
+              </a:rPr>
+              <a:t>[</a:t>
+            </a:r>
+            <a:r>
+              <a:rPr lang="en-US" altLang="zh-CN" dirty="0" err="1">
+                <a:latin typeface="Consolas" panose="020B0609020204030204" pitchFamily="49" charset="0"/>
+              </a:rPr>
+              <a:t>i</a:t>
+            </a:r>
+            <a:r>
+              <a:rPr lang="en-US" altLang="zh-CN" dirty="0">
+                <a:latin typeface="Consolas" panose="020B0609020204030204" pitchFamily="49" charset="0"/>
+              </a:rPr>
+              <a:t>] == </a:t>
+            </a:r>
+            <a:r>
+              <a:rPr lang="en-US" altLang="zh-CN" dirty="0" err="1">
+                <a:latin typeface="Consolas" panose="020B0609020204030204" pitchFamily="49" charset="0"/>
+              </a:rPr>
+              <a:t>nums</a:t>
+            </a:r>
+            <a:r>
+              <a:rPr lang="en-US" altLang="zh-CN" dirty="0">
+                <a:latin typeface="Consolas" panose="020B0609020204030204" pitchFamily="49" charset="0"/>
+              </a:rPr>
+              <a:t>[</a:t>
+            </a:r>
+            <a:r>
+              <a:rPr lang="en-US" altLang="zh-CN" dirty="0" err="1">
+                <a:latin typeface="Consolas" panose="020B0609020204030204" pitchFamily="49" charset="0"/>
+              </a:rPr>
+              <a:t>i</a:t>
+            </a:r>
+            <a:r>
+              <a:rPr lang="en-US" altLang="zh-CN" dirty="0">
+                <a:latin typeface="Consolas" panose="020B0609020204030204" pitchFamily="49" charset="0"/>
+              </a:rPr>
+              <a:t> - 1]) continue;</a:t>
+            </a:r>
+          </a:p>
+          <a:p>
+            <a:r>
+              <a:rPr lang="en-US" altLang="zh-CN" dirty="0">
+                <a:latin typeface="Consolas" panose="020B0609020204030204" pitchFamily="49" charset="0"/>
+              </a:rPr>
+              <a:t>            int x = </a:t>
+            </a:r>
+            <a:r>
+              <a:rPr lang="en-US" altLang="zh-CN" dirty="0" err="1">
+                <a:latin typeface="Consolas" panose="020B0609020204030204" pitchFamily="49" charset="0"/>
+              </a:rPr>
+              <a:t>nums</a:t>
+            </a:r>
+            <a:r>
+              <a:rPr lang="en-US" altLang="zh-CN" dirty="0">
+                <a:latin typeface="Consolas" panose="020B0609020204030204" pitchFamily="49" charset="0"/>
+              </a:rPr>
+              <a:t>[</a:t>
+            </a:r>
+            <a:r>
+              <a:rPr lang="en-US" altLang="zh-CN" dirty="0" err="1">
+                <a:latin typeface="Consolas" panose="020B0609020204030204" pitchFamily="49" charset="0"/>
+              </a:rPr>
+              <a:t>i</a:t>
+            </a:r>
+            <a:r>
+              <a:rPr lang="en-US" altLang="zh-CN" dirty="0">
+                <a:latin typeface="Consolas" panose="020B0609020204030204" pitchFamily="49" charset="0"/>
+              </a:rPr>
+              <a:t>], t = -</a:t>
+            </a:r>
+            <a:r>
+              <a:rPr lang="en-US" altLang="zh-CN" dirty="0" err="1">
+                <a:latin typeface="Consolas" panose="020B0609020204030204" pitchFamily="49" charset="0"/>
+              </a:rPr>
+              <a:t>nums</a:t>
+            </a:r>
+            <a:r>
+              <a:rPr lang="en-US" altLang="zh-CN" dirty="0">
+                <a:latin typeface="Consolas" panose="020B0609020204030204" pitchFamily="49" charset="0"/>
+              </a:rPr>
+              <a:t>[</a:t>
+            </a:r>
+            <a:r>
+              <a:rPr lang="en-US" altLang="zh-CN" dirty="0" err="1">
+                <a:latin typeface="Consolas" panose="020B0609020204030204" pitchFamily="49" charset="0"/>
+              </a:rPr>
+              <a:t>i</a:t>
+            </a:r>
+            <a:r>
+              <a:rPr lang="en-US" altLang="zh-CN" dirty="0">
+                <a:latin typeface="Consolas" panose="020B0609020204030204" pitchFamily="49" charset="0"/>
+              </a:rPr>
+              <a:t>];</a:t>
+            </a:r>
+          </a:p>
+          <a:p>
+            <a:r>
+              <a:rPr lang="en-US" altLang="zh-CN" dirty="0">
+                <a:latin typeface="Consolas" panose="020B0609020204030204" pitchFamily="49" charset="0"/>
+              </a:rPr>
+              <a:t>            for (int j = </a:t>
+            </a:r>
+            <a:r>
+              <a:rPr lang="en-US" altLang="zh-CN" dirty="0" err="1">
+                <a:latin typeface="Consolas" panose="020B0609020204030204" pitchFamily="49" charset="0"/>
+              </a:rPr>
+              <a:t>i</a:t>
+            </a:r>
+            <a:r>
+              <a:rPr lang="en-US" altLang="zh-CN" dirty="0">
+                <a:latin typeface="Consolas" panose="020B0609020204030204" pitchFamily="49" charset="0"/>
+              </a:rPr>
+              <a:t> + 1, k = </a:t>
+            </a:r>
+            <a:r>
+              <a:rPr lang="en-US" altLang="zh-CN" dirty="0" err="1">
+                <a:latin typeface="Consolas" panose="020B0609020204030204" pitchFamily="49" charset="0"/>
+              </a:rPr>
+              <a:t>nums.length</a:t>
+            </a:r>
+            <a:r>
+              <a:rPr lang="en-US" altLang="zh-CN" dirty="0">
+                <a:latin typeface="Consolas" panose="020B0609020204030204" pitchFamily="49" charset="0"/>
+              </a:rPr>
+              <a:t> - 1; j &lt; k; </a:t>
+            </a:r>
+            <a:r>
+              <a:rPr lang="en-US" altLang="zh-CN" dirty="0" err="1">
+                <a:latin typeface="Consolas" panose="020B0609020204030204" pitchFamily="49" charset="0"/>
+              </a:rPr>
+              <a:t>j++</a:t>
+            </a:r>
+            <a:r>
+              <a:rPr lang="en-US" altLang="zh-CN" dirty="0">
+                <a:latin typeface="Consolas" panose="020B0609020204030204" pitchFamily="49" charset="0"/>
+              </a:rPr>
+              <a:t>) {</a:t>
+            </a:r>
+          </a:p>
+          <a:p>
+            <a:r>
+              <a:rPr lang="en-US" altLang="zh-CN" dirty="0">
+                <a:latin typeface="Consolas" panose="020B0609020204030204" pitchFamily="49" charset="0"/>
+              </a:rPr>
+              <a:t>                if (j &gt; </a:t>
+            </a:r>
+            <a:r>
+              <a:rPr lang="en-US" altLang="zh-CN" dirty="0" err="1">
+                <a:latin typeface="Consolas" panose="020B0609020204030204" pitchFamily="49" charset="0"/>
+              </a:rPr>
+              <a:t>i</a:t>
+            </a:r>
+            <a:r>
+              <a:rPr lang="en-US" altLang="zh-CN" dirty="0">
+                <a:latin typeface="Consolas" panose="020B0609020204030204" pitchFamily="49" charset="0"/>
+              </a:rPr>
+              <a:t> + 1 &amp;&amp; </a:t>
+            </a:r>
+            <a:r>
+              <a:rPr lang="en-US" altLang="zh-CN" dirty="0" err="1">
+                <a:latin typeface="Consolas" panose="020B0609020204030204" pitchFamily="49" charset="0"/>
+              </a:rPr>
+              <a:t>nums</a:t>
+            </a:r>
+            <a:r>
+              <a:rPr lang="en-US" altLang="zh-CN" dirty="0">
+                <a:latin typeface="Consolas" panose="020B0609020204030204" pitchFamily="49" charset="0"/>
+              </a:rPr>
+              <a:t>[j] == </a:t>
+            </a:r>
+            <a:r>
+              <a:rPr lang="en-US" altLang="zh-CN" dirty="0" err="1">
+                <a:latin typeface="Consolas" panose="020B0609020204030204" pitchFamily="49" charset="0"/>
+              </a:rPr>
+              <a:t>nums</a:t>
+            </a:r>
+            <a:r>
+              <a:rPr lang="en-US" altLang="zh-CN" dirty="0">
+                <a:latin typeface="Consolas" panose="020B0609020204030204" pitchFamily="49" charset="0"/>
+              </a:rPr>
+              <a:t>[j - 1]) continue;</a:t>
+            </a:r>
+          </a:p>
+          <a:p>
+            <a:r>
+              <a:rPr lang="en-US" altLang="zh-CN" dirty="0">
+                <a:latin typeface="Consolas" panose="020B0609020204030204" pitchFamily="49" charset="0"/>
+              </a:rPr>
+              <a:t>                while (j &lt; k &amp;&amp; </a:t>
+            </a:r>
+            <a:r>
+              <a:rPr lang="en-US" altLang="zh-CN" dirty="0" err="1">
+                <a:latin typeface="Consolas" panose="020B0609020204030204" pitchFamily="49" charset="0"/>
+              </a:rPr>
+              <a:t>nums</a:t>
+            </a:r>
+            <a:r>
+              <a:rPr lang="en-US" altLang="zh-CN" dirty="0">
+                <a:latin typeface="Consolas" panose="020B0609020204030204" pitchFamily="49" charset="0"/>
+              </a:rPr>
+              <a:t>[j] + </a:t>
+            </a:r>
+            <a:r>
+              <a:rPr lang="en-US" altLang="zh-CN" dirty="0" err="1">
+                <a:latin typeface="Consolas" panose="020B0609020204030204" pitchFamily="49" charset="0"/>
+              </a:rPr>
+              <a:t>nums</a:t>
+            </a:r>
+            <a:r>
+              <a:rPr lang="en-US" altLang="zh-CN" dirty="0">
+                <a:latin typeface="Consolas" panose="020B0609020204030204" pitchFamily="49" charset="0"/>
+              </a:rPr>
+              <a:t>[k] &gt; t) k--;</a:t>
+            </a:r>
+          </a:p>
+          <a:p>
+            <a:r>
+              <a:rPr lang="en-US" altLang="zh-CN" dirty="0">
+                <a:latin typeface="Consolas" panose="020B0609020204030204" pitchFamily="49" charset="0"/>
+              </a:rPr>
+              <a:t>                if (j &lt; k &amp;&amp; </a:t>
+            </a:r>
+            <a:r>
+              <a:rPr lang="en-US" altLang="zh-CN" dirty="0" err="1">
+                <a:latin typeface="Consolas" panose="020B0609020204030204" pitchFamily="49" charset="0"/>
+              </a:rPr>
+              <a:t>nums</a:t>
+            </a:r>
+            <a:r>
+              <a:rPr lang="en-US" altLang="zh-CN" dirty="0">
+                <a:latin typeface="Consolas" panose="020B0609020204030204" pitchFamily="49" charset="0"/>
+              </a:rPr>
+              <a:t>[j] + </a:t>
+            </a:r>
+            <a:r>
+              <a:rPr lang="en-US" altLang="zh-CN" dirty="0" err="1">
+                <a:latin typeface="Consolas" panose="020B0609020204030204" pitchFamily="49" charset="0"/>
+              </a:rPr>
+              <a:t>nums</a:t>
+            </a:r>
+            <a:r>
+              <a:rPr lang="en-US" altLang="zh-CN" dirty="0">
+                <a:latin typeface="Consolas" panose="020B0609020204030204" pitchFamily="49" charset="0"/>
+              </a:rPr>
+              <a:t>[k] == t) {</a:t>
+            </a:r>
+          </a:p>
+          <a:p>
+            <a:r>
+              <a:rPr lang="en-US" altLang="zh-CN" dirty="0">
+                <a:latin typeface="Consolas" panose="020B0609020204030204" pitchFamily="49" charset="0"/>
+              </a:rPr>
+              <a:t>                    List&lt;Integer&gt; l = new </a:t>
+            </a:r>
+            <a:r>
+              <a:rPr lang="en-US" altLang="zh-CN" dirty="0" err="1">
+                <a:latin typeface="Consolas" panose="020B0609020204030204" pitchFamily="49" charset="0"/>
+              </a:rPr>
+              <a:t>ArrayList</a:t>
+            </a:r>
+            <a:r>
+              <a:rPr lang="en-US" altLang="zh-CN" dirty="0">
+                <a:latin typeface="Consolas" panose="020B0609020204030204" pitchFamily="49" charset="0"/>
+              </a:rPr>
+              <a:t>&lt;&gt;();</a:t>
+            </a:r>
+          </a:p>
+          <a:p>
+            <a:r>
+              <a:rPr lang="en-US" altLang="zh-CN" dirty="0">
+                <a:latin typeface="Consolas" panose="020B0609020204030204" pitchFamily="49" charset="0"/>
+              </a:rPr>
+              <a:t>                    </a:t>
+            </a:r>
+            <a:r>
+              <a:rPr lang="en-US" altLang="zh-CN" dirty="0" err="1">
+                <a:latin typeface="Consolas" panose="020B0609020204030204" pitchFamily="49" charset="0"/>
+              </a:rPr>
+              <a:t>l.add</a:t>
+            </a:r>
+            <a:r>
+              <a:rPr lang="en-US" altLang="zh-CN" dirty="0">
+                <a:latin typeface="Consolas" panose="020B0609020204030204" pitchFamily="49" charset="0"/>
+              </a:rPr>
+              <a:t>(x);</a:t>
+            </a:r>
+          </a:p>
+          <a:p>
+            <a:r>
+              <a:rPr lang="en-US" altLang="zh-CN" dirty="0">
+                <a:latin typeface="Consolas" panose="020B0609020204030204" pitchFamily="49" charset="0"/>
+              </a:rPr>
+              <a:t>                    </a:t>
+            </a:r>
+            <a:r>
+              <a:rPr lang="en-US" altLang="zh-CN" dirty="0" err="1">
+                <a:latin typeface="Consolas" panose="020B0609020204030204" pitchFamily="49" charset="0"/>
+              </a:rPr>
+              <a:t>l.add</a:t>
+            </a:r>
+            <a:r>
+              <a:rPr lang="en-US" altLang="zh-CN" dirty="0">
+                <a:latin typeface="Consolas" panose="020B0609020204030204" pitchFamily="49" charset="0"/>
+              </a:rPr>
+              <a:t>(</a:t>
+            </a:r>
+            <a:r>
+              <a:rPr lang="en-US" altLang="zh-CN" dirty="0" err="1">
+                <a:latin typeface="Consolas" panose="020B0609020204030204" pitchFamily="49" charset="0"/>
+              </a:rPr>
+              <a:t>nums</a:t>
+            </a:r>
+            <a:r>
+              <a:rPr lang="en-US" altLang="zh-CN" dirty="0">
+                <a:latin typeface="Consolas" panose="020B0609020204030204" pitchFamily="49" charset="0"/>
+              </a:rPr>
+              <a:t>[j]);</a:t>
+            </a:r>
+          </a:p>
+          <a:p>
+            <a:r>
+              <a:rPr lang="en-US" altLang="zh-CN" dirty="0">
+                <a:latin typeface="Consolas" panose="020B0609020204030204" pitchFamily="49" charset="0"/>
+              </a:rPr>
+              <a:t>                    </a:t>
+            </a:r>
+            <a:r>
+              <a:rPr lang="en-US" altLang="zh-CN" dirty="0" err="1">
+                <a:latin typeface="Consolas" panose="020B0609020204030204" pitchFamily="49" charset="0"/>
+              </a:rPr>
+              <a:t>l.add</a:t>
+            </a:r>
+            <a:r>
+              <a:rPr lang="en-US" altLang="zh-CN" dirty="0">
+                <a:latin typeface="Consolas" panose="020B0609020204030204" pitchFamily="49" charset="0"/>
+              </a:rPr>
+              <a:t>(</a:t>
+            </a:r>
+            <a:r>
+              <a:rPr lang="en-US" altLang="zh-CN" dirty="0" err="1">
+                <a:latin typeface="Consolas" panose="020B0609020204030204" pitchFamily="49" charset="0"/>
+              </a:rPr>
+              <a:t>nums</a:t>
+            </a:r>
+            <a:r>
+              <a:rPr lang="en-US" altLang="zh-CN" dirty="0">
+                <a:latin typeface="Consolas" panose="020B0609020204030204" pitchFamily="49" charset="0"/>
+              </a:rPr>
+              <a:t>[k]);</a:t>
+            </a:r>
+          </a:p>
+          <a:p>
+            <a:r>
+              <a:rPr lang="en-US" altLang="zh-CN" dirty="0">
+                <a:latin typeface="Consolas" panose="020B0609020204030204" pitchFamily="49" charset="0"/>
+              </a:rPr>
+              <a:t>                    </a:t>
+            </a:r>
+            <a:r>
+              <a:rPr lang="en-US" altLang="zh-CN" dirty="0" err="1">
+                <a:latin typeface="Consolas" panose="020B0609020204030204" pitchFamily="49" charset="0"/>
+              </a:rPr>
+              <a:t>ans.add</a:t>
+            </a:r>
+            <a:r>
+              <a:rPr lang="en-US" altLang="zh-CN" dirty="0">
+                <a:latin typeface="Consolas" panose="020B0609020204030204" pitchFamily="49" charset="0"/>
+              </a:rPr>
+              <a:t>(l);</a:t>
+            </a:r>
+          </a:p>
+          <a:p>
+            <a:r>
+              <a:rPr lang="en-US" altLang="zh-CN" dirty="0">
+                <a:latin typeface="Consolas" panose="020B0609020204030204" pitchFamily="49" charset="0"/>
+              </a:rPr>
+              <a:t>                }</a:t>
+            </a:r>
+          </a:p>
+          <a:p>
+            <a:r>
+              <a:rPr lang="en-US" altLang="zh-CN" dirty="0">
+                <a:latin typeface="Consolas" panose="020B0609020204030204" pitchFamily="49" charset="0"/>
+              </a:rPr>
+              <a:t>            }</a:t>
+            </a:r>
+          </a:p>
+          <a:p>
+            <a:r>
+              <a:rPr lang="en-US" altLang="zh-CN" dirty="0">
+                <a:latin typeface="Consolas" panose="020B0609020204030204" pitchFamily="49" charset="0"/>
+              </a:rPr>
+              <a:t>        }</a:t>
+            </a:r>
+          </a:p>
+          <a:p>
+            <a:r>
+              <a:rPr lang="en-US" altLang="zh-CN" dirty="0">
+                <a:latin typeface="Consolas" panose="020B0609020204030204" pitchFamily="49" charset="0"/>
+              </a:rPr>
+              <a:t>        return </a:t>
+            </a:r>
+            <a:r>
+              <a:rPr lang="en-US" altLang="zh-CN" dirty="0" err="1">
+                <a:latin typeface="Consolas" panose="020B0609020204030204" pitchFamily="49" charset="0"/>
+              </a:rPr>
+              <a:t>ans</a:t>
+            </a:r>
+            <a:r>
+              <a:rPr lang="en-US" altLang="zh-CN" dirty="0">
+                <a:latin typeface="Consolas" panose="020B0609020204030204" pitchFamily="49" charset="0"/>
+              </a:rPr>
+              <a:t>;</a:t>
+            </a:r>
+          </a:p>
+          <a:p>
+            <a:r>
+              <a:rPr lang="en-US" altLang="zh-CN" dirty="0">
+                <a:latin typeface="Consolas" panose="020B0609020204030204" pitchFamily="49" charset="0"/>
+              </a:rPr>
+              <a:t>    }</a:t>
+            </a:r>
+          </a:p>
+          <a:p>
+            <a:r>
+              <a:rPr lang="en-US" altLang="zh-CN" dirty="0">
+                <a:latin typeface="Consolas" panose="020B0609020204030204" pitchFamily="49" charset="0"/>
+              </a:rPr>
+              <a:t>}</a:t>
+            </a:r>
+            <a:endParaRPr lang="zh-CN" altLang="en-US" dirty="0">
+              <a:latin typeface="Consolas" panose="020B0609020204030204" pitchFamily="49" charset="0"/>
+            </a:endParaRPr>
+          </a:p>
+        </p:txBody>
+      </p:sp>
+      <p:sp>
+        <p:nvSpPr>
+          <p:cNvPr id="8" name="文本框 7">
+            <a:extLst>
+              <a:ext uri="{FF2B5EF4-FFF2-40B4-BE49-F238E27FC236}">
+                <a16:creationId xmlns:a16="http://schemas.microsoft.com/office/drawing/2014/main" id="{A1625FC7-4933-4DC4-8248-1B07E8A2820B}"/>
+              </a:ext>
+            </a:extLst>
+          </p:cNvPr>
+          <p:cNvSpPr txBox="1"/>
+          <p:nvPr/>
+        </p:nvSpPr>
+        <p:spPr>
+          <a:xfrm>
+            <a:off x="5637276" y="2990088"/>
+            <a:ext cx="914400" cy="914400"/>
+          </a:xfrm>
+          <a:prstGeom prst="rect">
+            <a:avLst/>
+          </a:prstGeom>
+          <a:noFill/>
+        </p:spPr>
+        <p:txBody>
+          <a:bodyPr wrap="square" rtlCol="0">
+            <a:spAutoFit/>
+          </a:bodyPr>
+          <a:lstStyle/>
+          <a:p>
+            <a:endParaRPr lang="zh-CN" altLang="en-US" dirty="0"/>
+          </a:p>
+        </p:txBody>
+      </p:sp>
+    </p:spTree>
+    <p:extLst>
+      <p:ext uri="{BB962C8B-B14F-4D97-AF65-F5344CB8AC3E}">
+        <p14:creationId xmlns:p14="http://schemas.microsoft.com/office/powerpoint/2010/main" val="436164145"/>
       </p:ext>
     </p:extLst>
   </p:cSld>
@@ -3593,7 +6813,7 @@
           <a:p>
             <a:r>
               <a:rPr lang="zh-CN" altLang="en-US" sz="2400" b="1" dirty="0"/>
-              <a:t>归并排序算法的时间复杂度分析</a:t>
+              <a:t>算法的时间复杂度分析</a:t>
             </a:r>
           </a:p>
         </p:txBody>
@@ -4419,7 +7639,7 @@
           <a:p>
             <a:r>
               <a:rPr lang="zh-CN" altLang="en-US" sz="2400" b="1" dirty="0"/>
-              <a:t>归并排序算法的时间复杂度分析</a:t>
+              <a:t>算法的时间复杂度分析</a:t>
             </a:r>
           </a:p>
         </p:txBody>
@@ -5217,7 +8437,7 @@
           <a:p>
             <a:r>
               <a:rPr lang="zh-CN" altLang="en-US" sz="2400" b="1" dirty="0"/>
-              <a:t>归并排序算法的时间复杂度分析</a:t>
+              <a:t>算法的时间复杂度分析</a:t>
             </a:r>
           </a:p>
         </p:txBody>
@@ -5236,8 +8456,8 @@
         </p:nvSpPr>
         <p:spPr>
           <a:xfrm>
-            <a:off x="1522535" y="1549557"/>
-            <a:ext cx="6300098" cy="338554"/>
+            <a:off x="1506503" y="1549557"/>
+            <a:ext cx="9404545" cy="338554"/>
           </a:xfrm>
           <a:prstGeom prst="rect">
             <a:avLst/>
@@ -5251,16 +8471,58 @@
           <a:lstStyle/>
           <a:p>
             <a:r>
-              <a:rPr lang="zh-CN" altLang="en-US" sz="1600" dirty="0">
-                <a:latin typeface="Consolas" panose="020B0609020204030204" pitchFamily="49" charset="0"/>
-              </a:rPr>
-              <a:t>递归调用</a:t>
-            </a:r>
-            <a:r>
-              <a:rPr lang="en-US" altLang="zh-CN" sz="1600" dirty="0">
-                <a:latin typeface="Consolas" panose="020B0609020204030204" pitchFamily="49" charset="0"/>
-              </a:rPr>
-              <a:t>: calc(l, mid, </a:t>
+              <a:rPr lang="en-US" altLang="zh-CN" sz="1600" dirty="0">
+                <a:latin typeface="Consolas" panose="020B0609020204030204" pitchFamily="49" charset="0"/>
+              </a:rPr>
+              <a:t>return </a:t>
+            </a:r>
+            <a:r>
+              <a:rPr lang="en-US" altLang="zh-CN" sz="1600" dirty="0" err="1">
+                <a:latin typeface="Consolas" panose="020B0609020204030204" pitchFamily="49" charset="0"/>
+              </a:rPr>
+              <a:t>Math.max</a:t>
+            </a:r>
+            <a:r>
+              <a:rPr lang="en-US" altLang="zh-CN" sz="1600" dirty="0">
+                <a:latin typeface="Consolas" panose="020B0609020204030204" pitchFamily="49" charset="0"/>
+              </a:rPr>
+              <a:t>(</a:t>
+            </a:r>
+            <a:r>
+              <a:rPr lang="en-US" altLang="zh-CN" sz="1600" dirty="0" err="1">
+                <a:latin typeface="Consolas" panose="020B0609020204030204" pitchFamily="49" charset="0"/>
+              </a:rPr>
+              <a:t>lmax</a:t>
+            </a:r>
+            <a:r>
+              <a:rPr lang="en-US" altLang="zh-CN" sz="1600" dirty="0">
+                <a:latin typeface="Consolas" panose="020B0609020204030204" pitchFamily="49" charset="0"/>
+              </a:rPr>
+              <a:t> + </a:t>
+            </a:r>
+            <a:r>
+              <a:rPr lang="en-US" altLang="zh-CN" sz="1600" dirty="0" err="1">
+                <a:latin typeface="Consolas" panose="020B0609020204030204" pitchFamily="49" charset="0"/>
+              </a:rPr>
+              <a:t>rmax</a:t>
+            </a:r>
+            <a:r>
+              <a:rPr lang="en-US" altLang="zh-CN" sz="1600" dirty="0">
+                <a:latin typeface="Consolas" panose="020B0609020204030204" pitchFamily="49" charset="0"/>
+              </a:rPr>
+              <a:t>, </a:t>
+            </a:r>
+            <a:r>
+              <a:rPr lang="en-US" altLang="zh-CN" sz="1600" dirty="0" err="1">
+                <a:latin typeface="Consolas" panose="020B0609020204030204" pitchFamily="49" charset="0"/>
+              </a:rPr>
+              <a:t>Math.max</a:t>
+            </a:r>
+            <a:r>
+              <a:rPr lang="en-US" altLang="zh-CN" sz="1600" dirty="0">
+                <a:latin typeface="Consolas" panose="020B0609020204030204" pitchFamily="49" charset="0"/>
+              </a:rPr>
+              <a:t>(calc(l, mid, </a:t>
             </a:r>
             <a:r>
               <a:rPr lang="en-US" altLang="zh-CN" sz="1600" dirty="0" err="1">
@@ -5272,19 +8534,7 @@
               <a:rPr lang="en-US" altLang="zh-CN" sz="1600" dirty="0">
                 <a:latin typeface="Consolas" panose="020B0609020204030204" pitchFamily="49" charset="0"/>
               </a:rPr>
-              <a:t>) </a:t>
-            </a:r>
-            <a:r>
-              <a:rPr lang="zh-CN" altLang="en-US" sz="1600" dirty="0">
-                <a:latin typeface="Consolas" panose="020B0609020204030204" pitchFamily="49" charset="0"/>
-              </a:rPr>
-              <a:t>和 </a:t>
-            </a:r>
-            <a:r>
-              <a:rPr lang="en-US" altLang="zh-CN" sz="1600" dirty="0">
-                <a:latin typeface="Consolas" panose="020B0609020204030204" pitchFamily="49" charset="0"/>
-              </a:rPr>
-              <a:t>calc(mid + 1, r, </a:t>
+              <a:t>), calc(mid + 1, r, </a:t>
             </a:r>
             <a:r>
               <a:rPr lang="en-US" altLang="zh-CN" sz="1600" dirty="0" err="1">
@@ -5296,7 +8546,7 @@
               <a:rPr lang="en-US" altLang="zh-CN" sz="1600" dirty="0">
                 <a:latin typeface="Consolas" panose="020B0609020204030204" pitchFamily="49" charset="0"/>
               </a:rPr>
-              <a:t>)</a:t>
+              <a:t>)));</a:t>
             </a:r>
           </a:p>
         </p:txBody>
@@ -5739,7 +8989,7 @@
         </p:nvSpPr>
         <p:spPr>
           <a:xfrm>
-            <a:off x="5650992" y="5139166"/>
+            <a:off x="5650991" y="5056814"/>
             <a:ext cx="557784" cy="338554"/>
           </a:xfrm>
           <a:prstGeom prst="rect">
@@ -5762,6 +9012,256 @@
           </a:p>
         </p:txBody>
       </p:sp>
+      <p:sp>
+        <p:nvSpPr>
+          <p:cNvPr id="13" name="文本框 12">
+            <a:extLst>
+              <a:ext uri="{FF2B5EF4-FFF2-40B4-BE49-F238E27FC236}">
+                <a16:creationId xmlns:a16="http://schemas.microsoft.com/office/drawing/2014/main" id="{594B13CF-D149-4AF0-B0CE-8B00B59382FA}"/>
+              </a:ext>
+            </a:extLst>
+          </p:cNvPr>
+          <p:cNvSpPr txBox="1"/>
+          <p:nvPr/>
+        </p:nvSpPr>
+        <p:spPr>
+          <a:xfrm>
+            <a:off x="3847534" y="5545887"/>
+            <a:ext cx="4164697" cy="338554"/>
+          </a:xfrm>
+          <a:prstGeom prst="rect">
+            <a:avLst/>
+          </a:prstGeom>
+          <a:noFill/>
+        </p:spPr>
+        <p:txBody>
+          <a:bodyPr wrap="square" rtlCol="0">
+            <a:spAutoFit/>
+          </a:bodyPr>
+          <a:lstStyle/>
+          <a:p>
+            <a:r>
+              <a:rPr lang="en-US" altLang="zh-CN" sz="1600" dirty="0">
+                <a:latin typeface="Consolas" panose="020B0609020204030204" pitchFamily="49" charset="0"/>
+              </a:rPr>
+              <a:t>n -&gt; n / 2 -&gt; n / 2 / 2 -&gt; ... -&gt; 1</a:t>
+            </a:r>
+          </a:p>
+        </p:txBody>
+      </p:sp>
+      <mc:AlternateContent xmlns:mc="http://schemas.openxmlformats.org/markup-compatibility/2006">
+        <mc:Choice xmlns:a14="http://schemas.microsoft.com/office/drawing/2010/main" Requires="a14">
+          <p:sp>
+            <p:nvSpPr>
+              <p:cNvPr id="14" name="文本框 13">
+                <a:extLst>
+                  <a:ext uri="{FF2B5EF4-FFF2-40B4-BE49-F238E27FC236}">
+                    <a16:creationId xmlns:a16="http://schemas.microsoft.com/office/drawing/2014/main" id="{791D283B-C73C-4F84-84C8-5034362F9C98}"/>
+                  </a:ext>
+                </a:extLst>
+              </p:cNvPr>
+              <p:cNvSpPr txBox="1"/>
+              <p:nvPr/>
+            </p:nvSpPr>
+            <p:spPr>
+              <a:xfrm>
+                <a:off x="3847534" y="6003346"/>
+                <a:ext cx="4164697" cy="338554"/>
+              </a:xfrm>
+              <a:prstGeom prst="rect">
+                <a:avLst/>
+              </a:prstGeom>
+              <a:noFill/>
+            </p:spPr>
+            <p:txBody>
+              <a:bodyPr wrap="square" rtlCol="0">
+                <a:spAutoFit/>
+              </a:bodyPr>
+              <a:lstStyle/>
+              <a:p>
+                <a14:m>
+                  <m:oMathPara xmlns:m="http://schemas.openxmlformats.org/officeDocument/2006/math">
+                    <m:oMathParaPr>
+                      <m:jc m:val="centerGroup"/>
+                    </m:oMathParaPr>
+                    <m:oMath xmlns:m="http://schemas.openxmlformats.org/officeDocument/2006/math">
+                      <m:sSup>
+                        <m:sSupPr>
+                          <m:ctrlPr>
+                            <a:rPr lang="en-US" altLang="zh-CN" sz="1600" dirty="0" smtClean="0">
+                              <a:solidFill>
+                                <a:srgbClr val="836967"/>
+                              </a:solidFill>
+                              <a:latin typeface="Cambria Math" panose="02040503050406030204" pitchFamily="18" charset="0"/>
+                            </a:rPr>
+                          </m:ctrlPr>
+                        </m:sSupPr>
+                        <m:e>
+                          <m:r>
+                            <a:rPr lang="en-US" altLang="zh-CN" sz="1600" dirty="0">
+                              <a:latin typeface="Cambria Math" panose="02040503050406030204" pitchFamily="18" charset="0"/>
+                            </a:rPr>
+                            <m:t>2</m:t>
+                          </m:r>
+                        </m:e>
+                        <m:sup>
+                          <m:r>
+                            <a:rPr lang="en-US" altLang="zh-CN" sz="1600" i="1" dirty="0">
+                              <a:latin typeface="Cambria Math" panose="02040503050406030204" pitchFamily="18" charset="0"/>
+                            </a:rPr>
+                            <m:t>𝑥</m:t>
+                          </m:r>
+                        </m:sup>
+                      </m:sSup>
+                      <m:r>
+                        <a:rPr lang="en-US" altLang="zh-CN" sz="1600" i="0" dirty="0">
+                          <a:latin typeface="Cambria Math" panose="02040503050406030204" pitchFamily="18" charset="0"/>
+                        </a:rPr>
+                        <m:t>=</m:t>
+                      </m:r>
+                      <m:r>
+                        <a:rPr lang="en-US" altLang="zh-CN" sz="1600" i="1" dirty="0">
+                          <a:latin typeface="Cambria Math" panose="02040503050406030204" pitchFamily="18" charset="0"/>
+                        </a:rPr>
+                        <m:t>𝑛</m:t>
+                      </m:r>
+                      <m:r>
+                        <a:rPr lang="en-US" altLang="zh-CN" sz="1600" i="0" dirty="0">
+                          <a:latin typeface="Cambria Math" panose="02040503050406030204" pitchFamily="18" charset="0"/>
+                        </a:rPr>
+                        <m:t>⇒</m:t>
+                      </m:r>
+                      <m:r>
+                        <a:rPr lang="en-US" altLang="zh-CN" sz="1600" i="1" dirty="0">
+                          <a:latin typeface="Cambria Math" panose="02040503050406030204" pitchFamily="18" charset="0"/>
+                        </a:rPr>
+                        <m:t>𝑥</m:t>
+                      </m:r>
+                      <m:r>
+                        <a:rPr lang="en-US" altLang="zh-CN" sz="1600" i="0" dirty="0">
+                          <a:latin typeface="Cambria Math" panose="02040503050406030204" pitchFamily="18" charset="0"/>
+                        </a:rPr>
+                        <m:t>=</m:t>
+                      </m:r>
+                      <m:func>
+                        <m:funcPr>
+                          <m:ctrlPr>
+                            <a:rPr lang="en-US" altLang="zh-CN" sz="1600" i="1" dirty="0">
+                              <a:latin typeface="Cambria Math" panose="02040503050406030204" pitchFamily="18" charset="0"/>
+                            </a:rPr>
+                          </m:ctrlPr>
+                        </m:funcPr>
+                        <m:fName>
+                          <m:sSub>
+                            <m:sSubPr>
+                              <m:ctrlPr>
+                                <a:rPr lang="en-US" altLang="zh-CN" sz="1600" i="1" dirty="0">
+                                  <a:solidFill>
+                                    <a:srgbClr val="836967"/>
+                                  </a:solidFill>
+                                  <a:latin typeface="Cambria Math" panose="02040503050406030204" pitchFamily="18" charset="0"/>
+                                </a:rPr>
+                              </m:ctrlPr>
+                            </m:sSubPr>
+                            <m:e>
+                              <m:r>
+                                <m:rPr>
+                                  <m:sty m:val="p"/>
+                                </m:rPr>
+                                <a:rPr lang="en-US" altLang="zh-CN" sz="1600" i="0" dirty="0">
+                                  <a:latin typeface="Cambria Math" panose="02040503050406030204" pitchFamily="18" charset="0"/>
+                                </a:rPr>
+                                <m:t>log</m:t>
+                              </m:r>
+                            </m:e>
+                            <m:sub>
+                              <m:r>
+                                <a:rPr lang="en-US" altLang="zh-CN" sz="1600" i="0" dirty="0">
+                                  <a:latin typeface="Cambria Math" panose="02040503050406030204" pitchFamily="18" charset="0"/>
+                                </a:rPr>
+                                <m:t>2</m:t>
+                              </m:r>
+                            </m:sub>
+                          </m:sSub>
+                        </m:fName>
+                        <m:e>
+                          <m:d>
+                            <m:dPr>
+                              <m:ctrlPr>
+                                <a:rPr lang="en-US" altLang="zh-CN" sz="1600" i="1" dirty="0">
+                                  <a:solidFill>
+                                    <a:srgbClr val="836967"/>
+                                  </a:solidFill>
+                                  <a:latin typeface="Cambria Math" panose="02040503050406030204" pitchFamily="18" charset="0"/>
+                                </a:rPr>
+                              </m:ctrlPr>
+                            </m:dPr>
+                            <m:e>
+                              <m:r>
+                                <a:rPr lang="en-US" altLang="zh-CN" sz="1600" i="1" dirty="0">
+                                  <a:latin typeface="Cambria Math" panose="02040503050406030204" pitchFamily="18" charset="0"/>
+                                </a:rPr>
+                                <m:t>𝑛</m:t>
+                              </m:r>
+                            </m:e>
+                          </m:d>
+                        </m:e>
+                      </m:func>
+                    </m:oMath>
+                  </m:oMathPara>
+                </a14:m>
+                <a:endParaRPr lang="en-US" altLang="zh-CN" sz="1600" dirty="0">
+                  <a:latin typeface="Consolas" panose="020B0609020204030204" pitchFamily="49" charset="0"/>
+                </a:endParaRPr>
+              </a:p>
+            </p:txBody>
+          </p:sp>
+        </mc:Choice>
+        <mc:Fallback>
+          <p:sp>
+            <p:nvSpPr>
+              <p:cNvPr id="14" name="文本框 13">
+                <a:extLst>
+                  <a:ext uri="{FF2B5EF4-FFF2-40B4-BE49-F238E27FC236}">
+                    <a16:creationId xmlns:a16="http://schemas.microsoft.com/office/drawing/2014/main" id="{791D283B-C73C-4F84-84C8-5034362F9C98}"/>
+                  </a:ext>
+                </a:extLst>
+              </p:cNvPr>
+              <p:cNvSpPr txBox="1">
+                <a:spLocks noRot="1" noChangeAspect="1" noMove="1" noResize="1" noEditPoints="1" noAdjustHandles="1" noChangeArrowheads="1" noChangeShapeType="1" noTextEdit="1"/>
+              </p:cNvSpPr>
+              <p:nvPr/>
+            </p:nvSpPr>
+            <p:spPr>
+              <a:xfrm>
+                <a:off x="3847534" y="6003346"/>
+                <a:ext cx="4164697" cy="338554"/>
+              </a:xfrm>
+              <a:prstGeom prst="rect">
+                <a:avLst/>
+              </a:prstGeom>
+              <a:blipFill>
+                <a:blip r:embed="rId3"/>
+                <a:stretch>
+                  <a:fillRect b="-14545"/>
+                </a:stretch>
+              </a:blipFill>
+            </p:spPr>
+            <p:txBody>
+              <a:bodyPr/>
+              <a:lstStyle/>
+              <a:p>
+                <a:r>
+                  <a:rPr lang="zh-CN" altLang="en-US">
+                    <a:noFill/>
+                  </a:rPr>
+                  <a:t> </a:t>
+                </a:r>
+              </a:p>
+            </p:txBody>
+          </p:sp>
+        </mc:Fallback>
+      </mc:AlternateContent>
     </p:spTree>
     <p:extLst>
       <p:ext uri="{BB962C8B-B14F-4D97-AF65-F5344CB8AC3E}">
@@ -6698,6 +10198,204 @@
                       </p:childTnLst>
                     </p:cTn>
                   </p:par>
+                  <p:par>
+                    <p:cTn id="65" fill="hold">
+                      <p:stCondLst>
+                        <p:cond delay="indefinite"/>
+                      </p:stCondLst>
+                      <p:childTnLst>
+                        <p:par>
+                          <p:cTn id="66" fill="hold">
+                            <p:stCondLst>
+                              <p:cond delay="0"/>
+                            </p:stCondLst>
+                            <p:childTnLst>
+                              <p:par>
+                                <p:cTn id="67" presetID="42" presetClass="entr" presetSubtype="0" fill="hold" grpId="0" nodeType="clickEffect">
+                                  <p:stCondLst>
+                                    <p:cond delay="0"/>
+                                  </p:stCondLst>
+                                  <p:childTnLst>
+                                    <p:set>
+                                      <p:cBhvr>
+                                        <p:cTn id="68" dur="1" fill="hold">
+                                          <p:stCondLst>
+                                            <p:cond delay="0"/>
+                                          </p:stCondLst>
+                                        </p:cTn>
+                                        <p:tgtEl>
+                                          <p:spTgt spid="13"/>
+                                        </p:tgtEl>
+                                        <p:attrNameLst>
+                                          <p:attrName>style.visibility</p:attrName>
+                                        </p:attrNameLst>
+                                      </p:cBhvr>
+                                      <p:to>
+                                        <p:strVal val="visible"/>
+                                      </p:to>
+                                    </p:set>
+                                    <p:animEffect transition="in" filter="fade">
+                                      <p:cBhvr>
+                                        <p:cTn id="69" dur="1000"/>
+                                        <p:tgtEl>
+                                          <p:spTgt spid="13"/>
+                                        </p:tgtEl>
+                                      </p:cBhvr>
+                                    </p:animEffect>
+                                    <p:anim calcmode="lin" valueType="num">
+                                      <p:cBhvr>
+                                        <p:cTn id="70" dur="1000" fill="hold"/>
+                                        <p:tgtEl>
+                                          <p:spTgt spid="13"/>
+                                        </p:tgtEl>
+                                        <p:attrNameLst>
+                                          <p:attrName>ppt_x</p:attrName>
+                                        </p:attrNameLst>
+                                      </p:cBhvr>
+                                      <p:tavLst>
+                                        <p:tav tm="0">
+                                          <p:val>
+                                            <p:strVal val="#ppt_x"/>
+                                          </p:val>
+                                        </p:tav>
+                                        <p:tav tm="100000">
+                                          <p:val>
+                                            <p:strVal val="#ppt_x"/>
+                                          </p:val>
+                                        </p:tav>
+                                      </p:tavLst>
+                                    </p:anim>
+                                    <p:anim calcmode="lin" valueType="num">
+                                      <p:cBhvr>
+                                        <p:cTn id="71" dur="1000" fill="hold"/>
+                                        <p:tgtEl>
+                                          <p:spTgt spid="13"/>
+                                        </p:tgtEl>
+                                        <p:attrNameLst>
+                                          <p:attrName>ppt_y</p:attrName>
+                                        </p:attrNameLst>
+                                      </p:cBhvr>
+                                      <p:tavLst>
+                                        <p:tav tm="0">
+                                          <p:val>
+                                            <p:strVal val="#ppt_y+.1"/>
+                                          </p:val>
+                                        </p:tav>
+                                        <p:tav tm="100000">
+                                          <p:val>
+                                            <p:strVal val="#ppt_y"/>
+                                          </p:val>
+                                        </p:tav>
+                                      </p:tavLst>
+                                    </p:anim>
+                                  </p:childTnLst>
+                                </p:cTn>
+                              </p:par>
+                            </p:childTnLst>
+                          </p:cTn>
+                        </p:par>
+                      </p:childTnLst>
+                    </p:cTn>
+                  </p:par>
+                  <p:par>
+                    <p:cTn id="72" fill="hold">
+                      <p:stCondLst>
+                        <p:cond delay="indefinite"/>
+                      </p:stCondLst>
+                      <p:childTnLst>
+                        <p:par>
+                          <p:cTn id="73" fill="hold">
+                            <p:stCondLst>
+                              <p:cond delay="0"/>
+                            </p:stCondLst>
+                            <p:childTnLst>
+                              <p:par>
+                                <p:cTn id="74" presetID="42" presetClass="entr" presetSubtype="0" fill="hold" grpId="0" nodeType="clickEffect">
+                                  <p:stCondLst>
+                                    <p:cond delay="0"/>
+                                  </p:stCondLst>
+                                  <p:childTnLst>
+                                    <p:set>
+                                      <p:cBhvr>
+                                        <p:cTn id="75" dur="1" fill="hold">
+                                          <p:stCondLst>
+                                            <p:cond delay="0"/>
+                                          </p:stCondLst>
+                                        </p:cTn>
+                                        <p:tgtEl>
+                                          <p:spTgt spid="14"/>
+                                        </p:tgtEl>
+                                        <p:attrNameLst>
+                                          <p:attrName>style.visibility</p:attrName>
+                                        </p:attrNameLst>
+                                      </p:cBhvr>
+                                      <p:to>
+                                        <p:strVal val="visible"/>
+                                      </p:to>
+                                    </p:set>
+                                    <p:animEffect transition="in" filter="fade">
+                                      <p:cBhvr>
+                                        <p:cTn id="76" dur="1000"/>
+                                        <p:tgtEl>
+                                          <p:spTgt spid="14"/>
+                                        </p:tgtEl>
+                                      </p:cBhvr>
+                                    </p:animEffect>
+                                    <p:anim calcmode="lin" valueType="num">
+                                      <p:cBhvr>
+                                        <p:cTn id="77" dur="1000" fill="hold"/>
+                                        <p:tgtEl>
+                                          <p:spTgt spid="14"/>
+                                        </p:tgtEl>
+                                        <p:attrNameLst>
+                                          <p:attrName>ppt_x</p:attrName>
+                                        </p:attrNameLst>
+                                      </p:cBhvr>
+                                      <p:tavLst>
+                                        <p:tav tm="0">
+                                          <p:val>
+                                            <p:strVal val="#ppt_x"/>
+                                          </p:val>
+                                        </p:tav>
+                                        <p:tav tm="100000">
+                                          <p:val>
+                                            <p:strVal val="#ppt_x"/>
+                                          </p:val>
+                                        </p:tav>
+                                      </p:tavLst>
+                                    </p:anim>
+                                    <p:anim calcmode="lin" valueType="num">
+                                      <p:cBhvr>
+                                        <p:cTn id="78" dur="1000" fill="hold"/>
+                                        <p:tgtEl>
+                                          <p:spTgt spid="14"/>
+                                        </p:tgtEl>
+                                        <p:attrNameLst>
+                                          <p:attrName>ppt_y</p:attrName>
+                                        </p:attrNameLst>
+                                      </p:cBhvr>
+                                      <p:tavLst>
+                                        <p:tav tm="0">
+                                          <p:val>
+                                            <p:strVal val="#ppt_y+.1"/>
+                                          </p:val>
+                                        </p:tav>
+                                        <p:tav tm="100000">
+                                          <p:val>
+                                            <p:strVal val="#ppt_y"/>
+                                          </p:val>
+                                        </p:tav>
+                                      </p:tavLst>
+                                    </p:anim>
+                                  </p:childTnLst>
+                                </p:cTn>
+                              </p:par>
+                            </p:childTnLst>
+                          </p:cTn>
+                        </p:par>
+                      </p:childTnLst>
+                    </p:cTn>
+                  </p:par>
                 </p:childTnLst>
               </p:cTn>
               <p:prevCondLst>
@@ -6726,6 +10424,8 @@
       <p:bldP spid="21" grpId="0"/>
       <p:bldP spid="22" grpId="0"/>
       <p:bldP spid="29" grpId="0"/>
+      <p:bldP spid="13" grpId="0"/>
+      <p:bldP spid="14" grpId="0"/>
     </p:bldLst>
   </p:timing>
 </p:sld>
@@ -6748,6 +10448,405 @@
           <a:chExt cx="0" cy="0"/>
         </a:xfrm>
       </p:grpSpPr>
+      <p:sp>
+        <p:nvSpPr>
+          <p:cNvPr id="3" name="文本框 2">
+            <a:extLst>
+              <a:ext uri="{FF2B5EF4-FFF2-40B4-BE49-F238E27FC236}">
+                <a16:creationId xmlns:a16="http://schemas.microsoft.com/office/drawing/2014/main" id="{4B8D8BC8-C370-4053-9761-9FA1357F4E58}"/>
+              </a:ext>
+            </a:extLst>
+          </p:cNvPr>
+          <p:cNvSpPr txBox="1"/>
+          <p:nvPr/>
+        </p:nvSpPr>
+        <p:spPr>
+          <a:xfrm>
+            <a:off x="1010412" y="768096"/>
+            <a:ext cx="4764024" cy="461665"/>
+          </a:xfrm>
+          <a:prstGeom prst="rect">
+            <a:avLst/>
+          </a:prstGeom>
+          <a:noFill/>
+        </p:spPr>
+        <p:txBody>
+          <a:bodyPr wrap="square" rtlCol="0">
+            <a:spAutoFit/>
+          </a:bodyPr>
+          <a:lstStyle/>
+          <a:p>
+            <a:r>
+              <a:rPr lang="zh-CN" altLang="en-US" sz="2400" b="1" dirty="0"/>
+              <a:t>快速排序时间复杂度分析</a:t>
+            </a:r>
+          </a:p>
+        </p:txBody>
+      </p:sp>
+      <p:sp>
+        <p:nvSpPr>
+          <p:cNvPr id="4" name="文本框 3">
+            <a:extLst>
+              <a:ext uri="{FF2B5EF4-FFF2-40B4-BE49-F238E27FC236}">
+                <a16:creationId xmlns:a16="http://schemas.microsoft.com/office/drawing/2014/main" id="{85247110-AD9D-4AB8-A9FA-B6A29E2205E0}"/>
+              </a:ext>
+            </a:extLst>
+          </p:cNvPr>
+          <p:cNvSpPr txBox="1"/>
+          <p:nvPr/>
+        </p:nvSpPr>
+        <p:spPr>
+          <a:xfrm>
+            <a:off x="1904318" y="1503837"/>
+            <a:ext cx="6681898" cy="4031873"/>
+          </a:xfrm>
+          <a:prstGeom prst="rect">
+            <a:avLst/>
+          </a:prstGeom>
+          <a:noFill/>
+        </p:spPr>
+        <p:txBody>
+          <a:bodyPr wrap="square" rtlCol="0">
+            <a:spAutoFit/>
+          </a:bodyPr>
+          <a:lstStyle/>
+          <a:p>
+            <a:r>
+              <a:rPr lang="en-US" altLang="zh-CN" sz="1600" dirty="0">
+                <a:latin typeface="Consolas" panose="020B0609020204030204" pitchFamily="49" charset="0"/>
+              </a:rPr>
+              <a:t>// swap</a:t>
+            </a:r>
+            <a:r>
+              <a:rPr lang="zh-CN" altLang="en-US" sz="1600" dirty="0">
+                <a:latin typeface="Consolas" panose="020B0609020204030204" pitchFamily="49" charset="0"/>
+              </a:rPr>
+              <a:t>函数已经定义</a:t>
+            </a:r>
+            <a:endParaRPr lang="en-US" altLang="zh-CN" sz="1600" dirty="0">
+              <a:latin typeface="Consolas" panose="020B0609020204030204" pitchFamily="49" charset="0"/>
+            </a:endParaRPr>
+          </a:p>
+          <a:p>
+            <a:r>
+              <a:rPr lang="en-US" altLang="zh-CN" sz="1600" dirty="0">
+                <a:latin typeface="Consolas" panose="020B0609020204030204" pitchFamily="49" charset="0"/>
+              </a:rPr>
+              <a:t>function </a:t>
+            </a:r>
+            <a:r>
+              <a:rPr lang="en-US" altLang="zh-CN" sz="1600" dirty="0" err="1">
+                <a:latin typeface="Consolas" panose="020B0609020204030204" pitchFamily="49" charset="0"/>
+              </a:rPr>
+              <a:t>quickSort</a:t>
+            </a:r>
+            <a:r>
+              <a:rPr lang="en-US" altLang="zh-CN" sz="1600" dirty="0">
+                <a:latin typeface="Consolas" panose="020B0609020204030204" pitchFamily="49" charset="0"/>
+              </a:rPr>
+              <a:t>(</a:t>
+            </a:r>
+            <a:r>
+              <a:rPr lang="en-US" altLang="zh-CN" sz="1600" dirty="0" err="1">
+                <a:latin typeface="Consolas" panose="020B0609020204030204" pitchFamily="49" charset="0"/>
+              </a:rPr>
+              <a:t>arr</a:t>
+            </a:r>
+            <a:r>
+              <a:rPr lang="en-US" altLang="zh-CN" sz="1600" dirty="0">
+                <a:latin typeface="Consolas" panose="020B0609020204030204" pitchFamily="49" charset="0"/>
+              </a:rPr>
+              <a:t>, l = 0, r = </a:t>
+            </a:r>
+            <a:r>
+              <a:rPr lang="en-US" altLang="zh-CN" sz="1600" dirty="0" err="1">
+                <a:latin typeface="Consolas" panose="020B0609020204030204" pitchFamily="49" charset="0"/>
+              </a:rPr>
+              <a:t>arr.length</a:t>
+            </a:r>
+            <a:r>
+              <a:rPr lang="en-US" altLang="zh-CN" sz="1600" dirty="0">
+                <a:latin typeface="Consolas" panose="020B0609020204030204" pitchFamily="49" charset="0"/>
+              </a:rPr>
+              <a:t> - 1) {</a:t>
+            </a:r>
+          </a:p>
+          <a:p>
+            <a:r>
+              <a:rPr lang="en-US" altLang="zh-CN" sz="1600" dirty="0">
+                <a:latin typeface="Consolas" panose="020B0609020204030204" pitchFamily="49" charset="0"/>
+              </a:rPr>
+              <a:t>    if (l &gt;= r) return;</a:t>
+            </a:r>
+          </a:p>
+          <a:p>
+            <a:r>
+              <a:rPr lang="en-US" altLang="zh-CN" sz="1600" dirty="0">
+                <a:latin typeface="Consolas" panose="020B0609020204030204" pitchFamily="49" charset="0"/>
+              </a:rPr>
+              <a:t>    let pivot = </a:t>
+            </a:r>
+            <a:r>
+              <a:rPr lang="en-US" altLang="zh-CN" sz="1600" dirty="0" err="1">
+                <a:latin typeface="Consolas" panose="020B0609020204030204" pitchFamily="49" charset="0"/>
+              </a:rPr>
+              <a:t>arr</a:t>
+            </a:r>
+            <a:r>
+              <a:rPr lang="en-US" altLang="zh-CN" sz="1600" dirty="0">
+                <a:latin typeface="Consolas" panose="020B0609020204030204" pitchFamily="49" charset="0"/>
+              </a:rPr>
+              <a:t>[l];</a:t>
+            </a:r>
+          </a:p>
+          <a:p>
+            <a:endParaRPr lang="en-US" altLang="zh-CN" sz="1600" dirty="0">
+              <a:latin typeface="Consolas" panose="020B0609020204030204" pitchFamily="49" charset="0"/>
+            </a:endParaRPr>
+          </a:p>
+          <a:p>
+            <a:r>
+              <a:rPr lang="en-US" altLang="zh-CN" sz="1600" dirty="0">
+                <a:latin typeface="Consolas" panose="020B0609020204030204" pitchFamily="49" charset="0"/>
+              </a:rPr>
+              <a:t>    let </a:t>
+            </a:r>
+            <a:r>
+              <a:rPr lang="en-US" altLang="zh-CN" sz="1600" dirty="0" err="1">
+                <a:latin typeface="Consolas" panose="020B0609020204030204" pitchFamily="49" charset="0"/>
+              </a:rPr>
+              <a:t>i</a:t>
+            </a:r>
+            <a:r>
+              <a:rPr lang="en-US" altLang="zh-CN" sz="1600" dirty="0">
+                <a:latin typeface="Consolas" panose="020B0609020204030204" pitchFamily="49" charset="0"/>
+              </a:rPr>
+              <a:t> = l;</a:t>
+            </a:r>
+          </a:p>
+          <a:p>
+            <a:r>
+              <a:rPr lang="en-US" altLang="zh-CN" sz="1600" dirty="0">
+                <a:latin typeface="Consolas" panose="020B0609020204030204" pitchFamily="49" charset="0"/>
+              </a:rPr>
+              <a:t>    for (let j = l + 1; j &lt;= r; </a:t>
+            </a:r>
+            <a:r>
+              <a:rPr lang="en-US" altLang="zh-CN" sz="1600" dirty="0" err="1">
+                <a:latin typeface="Consolas" panose="020B0609020204030204" pitchFamily="49" charset="0"/>
+              </a:rPr>
+              <a:t>j++</a:t>
+            </a:r>
+            <a:r>
+              <a:rPr lang="en-US" altLang="zh-CN" sz="1600" dirty="0">
+                <a:latin typeface="Consolas" panose="020B0609020204030204" pitchFamily="49" charset="0"/>
+              </a:rPr>
+              <a:t>) {</a:t>
+            </a:r>
+          </a:p>
+          <a:p>
+            <a:r>
+              <a:rPr lang="en-US" altLang="zh-CN" sz="1600" dirty="0">
+                <a:latin typeface="Consolas" panose="020B0609020204030204" pitchFamily="49" charset="0"/>
+              </a:rPr>
+              <a:t>        if (</a:t>
+            </a:r>
+            <a:r>
+              <a:rPr lang="en-US" altLang="zh-CN" sz="1600" dirty="0" err="1">
+                <a:latin typeface="Consolas" panose="020B0609020204030204" pitchFamily="49" charset="0"/>
+              </a:rPr>
+              <a:t>arr</a:t>
+            </a:r>
+            <a:r>
+              <a:rPr lang="en-US" altLang="zh-CN" sz="1600" dirty="0">
+                <a:latin typeface="Consolas" panose="020B0609020204030204" pitchFamily="49" charset="0"/>
+              </a:rPr>
+              <a:t>[j] &lt;= pivot) {</a:t>
+            </a:r>
+          </a:p>
+          <a:p>
+            <a:r>
+              <a:rPr lang="en-US" altLang="zh-CN" sz="1600" dirty="0">
+                <a:latin typeface="Consolas" panose="020B0609020204030204" pitchFamily="49" charset="0"/>
+              </a:rPr>
+              <a:t>            swap(</a:t>
+            </a:r>
+            <a:r>
+              <a:rPr lang="en-US" altLang="zh-CN" sz="1600" dirty="0" err="1">
+                <a:latin typeface="Consolas" panose="020B0609020204030204" pitchFamily="49" charset="0"/>
+              </a:rPr>
+              <a:t>arr</a:t>
+            </a:r>
+            <a:r>
+              <a:rPr lang="en-US" altLang="zh-CN" sz="1600" dirty="0">
+                <a:latin typeface="Consolas" panose="020B0609020204030204" pitchFamily="49" charset="0"/>
+              </a:rPr>
+              <a:t>, ++</a:t>
+            </a:r>
+            <a:r>
+              <a:rPr lang="en-US" altLang="zh-CN" sz="1600" dirty="0" err="1">
+                <a:latin typeface="Consolas" panose="020B0609020204030204" pitchFamily="49" charset="0"/>
+              </a:rPr>
+              <a:t>i</a:t>
+            </a:r>
+            <a:r>
+              <a:rPr lang="en-US" altLang="zh-CN" sz="1600" dirty="0">
+                <a:latin typeface="Consolas" panose="020B0609020204030204" pitchFamily="49" charset="0"/>
+              </a:rPr>
+              <a:t>, j);</a:t>
+            </a:r>
+          </a:p>
+          <a:p>
+            <a:r>
+              <a:rPr lang="en-US" altLang="zh-CN" sz="1600" dirty="0">
+                <a:latin typeface="Consolas" panose="020B0609020204030204" pitchFamily="49" charset="0"/>
+              </a:rPr>
+              <a:t>        }</a:t>
+            </a:r>
+          </a:p>
+          <a:p>
+            <a:r>
+              <a:rPr lang="en-US" altLang="zh-CN" sz="1600" dirty="0">
+                <a:latin typeface="Consolas" panose="020B0609020204030204" pitchFamily="49" charset="0"/>
+              </a:rPr>
+              <a:t>    }</a:t>
+            </a:r>
+          </a:p>
+          <a:p>
+            <a:r>
+              <a:rPr lang="en-US" altLang="zh-CN" sz="1600" dirty="0">
+                <a:latin typeface="Consolas" panose="020B0609020204030204" pitchFamily="49" charset="0"/>
+              </a:rPr>
+              <a:t>    swap(</a:t>
+            </a:r>
+            <a:r>
+              <a:rPr lang="en-US" altLang="zh-CN" sz="1600" dirty="0" err="1">
+                <a:latin typeface="Consolas" panose="020B0609020204030204" pitchFamily="49" charset="0"/>
+              </a:rPr>
+              <a:t>arr</a:t>
+            </a:r>
+            <a:r>
+              <a:rPr lang="en-US" altLang="zh-CN" sz="1600" dirty="0">
+                <a:latin typeface="Consolas" panose="020B0609020204030204" pitchFamily="49" charset="0"/>
+              </a:rPr>
+              <a:t>, l, </a:t>
+            </a:r>
+            <a:r>
+              <a:rPr lang="en-US" altLang="zh-CN" sz="1600" dirty="0" err="1">
+                <a:latin typeface="Consolas" panose="020B0609020204030204" pitchFamily="49" charset="0"/>
+              </a:rPr>
+              <a:t>i</a:t>
+            </a:r>
+            <a:r>
+              <a:rPr lang="en-US" altLang="zh-CN" sz="1600" dirty="0">
+                <a:latin typeface="Consolas" panose="020B0609020204030204" pitchFamily="49" charset="0"/>
+              </a:rPr>
+              <a:t>);</a:t>
+            </a:r>
+          </a:p>
+          <a:p>
+            <a:endParaRPr lang="en-US" altLang="zh-CN" sz="1600" dirty="0">
+              <a:latin typeface="Consolas" panose="020B0609020204030204" pitchFamily="49" charset="0"/>
+            </a:endParaRPr>
+          </a:p>
+          <a:p>
+            <a:r>
+              <a:rPr lang="en-US" altLang="zh-CN" sz="1600" dirty="0">
+                <a:latin typeface="Consolas" panose="020B0609020204030204" pitchFamily="49" charset="0"/>
+              </a:rPr>
+              <a:t>    </a:t>
+            </a:r>
+            <a:r>
+              <a:rPr lang="en-US" altLang="zh-CN" sz="1600" dirty="0" err="1">
+                <a:latin typeface="Consolas" panose="020B0609020204030204" pitchFamily="49" charset="0"/>
+              </a:rPr>
+              <a:t>quickSort</a:t>
+            </a:r>
+            <a:r>
+              <a:rPr lang="en-US" altLang="zh-CN" sz="1600" dirty="0">
+                <a:latin typeface="Consolas" panose="020B0609020204030204" pitchFamily="49" charset="0"/>
+              </a:rPr>
+              <a:t>(</a:t>
+            </a:r>
+            <a:r>
+              <a:rPr lang="en-US" altLang="zh-CN" sz="1600" dirty="0" err="1">
+                <a:latin typeface="Consolas" panose="020B0609020204030204" pitchFamily="49" charset="0"/>
+              </a:rPr>
+              <a:t>arr</a:t>
+            </a:r>
+            <a:r>
+              <a:rPr lang="en-US" altLang="zh-CN" sz="1600" dirty="0">
+                <a:latin typeface="Consolas" panose="020B0609020204030204" pitchFamily="49" charset="0"/>
+              </a:rPr>
+              <a:t>, l, </a:t>
+            </a:r>
+            <a:r>
+              <a:rPr lang="en-US" altLang="zh-CN" sz="1600" dirty="0" err="1">
+                <a:latin typeface="Consolas" panose="020B0609020204030204" pitchFamily="49" charset="0"/>
+              </a:rPr>
+              <a:t>i</a:t>
+            </a:r>
+            <a:r>
+              <a:rPr lang="en-US" altLang="zh-CN" sz="1600" dirty="0">
+                <a:latin typeface="Consolas" panose="020B0609020204030204" pitchFamily="49" charset="0"/>
+              </a:rPr>
+              <a:t> - 1);</a:t>
+            </a:r>
+          </a:p>
+          <a:p>
+            <a:r>
+              <a:rPr lang="en-US" altLang="zh-CN" sz="1600" dirty="0">
+                <a:latin typeface="Consolas" panose="020B0609020204030204" pitchFamily="49" charset="0"/>
+              </a:rPr>
+              <a:t>    </a:t>
+            </a:r>
+            <a:r>
+              <a:rPr lang="en-US" altLang="zh-CN" sz="1600" dirty="0" err="1">
+                <a:latin typeface="Consolas" panose="020B0609020204030204" pitchFamily="49" charset="0"/>
+              </a:rPr>
+              <a:t>quickSort</a:t>
+            </a:r>
+            <a:r>
+              <a:rPr lang="en-US" altLang="zh-CN" sz="1600" dirty="0">
+                <a:latin typeface="Consolas" panose="020B0609020204030204" pitchFamily="49" charset="0"/>
+              </a:rPr>
+              <a:t>(</a:t>
+            </a:r>
+            <a:r>
+              <a:rPr lang="en-US" altLang="zh-CN" sz="1600" dirty="0" err="1">
+                <a:latin typeface="Consolas" panose="020B0609020204030204" pitchFamily="49" charset="0"/>
+              </a:rPr>
+              <a:t>arr</a:t>
+            </a:r>
+            <a:r>
+              <a:rPr lang="en-US" altLang="zh-CN" sz="1600" dirty="0">
+                <a:latin typeface="Consolas" panose="020B0609020204030204" pitchFamily="49" charset="0"/>
+              </a:rPr>
+              <a:t>, </a:t>
+            </a:r>
+            <a:r>
+              <a:rPr lang="en-US" altLang="zh-CN" sz="1600" dirty="0" err="1">
+                <a:latin typeface="Consolas" panose="020B0609020204030204" pitchFamily="49" charset="0"/>
+              </a:rPr>
+              <a:t>i</a:t>
+            </a:r>
+            <a:r>
+              <a:rPr lang="en-US" altLang="zh-CN" sz="1600" dirty="0">
+                <a:latin typeface="Consolas" panose="020B0609020204030204" pitchFamily="49" charset="0"/>
+              </a:rPr>
+              <a:t> + 1, r);</a:t>
+            </a:r>
+          </a:p>
+          <a:p>
+            <a:r>
+              <a:rPr lang="en-US" altLang="zh-CN" sz="1600" dirty="0">
+                <a:latin typeface="Consolas" panose="020B0609020204030204" pitchFamily="49" charset="0"/>
+              </a:rPr>
+              <a:t>}</a:t>
+            </a:r>
+          </a:p>
+        </p:txBody>
+      </p:sp>
     </p:spTree>
     <p:extLst>
       <p:ext uri="{BB962C8B-B14F-4D97-AF65-F5344CB8AC3E}">
@@ -6758,6 +10857,4352 @@
   <p:clrMapOvr>
     <a:masterClrMapping/>
   </p:clrMapOvr>
+  <p:timing>
+    <p:tnLst>
+      <p:par>
+        <p:cTn id="1" dur="indefinite" restart="never" nodeType="tmRoot">
+          <p:childTnLst>
+            <p:seq concurrent="1" nextAc="seek">
+              <p:cTn id="2" dur="indefinite" nodeType="mainSeq">
+                <p:childTnLst>
+                  <p:par>
+                    <p:cTn id="3" fill="hold">
+                      <p:stCondLst>
+                        <p:cond delay="indefinite"/>
+                      </p:stCondLst>
+                      <p:childTnLst>
+                        <p:par>
+                          <p:cTn id="4" fill="hold">
+                            <p:stCondLst>
+                              <p:cond delay="0"/>
+                            </p:stCondLst>
+                            <p:childTnLst>
+                              <p:par>
+                                <p:cTn id="5" presetID="42" presetClass="entr" presetSubtype="0" fill="hold" grpId="0" nodeType="clickEffect">
+                                  <p:stCondLst>
+                                    <p:cond delay="0"/>
+                                  </p:stCondLst>
+                                  <p:childTnLst>
+                                    <p:set>
+                                      <p:cBhvr>
+                                        <p:cTn id="6" dur="1" fill="hold">
+                                          <p:stCondLst>
+                                            <p:cond delay="0"/>
+                                          </p:stCondLst>
+                                        </p:cTn>
+                                        <p:tgtEl>
+                                          <p:spTgt spid="4"/>
+                                        </p:tgtEl>
+                                        <p:attrNameLst>
+                                          <p:attrName>style.visibility</p:attrName>
+                                        </p:attrNameLst>
+                                      </p:cBhvr>
+                                      <p:to>
+                                        <p:strVal val="visible"/>
+                                      </p:to>
+                                    </p:set>
+                                    <p:animEffect transition="in" filter="fade">
+                                      <p:cBhvr>
+                                        <p:cTn id="7" dur="1000"/>
+                                        <p:tgtEl>
+                                          <p:spTgt spid="4"/>
+                                        </p:tgtEl>
+                                      </p:cBhvr>
+                                    </p:animEffect>
+                                    <p:anim calcmode="lin" valueType="num">
+                                      <p:cBhvr>
+                                        <p:cTn id="8" dur="1000" fill="hold"/>
+                                        <p:tgtEl>
+                                          <p:spTgt spid="4"/>
+                                        </p:tgtEl>
+                                        <p:attrNameLst>
+                                          <p:attrName>ppt_x</p:attrName>
+                                        </p:attrNameLst>
+                                      </p:cBhvr>
+                                      <p:tavLst>
+                                        <p:tav tm="0">
+                                          <p:val>
+                                            <p:strVal val="#ppt_x"/>
+                                          </p:val>
+                                        </p:tav>
+                                        <p:tav tm="100000">
+                                          <p:val>
+                                            <p:strVal val="#ppt_x"/>
+                                          </p:val>
+                                        </p:tav>
+                                      </p:tavLst>
+                                    </p:anim>
+                                    <p:anim calcmode="lin" valueType="num">
+                                      <p:cBhvr>
+                                        <p:cTn id="9" dur="1000" fill="hold"/>
+                                        <p:tgtEl>
+                                          <p:spTgt spid="4"/>
+                                        </p:tgtEl>
+                                        <p:attrNameLst>
+                                          <p:attrName>ppt_y</p:attrName>
+                                        </p:attrNameLst>
+                                      </p:cBhvr>
+                                      <p:tavLst>
+                                        <p:tav tm="0">
+                                          <p:val>
+                                            <p:strVal val="#ppt_y+.1"/>
+                                          </p:val>
+                                        </p:tav>
+                                        <p:tav tm="100000">
+                                          <p:val>
+                                            <p:strVal val="#ppt_y"/>
+                                          </p:val>
+                                        </p:tav>
+                                      </p:tavLst>
+                                    </p:anim>
+                                  </p:childTnLst>
+                                </p:cTn>
+                              </p:par>
+                            </p:childTnLst>
+                          </p:cTn>
+                        </p:par>
+                      </p:childTnLst>
+                    </p:cTn>
+                  </p:par>
+                </p:childTnLst>
+              </p:cTn>
+              <p:prevCondLst>
+                <p:cond evt="onPrev" delay="0">
+                  <p:tgtEl>
+                    <p:sldTgt/>
+                  </p:tgtEl>
+                </p:cond>
+              </p:prevCondLst>
+              <p:nextCondLst>
+                <p:cond evt="onNext" delay="0">
+                  <p:tgtEl>
+                    <p:sldTgt/>
+                  </p:tgtEl>
+                </p:cond>
+              </p:nextCondLst>
+            </p:seq>
+          </p:childTnLst>
+        </p:cTn>
+      </p:par>
+    </p:tnLst>
+    <p:bldLst>
+      <p:bldP spid="4" grpId="0"/>
+    </p:bldLst>
+  </p:timing>
+</p:sld>
+</file>
+
+<file path=ppt/slides/slide6.xml><?xml version="1.0" encoding="utf-8"?>
+<p:sld xmlns:a="http://schemas.openxmlformats.org/drawingml/2006/main" xmlns:r="http://schemas.openxmlformats.org/officeDocument/2006/relationships" xmlns:p="http://schemas.openxmlformats.org/presentationml/2006/main">
+  <p:cSld>
+    <p:spTree>
+      <p:nvGrpSpPr>
+        <p:cNvPr id="1" name=""/>
+        <p:cNvGrpSpPr/>
+        <p:nvPr/>
+      </p:nvGrpSpPr>
+      <p:grpSpPr>
+        <a:xfrm>
+          <a:off x="0" y="0"/>
+          <a:ext cx="0" cy="0"/>
+          <a:chOff x="0" y="0"/>
+          <a:chExt cx="0" cy="0"/>
+        </a:xfrm>
+      </p:grpSpPr>
+      <p:sp>
+        <p:nvSpPr>
+          <p:cNvPr id="3" name="文本框 2">
+            <a:extLst>
+              <a:ext uri="{FF2B5EF4-FFF2-40B4-BE49-F238E27FC236}">
+                <a16:creationId xmlns:a16="http://schemas.microsoft.com/office/drawing/2014/main" id="{20BC28BC-0AE5-498A-9AC5-CBBF8574B8A4}"/>
+              </a:ext>
+            </a:extLst>
+          </p:cNvPr>
+          <p:cNvSpPr txBox="1"/>
+          <p:nvPr/>
+        </p:nvSpPr>
+        <p:spPr>
+          <a:xfrm>
+            <a:off x="1010412" y="768096"/>
+            <a:ext cx="5536692" cy="461665"/>
+          </a:xfrm>
+          <a:prstGeom prst="rect">
+            <a:avLst/>
+          </a:prstGeom>
+          <a:noFill/>
+        </p:spPr>
+        <p:txBody>
+          <a:bodyPr wrap="square" rtlCol="0">
+            <a:spAutoFit/>
+          </a:bodyPr>
+          <a:lstStyle/>
+          <a:p>
+            <a:r>
+              <a:rPr lang="en-US" altLang="zh-CN" sz="2400" b="1" dirty="0"/>
+              <a:t>LeetCode-15</a:t>
+            </a:r>
+            <a:r>
+              <a:rPr lang="zh-CN" altLang="en-US" sz="2400" b="1" dirty="0"/>
+              <a:t>：</a:t>
+            </a:r>
+            <a:r>
+              <a:rPr lang="en-US" altLang="zh-CN" sz="2400" b="1" dirty="0"/>
+              <a:t>three-sum/</a:t>
+            </a:r>
+            <a:r>
+              <a:rPr lang="zh-CN" altLang="en-US" sz="2400" b="1" dirty="0"/>
+              <a:t>三数之和</a:t>
+            </a:r>
+          </a:p>
+        </p:txBody>
+      </p:sp>
+      <p:sp>
+        <p:nvSpPr>
+          <p:cNvPr id="4" name="文本框 3">
+            <a:extLst>
+              <a:ext uri="{FF2B5EF4-FFF2-40B4-BE49-F238E27FC236}">
+                <a16:creationId xmlns:a16="http://schemas.microsoft.com/office/drawing/2014/main" id="{E6EBD8F6-4BE9-464C-92E0-04B4CABBE240}"/>
+              </a:ext>
+            </a:extLst>
+          </p:cNvPr>
+          <p:cNvSpPr txBox="1"/>
+          <p:nvPr/>
+        </p:nvSpPr>
+        <p:spPr>
+          <a:xfrm>
+            <a:off x="1376772" y="1276123"/>
+            <a:ext cx="9090984" cy="5016758"/>
+          </a:xfrm>
+          <a:prstGeom prst="rect">
+            <a:avLst/>
+          </a:prstGeom>
+          <a:noFill/>
+        </p:spPr>
+        <p:txBody>
+          <a:bodyPr wrap="square" rtlCol="0">
+            <a:spAutoFit/>
+          </a:bodyPr>
+          <a:lstStyle/>
+          <a:p>
+            <a:r>
+              <a:rPr lang="zh-CN" altLang="en-US" sz="1600" dirty="0">
+                <a:latin typeface="Consolas" panose="020B0609020204030204" pitchFamily="49" charset="0"/>
+              </a:rPr>
+              <a:t>给你一个包含 </a:t>
+            </a:r>
+            <a:r>
+              <a:rPr lang="en-US" altLang="zh-CN" sz="1600" dirty="0">
+                <a:latin typeface="Consolas" panose="020B0609020204030204" pitchFamily="49" charset="0"/>
+              </a:rPr>
+              <a:t>n </a:t>
+            </a:r>
+            <a:r>
+              <a:rPr lang="zh-CN" altLang="en-US" sz="1600" dirty="0">
+                <a:latin typeface="Consolas" panose="020B0609020204030204" pitchFamily="49" charset="0"/>
+              </a:rPr>
+              <a:t>个整数的数组 </a:t>
+            </a:r>
+            <a:r>
+              <a:rPr lang="en-US" altLang="zh-CN" sz="1600" dirty="0" err="1">
+                <a:latin typeface="Consolas" panose="020B0609020204030204" pitchFamily="49" charset="0"/>
+              </a:rPr>
+              <a:t>nums</a:t>
+            </a:r>
+            <a:r>
+              <a:rPr lang="zh-CN" altLang="en-US" sz="1600" dirty="0">
+                <a:latin typeface="Consolas" panose="020B0609020204030204" pitchFamily="49" charset="0"/>
+              </a:rPr>
+              <a:t>，判断 </a:t>
+            </a:r>
+            <a:r>
+              <a:rPr lang="en-US" altLang="zh-CN" sz="1600" dirty="0" err="1">
+                <a:latin typeface="Consolas" panose="020B0609020204030204" pitchFamily="49" charset="0"/>
+              </a:rPr>
+              <a:t>nums</a:t>
+            </a:r>
+            <a:r>
+              <a:rPr lang="en-US" altLang="zh-CN" sz="1600" dirty="0">
+                <a:latin typeface="Consolas" panose="020B0609020204030204" pitchFamily="49" charset="0"/>
+              </a:rPr>
+              <a:t> </a:t>
+            </a:r>
+            <a:r>
+              <a:rPr lang="zh-CN" altLang="en-US" sz="1600" dirty="0">
+                <a:latin typeface="Consolas" panose="020B0609020204030204" pitchFamily="49" charset="0"/>
+              </a:rPr>
+              <a:t>中是否存在三个元素 </a:t>
+            </a:r>
+            <a:r>
+              <a:rPr lang="en-US" altLang="zh-CN" sz="1600" dirty="0">
+                <a:latin typeface="Consolas" panose="020B0609020204030204" pitchFamily="49" charset="0"/>
+              </a:rPr>
+              <a:t>a</a:t>
+            </a:r>
+            <a:r>
+              <a:rPr lang="zh-CN" altLang="en-US" sz="1600" dirty="0">
+                <a:latin typeface="Consolas" panose="020B0609020204030204" pitchFamily="49" charset="0"/>
+              </a:rPr>
+              <a:t>，</a:t>
+            </a:r>
+            <a:r>
+              <a:rPr lang="en-US" altLang="zh-CN" sz="1600" dirty="0">
+                <a:latin typeface="Consolas" panose="020B0609020204030204" pitchFamily="49" charset="0"/>
+              </a:rPr>
+              <a:t>b</a:t>
+            </a:r>
+            <a:r>
+              <a:rPr lang="zh-CN" altLang="en-US" sz="1600" dirty="0">
+                <a:latin typeface="Consolas" panose="020B0609020204030204" pitchFamily="49" charset="0"/>
+              </a:rPr>
+              <a:t>，</a:t>
+            </a:r>
+            <a:r>
+              <a:rPr lang="en-US" altLang="zh-CN" sz="1600" dirty="0">
+                <a:latin typeface="Consolas" panose="020B0609020204030204" pitchFamily="49" charset="0"/>
+              </a:rPr>
+              <a:t>c </a:t>
+            </a:r>
+            <a:r>
+              <a:rPr lang="zh-CN" altLang="en-US" sz="1600" dirty="0">
+                <a:latin typeface="Consolas" panose="020B0609020204030204" pitchFamily="49" charset="0"/>
+              </a:rPr>
+              <a:t>，使得 </a:t>
+            </a:r>
+            <a:r>
+              <a:rPr lang="en-US" altLang="zh-CN" sz="1600" dirty="0">
+                <a:latin typeface="Consolas" panose="020B0609020204030204" pitchFamily="49" charset="0"/>
+              </a:rPr>
+              <a:t>a + b + c = 0 </a:t>
+            </a:r>
+            <a:r>
+              <a:rPr lang="zh-CN" altLang="en-US" sz="1600" dirty="0">
+                <a:latin typeface="Consolas" panose="020B0609020204030204" pitchFamily="49" charset="0"/>
+              </a:rPr>
+              <a:t>？请你找出所有和为 </a:t>
+            </a:r>
+            <a:r>
+              <a:rPr lang="en-US" altLang="zh-CN" sz="1600" dirty="0">
+                <a:latin typeface="Consolas" panose="020B0609020204030204" pitchFamily="49" charset="0"/>
+              </a:rPr>
+              <a:t>0 </a:t>
+            </a:r>
+            <a:r>
+              <a:rPr lang="zh-CN" altLang="en-US" sz="1600" dirty="0">
+                <a:latin typeface="Consolas" panose="020B0609020204030204" pitchFamily="49" charset="0"/>
+              </a:rPr>
+              <a:t>且不重复的三元组。</a:t>
+            </a:r>
+          </a:p>
+          <a:p>
+            <a:endParaRPr lang="zh-CN" altLang="en-US" sz="1600" dirty="0">
+              <a:latin typeface="Consolas" panose="020B0609020204030204" pitchFamily="49" charset="0"/>
+            </a:endParaRPr>
+          </a:p>
+          <a:p>
+            <a:r>
+              <a:rPr lang="zh-CN" altLang="en-US" sz="1600" dirty="0">
+                <a:latin typeface="Consolas" panose="020B0609020204030204" pitchFamily="49" charset="0"/>
+              </a:rPr>
+              <a:t>注意：答案中不可以包含重复的三元组。</a:t>
+            </a:r>
+          </a:p>
+          <a:p>
+            <a:endParaRPr lang="zh-CN" altLang="en-US" sz="1600" dirty="0">
+              <a:latin typeface="Consolas" panose="020B0609020204030204" pitchFamily="49" charset="0"/>
+            </a:endParaRPr>
+          </a:p>
+          <a:p>
+            <a:r>
+              <a:rPr lang="zh-CN" altLang="en-US" sz="1600" dirty="0">
+                <a:latin typeface="Consolas" panose="020B0609020204030204" pitchFamily="49" charset="0"/>
+              </a:rPr>
+              <a:t>示例 </a:t>
+            </a:r>
+            <a:r>
+              <a:rPr lang="en-US" altLang="zh-CN" sz="1600" dirty="0">
+                <a:latin typeface="Consolas" panose="020B0609020204030204" pitchFamily="49" charset="0"/>
+              </a:rPr>
+              <a:t>1</a:t>
+            </a:r>
+            <a:r>
+              <a:rPr lang="zh-CN" altLang="en-US" sz="1600" dirty="0">
+                <a:latin typeface="Consolas" panose="020B0609020204030204" pitchFamily="49" charset="0"/>
+              </a:rPr>
+              <a:t>：</a:t>
+            </a:r>
+          </a:p>
+          <a:p>
+            <a:endParaRPr lang="zh-CN" altLang="en-US" sz="1600" dirty="0">
+              <a:latin typeface="Consolas" panose="020B0609020204030204" pitchFamily="49" charset="0"/>
+            </a:endParaRPr>
+          </a:p>
+          <a:p>
+            <a:r>
+              <a:rPr lang="zh-CN" altLang="en-US" sz="1600" dirty="0">
+                <a:latin typeface="Consolas" panose="020B0609020204030204" pitchFamily="49" charset="0"/>
+              </a:rPr>
+              <a:t>输入：</a:t>
+            </a:r>
+            <a:r>
+              <a:rPr lang="en-US" altLang="zh-CN" sz="1600" dirty="0" err="1">
+                <a:latin typeface="Consolas" panose="020B0609020204030204" pitchFamily="49" charset="0"/>
+              </a:rPr>
+              <a:t>nums</a:t>
+            </a:r>
+            <a:r>
+              <a:rPr lang="en-US" altLang="zh-CN" sz="1600" dirty="0">
+                <a:latin typeface="Consolas" panose="020B0609020204030204" pitchFamily="49" charset="0"/>
+              </a:rPr>
+              <a:t> = [-1,0,1,2,-1,-4]</a:t>
+            </a:r>
+          </a:p>
+          <a:p>
+            <a:r>
+              <a:rPr lang="zh-CN" altLang="en-US" sz="1600" dirty="0">
+                <a:latin typeface="Consolas" panose="020B0609020204030204" pitchFamily="49" charset="0"/>
+              </a:rPr>
+              <a:t>输出：</a:t>
+            </a:r>
+            <a:r>
+              <a:rPr lang="en-US" altLang="zh-CN" sz="1600" dirty="0">
+                <a:latin typeface="Consolas" panose="020B0609020204030204" pitchFamily="49" charset="0"/>
+              </a:rPr>
+              <a:t>[[-1,-1,2],[-1,0,1]]</a:t>
+            </a:r>
+          </a:p>
+          <a:p>
+            <a:endParaRPr lang="en-US" altLang="zh-CN" sz="1600" dirty="0">
+              <a:latin typeface="Consolas" panose="020B0609020204030204" pitchFamily="49" charset="0"/>
+            </a:endParaRPr>
+          </a:p>
+          <a:p>
+            <a:r>
+              <a:rPr lang="zh-CN" altLang="en-US" sz="1600" dirty="0">
+                <a:latin typeface="Consolas" panose="020B0609020204030204" pitchFamily="49" charset="0"/>
+              </a:rPr>
+              <a:t>示例 </a:t>
+            </a:r>
+            <a:r>
+              <a:rPr lang="en-US" altLang="zh-CN" sz="1600" dirty="0">
+                <a:latin typeface="Consolas" panose="020B0609020204030204" pitchFamily="49" charset="0"/>
+              </a:rPr>
+              <a:t>2</a:t>
+            </a:r>
+            <a:r>
+              <a:rPr lang="zh-CN" altLang="en-US" sz="1600" dirty="0">
+                <a:latin typeface="Consolas" panose="020B0609020204030204" pitchFamily="49" charset="0"/>
+              </a:rPr>
+              <a:t>：</a:t>
+            </a:r>
+          </a:p>
+          <a:p>
+            <a:endParaRPr lang="zh-CN" altLang="en-US" sz="1600" dirty="0">
+              <a:latin typeface="Consolas" panose="020B0609020204030204" pitchFamily="49" charset="0"/>
+            </a:endParaRPr>
+          </a:p>
+          <a:p>
+            <a:r>
+              <a:rPr lang="zh-CN" altLang="en-US" sz="1600" dirty="0">
+                <a:latin typeface="Consolas" panose="020B0609020204030204" pitchFamily="49" charset="0"/>
+              </a:rPr>
+              <a:t>输入：</a:t>
+            </a:r>
+            <a:r>
+              <a:rPr lang="en-US" altLang="zh-CN" sz="1600" dirty="0" err="1">
+                <a:latin typeface="Consolas" panose="020B0609020204030204" pitchFamily="49" charset="0"/>
+              </a:rPr>
+              <a:t>nums</a:t>
+            </a:r>
+            <a:r>
+              <a:rPr lang="en-US" altLang="zh-CN" sz="1600" dirty="0">
+                <a:latin typeface="Consolas" panose="020B0609020204030204" pitchFamily="49" charset="0"/>
+              </a:rPr>
+              <a:t> = []</a:t>
+            </a:r>
+          </a:p>
+          <a:p>
+            <a:r>
+              <a:rPr lang="zh-CN" altLang="en-US" sz="1600" dirty="0">
+                <a:latin typeface="Consolas" panose="020B0609020204030204" pitchFamily="49" charset="0"/>
+              </a:rPr>
+              <a:t>输出：</a:t>
+            </a:r>
+            <a:r>
+              <a:rPr lang="en-US" altLang="zh-CN" sz="1600" dirty="0">
+                <a:latin typeface="Consolas" panose="020B0609020204030204" pitchFamily="49" charset="0"/>
+              </a:rPr>
+              <a:t>[]</a:t>
+            </a:r>
+          </a:p>
+          <a:p>
+            <a:endParaRPr lang="en-US" altLang="zh-CN" sz="1600" dirty="0">
+              <a:latin typeface="Consolas" panose="020B0609020204030204" pitchFamily="49" charset="0"/>
+            </a:endParaRPr>
+          </a:p>
+          <a:p>
+            <a:r>
+              <a:rPr lang="zh-CN" altLang="en-US" sz="1600" dirty="0">
+                <a:latin typeface="Consolas" panose="020B0609020204030204" pitchFamily="49" charset="0"/>
+              </a:rPr>
+              <a:t>提示：</a:t>
+            </a:r>
+          </a:p>
+          <a:p>
+            <a:endParaRPr lang="zh-CN" altLang="en-US" sz="1600" dirty="0">
+              <a:latin typeface="Consolas" panose="020B0609020204030204" pitchFamily="49" charset="0"/>
+            </a:endParaRPr>
+          </a:p>
+          <a:p>
+            <a:r>
+              <a:rPr lang="zh-CN" altLang="en-US" sz="1600" dirty="0">
+                <a:latin typeface="Consolas" panose="020B0609020204030204" pitchFamily="49" charset="0"/>
+              </a:rPr>
+              <a:t>    </a:t>
+            </a:r>
+            <a:r>
+              <a:rPr lang="en-US" altLang="zh-CN" sz="1600" dirty="0">
+                <a:latin typeface="Consolas" panose="020B0609020204030204" pitchFamily="49" charset="0"/>
+              </a:rPr>
+              <a:t>0 &lt;= </a:t>
+            </a:r>
+            <a:r>
+              <a:rPr lang="en-US" altLang="zh-CN" sz="1600" dirty="0" err="1">
+                <a:latin typeface="Consolas" panose="020B0609020204030204" pitchFamily="49" charset="0"/>
+              </a:rPr>
+              <a:t>nums.length</a:t>
+            </a:r>
+            <a:r>
+              <a:rPr lang="en-US" altLang="zh-CN" sz="1600" dirty="0">
+                <a:latin typeface="Consolas" panose="020B0609020204030204" pitchFamily="49" charset="0"/>
+              </a:rPr>
+              <a:t> &lt;= 3000</a:t>
+            </a:r>
+          </a:p>
+          <a:p>
+            <a:r>
+              <a:rPr lang="en-US" altLang="zh-CN" sz="1600" dirty="0">
+                <a:latin typeface="Consolas" panose="020B0609020204030204" pitchFamily="49" charset="0"/>
+              </a:rPr>
+              <a:t>    -10</a:t>
+            </a:r>
+            <a:r>
+              <a:rPr lang="en-US" altLang="zh-CN" sz="1600" baseline="30000" dirty="0">
+                <a:latin typeface="Consolas" panose="020B0609020204030204" pitchFamily="49" charset="0"/>
+              </a:rPr>
+              <a:t>5</a:t>
+            </a:r>
+            <a:r>
+              <a:rPr lang="en-US" altLang="zh-CN" sz="1600" dirty="0">
+                <a:latin typeface="Consolas" panose="020B0609020204030204" pitchFamily="49" charset="0"/>
+              </a:rPr>
+              <a:t> &lt;= </a:t>
+            </a:r>
+            <a:r>
+              <a:rPr lang="en-US" altLang="zh-CN" sz="1600" dirty="0" err="1">
+                <a:latin typeface="Consolas" panose="020B0609020204030204" pitchFamily="49" charset="0"/>
+              </a:rPr>
+              <a:t>nums</a:t>
+            </a:r>
+            <a:r>
+              <a:rPr lang="en-US" altLang="zh-CN" sz="1600" dirty="0">
+                <a:latin typeface="Consolas" panose="020B0609020204030204" pitchFamily="49" charset="0"/>
+              </a:rPr>
+              <a:t>[</a:t>
+            </a:r>
+            <a:r>
+              <a:rPr lang="en-US" altLang="zh-CN" sz="1600" dirty="0" err="1">
+                <a:latin typeface="Consolas" panose="020B0609020204030204" pitchFamily="49" charset="0"/>
+              </a:rPr>
+              <a:t>i</a:t>
+            </a:r>
+            <a:r>
+              <a:rPr lang="en-US" altLang="zh-CN" sz="1600" dirty="0">
+                <a:latin typeface="Consolas" panose="020B0609020204030204" pitchFamily="49" charset="0"/>
+              </a:rPr>
+              <a:t>] &lt;= 10</a:t>
+            </a:r>
+            <a:r>
+              <a:rPr lang="en-US" altLang="zh-CN" sz="1600" baseline="30000" dirty="0">
+                <a:latin typeface="Consolas" panose="020B0609020204030204" pitchFamily="49" charset="0"/>
+              </a:rPr>
+              <a:t>5</a:t>
+            </a:r>
+          </a:p>
+          <a:p>
+            <a:endParaRPr lang="en-US" altLang="zh-CN" sz="1600" dirty="0">
+              <a:latin typeface="Consolas" panose="020B0609020204030204" pitchFamily="49" charset="0"/>
+            </a:endParaRPr>
+          </a:p>
+        </p:txBody>
+      </p:sp>
+      <p:sp>
+        <p:nvSpPr>
+          <p:cNvPr id="5" name="文本框 4">
+            <a:extLst>
+              <a:ext uri="{FF2B5EF4-FFF2-40B4-BE49-F238E27FC236}">
+                <a16:creationId xmlns:a16="http://schemas.microsoft.com/office/drawing/2014/main" id="{29090FAB-7980-4B27-93F4-DA91AB930180}"/>
+              </a:ext>
+            </a:extLst>
+          </p:cNvPr>
+          <p:cNvSpPr txBox="1"/>
+          <p:nvPr/>
+        </p:nvSpPr>
+        <p:spPr>
+          <a:xfrm>
+            <a:off x="6913106" y="2774406"/>
+            <a:ext cx="3902122" cy="1815882"/>
+          </a:xfrm>
+          <a:prstGeom prst="rect">
+            <a:avLst/>
+          </a:prstGeom>
+          <a:noFill/>
+        </p:spPr>
+        <p:txBody>
+          <a:bodyPr wrap="square" rtlCol="0">
+            <a:spAutoFit/>
+          </a:bodyPr>
+          <a:lstStyle/>
+          <a:p>
+            <a:r>
+              <a:rPr lang="en-US" altLang="zh-CN" sz="1600" dirty="0">
+                <a:latin typeface="Consolas" panose="020B0609020204030204" pitchFamily="49" charset="0"/>
+              </a:rPr>
+              <a:t>/**</a:t>
+            </a:r>
+          </a:p>
+          <a:p>
+            <a:r>
+              <a:rPr lang="en-US" altLang="zh-CN" sz="1600" dirty="0">
+                <a:latin typeface="Consolas" panose="020B0609020204030204" pitchFamily="49" charset="0"/>
+              </a:rPr>
+              <a:t> * @param {number[]} </a:t>
+            </a:r>
+            <a:r>
+              <a:rPr lang="en-US" altLang="zh-CN" sz="1600" dirty="0" err="1">
+                <a:latin typeface="Consolas" panose="020B0609020204030204" pitchFamily="49" charset="0"/>
+              </a:rPr>
+              <a:t>nums</a:t>
+            </a:r>
+            <a:endParaRPr lang="en-US" altLang="zh-CN" sz="1600" dirty="0">
+              <a:latin typeface="Consolas" panose="020B0609020204030204" pitchFamily="49" charset="0"/>
+            </a:endParaRPr>
+          </a:p>
+          <a:p>
+            <a:r>
+              <a:rPr lang="en-US" altLang="zh-CN" sz="1600" dirty="0">
+                <a:latin typeface="Consolas" panose="020B0609020204030204" pitchFamily="49" charset="0"/>
+              </a:rPr>
+              <a:t> * @return {number[][]}</a:t>
+            </a:r>
+          </a:p>
+          <a:p>
+            <a:r>
+              <a:rPr lang="en-US" altLang="zh-CN" sz="1600" dirty="0">
+                <a:latin typeface="Consolas" panose="020B0609020204030204" pitchFamily="49" charset="0"/>
+              </a:rPr>
+              <a:t> */</a:t>
+            </a:r>
+          </a:p>
+          <a:p>
+            <a:r>
+              <a:rPr lang="en-US" altLang="zh-CN" sz="1600" dirty="0">
+                <a:latin typeface="Consolas" panose="020B0609020204030204" pitchFamily="49" charset="0"/>
+              </a:rPr>
+              <a:t>const </a:t>
+            </a:r>
+            <a:r>
+              <a:rPr lang="en-US" altLang="zh-CN" sz="1600" dirty="0" err="1">
+                <a:latin typeface="Consolas" panose="020B0609020204030204" pitchFamily="49" charset="0"/>
+              </a:rPr>
+              <a:t>threeSum</a:t>
+            </a:r>
+            <a:r>
+              <a:rPr lang="en-US" altLang="zh-CN" sz="1600" dirty="0">
+                <a:latin typeface="Consolas" panose="020B0609020204030204" pitchFamily="49" charset="0"/>
+              </a:rPr>
+              <a:t> = function(</a:t>
+            </a:r>
+            <a:r>
+              <a:rPr lang="en-US" altLang="zh-CN" sz="1600" dirty="0" err="1">
+                <a:latin typeface="Consolas" panose="020B0609020204030204" pitchFamily="49" charset="0"/>
+              </a:rPr>
+              <a:t>nums</a:t>
+            </a:r>
+            <a:r>
+              <a:rPr lang="en-US" altLang="zh-CN" sz="1600" dirty="0">
+                <a:latin typeface="Consolas" panose="020B0609020204030204" pitchFamily="49" charset="0"/>
+              </a:rPr>
+              <a:t>) {</a:t>
+            </a:r>
+          </a:p>
+          <a:p>
+            <a:r>
+              <a:rPr lang="en-US" altLang="zh-CN" sz="1600" dirty="0">
+                <a:latin typeface="Consolas" panose="020B0609020204030204" pitchFamily="49" charset="0"/>
+              </a:rPr>
+              <a:t>    // your code here</a:t>
+            </a:r>
+          </a:p>
+          <a:p>
+            <a:r>
+              <a:rPr lang="en-US" altLang="zh-CN" sz="1600" dirty="0">
+                <a:latin typeface="Consolas" panose="020B0609020204030204" pitchFamily="49" charset="0"/>
+              </a:rPr>
+              <a:t>};</a:t>
+            </a:r>
+          </a:p>
+        </p:txBody>
+      </p:sp>
+    </p:spTree>
+    <p:extLst>
+      <p:ext uri="{BB962C8B-B14F-4D97-AF65-F5344CB8AC3E}">
+        <p14:creationId xmlns:p14="http://schemas.microsoft.com/office/powerpoint/2010/main" val="3683990596"/>
+      </p:ext>
+    </p:extLst>
+  </p:cSld>
+  <p:clrMapOvr>
+    <a:masterClrMapping/>
+  </p:clrMapOvr>
+  <p:timing>
+    <p:tnLst>
+      <p:par>
+        <p:cTn id="1" dur="indefinite" restart="never" nodeType="tmRoot">
+          <p:childTnLst>
+            <p:seq concurrent="1" nextAc="seek">
+              <p:cTn id="2" dur="indefinite" nodeType="mainSeq">
+                <p:childTnLst>
+                  <p:par>
+                    <p:cTn id="3" fill="hold">
+                      <p:stCondLst>
+                        <p:cond delay="indefinite"/>
+                      </p:stCondLst>
+                      <p:childTnLst>
+                        <p:par>
+                          <p:cTn id="4" fill="hold">
+                            <p:stCondLst>
+                              <p:cond delay="0"/>
+                            </p:stCondLst>
+                            <p:childTnLst>
+                              <p:par>
+                                <p:cTn id="5" presetID="42" presetClass="entr" presetSubtype="0" fill="hold" grpId="0" nodeType="clickEffect">
+                                  <p:stCondLst>
+                                    <p:cond delay="0"/>
+                                  </p:stCondLst>
+                                  <p:childTnLst>
+                                    <p:set>
+                                      <p:cBhvr>
+                                        <p:cTn id="6" dur="1" fill="hold">
+                                          <p:stCondLst>
+                                            <p:cond delay="0"/>
+                                          </p:stCondLst>
+                                        </p:cTn>
+                                        <p:tgtEl>
+                                          <p:spTgt spid="4"/>
+                                        </p:tgtEl>
+                                        <p:attrNameLst>
+                                          <p:attrName>style.visibility</p:attrName>
+                                        </p:attrNameLst>
+                                      </p:cBhvr>
+                                      <p:to>
+                                        <p:strVal val="visible"/>
+                                      </p:to>
+                                    </p:set>
+                                    <p:animEffect transition="in" filter="fade">
+                                      <p:cBhvr>
+                                        <p:cTn id="7" dur="1000"/>
+                                        <p:tgtEl>
+                                          <p:spTgt spid="4"/>
+                                        </p:tgtEl>
+                                      </p:cBhvr>
+                                    </p:animEffect>
+                                    <p:anim calcmode="lin" valueType="num">
+                                      <p:cBhvr>
+                                        <p:cTn id="8" dur="1000" fill="hold"/>
+                                        <p:tgtEl>
+                                          <p:spTgt spid="4"/>
+                                        </p:tgtEl>
+                                        <p:attrNameLst>
+                                          <p:attrName>ppt_x</p:attrName>
+                                        </p:attrNameLst>
+                                      </p:cBhvr>
+                                      <p:tavLst>
+                                        <p:tav tm="0">
+                                          <p:val>
+                                            <p:strVal val="#ppt_x"/>
+                                          </p:val>
+                                        </p:tav>
+                                        <p:tav tm="100000">
+                                          <p:val>
+                                            <p:strVal val="#ppt_x"/>
+                                          </p:val>
+                                        </p:tav>
+                                      </p:tavLst>
+                                    </p:anim>
+                                    <p:anim calcmode="lin" valueType="num">
+                                      <p:cBhvr>
+                                        <p:cTn id="9" dur="1000" fill="hold"/>
+                                        <p:tgtEl>
+                                          <p:spTgt spid="4"/>
+                                        </p:tgtEl>
+                                        <p:attrNameLst>
+                                          <p:attrName>ppt_y</p:attrName>
+                                        </p:attrNameLst>
+                                      </p:cBhvr>
+                                      <p:tavLst>
+                                        <p:tav tm="0">
+                                          <p:val>
+                                            <p:strVal val="#ppt_y+.1"/>
+                                          </p:val>
+                                        </p:tav>
+                                        <p:tav tm="100000">
+                                          <p:val>
+                                            <p:strVal val="#ppt_y"/>
+                                          </p:val>
+                                        </p:tav>
+                                      </p:tavLst>
+                                    </p:anim>
+                                  </p:childTnLst>
+                                </p:cTn>
+                              </p:par>
+                            </p:childTnLst>
+                          </p:cTn>
+                        </p:par>
+                      </p:childTnLst>
+                    </p:cTn>
+                  </p:par>
+                  <p:par>
+                    <p:cTn id="10" fill="hold">
+                      <p:stCondLst>
+                        <p:cond delay="indefinite"/>
+                      </p:stCondLst>
+                      <p:childTnLst>
+                        <p:par>
+                          <p:cTn id="11" fill="hold">
+                            <p:stCondLst>
+                              <p:cond delay="0"/>
+                            </p:stCondLst>
+                            <p:childTnLst>
+                              <p:par>
+                                <p:cTn id="12" presetID="42" presetClass="entr" presetSubtype="0" fill="hold" grpId="0" nodeType="clickEffect">
+                                  <p:stCondLst>
+                                    <p:cond delay="0"/>
+                                  </p:stCondLst>
+                                  <p:childTnLst>
+                                    <p:set>
+                                      <p:cBhvr>
+                                        <p:cTn id="13" dur="1" fill="hold">
+                                          <p:stCondLst>
+                                            <p:cond delay="0"/>
+                                          </p:stCondLst>
+                                        </p:cTn>
+                                        <p:tgtEl>
+                                          <p:spTgt spid="5"/>
+                                        </p:tgtEl>
+                                        <p:attrNameLst>
+                                          <p:attrName>style.visibility</p:attrName>
+                                        </p:attrNameLst>
+                                      </p:cBhvr>
+                                      <p:to>
+                                        <p:strVal val="visible"/>
+                                      </p:to>
+                                    </p:set>
+                                    <p:animEffect transition="in" filter="fade">
+                                      <p:cBhvr>
+                                        <p:cTn id="14" dur="1000"/>
+                                        <p:tgtEl>
+                                          <p:spTgt spid="5"/>
+                                        </p:tgtEl>
+                                      </p:cBhvr>
+                                    </p:animEffect>
+                                    <p:anim calcmode="lin" valueType="num">
+                                      <p:cBhvr>
+                                        <p:cTn id="15" dur="1000" fill="hold"/>
+                                        <p:tgtEl>
+                                          <p:spTgt spid="5"/>
+                                        </p:tgtEl>
+                                        <p:attrNameLst>
+                                          <p:attrName>ppt_x</p:attrName>
+                                        </p:attrNameLst>
+                                      </p:cBhvr>
+                                      <p:tavLst>
+                                        <p:tav tm="0">
+                                          <p:val>
+                                            <p:strVal val="#ppt_x"/>
+                                          </p:val>
+                                        </p:tav>
+                                        <p:tav tm="100000">
+                                          <p:val>
+                                            <p:strVal val="#ppt_x"/>
+                                          </p:val>
+                                        </p:tav>
+                                      </p:tavLst>
+                                    </p:anim>
+                                    <p:anim calcmode="lin" valueType="num">
+                                      <p:cBhvr>
+                                        <p:cTn id="16" dur="1000" fill="hold"/>
+                                        <p:tgtEl>
+                                          <p:spTgt spid="5"/>
+                                        </p:tgtEl>
+                                        <p:attrNameLst>
+                                          <p:attrName>ppt_y</p:attrName>
+                                        </p:attrNameLst>
+                                      </p:cBhvr>
+                                      <p:tavLst>
+                                        <p:tav tm="0">
+                                          <p:val>
+                                            <p:strVal val="#ppt_y+.1"/>
+                                          </p:val>
+                                        </p:tav>
+                                        <p:tav tm="100000">
+                                          <p:val>
+                                            <p:strVal val="#ppt_y"/>
+                                          </p:val>
+                                        </p:tav>
+                                      </p:tavLst>
+                                    </p:anim>
+                                  </p:childTnLst>
+                                </p:cTn>
+                              </p:par>
+                            </p:childTnLst>
+                          </p:cTn>
+                        </p:par>
+                      </p:childTnLst>
+                    </p:cTn>
+                  </p:par>
+                </p:childTnLst>
+              </p:cTn>
+              <p:prevCondLst>
+                <p:cond evt="onPrev" delay="0">
+                  <p:tgtEl>
+                    <p:sldTgt/>
+                  </p:tgtEl>
+                </p:cond>
+              </p:prevCondLst>
+              <p:nextCondLst>
+                <p:cond evt="onNext" delay="0">
+                  <p:tgtEl>
+                    <p:sldTgt/>
+                  </p:tgtEl>
+                </p:cond>
+              </p:nextCondLst>
+            </p:seq>
+          </p:childTnLst>
+        </p:cTn>
+      </p:par>
+    </p:tnLst>
+    <p:bldLst>
+      <p:bldP spid="4" grpId="0"/>
+      <p:bldP spid="5" grpId="0"/>
+    </p:bldLst>
+  </p:timing>
+</p:sld>
+</file>
+
+<file path=ppt/slides/slide7.xml><?xml version="1.0" encoding="utf-8"?>
+<p:sld xmlns:a="http://schemas.openxmlformats.org/drawingml/2006/main" xmlns:r="http://schemas.openxmlformats.org/officeDocument/2006/relationships" xmlns:p="http://schemas.openxmlformats.org/presentationml/2006/main">
+  <p:cSld>
+    <p:spTree>
+      <p:nvGrpSpPr>
+        <p:cNvPr id="1" name=""/>
+        <p:cNvGrpSpPr/>
+        <p:nvPr/>
+      </p:nvGrpSpPr>
+      <p:grpSpPr>
+        <a:xfrm>
+          <a:off x="0" y="0"/>
+          <a:ext cx="0" cy="0"/>
+          <a:chOff x="0" y="0"/>
+          <a:chExt cx="0" cy="0"/>
+        </a:xfrm>
+      </p:grpSpPr>
+      <p:sp>
+        <p:nvSpPr>
+          <p:cNvPr id="3" name="文本框 2">
+            <a:extLst>
+              <a:ext uri="{FF2B5EF4-FFF2-40B4-BE49-F238E27FC236}">
+                <a16:creationId xmlns:a16="http://schemas.microsoft.com/office/drawing/2014/main" id="{F9F2AB57-0404-45F1-A872-5B871ACF4ACA}"/>
+              </a:ext>
+            </a:extLst>
+          </p:cNvPr>
+          <p:cNvSpPr txBox="1"/>
+          <p:nvPr/>
+        </p:nvSpPr>
+        <p:spPr>
+          <a:xfrm>
+            <a:off x="1010412" y="768096"/>
+            <a:ext cx="5536692" cy="461665"/>
+          </a:xfrm>
+          <a:prstGeom prst="rect">
+            <a:avLst/>
+          </a:prstGeom>
+          <a:noFill/>
+        </p:spPr>
+        <p:txBody>
+          <a:bodyPr wrap="square" rtlCol="0">
+            <a:spAutoFit/>
+          </a:bodyPr>
+          <a:lstStyle/>
+          <a:p>
+            <a:r>
+              <a:rPr lang="en-US" altLang="zh-CN" sz="2400" b="1" dirty="0"/>
+              <a:t>LeetCode-15</a:t>
+            </a:r>
+            <a:r>
+              <a:rPr lang="zh-CN" altLang="en-US" sz="2400" b="1" dirty="0"/>
+              <a:t>：</a:t>
+            </a:r>
+            <a:r>
+              <a:rPr lang="en-US" altLang="zh-CN" sz="2400" b="1" dirty="0"/>
+              <a:t>three-sum/</a:t>
+            </a:r>
+            <a:r>
+              <a:rPr lang="zh-CN" altLang="en-US" sz="2400" b="1" dirty="0"/>
+              <a:t>三数之和</a:t>
+            </a:r>
+          </a:p>
+        </p:txBody>
+      </p:sp>
+      <p:sp>
+        <p:nvSpPr>
+          <p:cNvPr id="4" name="文本框 3">
+            <a:extLst>
+              <a:ext uri="{FF2B5EF4-FFF2-40B4-BE49-F238E27FC236}">
+                <a16:creationId xmlns:a16="http://schemas.microsoft.com/office/drawing/2014/main" id="{60BC9BE7-E9C7-4280-95FA-A402646B3AE8}"/>
+              </a:ext>
+            </a:extLst>
+          </p:cNvPr>
+          <p:cNvSpPr txBox="1"/>
+          <p:nvPr/>
+        </p:nvSpPr>
+        <p:spPr>
+          <a:xfrm>
+            <a:off x="1385916" y="1385851"/>
+            <a:ext cx="9090984" cy="338554"/>
+          </a:xfrm>
+          <a:prstGeom prst="rect">
+            <a:avLst/>
+          </a:prstGeom>
+          <a:noFill/>
+        </p:spPr>
+        <p:txBody>
+          <a:bodyPr wrap="square" rtlCol="0">
+            <a:spAutoFit/>
+          </a:bodyPr>
+          <a:lstStyle/>
+          <a:p>
+            <a:r>
+              <a:rPr lang="zh-CN" altLang="en-US" sz="1600" dirty="0">
+                <a:latin typeface="Consolas" panose="020B0609020204030204" pitchFamily="49" charset="0"/>
+              </a:rPr>
+              <a:t>判断 </a:t>
+            </a:r>
+            <a:r>
+              <a:rPr lang="en-US" altLang="zh-CN" sz="1600" dirty="0" err="1">
+                <a:latin typeface="Consolas" panose="020B0609020204030204" pitchFamily="49" charset="0"/>
+              </a:rPr>
+              <a:t>nums</a:t>
+            </a:r>
+            <a:r>
+              <a:rPr lang="en-US" altLang="zh-CN" sz="1600" dirty="0">
+                <a:latin typeface="Consolas" panose="020B0609020204030204" pitchFamily="49" charset="0"/>
+              </a:rPr>
+              <a:t> </a:t>
+            </a:r>
+            <a:r>
+              <a:rPr lang="zh-CN" altLang="en-US" sz="1600" dirty="0">
+                <a:latin typeface="Consolas" panose="020B0609020204030204" pitchFamily="49" charset="0"/>
+              </a:rPr>
+              <a:t>中是否存在三个元素 </a:t>
+            </a:r>
+            <a:r>
+              <a:rPr lang="en-US" altLang="zh-CN" sz="1600" dirty="0">
+                <a:latin typeface="Consolas" panose="020B0609020204030204" pitchFamily="49" charset="0"/>
+              </a:rPr>
+              <a:t>a</a:t>
+            </a:r>
+            <a:r>
+              <a:rPr lang="zh-CN" altLang="en-US" sz="1600" dirty="0">
+                <a:latin typeface="Consolas" panose="020B0609020204030204" pitchFamily="49" charset="0"/>
+              </a:rPr>
+              <a:t>，</a:t>
+            </a:r>
+            <a:r>
+              <a:rPr lang="en-US" altLang="zh-CN" sz="1600" dirty="0">
+                <a:latin typeface="Consolas" panose="020B0609020204030204" pitchFamily="49" charset="0"/>
+              </a:rPr>
+              <a:t>b</a:t>
+            </a:r>
+            <a:r>
+              <a:rPr lang="zh-CN" altLang="en-US" sz="1600" dirty="0">
+                <a:latin typeface="Consolas" panose="020B0609020204030204" pitchFamily="49" charset="0"/>
+              </a:rPr>
+              <a:t>，</a:t>
+            </a:r>
+            <a:r>
+              <a:rPr lang="en-US" altLang="zh-CN" sz="1600" dirty="0">
+                <a:latin typeface="Consolas" panose="020B0609020204030204" pitchFamily="49" charset="0"/>
+              </a:rPr>
+              <a:t>c </a:t>
+            </a:r>
+            <a:r>
+              <a:rPr lang="zh-CN" altLang="en-US" sz="1600" dirty="0">
+                <a:latin typeface="Consolas" panose="020B0609020204030204" pitchFamily="49" charset="0"/>
+              </a:rPr>
+              <a:t>，使得 </a:t>
+            </a:r>
+            <a:r>
+              <a:rPr lang="en-US" altLang="zh-CN" sz="1600" dirty="0">
+                <a:latin typeface="Consolas" panose="020B0609020204030204" pitchFamily="49" charset="0"/>
+              </a:rPr>
+              <a:t>a + b + c = 0 </a:t>
+            </a:r>
+            <a:r>
+              <a:rPr lang="zh-CN" altLang="en-US" sz="1600" dirty="0">
+                <a:latin typeface="Consolas" panose="020B0609020204030204" pitchFamily="49" charset="0"/>
+              </a:rPr>
+              <a:t>？</a:t>
+            </a:r>
+            <a:endParaRPr lang="en-US" altLang="zh-CN" sz="1600" dirty="0">
+              <a:latin typeface="Consolas" panose="020B0609020204030204" pitchFamily="49" charset="0"/>
+            </a:endParaRPr>
+          </a:p>
+        </p:txBody>
+      </p:sp>
+      <p:sp>
+        <p:nvSpPr>
+          <p:cNvPr id="5" name="文本框 4">
+            <a:extLst>
+              <a:ext uri="{FF2B5EF4-FFF2-40B4-BE49-F238E27FC236}">
+                <a16:creationId xmlns:a16="http://schemas.microsoft.com/office/drawing/2014/main" id="{3EEB6DB9-E829-44B7-8EED-77E62F8C02EA}"/>
+              </a:ext>
+            </a:extLst>
+          </p:cNvPr>
+          <p:cNvSpPr txBox="1"/>
+          <p:nvPr/>
+        </p:nvSpPr>
+        <p:spPr>
+          <a:xfrm>
+            <a:off x="1385916" y="2013739"/>
+            <a:ext cx="9090984" cy="338554"/>
+          </a:xfrm>
+          <a:prstGeom prst="rect">
+            <a:avLst/>
+          </a:prstGeom>
+          <a:noFill/>
+        </p:spPr>
+        <p:txBody>
+          <a:bodyPr wrap="square" rtlCol="0">
+            <a:spAutoFit/>
+          </a:bodyPr>
+          <a:lstStyle/>
+          <a:p>
+            <a:r>
+              <a:rPr lang="zh-CN" altLang="en-US" sz="1600" dirty="0">
+                <a:latin typeface="Consolas" panose="020B0609020204030204" pitchFamily="49" charset="0"/>
+              </a:rPr>
+              <a:t>判断 </a:t>
+            </a:r>
+            <a:r>
+              <a:rPr lang="en-US" altLang="zh-CN" sz="1600" dirty="0" err="1">
+                <a:latin typeface="Consolas" panose="020B0609020204030204" pitchFamily="49" charset="0"/>
+              </a:rPr>
+              <a:t>nums</a:t>
+            </a:r>
+            <a:r>
+              <a:rPr lang="en-US" altLang="zh-CN" sz="1600" dirty="0">
+                <a:latin typeface="Consolas" panose="020B0609020204030204" pitchFamily="49" charset="0"/>
+              </a:rPr>
+              <a:t> </a:t>
+            </a:r>
+            <a:r>
+              <a:rPr lang="zh-CN" altLang="en-US" sz="1600" dirty="0">
+                <a:latin typeface="Consolas" panose="020B0609020204030204" pitchFamily="49" charset="0"/>
+              </a:rPr>
+              <a:t>中是否存在两个元素 </a:t>
+            </a:r>
+            <a:r>
+              <a:rPr lang="en-US" altLang="zh-CN" sz="1600" dirty="0">
+                <a:latin typeface="Consolas" panose="020B0609020204030204" pitchFamily="49" charset="0"/>
+              </a:rPr>
+              <a:t>a</a:t>
+            </a:r>
+            <a:r>
+              <a:rPr lang="zh-CN" altLang="en-US" sz="1600" dirty="0">
+                <a:latin typeface="Consolas" panose="020B0609020204030204" pitchFamily="49" charset="0"/>
+              </a:rPr>
+              <a:t>，</a:t>
+            </a:r>
+            <a:r>
+              <a:rPr lang="en-US" altLang="zh-CN" sz="1600" dirty="0">
+                <a:latin typeface="Consolas" panose="020B0609020204030204" pitchFamily="49" charset="0"/>
+              </a:rPr>
+              <a:t>b</a:t>
+            </a:r>
+            <a:r>
+              <a:rPr lang="zh-CN" altLang="en-US" sz="1600" dirty="0">
+                <a:latin typeface="Consolas" panose="020B0609020204030204" pitchFamily="49" charset="0"/>
+              </a:rPr>
+              <a:t>，使得 </a:t>
+            </a:r>
+            <a:r>
+              <a:rPr lang="en-US" altLang="zh-CN" sz="1600" dirty="0">
+                <a:latin typeface="Consolas" panose="020B0609020204030204" pitchFamily="49" charset="0"/>
+              </a:rPr>
+              <a:t>a + b = 0 - c </a:t>
+            </a:r>
+            <a:r>
+              <a:rPr lang="zh-CN" altLang="en-US" sz="1600" dirty="0">
+                <a:latin typeface="Consolas" panose="020B0609020204030204" pitchFamily="49" charset="0"/>
+              </a:rPr>
+              <a:t>？</a:t>
+            </a:r>
+            <a:endParaRPr lang="en-US" altLang="zh-CN" sz="1600" dirty="0">
+              <a:latin typeface="Consolas" panose="020B0609020204030204" pitchFamily="49" charset="0"/>
+            </a:endParaRPr>
+          </a:p>
+        </p:txBody>
+      </p:sp>
+      <p:sp>
+        <p:nvSpPr>
+          <p:cNvPr id="6" name="文本框 5">
+            <a:extLst>
+              <a:ext uri="{FF2B5EF4-FFF2-40B4-BE49-F238E27FC236}">
+                <a16:creationId xmlns:a16="http://schemas.microsoft.com/office/drawing/2014/main" id="{CD481760-863E-4A29-A00E-CC8AA232B151}"/>
+              </a:ext>
+            </a:extLst>
+          </p:cNvPr>
+          <p:cNvSpPr txBox="1"/>
+          <p:nvPr/>
+        </p:nvSpPr>
+        <p:spPr>
+          <a:xfrm>
+            <a:off x="1385916" y="2641627"/>
+            <a:ext cx="9090984" cy="338554"/>
+          </a:xfrm>
+          <a:prstGeom prst="rect">
+            <a:avLst/>
+          </a:prstGeom>
+          <a:noFill/>
+        </p:spPr>
+        <p:txBody>
+          <a:bodyPr wrap="square" rtlCol="0">
+            <a:spAutoFit/>
+          </a:bodyPr>
+          <a:lstStyle/>
+          <a:p>
+            <a:r>
+              <a:rPr lang="zh-CN" altLang="en-US" sz="1600" dirty="0">
+                <a:latin typeface="Consolas" panose="020B0609020204030204" pitchFamily="49" charset="0"/>
+              </a:rPr>
+              <a:t>这样的处理之后，题目就转化为了</a:t>
+            </a:r>
+            <a:r>
+              <a:rPr lang="zh-CN" altLang="en-US" sz="1600" b="1" dirty="0">
+                <a:highlight>
+                  <a:srgbClr val="FFFF00"/>
+                </a:highlight>
+                <a:latin typeface="Consolas" panose="020B0609020204030204" pitchFamily="49" charset="0"/>
+              </a:rPr>
+              <a:t>两数之和</a:t>
+            </a:r>
+            <a:endParaRPr lang="en-US" altLang="zh-CN" sz="1600" b="1" dirty="0">
+              <a:highlight>
+                <a:srgbClr val="FFFF00"/>
+              </a:highlight>
+              <a:latin typeface="Consolas" panose="020B0609020204030204" pitchFamily="49" charset="0"/>
+            </a:endParaRPr>
+          </a:p>
+        </p:txBody>
+      </p:sp>
+      <p:sp>
+        <p:nvSpPr>
+          <p:cNvPr id="7" name="文本框 6">
+            <a:extLst>
+              <a:ext uri="{FF2B5EF4-FFF2-40B4-BE49-F238E27FC236}">
+                <a16:creationId xmlns:a16="http://schemas.microsoft.com/office/drawing/2014/main" id="{34180931-02E0-48BA-BAB6-32881E01E77D}"/>
+              </a:ext>
+            </a:extLst>
+          </p:cNvPr>
+          <p:cNvSpPr txBox="1"/>
+          <p:nvPr/>
+        </p:nvSpPr>
+        <p:spPr>
+          <a:xfrm>
+            <a:off x="2084832" y="3092990"/>
+            <a:ext cx="7256486" cy="1569660"/>
+          </a:xfrm>
+          <a:prstGeom prst="rect">
+            <a:avLst/>
+          </a:prstGeom>
+          <a:noFill/>
+        </p:spPr>
+        <p:txBody>
+          <a:bodyPr wrap="square" rtlCol="0">
+            <a:spAutoFit/>
+          </a:bodyPr>
+          <a:lstStyle/>
+          <a:p>
+            <a:r>
+              <a:rPr lang="en-US" altLang="zh-CN" sz="1600" dirty="0">
+                <a:latin typeface="Consolas" panose="020B0609020204030204" pitchFamily="49" charset="0"/>
+              </a:rPr>
+              <a:t>for (let </a:t>
+            </a:r>
+            <a:r>
+              <a:rPr lang="en-US" altLang="zh-CN" sz="1600" dirty="0" err="1">
+                <a:latin typeface="Consolas" panose="020B0609020204030204" pitchFamily="49" charset="0"/>
+              </a:rPr>
+              <a:t>i</a:t>
+            </a:r>
+            <a:r>
+              <a:rPr lang="en-US" altLang="zh-CN" sz="1600" dirty="0">
+                <a:latin typeface="Consolas" panose="020B0609020204030204" pitchFamily="49" charset="0"/>
+              </a:rPr>
+              <a:t> = 0, j = </a:t>
+            </a:r>
+            <a:r>
+              <a:rPr lang="en-US" altLang="zh-CN" sz="1600" dirty="0" err="1">
+                <a:latin typeface="Consolas" panose="020B0609020204030204" pitchFamily="49" charset="0"/>
+              </a:rPr>
+              <a:t>nums.length</a:t>
+            </a:r>
+            <a:r>
+              <a:rPr lang="en-US" altLang="zh-CN" sz="1600" dirty="0">
+                <a:latin typeface="Consolas" panose="020B0609020204030204" pitchFamily="49" charset="0"/>
+              </a:rPr>
+              <a:t> - 1; </a:t>
+            </a:r>
+            <a:r>
+              <a:rPr lang="en-US" altLang="zh-CN" sz="1600" dirty="0" err="1">
+                <a:latin typeface="Consolas" panose="020B0609020204030204" pitchFamily="49" charset="0"/>
+              </a:rPr>
+              <a:t>i</a:t>
+            </a:r>
+            <a:r>
+              <a:rPr lang="en-US" altLang="zh-CN" sz="1600" dirty="0">
+                <a:latin typeface="Consolas" panose="020B0609020204030204" pitchFamily="49" charset="0"/>
+              </a:rPr>
+              <a:t> &lt; j; </a:t>
+            </a:r>
+            <a:r>
+              <a:rPr lang="en-US" altLang="zh-CN" sz="1600" dirty="0" err="1">
+                <a:latin typeface="Consolas" panose="020B0609020204030204" pitchFamily="49" charset="0"/>
+              </a:rPr>
+              <a:t>i</a:t>
+            </a:r>
+            <a:r>
+              <a:rPr lang="en-US" altLang="zh-CN" sz="1600" dirty="0">
+                <a:latin typeface="Consolas" panose="020B0609020204030204" pitchFamily="49" charset="0"/>
+              </a:rPr>
+              <a:t>++) {</a:t>
+            </a:r>
+          </a:p>
+          <a:p>
+            <a:r>
+              <a:rPr lang="en-US" altLang="zh-CN" sz="1600" dirty="0">
+                <a:latin typeface="Consolas" panose="020B0609020204030204" pitchFamily="49" charset="0"/>
+              </a:rPr>
+              <a:t>    while (</a:t>
+            </a:r>
+            <a:r>
+              <a:rPr lang="en-US" altLang="zh-CN" sz="1600" dirty="0" err="1">
+                <a:latin typeface="Consolas" panose="020B0609020204030204" pitchFamily="49" charset="0"/>
+              </a:rPr>
+              <a:t>i</a:t>
+            </a:r>
+            <a:r>
+              <a:rPr lang="en-US" altLang="zh-CN" sz="1600" dirty="0">
+                <a:latin typeface="Consolas" panose="020B0609020204030204" pitchFamily="49" charset="0"/>
+              </a:rPr>
+              <a:t> &lt; j &amp;&amp; </a:t>
+            </a:r>
+            <a:r>
+              <a:rPr lang="en-US" altLang="zh-CN" sz="1600" dirty="0" err="1">
+                <a:latin typeface="Consolas" panose="020B0609020204030204" pitchFamily="49" charset="0"/>
+              </a:rPr>
+              <a:t>nums</a:t>
+            </a:r>
+            <a:r>
+              <a:rPr lang="en-US" altLang="zh-CN" sz="1600" dirty="0">
+                <a:latin typeface="Consolas" panose="020B0609020204030204" pitchFamily="49" charset="0"/>
+              </a:rPr>
+              <a:t>[</a:t>
+            </a:r>
+            <a:r>
+              <a:rPr lang="en-US" altLang="zh-CN" sz="1600" dirty="0" err="1">
+                <a:latin typeface="Consolas" panose="020B0609020204030204" pitchFamily="49" charset="0"/>
+              </a:rPr>
+              <a:t>i</a:t>
+            </a:r>
+            <a:r>
+              <a:rPr lang="en-US" altLang="zh-CN" sz="1600" dirty="0">
+                <a:latin typeface="Consolas" panose="020B0609020204030204" pitchFamily="49" charset="0"/>
+              </a:rPr>
+              <a:t>] + </a:t>
+            </a:r>
+            <a:r>
+              <a:rPr lang="en-US" altLang="zh-CN" sz="1600" dirty="0" err="1">
+                <a:latin typeface="Consolas" panose="020B0609020204030204" pitchFamily="49" charset="0"/>
+              </a:rPr>
+              <a:t>nums</a:t>
+            </a:r>
+            <a:r>
+              <a:rPr lang="en-US" altLang="zh-CN" sz="1600" dirty="0">
+                <a:latin typeface="Consolas" panose="020B0609020204030204" pitchFamily="49" charset="0"/>
+              </a:rPr>
+              <a:t>[j] &gt; target) j--;</a:t>
+            </a:r>
+          </a:p>
+          <a:p>
+            <a:r>
+              <a:rPr lang="en-US" altLang="zh-CN" sz="1600" dirty="0">
+                <a:latin typeface="Consolas" panose="020B0609020204030204" pitchFamily="49" charset="0"/>
+              </a:rPr>
+              <a:t>    if (</a:t>
+            </a:r>
+            <a:r>
+              <a:rPr lang="en-US" altLang="zh-CN" sz="1600" dirty="0" err="1">
+                <a:latin typeface="Consolas" panose="020B0609020204030204" pitchFamily="49" charset="0"/>
+              </a:rPr>
+              <a:t>i</a:t>
+            </a:r>
+            <a:r>
+              <a:rPr lang="en-US" altLang="zh-CN" sz="1600" dirty="0">
+                <a:latin typeface="Consolas" panose="020B0609020204030204" pitchFamily="49" charset="0"/>
+              </a:rPr>
+              <a:t> &lt; j &amp;&amp; </a:t>
+            </a:r>
+            <a:r>
+              <a:rPr lang="en-US" altLang="zh-CN" sz="1600" dirty="0" err="1">
+                <a:latin typeface="Consolas" panose="020B0609020204030204" pitchFamily="49" charset="0"/>
+              </a:rPr>
+              <a:t>nums</a:t>
+            </a:r>
+            <a:r>
+              <a:rPr lang="en-US" altLang="zh-CN" sz="1600" dirty="0">
+                <a:latin typeface="Consolas" panose="020B0609020204030204" pitchFamily="49" charset="0"/>
+              </a:rPr>
+              <a:t>[</a:t>
+            </a:r>
+            <a:r>
+              <a:rPr lang="en-US" altLang="zh-CN" sz="1600" dirty="0" err="1">
+                <a:latin typeface="Consolas" panose="020B0609020204030204" pitchFamily="49" charset="0"/>
+              </a:rPr>
+              <a:t>i</a:t>
+            </a:r>
+            <a:r>
+              <a:rPr lang="en-US" altLang="zh-CN" sz="1600" dirty="0">
+                <a:latin typeface="Consolas" panose="020B0609020204030204" pitchFamily="49" charset="0"/>
+              </a:rPr>
+              <a:t>] + </a:t>
+            </a:r>
+            <a:r>
+              <a:rPr lang="en-US" altLang="zh-CN" sz="1600" dirty="0" err="1">
+                <a:latin typeface="Consolas" panose="020B0609020204030204" pitchFamily="49" charset="0"/>
+              </a:rPr>
+              <a:t>nums</a:t>
+            </a:r>
+            <a:r>
+              <a:rPr lang="en-US" altLang="zh-CN" sz="1600" dirty="0">
+                <a:latin typeface="Consolas" panose="020B0609020204030204" pitchFamily="49" charset="0"/>
+              </a:rPr>
+              <a:t>[j] == target) {</a:t>
+            </a:r>
+          </a:p>
+          <a:p>
+            <a:r>
+              <a:rPr lang="en-US" altLang="zh-CN" sz="1600" dirty="0">
+                <a:latin typeface="Consolas" panose="020B0609020204030204" pitchFamily="49" charset="0"/>
+              </a:rPr>
+              <a:t>        return [</a:t>
+            </a:r>
+            <a:r>
+              <a:rPr lang="en-US" altLang="zh-CN" sz="1600" dirty="0" err="1">
+                <a:latin typeface="Consolas" panose="020B0609020204030204" pitchFamily="49" charset="0"/>
+              </a:rPr>
+              <a:t>i</a:t>
+            </a:r>
+            <a:r>
+              <a:rPr lang="en-US" altLang="zh-CN" sz="1600" dirty="0">
+                <a:latin typeface="Consolas" panose="020B0609020204030204" pitchFamily="49" charset="0"/>
+              </a:rPr>
+              <a:t>, j];</a:t>
+            </a:r>
+          </a:p>
+          <a:p>
+            <a:r>
+              <a:rPr lang="en-US" altLang="zh-CN" sz="1600" dirty="0">
+                <a:latin typeface="Consolas" panose="020B0609020204030204" pitchFamily="49" charset="0"/>
+              </a:rPr>
+              <a:t>    }</a:t>
+            </a:r>
+          </a:p>
+          <a:p>
+            <a:r>
+              <a:rPr lang="en-US" altLang="zh-CN" sz="1600" dirty="0">
+                <a:latin typeface="Consolas" panose="020B0609020204030204" pitchFamily="49" charset="0"/>
+              </a:rPr>
+              <a:t>}</a:t>
+            </a:r>
+            <a:endParaRPr lang="zh-CN" altLang="en-US" sz="1600" dirty="0">
+              <a:latin typeface="Consolas" panose="020B0609020204030204" pitchFamily="49" charset="0"/>
+            </a:endParaRPr>
+          </a:p>
+        </p:txBody>
+      </p:sp>
+      <p:sp>
+        <p:nvSpPr>
+          <p:cNvPr id="8" name="文本框 7">
+            <a:extLst>
+              <a:ext uri="{FF2B5EF4-FFF2-40B4-BE49-F238E27FC236}">
+                <a16:creationId xmlns:a16="http://schemas.microsoft.com/office/drawing/2014/main" id="{720AED3E-EDD0-4F1E-8AB7-38D2DF6C55FA}"/>
+              </a:ext>
+            </a:extLst>
+          </p:cNvPr>
+          <p:cNvSpPr txBox="1"/>
+          <p:nvPr/>
+        </p:nvSpPr>
+        <p:spPr>
+          <a:xfrm>
+            <a:off x="1385916" y="4775459"/>
+            <a:ext cx="9090984" cy="338554"/>
+          </a:xfrm>
+          <a:prstGeom prst="rect">
+            <a:avLst/>
+          </a:prstGeom>
+          <a:noFill/>
+        </p:spPr>
+        <p:txBody>
+          <a:bodyPr wrap="square" rtlCol="0">
+            <a:spAutoFit/>
+          </a:bodyPr>
+          <a:lstStyle>
+            <a:defPPr>
+              <a:defRPr lang="zh-CN"/>
+            </a:defPPr>
+            <a:lvl1pPr>
+              <a:defRPr sz="1600">
+                <a:latin typeface="Consolas" panose="020B0609020204030204" pitchFamily="49" charset="0"/>
+              </a:defRPr>
+            </a:lvl1pPr>
+          </a:lstStyle>
+          <a:p>
+            <a:r>
+              <a:rPr lang="zh-CN" altLang="en-US" dirty="0"/>
+              <a:t>这样的转化如何实现？</a:t>
+            </a:r>
+            <a:endParaRPr lang="en-US" altLang="zh-CN" dirty="0"/>
+          </a:p>
+        </p:txBody>
+      </p:sp>
+      <p:sp>
+        <p:nvSpPr>
+          <p:cNvPr id="9" name="文本框 8">
+            <a:extLst>
+              <a:ext uri="{FF2B5EF4-FFF2-40B4-BE49-F238E27FC236}">
+                <a16:creationId xmlns:a16="http://schemas.microsoft.com/office/drawing/2014/main" id="{8CF340F9-81EA-44B6-BC7A-C3E63B6950A7}"/>
+              </a:ext>
+            </a:extLst>
+          </p:cNvPr>
+          <p:cNvSpPr txBox="1"/>
+          <p:nvPr/>
+        </p:nvSpPr>
+        <p:spPr>
+          <a:xfrm>
+            <a:off x="2008632" y="5258907"/>
+            <a:ext cx="7256486" cy="830997"/>
+          </a:xfrm>
+          <a:prstGeom prst="rect">
+            <a:avLst/>
+          </a:prstGeom>
+          <a:noFill/>
+        </p:spPr>
+        <p:txBody>
+          <a:bodyPr wrap="square" rtlCol="0">
+            <a:spAutoFit/>
+          </a:bodyPr>
+          <a:lstStyle/>
+          <a:p>
+            <a:r>
+              <a:rPr lang="en-US" altLang="zh-CN" sz="1600" dirty="0">
+                <a:latin typeface="Consolas" panose="020B0609020204030204" pitchFamily="49" charset="0"/>
+              </a:rPr>
+              <a:t>for (let </a:t>
+            </a:r>
+            <a:r>
+              <a:rPr lang="en-US" altLang="zh-CN" sz="1600" dirty="0" err="1">
+                <a:latin typeface="Consolas" panose="020B0609020204030204" pitchFamily="49" charset="0"/>
+              </a:rPr>
+              <a:t>i</a:t>
+            </a:r>
+            <a:r>
+              <a:rPr lang="en-US" altLang="zh-CN" sz="1600" dirty="0">
+                <a:latin typeface="Consolas" panose="020B0609020204030204" pitchFamily="49" charset="0"/>
+              </a:rPr>
+              <a:t> = 0; </a:t>
+            </a:r>
+            <a:r>
+              <a:rPr lang="en-US" altLang="zh-CN" sz="1600" dirty="0" err="1">
+                <a:latin typeface="Consolas" panose="020B0609020204030204" pitchFamily="49" charset="0"/>
+              </a:rPr>
+              <a:t>i</a:t>
+            </a:r>
+            <a:r>
+              <a:rPr lang="en-US" altLang="zh-CN" sz="1600" dirty="0">
+                <a:latin typeface="Consolas" panose="020B0609020204030204" pitchFamily="49" charset="0"/>
+              </a:rPr>
+              <a:t> &lt; </a:t>
+            </a:r>
+            <a:r>
+              <a:rPr lang="en-US" altLang="zh-CN" sz="1600" dirty="0" err="1">
+                <a:latin typeface="Consolas" panose="020B0609020204030204" pitchFamily="49" charset="0"/>
+              </a:rPr>
+              <a:t>nums.length</a:t>
+            </a:r>
+            <a:r>
+              <a:rPr lang="en-US" altLang="zh-CN" sz="1600" dirty="0">
+                <a:latin typeface="Consolas" panose="020B0609020204030204" pitchFamily="49" charset="0"/>
+              </a:rPr>
+              <a:t>; </a:t>
+            </a:r>
+            <a:r>
+              <a:rPr lang="en-US" altLang="zh-CN" sz="1600" dirty="0" err="1">
+                <a:latin typeface="Consolas" panose="020B0609020204030204" pitchFamily="49" charset="0"/>
+              </a:rPr>
+              <a:t>i</a:t>
+            </a:r>
+            <a:r>
+              <a:rPr lang="en-US" altLang="zh-CN" sz="1600" dirty="0">
+                <a:latin typeface="Consolas" panose="020B0609020204030204" pitchFamily="49" charset="0"/>
+              </a:rPr>
+              <a:t>++) {</a:t>
+            </a:r>
+          </a:p>
+          <a:p>
+            <a:r>
+              <a:rPr lang="en-US" altLang="zh-CN" sz="1600" dirty="0">
+                <a:latin typeface="Consolas" panose="020B0609020204030204" pitchFamily="49" charset="0"/>
+              </a:rPr>
+              <a:t>    let c = </a:t>
+            </a:r>
+            <a:r>
+              <a:rPr lang="en-US" altLang="zh-CN" sz="1600" dirty="0" err="1">
+                <a:latin typeface="Consolas" panose="020B0609020204030204" pitchFamily="49" charset="0"/>
+              </a:rPr>
+              <a:t>nums</a:t>
+            </a:r>
+            <a:r>
+              <a:rPr lang="en-US" altLang="zh-CN" sz="1600" dirty="0">
+                <a:latin typeface="Consolas" panose="020B0609020204030204" pitchFamily="49" charset="0"/>
+              </a:rPr>
+              <a:t>[</a:t>
+            </a:r>
+            <a:r>
+              <a:rPr lang="en-US" altLang="zh-CN" sz="1600" dirty="0" err="1">
+                <a:latin typeface="Consolas" panose="020B0609020204030204" pitchFamily="49" charset="0"/>
+              </a:rPr>
+              <a:t>i</a:t>
+            </a:r>
+            <a:r>
+              <a:rPr lang="en-US" altLang="zh-CN" sz="1600" dirty="0">
+                <a:latin typeface="Consolas" panose="020B0609020204030204" pitchFamily="49" charset="0"/>
+              </a:rPr>
+              <a:t>];</a:t>
+            </a:r>
+          </a:p>
+          <a:p>
+            <a:r>
+              <a:rPr lang="en-US" altLang="zh-CN" sz="1600" dirty="0">
+                <a:latin typeface="Consolas" panose="020B0609020204030204" pitchFamily="49" charset="0"/>
+              </a:rPr>
+              <a:t>}</a:t>
+            </a:r>
+            <a:endParaRPr lang="zh-CN" altLang="en-US" sz="1600" dirty="0">
+              <a:latin typeface="Consolas" panose="020B0609020204030204" pitchFamily="49" charset="0"/>
+            </a:endParaRPr>
+          </a:p>
+        </p:txBody>
+      </p:sp>
+    </p:spTree>
+    <p:extLst>
+      <p:ext uri="{BB962C8B-B14F-4D97-AF65-F5344CB8AC3E}">
+        <p14:creationId xmlns:p14="http://schemas.microsoft.com/office/powerpoint/2010/main" val="3858043125"/>
+      </p:ext>
+    </p:extLst>
+  </p:cSld>
+  <p:clrMapOvr>
+    <a:masterClrMapping/>
+  </p:clrMapOvr>
+  <p:timing>
+    <p:tnLst>
+      <p:par>
+        <p:cTn id="1" dur="indefinite" restart="never" nodeType="tmRoot">
+          <p:childTnLst>
+            <p:seq concurrent="1" nextAc="seek">
+              <p:cTn id="2" dur="indefinite" nodeType="mainSeq">
+                <p:childTnLst>
+                  <p:par>
+                    <p:cTn id="3" fill="hold">
+                      <p:stCondLst>
+                        <p:cond delay="indefinite"/>
+                      </p:stCondLst>
+                      <p:childTnLst>
+                        <p:par>
+                          <p:cTn id="4" fill="hold">
+                            <p:stCondLst>
+                              <p:cond delay="0"/>
+                            </p:stCondLst>
+                            <p:childTnLst>
+                              <p:par>
+                                <p:cTn id="5" presetID="42" presetClass="entr" presetSubtype="0" fill="hold" grpId="0" nodeType="clickEffect">
+                                  <p:stCondLst>
+                                    <p:cond delay="0"/>
+                                  </p:stCondLst>
+                                  <p:childTnLst>
+                                    <p:set>
+                                      <p:cBhvr>
+                                        <p:cTn id="6" dur="1" fill="hold">
+                                          <p:stCondLst>
+                                            <p:cond delay="0"/>
+                                          </p:stCondLst>
+                                        </p:cTn>
+                                        <p:tgtEl>
+                                          <p:spTgt spid="4"/>
+                                        </p:tgtEl>
+                                        <p:attrNameLst>
+                                          <p:attrName>style.visibility</p:attrName>
+                                        </p:attrNameLst>
+                                      </p:cBhvr>
+                                      <p:to>
+                                        <p:strVal val="visible"/>
+                                      </p:to>
+                                    </p:set>
+                                    <p:animEffect transition="in" filter="fade">
+                                      <p:cBhvr>
+                                        <p:cTn id="7" dur="1000"/>
+                                        <p:tgtEl>
+                                          <p:spTgt spid="4"/>
+                                        </p:tgtEl>
+                                      </p:cBhvr>
+                                    </p:animEffect>
+                                    <p:anim calcmode="lin" valueType="num">
+                                      <p:cBhvr>
+                                        <p:cTn id="8" dur="1000" fill="hold"/>
+                                        <p:tgtEl>
+                                          <p:spTgt spid="4"/>
+                                        </p:tgtEl>
+                                        <p:attrNameLst>
+                                          <p:attrName>ppt_x</p:attrName>
+                                        </p:attrNameLst>
+                                      </p:cBhvr>
+                                      <p:tavLst>
+                                        <p:tav tm="0">
+                                          <p:val>
+                                            <p:strVal val="#ppt_x"/>
+                                          </p:val>
+                                        </p:tav>
+                                        <p:tav tm="100000">
+                                          <p:val>
+                                            <p:strVal val="#ppt_x"/>
+                                          </p:val>
+                                        </p:tav>
+                                      </p:tavLst>
+                                    </p:anim>
+                                    <p:anim calcmode="lin" valueType="num">
+                                      <p:cBhvr>
+                                        <p:cTn id="9" dur="1000" fill="hold"/>
+                                        <p:tgtEl>
+                                          <p:spTgt spid="4"/>
+                                        </p:tgtEl>
+                                        <p:attrNameLst>
+                                          <p:attrName>ppt_y</p:attrName>
+                                        </p:attrNameLst>
+                                      </p:cBhvr>
+                                      <p:tavLst>
+                                        <p:tav tm="0">
+                                          <p:val>
+                                            <p:strVal val="#ppt_y+.1"/>
+                                          </p:val>
+                                        </p:tav>
+                                        <p:tav tm="100000">
+                                          <p:val>
+                                            <p:strVal val="#ppt_y"/>
+                                          </p:val>
+                                        </p:tav>
+                                      </p:tavLst>
+                                    </p:anim>
+                                  </p:childTnLst>
+                                </p:cTn>
+                              </p:par>
+                            </p:childTnLst>
+                          </p:cTn>
+                        </p:par>
+                      </p:childTnLst>
+                    </p:cTn>
+                  </p:par>
+                  <p:par>
+                    <p:cTn id="10" fill="hold">
+                      <p:stCondLst>
+                        <p:cond delay="indefinite"/>
+                      </p:stCondLst>
+                      <p:childTnLst>
+                        <p:par>
+                          <p:cTn id="11" fill="hold">
+                            <p:stCondLst>
+                              <p:cond delay="0"/>
+                            </p:stCondLst>
+                            <p:childTnLst>
+                              <p:par>
+                                <p:cTn id="12" presetID="42" presetClass="entr" presetSubtype="0" fill="hold" grpId="0" nodeType="clickEffect">
+                                  <p:stCondLst>
+                                    <p:cond delay="0"/>
+                                  </p:stCondLst>
+                                  <p:childTnLst>
+                                    <p:set>
+                                      <p:cBhvr>
+                                        <p:cTn id="13" dur="1" fill="hold">
+                                          <p:stCondLst>
+                                            <p:cond delay="0"/>
+                                          </p:stCondLst>
+                                        </p:cTn>
+                                        <p:tgtEl>
+                                          <p:spTgt spid="5"/>
+                                        </p:tgtEl>
+                                        <p:attrNameLst>
+                                          <p:attrName>style.visibility</p:attrName>
+                                        </p:attrNameLst>
+                                      </p:cBhvr>
+                                      <p:to>
+                                        <p:strVal val="visible"/>
+                                      </p:to>
+                                    </p:set>
+                                    <p:animEffect transition="in" filter="fade">
+                                      <p:cBhvr>
+                                        <p:cTn id="14" dur="1000"/>
+                                        <p:tgtEl>
+                                          <p:spTgt spid="5"/>
+                                        </p:tgtEl>
+                                      </p:cBhvr>
+                                    </p:animEffect>
+                                    <p:anim calcmode="lin" valueType="num">
+                                      <p:cBhvr>
+                                        <p:cTn id="15" dur="1000" fill="hold"/>
+                                        <p:tgtEl>
+                                          <p:spTgt spid="5"/>
+                                        </p:tgtEl>
+                                        <p:attrNameLst>
+                                          <p:attrName>ppt_x</p:attrName>
+                                        </p:attrNameLst>
+                                      </p:cBhvr>
+                                      <p:tavLst>
+                                        <p:tav tm="0">
+                                          <p:val>
+                                            <p:strVal val="#ppt_x"/>
+                                          </p:val>
+                                        </p:tav>
+                                        <p:tav tm="100000">
+                                          <p:val>
+                                            <p:strVal val="#ppt_x"/>
+                                          </p:val>
+                                        </p:tav>
+                                      </p:tavLst>
+                                    </p:anim>
+                                    <p:anim calcmode="lin" valueType="num">
+                                      <p:cBhvr>
+                                        <p:cTn id="16" dur="1000" fill="hold"/>
+                                        <p:tgtEl>
+                                          <p:spTgt spid="5"/>
+                                        </p:tgtEl>
+                                        <p:attrNameLst>
+                                          <p:attrName>ppt_y</p:attrName>
+                                        </p:attrNameLst>
+                                      </p:cBhvr>
+                                      <p:tavLst>
+                                        <p:tav tm="0">
+                                          <p:val>
+                                            <p:strVal val="#ppt_y+.1"/>
+                                          </p:val>
+                                        </p:tav>
+                                        <p:tav tm="100000">
+                                          <p:val>
+                                            <p:strVal val="#ppt_y"/>
+                                          </p:val>
+                                        </p:tav>
+                                      </p:tavLst>
+                                    </p:anim>
+                                  </p:childTnLst>
+                                </p:cTn>
+                              </p:par>
+                            </p:childTnLst>
+                          </p:cTn>
+                        </p:par>
+                      </p:childTnLst>
+                    </p:cTn>
+                  </p:par>
+                  <p:par>
+                    <p:cTn id="17" fill="hold">
+                      <p:stCondLst>
+                        <p:cond delay="indefinite"/>
+                      </p:stCondLst>
+                      <p:childTnLst>
+                        <p:par>
+                          <p:cTn id="18" fill="hold">
+                            <p:stCondLst>
+                              <p:cond delay="0"/>
+                            </p:stCondLst>
+                            <p:childTnLst>
+                              <p:par>
+                                <p:cTn id="19" presetID="42" presetClass="entr" presetSubtype="0" fill="hold" grpId="0" nodeType="clickEffect">
+                                  <p:stCondLst>
+                                    <p:cond delay="0"/>
+                                  </p:stCondLst>
+                                  <p:childTnLst>
+                                    <p:set>
+                                      <p:cBhvr>
+                                        <p:cTn id="20" dur="1" fill="hold">
+                                          <p:stCondLst>
+                                            <p:cond delay="0"/>
+                                          </p:stCondLst>
+                                        </p:cTn>
+                                        <p:tgtEl>
+                                          <p:spTgt spid="6"/>
+                                        </p:tgtEl>
+                                        <p:attrNameLst>
+                                          <p:attrName>style.visibility</p:attrName>
+                                        </p:attrNameLst>
+                                      </p:cBhvr>
+                                      <p:to>
+                                        <p:strVal val="visible"/>
+                                      </p:to>
+                                    </p:set>
+                                    <p:animEffect transition="in" filter="fade">
+                                      <p:cBhvr>
+                                        <p:cTn id="21" dur="1000"/>
+                                        <p:tgtEl>
+                                          <p:spTgt spid="6"/>
+                                        </p:tgtEl>
+                                      </p:cBhvr>
+                                    </p:animEffect>
+                                    <p:anim calcmode="lin" valueType="num">
+                                      <p:cBhvr>
+                                        <p:cTn id="22" dur="1000" fill="hold"/>
+                                        <p:tgtEl>
+                                          <p:spTgt spid="6"/>
+                                        </p:tgtEl>
+                                        <p:attrNameLst>
+                                          <p:attrName>ppt_x</p:attrName>
+                                        </p:attrNameLst>
+                                      </p:cBhvr>
+                                      <p:tavLst>
+                                        <p:tav tm="0">
+                                          <p:val>
+                                            <p:strVal val="#ppt_x"/>
+                                          </p:val>
+                                        </p:tav>
+                                        <p:tav tm="100000">
+                                          <p:val>
+                                            <p:strVal val="#ppt_x"/>
+                                          </p:val>
+                                        </p:tav>
+                                      </p:tavLst>
+                                    </p:anim>
+                                    <p:anim calcmode="lin" valueType="num">
+                                      <p:cBhvr>
+                                        <p:cTn id="23" dur="1000" fill="hold"/>
+                                        <p:tgtEl>
+                                          <p:spTgt spid="6"/>
+                                        </p:tgtEl>
+                                        <p:attrNameLst>
+                                          <p:attrName>ppt_y</p:attrName>
+                                        </p:attrNameLst>
+                                      </p:cBhvr>
+                                      <p:tavLst>
+                                        <p:tav tm="0">
+                                          <p:val>
+                                            <p:strVal val="#ppt_y+.1"/>
+                                          </p:val>
+                                        </p:tav>
+                                        <p:tav tm="100000">
+                                          <p:val>
+                                            <p:strVal val="#ppt_y"/>
+                                          </p:val>
+                                        </p:tav>
+                                      </p:tavLst>
+                                    </p:anim>
+                                  </p:childTnLst>
+                                </p:cTn>
+                              </p:par>
+                            </p:childTnLst>
+                          </p:cTn>
+                        </p:par>
+                      </p:childTnLst>
+                    </p:cTn>
+                  </p:par>
+                  <p:par>
+                    <p:cTn id="24" fill="hold">
+                      <p:stCondLst>
+                        <p:cond delay="indefinite"/>
+                      </p:stCondLst>
+                      <p:childTnLst>
+                        <p:par>
+                          <p:cTn id="25" fill="hold">
+                            <p:stCondLst>
+                              <p:cond delay="0"/>
+                            </p:stCondLst>
+                            <p:childTnLst>
+                              <p:par>
+                                <p:cTn id="26" presetID="42" presetClass="entr" presetSubtype="0" fill="hold" grpId="0" nodeType="clickEffect">
+                                  <p:stCondLst>
+                                    <p:cond delay="0"/>
+                                  </p:stCondLst>
+                                  <p:childTnLst>
+                                    <p:set>
+                                      <p:cBhvr>
+                                        <p:cTn id="27" dur="1" fill="hold">
+                                          <p:stCondLst>
+                                            <p:cond delay="0"/>
+                                          </p:stCondLst>
+                                        </p:cTn>
+                                        <p:tgtEl>
+                                          <p:spTgt spid="7"/>
+                                        </p:tgtEl>
+                                        <p:attrNameLst>
+                                          <p:attrName>style.visibility</p:attrName>
+                                        </p:attrNameLst>
+                                      </p:cBhvr>
+                                      <p:to>
+                                        <p:strVal val="visible"/>
+                                      </p:to>
+                                    </p:set>
+                                    <p:animEffect transition="in" filter="fade">
+                                      <p:cBhvr>
+                                        <p:cTn id="28" dur="1000"/>
+                                        <p:tgtEl>
+                                          <p:spTgt spid="7"/>
+                                        </p:tgtEl>
+                                      </p:cBhvr>
+                                    </p:animEffect>
+                                    <p:anim calcmode="lin" valueType="num">
+                                      <p:cBhvr>
+                                        <p:cTn id="29" dur="1000" fill="hold"/>
+                                        <p:tgtEl>
+                                          <p:spTgt spid="7"/>
+                                        </p:tgtEl>
+                                        <p:attrNameLst>
+                                          <p:attrName>ppt_x</p:attrName>
+                                        </p:attrNameLst>
+                                      </p:cBhvr>
+                                      <p:tavLst>
+                                        <p:tav tm="0">
+                                          <p:val>
+                                            <p:strVal val="#ppt_x"/>
+                                          </p:val>
+                                        </p:tav>
+                                        <p:tav tm="100000">
+                                          <p:val>
+                                            <p:strVal val="#ppt_x"/>
+                                          </p:val>
+                                        </p:tav>
+                                      </p:tavLst>
+                                    </p:anim>
+                                    <p:anim calcmode="lin" valueType="num">
+                                      <p:cBhvr>
+                                        <p:cTn id="30" dur="1000" fill="hold"/>
+                                        <p:tgtEl>
+                                          <p:spTgt spid="7"/>
+                                        </p:tgtEl>
+                                        <p:attrNameLst>
+                                          <p:attrName>ppt_y</p:attrName>
+                                        </p:attrNameLst>
+                                      </p:cBhvr>
+                                      <p:tavLst>
+                                        <p:tav tm="0">
+                                          <p:val>
+                                            <p:strVal val="#ppt_y+.1"/>
+                                          </p:val>
+                                        </p:tav>
+                                        <p:tav tm="100000">
+                                          <p:val>
+                                            <p:strVal val="#ppt_y"/>
+                                          </p:val>
+                                        </p:tav>
+                                      </p:tavLst>
+                                    </p:anim>
+                                  </p:childTnLst>
+                                </p:cTn>
+                              </p:par>
+                            </p:childTnLst>
+                          </p:cTn>
+                        </p:par>
+                      </p:childTnLst>
+                    </p:cTn>
+                  </p:par>
+                  <p:par>
+                    <p:cTn id="31" fill="hold">
+                      <p:stCondLst>
+                        <p:cond delay="indefinite"/>
+                      </p:stCondLst>
+                      <p:childTnLst>
+                        <p:par>
+                          <p:cTn id="32" fill="hold">
+                            <p:stCondLst>
+                              <p:cond delay="0"/>
+                            </p:stCondLst>
+                            <p:childTnLst>
+                              <p:par>
+                                <p:cTn id="33" presetID="42" presetClass="entr" presetSubtype="0" fill="hold" grpId="0" nodeType="clickEffect">
+                                  <p:stCondLst>
+                                    <p:cond delay="0"/>
+                                  </p:stCondLst>
+                                  <p:childTnLst>
+                                    <p:set>
+                                      <p:cBhvr>
+                                        <p:cTn id="34" dur="1" fill="hold">
+                                          <p:stCondLst>
+                                            <p:cond delay="0"/>
+                                          </p:stCondLst>
+                                        </p:cTn>
+                                        <p:tgtEl>
+                                          <p:spTgt spid="8"/>
+                                        </p:tgtEl>
+                                        <p:attrNameLst>
+                                          <p:attrName>style.visibility</p:attrName>
+                                        </p:attrNameLst>
+                                      </p:cBhvr>
+                                      <p:to>
+                                        <p:strVal val="visible"/>
+                                      </p:to>
+                                    </p:set>
+                                    <p:animEffect transition="in" filter="fade">
+                                      <p:cBhvr>
+                                        <p:cTn id="35" dur="1000"/>
+                                        <p:tgtEl>
+                                          <p:spTgt spid="8"/>
+                                        </p:tgtEl>
+                                      </p:cBhvr>
+                                    </p:animEffect>
+                                    <p:anim calcmode="lin" valueType="num">
+                                      <p:cBhvr>
+                                        <p:cTn id="36" dur="1000" fill="hold"/>
+                                        <p:tgtEl>
+                                          <p:spTgt spid="8"/>
+                                        </p:tgtEl>
+                                        <p:attrNameLst>
+                                          <p:attrName>ppt_x</p:attrName>
+                                        </p:attrNameLst>
+                                      </p:cBhvr>
+                                      <p:tavLst>
+                                        <p:tav tm="0">
+                                          <p:val>
+                                            <p:strVal val="#ppt_x"/>
+                                          </p:val>
+                                        </p:tav>
+                                        <p:tav tm="100000">
+                                          <p:val>
+                                            <p:strVal val="#ppt_x"/>
+                                          </p:val>
+                                        </p:tav>
+                                      </p:tavLst>
+                                    </p:anim>
+                                    <p:anim calcmode="lin" valueType="num">
+                                      <p:cBhvr>
+                                        <p:cTn id="37" dur="1000" fill="hold"/>
+                                        <p:tgtEl>
+                                          <p:spTgt spid="8"/>
+                                        </p:tgtEl>
+                                        <p:attrNameLst>
+                                          <p:attrName>ppt_y</p:attrName>
+                                        </p:attrNameLst>
+                                      </p:cBhvr>
+                                      <p:tavLst>
+                                        <p:tav tm="0">
+                                          <p:val>
+                                            <p:strVal val="#ppt_y+.1"/>
+                                          </p:val>
+                                        </p:tav>
+                                        <p:tav tm="100000">
+                                          <p:val>
+                                            <p:strVal val="#ppt_y"/>
+                                          </p:val>
+                                        </p:tav>
+                                      </p:tavLst>
+                                    </p:anim>
+                                  </p:childTnLst>
+                                </p:cTn>
+                              </p:par>
+                            </p:childTnLst>
+                          </p:cTn>
+                        </p:par>
+                      </p:childTnLst>
+                    </p:cTn>
+                  </p:par>
+                  <p:par>
+                    <p:cTn id="38" fill="hold">
+                      <p:stCondLst>
+                        <p:cond delay="indefinite"/>
+                      </p:stCondLst>
+                      <p:childTnLst>
+                        <p:par>
+                          <p:cTn id="39" fill="hold">
+                            <p:stCondLst>
+                              <p:cond delay="0"/>
+                            </p:stCondLst>
+                            <p:childTnLst>
+                              <p:par>
+                                <p:cTn id="40" presetID="42" presetClass="entr" presetSubtype="0" fill="hold" grpId="0" nodeType="clickEffect">
+                                  <p:stCondLst>
+                                    <p:cond delay="0"/>
+                                  </p:stCondLst>
+                                  <p:childTnLst>
+                                    <p:set>
+                                      <p:cBhvr>
+                                        <p:cTn id="41" dur="1" fill="hold">
+                                          <p:stCondLst>
+                                            <p:cond delay="0"/>
+                                          </p:stCondLst>
+                                        </p:cTn>
+                                        <p:tgtEl>
+                                          <p:spTgt spid="9"/>
+                                        </p:tgtEl>
+                                        <p:attrNameLst>
+                                          <p:attrName>style.visibility</p:attrName>
+                                        </p:attrNameLst>
+                                      </p:cBhvr>
+                                      <p:to>
+                                        <p:strVal val="visible"/>
+                                      </p:to>
+                                    </p:set>
+                                    <p:animEffect transition="in" filter="fade">
+                                      <p:cBhvr>
+                                        <p:cTn id="42" dur="1000"/>
+                                        <p:tgtEl>
+                                          <p:spTgt spid="9"/>
+                                        </p:tgtEl>
+                                      </p:cBhvr>
+                                    </p:animEffect>
+                                    <p:anim calcmode="lin" valueType="num">
+                                      <p:cBhvr>
+                                        <p:cTn id="43" dur="1000" fill="hold"/>
+                                        <p:tgtEl>
+                                          <p:spTgt spid="9"/>
+                                        </p:tgtEl>
+                                        <p:attrNameLst>
+                                          <p:attrName>ppt_x</p:attrName>
+                                        </p:attrNameLst>
+                                      </p:cBhvr>
+                                      <p:tavLst>
+                                        <p:tav tm="0">
+                                          <p:val>
+                                            <p:strVal val="#ppt_x"/>
+                                          </p:val>
+                                        </p:tav>
+                                        <p:tav tm="100000">
+                                          <p:val>
+                                            <p:strVal val="#ppt_x"/>
+                                          </p:val>
+                                        </p:tav>
+                                      </p:tavLst>
+                                    </p:anim>
+                                    <p:anim calcmode="lin" valueType="num">
+                                      <p:cBhvr>
+                                        <p:cTn id="44" dur="1000" fill="hold"/>
+                                        <p:tgtEl>
+                                          <p:spTgt spid="9"/>
+                                        </p:tgtEl>
+                                        <p:attrNameLst>
+                                          <p:attrName>ppt_y</p:attrName>
+                                        </p:attrNameLst>
+                                      </p:cBhvr>
+                                      <p:tavLst>
+                                        <p:tav tm="0">
+                                          <p:val>
+                                            <p:strVal val="#ppt_y+.1"/>
+                                          </p:val>
+                                        </p:tav>
+                                        <p:tav tm="100000">
+                                          <p:val>
+                                            <p:strVal val="#ppt_y"/>
+                                          </p:val>
+                                        </p:tav>
+                                      </p:tavLst>
+                                    </p:anim>
+                                  </p:childTnLst>
+                                </p:cTn>
+                              </p:par>
+                            </p:childTnLst>
+                          </p:cTn>
+                        </p:par>
+                      </p:childTnLst>
+                    </p:cTn>
+                  </p:par>
+                </p:childTnLst>
+              </p:cTn>
+              <p:prevCondLst>
+                <p:cond evt="onPrev" delay="0">
+                  <p:tgtEl>
+                    <p:sldTgt/>
+                  </p:tgtEl>
+                </p:cond>
+              </p:prevCondLst>
+              <p:nextCondLst>
+                <p:cond evt="onNext" delay="0">
+                  <p:tgtEl>
+                    <p:sldTgt/>
+                  </p:tgtEl>
+                </p:cond>
+              </p:nextCondLst>
+            </p:seq>
+          </p:childTnLst>
+        </p:cTn>
+      </p:par>
+    </p:tnLst>
+    <p:bldLst>
+      <p:bldP spid="4" grpId="0"/>
+      <p:bldP spid="5" grpId="0"/>
+      <p:bldP spid="6" grpId="0"/>
+      <p:bldP spid="7" grpId="0"/>
+      <p:bldP spid="8" grpId="0"/>
+      <p:bldP spid="9" grpId="0"/>
+    </p:bldLst>
+  </p:timing>
+</p:sld>
+</file>
+
+<file path=ppt/slides/slide8.xml><?xml version="1.0" encoding="utf-8"?>
+<p:sld xmlns:a="http://schemas.openxmlformats.org/drawingml/2006/main" xmlns:r="http://schemas.openxmlformats.org/officeDocument/2006/relationships" xmlns:p="http://schemas.openxmlformats.org/presentationml/2006/main">
+  <p:cSld>
+    <p:spTree>
+      <p:nvGrpSpPr>
+        <p:cNvPr id="1" name=""/>
+        <p:cNvGrpSpPr/>
+        <p:nvPr/>
+      </p:nvGrpSpPr>
+      <p:grpSpPr>
+        <a:xfrm>
+          <a:off x="0" y="0"/>
+          <a:ext cx="0" cy="0"/>
+          <a:chOff x="0" y="0"/>
+          <a:chExt cx="0" cy="0"/>
+        </a:xfrm>
+      </p:grpSpPr>
+      <p:sp>
+        <p:nvSpPr>
+          <p:cNvPr id="3" name="文本框 2">
+            <a:extLst>
+              <a:ext uri="{FF2B5EF4-FFF2-40B4-BE49-F238E27FC236}">
+                <a16:creationId xmlns:a16="http://schemas.microsoft.com/office/drawing/2014/main" id="{8A20CE66-8755-4A91-990A-4E3AB8962B26}"/>
+              </a:ext>
+            </a:extLst>
+          </p:cNvPr>
+          <p:cNvSpPr txBox="1"/>
+          <p:nvPr/>
+        </p:nvSpPr>
+        <p:spPr>
+          <a:xfrm>
+            <a:off x="1010412" y="768096"/>
+            <a:ext cx="5536692" cy="461665"/>
+          </a:xfrm>
+          <a:prstGeom prst="rect">
+            <a:avLst/>
+          </a:prstGeom>
+          <a:noFill/>
+        </p:spPr>
+        <p:txBody>
+          <a:bodyPr wrap="square" rtlCol="0">
+            <a:spAutoFit/>
+          </a:bodyPr>
+          <a:lstStyle/>
+          <a:p>
+            <a:r>
+              <a:rPr lang="en-US" altLang="zh-CN" sz="2400" b="1" dirty="0"/>
+              <a:t>LeetCode-15</a:t>
+            </a:r>
+            <a:r>
+              <a:rPr lang="zh-CN" altLang="en-US" sz="2400" b="1" dirty="0"/>
+              <a:t>：</a:t>
+            </a:r>
+            <a:r>
+              <a:rPr lang="en-US" altLang="zh-CN" sz="2400" b="1" dirty="0"/>
+              <a:t>three-sum/</a:t>
+            </a:r>
+            <a:r>
+              <a:rPr lang="zh-CN" altLang="en-US" sz="2400" b="1" dirty="0"/>
+              <a:t>三数之和</a:t>
+            </a:r>
+          </a:p>
+        </p:txBody>
+      </p:sp>
+      <p:sp>
+        <p:nvSpPr>
+          <p:cNvPr id="4" name="文本框 3">
+            <a:extLst>
+              <a:ext uri="{FF2B5EF4-FFF2-40B4-BE49-F238E27FC236}">
+                <a16:creationId xmlns:a16="http://schemas.microsoft.com/office/drawing/2014/main" id="{85C8D245-0247-47A9-A654-011726B8BEDD}"/>
+              </a:ext>
+            </a:extLst>
+          </p:cNvPr>
+          <p:cNvSpPr txBox="1"/>
+          <p:nvPr/>
+        </p:nvSpPr>
+        <p:spPr>
+          <a:xfrm>
+            <a:off x="1984248" y="1474502"/>
+            <a:ext cx="7256486" cy="4524315"/>
+          </a:xfrm>
+          <a:prstGeom prst="rect">
+            <a:avLst/>
+          </a:prstGeom>
+          <a:noFill/>
+        </p:spPr>
+        <p:txBody>
+          <a:bodyPr wrap="square" rtlCol="0">
+            <a:spAutoFit/>
+          </a:bodyPr>
+          <a:lstStyle/>
+          <a:p>
+            <a:r>
+              <a:rPr lang="en-US" altLang="zh-CN" sz="1600" dirty="0">
+                <a:latin typeface="Consolas" panose="020B0609020204030204" pitchFamily="49" charset="0"/>
+              </a:rPr>
+              <a:t>/**</a:t>
+            </a:r>
+          </a:p>
+          <a:p>
+            <a:r>
+              <a:rPr lang="en-US" altLang="zh-CN" sz="1600" dirty="0">
+                <a:latin typeface="Consolas" panose="020B0609020204030204" pitchFamily="49" charset="0"/>
+              </a:rPr>
+              <a:t> * @param {number[]} </a:t>
+            </a:r>
+            <a:r>
+              <a:rPr lang="en-US" altLang="zh-CN" sz="1600" dirty="0" err="1">
+                <a:latin typeface="Consolas" panose="020B0609020204030204" pitchFamily="49" charset="0"/>
+              </a:rPr>
+              <a:t>nums</a:t>
+            </a:r>
+            <a:endParaRPr lang="en-US" altLang="zh-CN" sz="1600" dirty="0">
+              <a:latin typeface="Consolas" panose="020B0609020204030204" pitchFamily="49" charset="0"/>
+            </a:endParaRPr>
+          </a:p>
+          <a:p>
+            <a:r>
+              <a:rPr lang="en-US" altLang="zh-CN" sz="1600" dirty="0">
+                <a:latin typeface="Consolas" panose="020B0609020204030204" pitchFamily="49" charset="0"/>
+              </a:rPr>
+              <a:t> * @return {number[][]}</a:t>
+            </a:r>
+          </a:p>
+          <a:p>
+            <a:r>
+              <a:rPr lang="en-US" altLang="zh-CN" sz="1600" dirty="0">
+                <a:latin typeface="Consolas" panose="020B0609020204030204" pitchFamily="49" charset="0"/>
+              </a:rPr>
+              <a:t> */</a:t>
+            </a:r>
+          </a:p>
+          <a:p>
+            <a:r>
+              <a:rPr lang="en-US" altLang="zh-CN" sz="1600" dirty="0">
+                <a:latin typeface="Consolas" panose="020B0609020204030204" pitchFamily="49" charset="0"/>
+              </a:rPr>
+              <a:t>const </a:t>
+            </a:r>
+            <a:r>
+              <a:rPr lang="en-US" altLang="zh-CN" sz="1600" dirty="0" err="1">
+                <a:latin typeface="Consolas" panose="020B0609020204030204" pitchFamily="49" charset="0"/>
+              </a:rPr>
+              <a:t>threeSum</a:t>
+            </a:r>
+            <a:r>
+              <a:rPr lang="en-US" altLang="zh-CN" sz="1600" dirty="0">
+                <a:latin typeface="Consolas" panose="020B0609020204030204" pitchFamily="49" charset="0"/>
+              </a:rPr>
+              <a:t> = function(</a:t>
+            </a:r>
+            <a:r>
+              <a:rPr lang="en-US" altLang="zh-CN" sz="1600" dirty="0" err="1">
+                <a:latin typeface="Consolas" panose="020B0609020204030204" pitchFamily="49" charset="0"/>
+              </a:rPr>
+              <a:t>nums</a:t>
+            </a:r>
+            <a:r>
+              <a:rPr lang="en-US" altLang="zh-CN" sz="1600" dirty="0">
+                <a:latin typeface="Consolas" panose="020B0609020204030204" pitchFamily="49" charset="0"/>
+              </a:rPr>
+              <a:t>) {</a:t>
+            </a:r>
+          </a:p>
+          <a:p>
+            <a:r>
+              <a:rPr lang="en-US" altLang="zh-CN" sz="1600" dirty="0">
+                <a:latin typeface="Consolas" panose="020B0609020204030204" pitchFamily="49" charset="0"/>
+              </a:rPr>
+              <a:t>    </a:t>
+            </a:r>
+            <a:r>
+              <a:rPr lang="en-US" altLang="zh-CN" sz="1600" dirty="0" err="1">
+                <a:latin typeface="Consolas" panose="020B0609020204030204" pitchFamily="49" charset="0"/>
+              </a:rPr>
+              <a:t>nums.sort</a:t>
+            </a:r>
+            <a:r>
+              <a:rPr lang="en-US" altLang="zh-CN" sz="1600" dirty="0">
+                <a:latin typeface="Consolas" panose="020B0609020204030204" pitchFamily="49" charset="0"/>
+              </a:rPr>
+              <a:t>((a, b) =&gt; a - b);</a:t>
+            </a:r>
+          </a:p>
+          <a:p>
+            <a:r>
+              <a:rPr lang="en-US" altLang="zh-CN" sz="1600" dirty="0">
+                <a:latin typeface="Consolas" panose="020B0609020204030204" pitchFamily="49" charset="0"/>
+              </a:rPr>
+              <a:t>    let </a:t>
+            </a:r>
+            <a:r>
+              <a:rPr lang="en-US" altLang="zh-CN" sz="1600" dirty="0" err="1">
+                <a:latin typeface="Consolas" panose="020B0609020204030204" pitchFamily="49" charset="0"/>
+              </a:rPr>
+              <a:t>ans</a:t>
+            </a:r>
+            <a:r>
+              <a:rPr lang="en-US" altLang="zh-CN" sz="1600" dirty="0">
+                <a:latin typeface="Consolas" panose="020B0609020204030204" pitchFamily="49" charset="0"/>
+              </a:rPr>
+              <a:t> = [];</a:t>
+            </a:r>
+          </a:p>
+          <a:p>
+            <a:r>
+              <a:rPr lang="en-US" altLang="zh-CN" sz="1600" dirty="0">
+                <a:latin typeface="Consolas" panose="020B0609020204030204" pitchFamily="49" charset="0"/>
+              </a:rPr>
+              <a:t>    for (let </a:t>
+            </a:r>
+            <a:r>
+              <a:rPr lang="en-US" altLang="zh-CN" sz="1600" dirty="0" err="1">
+                <a:latin typeface="Consolas" panose="020B0609020204030204" pitchFamily="49" charset="0"/>
+              </a:rPr>
+              <a:t>i</a:t>
+            </a:r>
+            <a:r>
+              <a:rPr lang="en-US" altLang="zh-CN" sz="1600" dirty="0">
+                <a:latin typeface="Consolas" panose="020B0609020204030204" pitchFamily="49" charset="0"/>
+              </a:rPr>
+              <a:t> = 0; </a:t>
+            </a:r>
+            <a:r>
+              <a:rPr lang="en-US" altLang="zh-CN" sz="1600" dirty="0" err="1">
+                <a:latin typeface="Consolas" panose="020B0609020204030204" pitchFamily="49" charset="0"/>
+              </a:rPr>
+              <a:t>i</a:t>
+            </a:r>
+            <a:r>
+              <a:rPr lang="en-US" altLang="zh-CN" sz="1600" dirty="0">
+                <a:latin typeface="Consolas" panose="020B0609020204030204" pitchFamily="49" charset="0"/>
+              </a:rPr>
+              <a:t> &lt; </a:t>
+            </a:r>
+            <a:r>
+              <a:rPr lang="en-US" altLang="zh-CN" sz="1600" dirty="0" err="1">
+                <a:latin typeface="Consolas" panose="020B0609020204030204" pitchFamily="49" charset="0"/>
+              </a:rPr>
+              <a:t>nums.length</a:t>
+            </a:r>
+            <a:r>
+              <a:rPr lang="en-US" altLang="zh-CN" sz="1600" dirty="0">
+                <a:latin typeface="Consolas" panose="020B0609020204030204" pitchFamily="49" charset="0"/>
+              </a:rPr>
+              <a:t>; </a:t>
+            </a:r>
+            <a:r>
+              <a:rPr lang="en-US" altLang="zh-CN" sz="1600" dirty="0" err="1">
+                <a:latin typeface="Consolas" panose="020B0609020204030204" pitchFamily="49" charset="0"/>
+              </a:rPr>
+              <a:t>i</a:t>
+            </a:r>
+            <a:r>
+              <a:rPr lang="en-US" altLang="zh-CN" sz="1600" dirty="0">
+                <a:latin typeface="Consolas" panose="020B0609020204030204" pitchFamily="49" charset="0"/>
+              </a:rPr>
+              <a:t>++) {</a:t>
+            </a:r>
+          </a:p>
+          <a:p>
+            <a:r>
+              <a:rPr lang="en-US" altLang="zh-CN" sz="1600" dirty="0">
+                <a:latin typeface="Consolas" panose="020B0609020204030204" pitchFamily="49" charset="0"/>
+              </a:rPr>
+              <a:t>        let c = </a:t>
+            </a:r>
+            <a:r>
+              <a:rPr lang="en-US" altLang="zh-CN" sz="1600" dirty="0" err="1">
+                <a:latin typeface="Consolas" panose="020B0609020204030204" pitchFamily="49" charset="0"/>
+              </a:rPr>
+              <a:t>nums</a:t>
+            </a:r>
+            <a:r>
+              <a:rPr lang="en-US" altLang="zh-CN" sz="1600" dirty="0">
+                <a:latin typeface="Consolas" panose="020B0609020204030204" pitchFamily="49" charset="0"/>
+              </a:rPr>
+              <a:t>[</a:t>
+            </a:r>
+            <a:r>
+              <a:rPr lang="en-US" altLang="zh-CN" sz="1600" dirty="0" err="1">
+                <a:latin typeface="Consolas" panose="020B0609020204030204" pitchFamily="49" charset="0"/>
+              </a:rPr>
+              <a:t>i</a:t>
+            </a:r>
+            <a:r>
+              <a:rPr lang="en-US" altLang="zh-CN" sz="1600" dirty="0">
+                <a:latin typeface="Consolas" panose="020B0609020204030204" pitchFamily="49" charset="0"/>
+              </a:rPr>
+              <a:t>], target = -c;</a:t>
+            </a:r>
+          </a:p>
+          <a:p>
+            <a:r>
+              <a:rPr lang="en-US" altLang="zh-CN" sz="1600" dirty="0">
+                <a:latin typeface="Consolas" panose="020B0609020204030204" pitchFamily="49" charset="0"/>
+              </a:rPr>
+              <a:t>        for (let j = </a:t>
+            </a:r>
+            <a:r>
+              <a:rPr lang="en-US" altLang="zh-CN" sz="1600" dirty="0" err="1">
+                <a:latin typeface="Consolas" panose="020B0609020204030204" pitchFamily="49" charset="0"/>
+              </a:rPr>
+              <a:t>i</a:t>
+            </a:r>
+            <a:r>
+              <a:rPr lang="en-US" altLang="zh-CN" sz="1600" dirty="0">
+                <a:latin typeface="Consolas" panose="020B0609020204030204" pitchFamily="49" charset="0"/>
+              </a:rPr>
+              <a:t> + 1, k = </a:t>
+            </a:r>
+            <a:r>
+              <a:rPr lang="en-US" altLang="zh-CN" sz="1600" dirty="0" err="1">
+                <a:latin typeface="Consolas" panose="020B0609020204030204" pitchFamily="49" charset="0"/>
+              </a:rPr>
+              <a:t>nums.length</a:t>
+            </a:r>
+            <a:r>
+              <a:rPr lang="en-US" altLang="zh-CN" sz="1600" dirty="0">
+                <a:latin typeface="Consolas" panose="020B0609020204030204" pitchFamily="49" charset="0"/>
+              </a:rPr>
+              <a:t> - 1; j &lt; k; </a:t>
+            </a:r>
+            <a:r>
+              <a:rPr lang="en-US" altLang="zh-CN" sz="1600" dirty="0" err="1">
+                <a:latin typeface="Consolas" panose="020B0609020204030204" pitchFamily="49" charset="0"/>
+              </a:rPr>
+              <a:t>j++</a:t>
+            </a:r>
+            <a:r>
+              <a:rPr lang="en-US" altLang="zh-CN" sz="1600" dirty="0">
+                <a:latin typeface="Consolas" panose="020B0609020204030204" pitchFamily="49" charset="0"/>
+              </a:rPr>
+              <a:t>) {</a:t>
+            </a:r>
+          </a:p>
+          <a:p>
+            <a:r>
+              <a:rPr lang="en-US" altLang="zh-CN" sz="1600" dirty="0">
+                <a:latin typeface="Consolas" panose="020B0609020204030204" pitchFamily="49" charset="0"/>
+              </a:rPr>
+              <a:t>            while (j &lt; k &amp;&amp; </a:t>
+            </a:r>
+            <a:r>
+              <a:rPr lang="en-US" altLang="zh-CN" sz="1600" dirty="0" err="1">
+                <a:latin typeface="Consolas" panose="020B0609020204030204" pitchFamily="49" charset="0"/>
+              </a:rPr>
+              <a:t>nums</a:t>
+            </a:r>
+            <a:r>
+              <a:rPr lang="en-US" altLang="zh-CN" sz="1600" dirty="0">
+                <a:latin typeface="Consolas" panose="020B0609020204030204" pitchFamily="49" charset="0"/>
+              </a:rPr>
+              <a:t>[j] + </a:t>
+            </a:r>
+            <a:r>
+              <a:rPr lang="en-US" altLang="zh-CN" sz="1600" dirty="0" err="1">
+                <a:latin typeface="Consolas" panose="020B0609020204030204" pitchFamily="49" charset="0"/>
+              </a:rPr>
+              <a:t>nums</a:t>
+            </a:r>
+            <a:r>
+              <a:rPr lang="en-US" altLang="zh-CN" sz="1600" dirty="0">
+                <a:latin typeface="Consolas" panose="020B0609020204030204" pitchFamily="49" charset="0"/>
+              </a:rPr>
+              <a:t>[k] &gt; target) k--;</a:t>
+            </a:r>
+          </a:p>
+          <a:p>
+            <a:r>
+              <a:rPr lang="en-US" altLang="zh-CN" sz="1600" dirty="0">
+                <a:latin typeface="Consolas" panose="020B0609020204030204" pitchFamily="49" charset="0"/>
+              </a:rPr>
+              <a:t>            if (j &lt; k &amp;&amp; </a:t>
+            </a:r>
+            <a:r>
+              <a:rPr lang="en-US" altLang="zh-CN" sz="1600" dirty="0" err="1">
+                <a:latin typeface="Consolas" panose="020B0609020204030204" pitchFamily="49" charset="0"/>
+              </a:rPr>
+              <a:t>nums</a:t>
+            </a:r>
+            <a:r>
+              <a:rPr lang="en-US" altLang="zh-CN" sz="1600" dirty="0">
+                <a:latin typeface="Consolas" panose="020B0609020204030204" pitchFamily="49" charset="0"/>
+              </a:rPr>
+              <a:t>[j] + </a:t>
+            </a:r>
+            <a:r>
+              <a:rPr lang="en-US" altLang="zh-CN" sz="1600" dirty="0" err="1">
+                <a:latin typeface="Consolas" panose="020B0609020204030204" pitchFamily="49" charset="0"/>
+              </a:rPr>
+              <a:t>nums</a:t>
+            </a:r>
+            <a:r>
+              <a:rPr lang="en-US" altLang="zh-CN" sz="1600" dirty="0">
+                <a:latin typeface="Consolas" panose="020B0609020204030204" pitchFamily="49" charset="0"/>
+              </a:rPr>
+              <a:t>[k] == target) {</a:t>
+            </a:r>
+          </a:p>
+          <a:p>
+            <a:r>
+              <a:rPr lang="en-US" altLang="zh-CN" sz="1600" dirty="0">
+                <a:latin typeface="Consolas" panose="020B0609020204030204" pitchFamily="49" charset="0"/>
+              </a:rPr>
+              <a:t>                </a:t>
+            </a:r>
+            <a:r>
+              <a:rPr lang="en-US" altLang="zh-CN" sz="1600" dirty="0" err="1">
+                <a:latin typeface="Consolas" panose="020B0609020204030204" pitchFamily="49" charset="0"/>
+              </a:rPr>
+              <a:t>ans.push</a:t>
+            </a:r>
+            <a:r>
+              <a:rPr lang="en-US" altLang="zh-CN" sz="1600" dirty="0">
+                <a:latin typeface="Consolas" panose="020B0609020204030204" pitchFamily="49" charset="0"/>
+              </a:rPr>
+              <a:t>([</a:t>
+            </a:r>
+            <a:r>
+              <a:rPr lang="en-US" altLang="zh-CN" sz="1600" dirty="0" err="1">
+                <a:latin typeface="Consolas" panose="020B0609020204030204" pitchFamily="49" charset="0"/>
+              </a:rPr>
+              <a:t>nums</a:t>
+            </a:r>
+            <a:r>
+              <a:rPr lang="en-US" altLang="zh-CN" sz="1600" dirty="0">
+                <a:latin typeface="Consolas" panose="020B0609020204030204" pitchFamily="49" charset="0"/>
+              </a:rPr>
+              <a:t>[</a:t>
+            </a:r>
+            <a:r>
+              <a:rPr lang="en-US" altLang="zh-CN" sz="1600" dirty="0" err="1">
+                <a:latin typeface="Consolas" panose="020B0609020204030204" pitchFamily="49" charset="0"/>
+              </a:rPr>
+              <a:t>i</a:t>
+            </a:r>
+            <a:r>
+              <a:rPr lang="en-US" altLang="zh-CN" sz="1600" dirty="0">
+                <a:latin typeface="Consolas" panose="020B0609020204030204" pitchFamily="49" charset="0"/>
+              </a:rPr>
+              <a:t>], </a:t>
+            </a:r>
+            <a:r>
+              <a:rPr lang="en-US" altLang="zh-CN" sz="1600" dirty="0" err="1">
+                <a:latin typeface="Consolas" panose="020B0609020204030204" pitchFamily="49" charset="0"/>
+              </a:rPr>
+              <a:t>nums</a:t>
+            </a:r>
+            <a:r>
+              <a:rPr lang="en-US" altLang="zh-CN" sz="1600" dirty="0">
+                <a:latin typeface="Consolas" panose="020B0609020204030204" pitchFamily="49" charset="0"/>
+              </a:rPr>
+              <a:t>[j], </a:t>
+            </a:r>
+            <a:r>
+              <a:rPr lang="en-US" altLang="zh-CN" sz="1600" dirty="0" err="1">
+                <a:latin typeface="Consolas" panose="020B0609020204030204" pitchFamily="49" charset="0"/>
+              </a:rPr>
+              <a:t>nums</a:t>
+            </a:r>
+            <a:r>
+              <a:rPr lang="en-US" altLang="zh-CN" sz="1600" dirty="0">
+                <a:latin typeface="Consolas" panose="020B0609020204030204" pitchFamily="49" charset="0"/>
+              </a:rPr>
+              <a:t>[k]]);</a:t>
+            </a:r>
+          </a:p>
+          <a:p>
+            <a:r>
+              <a:rPr lang="en-US" altLang="zh-CN" sz="1600" dirty="0">
+                <a:latin typeface="Consolas" panose="020B0609020204030204" pitchFamily="49" charset="0"/>
+              </a:rPr>
+              <a:t>            }</a:t>
+            </a:r>
+          </a:p>
+          <a:p>
+            <a:r>
+              <a:rPr lang="en-US" altLang="zh-CN" sz="1600" dirty="0">
+                <a:latin typeface="Consolas" panose="020B0609020204030204" pitchFamily="49" charset="0"/>
+              </a:rPr>
+              <a:t>        }</a:t>
+            </a:r>
+          </a:p>
+          <a:p>
+            <a:r>
+              <a:rPr lang="en-US" altLang="zh-CN" sz="1600" dirty="0">
+                <a:latin typeface="Consolas" panose="020B0609020204030204" pitchFamily="49" charset="0"/>
+              </a:rPr>
+              <a:t>    }</a:t>
+            </a:r>
+          </a:p>
+          <a:p>
+            <a:r>
+              <a:rPr lang="en-US" altLang="zh-CN" sz="1600" dirty="0">
+                <a:latin typeface="Consolas" panose="020B0609020204030204" pitchFamily="49" charset="0"/>
+              </a:rPr>
+              <a:t>    return </a:t>
+            </a:r>
+            <a:r>
+              <a:rPr lang="en-US" altLang="zh-CN" sz="1600" dirty="0" err="1">
+                <a:latin typeface="Consolas" panose="020B0609020204030204" pitchFamily="49" charset="0"/>
+              </a:rPr>
+              <a:t>ans</a:t>
+            </a:r>
+            <a:r>
+              <a:rPr lang="en-US" altLang="zh-CN" sz="1600" dirty="0">
+                <a:latin typeface="Consolas" panose="020B0609020204030204" pitchFamily="49" charset="0"/>
+              </a:rPr>
+              <a:t>;</a:t>
+            </a:r>
+          </a:p>
+          <a:p>
+            <a:r>
+              <a:rPr lang="en-US" altLang="zh-CN" sz="1600" dirty="0">
+                <a:latin typeface="Consolas" panose="020B0609020204030204" pitchFamily="49" charset="0"/>
+              </a:rPr>
+              <a:t>};</a:t>
+            </a:r>
+            <a:endParaRPr lang="zh-CN" altLang="en-US" sz="1600" dirty="0">
+              <a:latin typeface="Consolas" panose="020B0609020204030204" pitchFamily="49" charset="0"/>
+            </a:endParaRPr>
+          </a:p>
+        </p:txBody>
+      </p:sp>
+    </p:spTree>
+    <p:extLst>
+      <p:ext uri="{BB962C8B-B14F-4D97-AF65-F5344CB8AC3E}">
+        <p14:creationId xmlns:p14="http://schemas.microsoft.com/office/powerpoint/2010/main" val="3513198491"/>
+      </p:ext>
+    </p:extLst>
+  </p:cSld>
+  <p:clrMapOvr>
+    <a:masterClrMapping/>
+  </p:clrMapOvr>
+  <p:timing>
+    <p:tnLst>
+      <p:par>
+        <p:cTn id="1" dur="indefinite" restart="never" nodeType="tmRoot">
+          <p:childTnLst>
+            <p:seq concurrent="1" nextAc="seek">
+              <p:cTn id="2" dur="indefinite" nodeType="mainSeq">
+                <p:childTnLst>
+                  <p:par>
+                    <p:cTn id="3" fill="hold">
+                      <p:stCondLst>
+                        <p:cond delay="indefinite"/>
+                      </p:stCondLst>
+                      <p:childTnLst>
+                        <p:par>
+                          <p:cTn id="4" fill="hold">
+                            <p:stCondLst>
+                              <p:cond delay="0"/>
+                            </p:stCondLst>
+                            <p:childTnLst>
+                              <p:par>
+                                <p:cTn id="5" presetID="42" presetClass="entr" presetSubtype="0" fill="hold" grpId="0" nodeType="clickEffect">
+                                  <p:stCondLst>
+                                    <p:cond delay="0"/>
+                                  </p:stCondLst>
+                                  <p:childTnLst>
+                                    <p:set>
+                                      <p:cBhvr>
+                                        <p:cTn id="6" dur="1" fill="hold">
+                                          <p:stCondLst>
+                                            <p:cond delay="0"/>
+                                          </p:stCondLst>
+                                        </p:cTn>
+                                        <p:tgtEl>
+                                          <p:spTgt spid="4"/>
+                                        </p:tgtEl>
+                                        <p:attrNameLst>
+                                          <p:attrName>style.visibility</p:attrName>
+                                        </p:attrNameLst>
+                                      </p:cBhvr>
+                                      <p:to>
+                                        <p:strVal val="visible"/>
+                                      </p:to>
+                                    </p:set>
+                                    <p:animEffect transition="in" filter="fade">
+                                      <p:cBhvr>
+                                        <p:cTn id="7" dur="1000"/>
+                                        <p:tgtEl>
+                                          <p:spTgt spid="4"/>
+                                        </p:tgtEl>
+                                      </p:cBhvr>
+                                    </p:animEffect>
+                                    <p:anim calcmode="lin" valueType="num">
+                                      <p:cBhvr>
+                                        <p:cTn id="8" dur="1000" fill="hold"/>
+                                        <p:tgtEl>
+                                          <p:spTgt spid="4"/>
+                                        </p:tgtEl>
+                                        <p:attrNameLst>
+                                          <p:attrName>ppt_x</p:attrName>
+                                        </p:attrNameLst>
+                                      </p:cBhvr>
+                                      <p:tavLst>
+                                        <p:tav tm="0">
+                                          <p:val>
+                                            <p:strVal val="#ppt_x"/>
+                                          </p:val>
+                                        </p:tav>
+                                        <p:tav tm="100000">
+                                          <p:val>
+                                            <p:strVal val="#ppt_x"/>
+                                          </p:val>
+                                        </p:tav>
+                                      </p:tavLst>
+                                    </p:anim>
+                                    <p:anim calcmode="lin" valueType="num">
+                                      <p:cBhvr>
+                                        <p:cTn id="9" dur="1000" fill="hold"/>
+                                        <p:tgtEl>
+                                          <p:spTgt spid="4"/>
+                                        </p:tgtEl>
+                                        <p:attrNameLst>
+                                          <p:attrName>ppt_y</p:attrName>
+                                        </p:attrNameLst>
+                                      </p:cBhvr>
+                                      <p:tavLst>
+                                        <p:tav tm="0">
+                                          <p:val>
+                                            <p:strVal val="#ppt_y+.1"/>
+                                          </p:val>
+                                        </p:tav>
+                                        <p:tav tm="100000">
+                                          <p:val>
+                                            <p:strVal val="#ppt_y"/>
+                                          </p:val>
+                                        </p:tav>
+                                      </p:tavLst>
+                                    </p:anim>
+                                  </p:childTnLst>
+                                </p:cTn>
+                              </p:par>
+                            </p:childTnLst>
+                          </p:cTn>
+                        </p:par>
+                      </p:childTnLst>
+                    </p:cTn>
+                  </p:par>
+                </p:childTnLst>
+              </p:cTn>
+              <p:prevCondLst>
+                <p:cond evt="onPrev" delay="0">
+                  <p:tgtEl>
+                    <p:sldTgt/>
+                  </p:tgtEl>
+                </p:cond>
+              </p:prevCondLst>
+              <p:nextCondLst>
+                <p:cond evt="onNext" delay="0">
+                  <p:tgtEl>
+                    <p:sldTgt/>
+                  </p:tgtEl>
+                </p:cond>
+              </p:nextCondLst>
+            </p:seq>
+          </p:childTnLst>
+        </p:cTn>
+      </p:par>
+    </p:tnLst>
+    <p:bldLst>
+      <p:bldP spid="4" grpId="0"/>
+    </p:bldLst>
+  </p:timing>
+</p:sld>
+</file>
+
+<file path=ppt/slides/slide9.xml><?xml version="1.0" encoding="utf-8"?>
+<p:sld xmlns:a="http://schemas.openxmlformats.org/drawingml/2006/main" xmlns:r="http://schemas.openxmlformats.org/officeDocument/2006/relationships" xmlns:p="http://schemas.openxmlformats.org/presentationml/2006/main">
+  <p:cSld>
+    <p:spTree>
+      <p:nvGrpSpPr>
+        <p:cNvPr id="1" name=""/>
+        <p:cNvGrpSpPr/>
+        <p:nvPr/>
+      </p:nvGrpSpPr>
+      <p:grpSpPr>
+        <a:xfrm>
+          <a:off x="0" y="0"/>
+          <a:ext cx="0" cy="0"/>
+          <a:chOff x="0" y="0"/>
+          <a:chExt cx="0" cy="0"/>
+        </a:xfrm>
+      </p:grpSpPr>
+      <p:sp>
+        <p:nvSpPr>
+          <p:cNvPr id="3" name="文本框 2">
+            <a:extLst>
+              <a:ext uri="{FF2B5EF4-FFF2-40B4-BE49-F238E27FC236}">
+                <a16:creationId xmlns:a16="http://schemas.microsoft.com/office/drawing/2014/main" id="{21986B5A-BD5F-4EB4-A858-02215CE673B3}"/>
+              </a:ext>
+            </a:extLst>
+          </p:cNvPr>
+          <p:cNvSpPr txBox="1"/>
+          <p:nvPr/>
+        </p:nvSpPr>
+        <p:spPr>
+          <a:xfrm>
+            <a:off x="1010412" y="768096"/>
+            <a:ext cx="5536692" cy="461665"/>
+          </a:xfrm>
+          <a:prstGeom prst="rect">
+            <a:avLst/>
+          </a:prstGeom>
+          <a:noFill/>
+        </p:spPr>
+        <p:txBody>
+          <a:bodyPr wrap="square" rtlCol="0">
+            <a:spAutoFit/>
+          </a:bodyPr>
+          <a:lstStyle/>
+          <a:p>
+            <a:r>
+              <a:rPr lang="en-US" altLang="zh-CN" sz="2400" b="1" dirty="0"/>
+              <a:t>LeetCode-15</a:t>
+            </a:r>
+            <a:r>
+              <a:rPr lang="zh-CN" altLang="en-US" sz="2400" b="1" dirty="0"/>
+              <a:t>：</a:t>
+            </a:r>
+            <a:r>
+              <a:rPr lang="en-US" altLang="zh-CN" sz="2400" b="1" dirty="0"/>
+              <a:t>three-sum/</a:t>
+            </a:r>
+            <a:r>
+              <a:rPr lang="zh-CN" altLang="en-US" sz="2400" b="1" dirty="0"/>
+              <a:t>三数之和</a:t>
+            </a:r>
+          </a:p>
+        </p:txBody>
+      </p:sp>
+      <p:sp>
+        <p:nvSpPr>
+          <p:cNvPr id="4" name="文本框 3">
+            <a:extLst>
+              <a:ext uri="{FF2B5EF4-FFF2-40B4-BE49-F238E27FC236}">
+                <a16:creationId xmlns:a16="http://schemas.microsoft.com/office/drawing/2014/main" id="{3BFCCF44-353D-468D-9803-B5E3DEB09ABB}"/>
+              </a:ext>
+            </a:extLst>
+          </p:cNvPr>
+          <p:cNvSpPr txBox="1"/>
+          <p:nvPr/>
+        </p:nvSpPr>
+        <p:spPr>
+          <a:xfrm>
+            <a:off x="2001612" y="2002046"/>
+            <a:ext cx="2881284" cy="338554"/>
+          </a:xfrm>
+          <a:prstGeom prst="rect">
+            <a:avLst/>
+          </a:prstGeom>
+          <a:noFill/>
+        </p:spPr>
+        <p:txBody>
+          <a:bodyPr wrap="square" rtlCol="0">
+            <a:spAutoFit/>
+          </a:bodyPr>
+          <a:lstStyle/>
+          <a:p>
+            <a:r>
+              <a:rPr lang="en-US" altLang="zh-CN" sz="1600" dirty="0">
+                <a:latin typeface="Consolas" panose="020B0609020204030204" pitchFamily="49" charset="0"/>
+              </a:rPr>
+              <a:t>[-4, -1, -1, 0, 1, 2]</a:t>
+            </a:r>
+          </a:p>
+        </p:txBody>
+      </p:sp>
+      <p:sp>
+        <p:nvSpPr>
+          <p:cNvPr id="5" name="文本框 4">
+            <a:extLst>
+              <a:ext uri="{FF2B5EF4-FFF2-40B4-BE49-F238E27FC236}">
+                <a16:creationId xmlns:a16="http://schemas.microsoft.com/office/drawing/2014/main" id="{794D095D-8270-40F9-8544-809B8D5E6A29}"/>
+              </a:ext>
+            </a:extLst>
+          </p:cNvPr>
+          <p:cNvSpPr txBox="1"/>
+          <p:nvPr/>
+        </p:nvSpPr>
+        <p:spPr>
+          <a:xfrm>
+            <a:off x="1550508" y="3551910"/>
+            <a:ext cx="9090984" cy="338554"/>
+          </a:xfrm>
+          <a:prstGeom prst="rect">
+            <a:avLst/>
+          </a:prstGeom>
+          <a:noFill/>
+        </p:spPr>
+        <p:txBody>
+          <a:bodyPr wrap="square" rtlCol="0">
+            <a:spAutoFit/>
+          </a:bodyPr>
+          <a:lstStyle/>
+          <a:p>
+            <a:r>
+              <a:rPr lang="zh-CN" altLang="en-US" sz="1600" dirty="0">
+                <a:latin typeface="Consolas" panose="020B0609020204030204" pitchFamily="49" charset="0"/>
+              </a:rPr>
+              <a:t>如何去重？</a:t>
+            </a:r>
+            <a:endParaRPr lang="en-US" altLang="zh-CN" sz="1600" dirty="0">
+              <a:latin typeface="Consolas" panose="020B0609020204030204" pitchFamily="49" charset="0"/>
+            </a:endParaRPr>
+          </a:p>
+        </p:txBody>
+      </p:sp>
+      <p:sp>
+        <p:nvSpPr>
+          <p:cNvPr id="6" name="文本框 5">
+            <a:extLst>
+              <a:ext uri="{FF2B5EF4-FFF2-40B4-BE49-F238E27FC236}">
+                <a16:creationId xmlns:a16="http://schemas.microsoft.com/office/drawing/2014/main" id="{F6DACA0D-5194-41E8-AEAD-23CAB3A7E1CC}"/>
+              </a:ext>
+            </a:extLst>
+          </p:cNvPr>
+          <p:cNvSpPr txBox="1"/>
+          <p:nvPr/>
+        </p:nvSpPr>
+        <p:spPr>
+          <a:xfrm>
+            <a:off x="2001612" y="2495989"/>
+            <a:ext cx="9090984" cy="338554"/>
+          </a:xfrm>
+          <a:prstGeom prst="rect">
+            <a:avLst/>
+          </a:prstGeom>
+          <a:noFill/>
+        </p:spPr>
+        <p:txBody>
+          <a:bodyPr wrap="square" rtlCol="0">
+            <a:spAutoFit/>
+          </a:bodyPr>
+          <a:lstStyle/>
+          <a:p>
+            <a:r>
+              <a:rPr lang="zh-CN" altLang="en-US" sz="1600" dirty="0">
+                <a:latin typeface="Consolas" panose="020B0609020204030204" pitchFamily="49" charset="0"/>
+              </a:rPr>
+              <a:t>当</a:t>
+            </a:r>
+            <a:r>
+              <a:rPr lang="en-US" altLang="zh-CN" sz="1600" dirty="0">
+                <a:latin typeface="Consolas" panose="020B0609020204030204" pitchFamily="49" charset="0"/>
+              </a:rPr>
+              <a:t> c </a:t>
+            </a:r>
+            <a:r>
+              <a:rPr lang="zh-CN" altLang="en-US" sz="1600" dirty="0">
+                <a:latin typeface="Consolas" panose="020B0609020204030204" pitchFamily="49" charset="0"/>
+              </a:rPr>
+              <a:t>位于索引</a:t>
+            </a:r>
+            <a:r>
+              <a:rPr lang="en-US" altLang="zh-CN" sz="1600" dirty="0">
+                <a:latin typeface="Consolas" panose="020B0609020204030204" pitchFamily="49" charset="0"/>
+              </a:rPr>
+              <a:t> 1 </a:t>
+            </a:r>
+            <a:r>
+              <a:rPr lang="zh-CN" altLang="en-US" sz="1600" dirty="0">
+                <a:latin typeface="Consolas" panose="020B0609020204030204" pitchFamily="49" charset="0"/>
+              </a:rPr>
+              <a:t>时，即等于 </a:t>
+            </a:r>
+            <a:r>
+              <a:rPr lang="en-US" altLang="zh-CN" sz="1600" dirty="0">
+                <a:latin typeface="Consolas" panose="020B0609020204030204" pitchFamily="49" charset="0"/>
+              </a:rPr>
+              <a:t>-1 </a:t>
+            </a:r>
+            <a:r>
+              <a:rPr lang="zh-CN" altLang="en-US" sz="1600" dirty="0">
+                <a:latin typeface="Consolas" panose="020B0609020204030204" pitchFamily="49" charset="0"/>
+              </a:rPr>
+              <a:t>时，我们可以取 </a:t>
+            </a:r>
+            <a:r>
+              <a:rPr lang="en-US" altLang="zh-CN" sz="1600" dirty="0">
+                <a:latin typeface="Consolas" panose="020B0609020204030204" pitchFamily="49" charset="0"/>
+              </a:rPr>
+              <a:t>b = 0, a = 1</a:t>
+            </a:r>
+          </a:p>
+        </p:txBody>
+      </p:sp>
+      <p:sp>
+        <p:nvSpPr>
+          <p:cNvPr id="7" name="文本框 6">
+            <a:extLst>
+              <a:ext uri="{FF2B5EF4-FFF2-40B4-BE49-F238E27FC236}">
+                <a16:creationId xmlns:a16="http://schemas.microsoft.com/office/drawing/2014/main" id="{BA7509B8-DDD2-456C-B8A4-E24CFE3939CE}"/>
+              </a:ext>
+            </a:extLst>
+          </p:cNvPr>
+          <p:cNvSpPr txBox="1"/>
+          <p:nvPr/>
+        </p:nvSpPr>
+        <p:spPr>
+          <a:xfrm>
+            <a:off x="2001612" y="2960814"/>
+            <a:ext cx="9090984" cy="338554"/>
+          </a:xfrm>
+          <a:prstGeom prst="rect">
+            <a:avLst/>
+          </a:prstGeom>
+          <a:noFill/>
+        </p:spPr>
+        <p:txBody>
+          <a:bodyPr wrap="square" rtlCol="0">
+            <a:spAutoFit/>
+          </a:bodyPr>
+          <a:lstStyle/>
+          <a:p>
+            <a:r>
+              <a:rPr lang="zh-CN" altLang="en-US" sz="1600" dirty="0">
+                <a:latin typeface="Consolas" panose="020B0609020204030204" pitchFamily="49" charset="0"/>
+              </a:rPr>
+              <a:t>当</a:t>
+            </a:r>
+            <a:r>
+              <a:rPr lang="en-US" altLang="zh-CN" sz="1600" dirty="0">
+                <a:latin typeface="Consolas" panose="020B0609020204030204" pitchFamily="49" charset="0"/>
+              </a:rPr>
+              <a:t> c </a:t>
+            </a:r>
+            <a:r>
+              <a:rPr lang="zh-CN" altLang="en-US" sz="1600" dirty="0">
+                <a:latin typeface="Consolas" panose="020B0609020204030204" pitchFamily="49" charset="0"/>
+              </a:rPr>
+              <a:t>位于索引</a:t>
+            </a:r>
+            <a:r>
+              <a:rPr lang="en-US" altLang="zh-CN" sz="1600" dirty="0">
+                <a:latin typeface="Consolas" panose="020B0609020204030204" pitchFamily="49" charset="0"/>
+              </a:rPr>
+              <a:t> 2 </a:t>
+            </a:r>
+            <a:r>
+              <a:rPr lang="zh-CN" altLang="en-US" sz="1600" dirty="0">
+                <a:latin typeface="Consolas" panose="020B0609020204030204" pitchFamily="49" charset="0"/>
+              </a:rPr>
+              <a:t>时，也等于 </a:t>
+            </a:r>
+            <a:r>
+              <a:rPr lang="en-US" altLang="zh-CN" sz="1600" dirty="0">
+                <a:latin typeface="Consolas" panose="020B0609020204030204" pitchFamily="49" charset="0"/>
+              </a:rPr>
+              <a:t>-1 </a:t>
+            </a:r>
+            <a:r>
+              <a:rPr lang="zh-CN" altLang="en-US" sz="1600" dirty="0">
+                <a:latin typeface="Consolas" panose="020B0609020204030204" pitchFamily="49" charset="0"/>
+              </a:rPr>
+              <a:t>时，我们也可以取 </a:t>
+            </a:r>
+            <a:r>
+              <a:rPr lang="en-US" altLang="zh-CN" sz="1600" dirty="0">
+                <a:latin typeface="Consolas" panose="020B0609020204030204" pitchFamily="49" charset="0"/>
+              </a:rPr>
+              <a:t>b = 0, a = 1</a:t>
+            </a:r>
+          </a:p>
+        </p:txBody>
+      </p:sp>
+      <p:sp>
+        <p:nvSpPr>
+          <p:cNvPr id="8" name="文本框 7">
+            <a:extLst>
+              <a:ext uri="{FF2B5EF4-FFF2-40B4-BE49-F238E27FC236}">
+                <a16:creationId xmlns:a16="http://schemas.microsoft.com/office/drawing/2014/main" id="{E7F36DB6-0346-4D26-BE41-7F42F4381F70}"/>
+              </a:ext>
+            </a:extLst>
+          </p:cNvPr>
+          <p:cNvSpPr txBox="1"/>
+          <p:nvPr/>
+        </p:nvSpPr>
+        <p:spPr>
+          <a:xfrm>
+            <a:off x="1550508" y="1581256"/>
+            <a:ext cx="9090984" cy="338554"/>
+          </a:xfrm>
+          <a:prstGeom prst="rect">
+            <a:avLst/>
+          </a:prstGeom>
+          <a:noFill/>
+        </p:spPr>
+        <p:txBody>
+          <a:bodyPr wrap="square" rtlCol="0">
+            <a:spAutoFit/>
+          </a:bodyPr>
+          <a:lstStyle/>
+          <a:p>
+            <a:r>
+              <a:rPr lang="zh-CN" altLang="en-US" sz="1600" dirty="0">
+                <a:latin typeface="Consolas" panose="020B0609020204030204" pitchFamily="49" charset="0"/>
+              </a:rPr>
+              <a:t>为什么会出现重复呢？</a:t>
+            </a:r>
+            <a:endParaRPr lang="en-US" altLang="zh-CN" sz="1600" dirty="0">
+              <a:latin typeface="Consolas" panose="020B0609020204030204" pitchFamily="49" charset="0"/>
+            </a:endParaRPr>
+          </a:p>
+        </p:txBody>
+      </p:sp>
+      <p:sp>
+        <p:nvSpPr>
+          <p:cNvPr id="9" name="文本框 8">
+            <a:extLst>
+              <a:ext uri="{FF2B5EF4-FFF2-40B4-BE49-F238E27FC236}">
+                <a16:creationId xmlns:a16="http://schemas.microsoft.com/office/drawing/2014/main" id="{1AF74564-0622-4056-A3DA-F1EAB3A118DE}"/>
+              </a:ext>
+            </a:extLst>
+          </p:cNvPr>
+          <p:cNvSpPr txBox="1"/>
+          <p:nvPr/>
+        </p:nvSpPr>
+        <p:spPr>
+          <a:xfrm>
+            <a:off x="2001612" y="4045853"/>
+            <a:ext cx="9090984" cy="584775"/>
+          </a:xfrm>
+          <a:prstGeom prst="rect">
+            <a:avLst/>
+          </a:prstGeom>
+          <a:noFill/>
+        </p:spPr>
+        <p:txBody>
+          <a:bodyPr wrap="square" rtlCol="0">
+            <a:spAutoFit/>
+          </a:bodyPr>
+          <a:lstStyle/>
+          <a:p>
+            <a:r>
+              <a:rPr lang="zh-CN" altLang="en-US" sz="1600" dirty="0">
+                <a:latin typeface="Consolas" panose="020B0609020204030204" pitchFamily="49" charset="0"/>
+              </a:rPr>
+              <a:t>结合上面，其实我们可以发现，当我们计算过一次</a:t>
+            </a:r>
+            <a:r>
+              <a:rPr lang="en-US" altLang="zh-CN" sz="1600" dirty="0">
+                <a:latin typeface="Consolas" panose="020B0609020204030204" pitchFamily="49" charset="0"/>
+              </a:rPr>
+              <a:t>c</a:t>
+            </a:r>
+            <a:r>
+              <a:rPr lang="zh-CN" altLang="en-US" sz="1600" dirty="0">
+                <a:latin typeface="Consolas" panose="020B0609020204030204" pitchFamily="49" charset="0"/>
+              </a:rPr>
+              <a:t>为</a:t>
+            </a:r>
+            <a:r>
+              <a:rPr lang="en-US" altLang="zh-CN" sz="1600" dirty="0">
+                <a:latin typeface="Consolas" panose="020B0609020204030204" pitchFamily="49" charset="0"/>
+              </a:rPr>
+              <a:t>-1</a:t>
+            </a:r>
+            <a:r>
+              <a:rPr lang="zh-CN" altLang="en-US" sz="1600" dirty="0">
+                <a:latin typeface="Consolas" panose="020B0609020204030204" pitchFamily="49" charset="0"/>
+              </a:rPr>
+              <a:t>的情况后，之后</a:t>
+            </a:r>
+            <a:r>
+              <a:rPr lang="en-US" altLang="zh-CN" sz="1600" dirty="0">
+                <a:latin typeface="Consolas" panose="020B0609020204030204" pitchFamily="49" charset="0"/>
+              </a:rPr>
+              <a:t>c</a:t>
+            </a:r>
+            <a:r>
+              <a:rPr lang="zh-CN" altLang="en-US" sz="1600" dirty="0">
+                <a:latin typeface="Consolas" panose="020B0609020204030204" pitchFamily="49" charset="0"/>
+              </a:rPr>
+              <a:t>再次等于</a:t>
+            </a:r>
+            <a:r>
+              <a:rPr lang="en-US" altLang="zh-CN" sz="1600" dirty="0">
+                <a:latin typeface="Consolas" panose="020B0609020204030204" pitchFamily="49" charset="0"/>
+              </a:rPr>
+              <a:t>-1</a:t>
+            </a:r>
+            <a:r>
+              <a:rPr lang="zh-CN" altLang="en-US" sz="1600" dirty="0">
+                <a:latin typeface="Consolas" panose="020B0609020204030204" pitchFamily="49" charset="0"/>
+              </a:rPr>
+              <a:t>时，应该舍弃掉这个重复的答案。</a:t>
+            </a:r>
+            <a:endParaRPr lang="en-US" altLang="zh-CN" sz="1600" dirty="0">
+              <a:latin typeface="Consolas" panose="020B0609020204030204" pitchFamily="49" charset="0"/>
+            </a:endParaRPr>
+          </a:p>
+        </p:txBody>
+      </p:sp>
+      <p:sp>
+        <p:nvSpPr>
+          <p:cNvPr id="11" name="文本框 10">
+            <a:extLst>
+              <a:ext uri="{FF2B5EF4-FFF2-40B4-BE49-F238E27FC236}">
+                <a16:creationId xmlns:a16="http://schemas.microsoft.com/office/drawing/2014/main" id="{90B9D306-23C8-444E-B499-5BF55AD1DBB5}"/>
+              </a:ext>
+            </a:extLst>
+          </p:cNvPr>
+          <p:cNvSpPr txBox="1"/>
+          <p:nvPr/>
+        </p:nvSpPr>
+        <p:spPr>
+          <a:xfrm>
+            <a:off x="2001612" y="4832393"/>
+            <a:ext cx="7256486" cy="1077218"/>
+          </a:xfrm>
+          <a:prstGeom prst="rect">
+            <a:avLst/>
+          </a:prstGeom>
+          <a:noFill/>
+        </p:spPr>
+        <p:txBody>
+          <a:bodyPr wrap="square" rtlCol="0">
+            <a:spAutoFit/>
+          </a:bodyPr>
+          <a:lstStyle/>
+          <a:p>
+            <a:r>
+              <a:rPr lang="en-US" altLang="zh-CN" sz="1600" dirty="0">
+                <a:latin typeface="Consolas" panose="020B0609020204030204" pitchFamily="49" charset="0"/>
+              </a:rPr>
+              <a:t>for (let </a:t>
+            </a:r>
+            <a:r>
+              <a:rPr lang="en-US" altLang="zh-CN" sz="1600" dirty="0" err="1">
+                <a:latin typeface="Consolas" panose="020B0609020204030204" pitchFamily="49" charset="0"/>
+              </a:rPr>
+              <a:t>i</a:t>
+            </a:r>
+            <a:r>
+              <a:rPr lang="en-US" altLang="zh-CN" sz="1600" dirty="0">
+                <a:latin typeface="Consolas" panose="020B0609020204030204" pitchFamily="49" charset="0"/>
+              </a:rPr>
+              <a:t> = 0; </a:t>
+            </a:r>
+            <a:r>
+              <a:rPr lang="en-US" altLang="zh-CN" sz="1600" dirty="0" err="1">
+                <a:latin typeface="Consolas" panose="020B0609020204030204" pitchFamily="49" charset="0"/>
+              </a:rPr>
+              <a:t>i</a:t>
+            </a:r>
+            <a:r>
+              <a:rPr lang="en-US" altLang="zh-CN" sz="1600" dirty="0">
+                <a:latin typeface="Consolas" panose="020B0609020204030204" pitchFamily="49" charset="0"/>
+              </a:rPr>
+              <a:t> &lt; </a:t>
+            </a:r>
+            <a:r>
+              <a:rPr lang="en-US" altLang="zh-CN" sz="1600" dirty="0" err="1">
+                <a:latin typeface="Consolas" panose="020B0609020204030204" pitchFamily="49" charset="0"/>
+              </a:rPr>
+              <a:t>nums.length</a:t>
+            </a:r>
+            <a:r>
+              <a:rPr lang="en-US" altLang="zh-CN" sz="1600" dirty="0">
+                <a:latin typeface="Consolas" panose="020B0609020204030204" pitchFamily="49" charset="0"/>
+              </a:rPr>
+              <a:t>; </a:t>
+            </a:r>
+            <a:r>
+              <a:rPr lang="en-US" altLang="zh-CN" sz="1600" dirty="0" err="1">
+                <a:latin typeface="Consolas" panose="020B0609020204030204" pitchFamily="49" charset="0"/>
+              </a:rPr>
+              <a:t>i</a:t>
+            </a:r>
+            <a:r>
+              <a:rPr lang="en-US" altLang="zh-CN" sz="1600" dirty="0">
+                <a:latin typeface="Consolas" panose="020B0609020204030204" pitchFamily="49" charset="0"/>
+              </a:rPr>
+              <a:t>++) {</a:t>
+            </a:r>
+          </a:p>
+          <a:p>
+            <a:r>
+              <a:rPr lang="en-US" altLang="zh-CN" sz="1600" dirty="0">
+                <a:latin typeface="Consolas" panose="020B0609020204030204" pitchFamily="49" charset="0"/>
+              </a:rPr>
+              <a:t>    if (</a:t>
+            </a:r>
+            <a:r>
+              <a:rPr lang="en-US" altLang="zh-CN" sz="1600" dirty="0" err="1">
+                <a:latin typeface="Consolas" panose="020B0609020204030204" pitchFamily="49" charset="0"/>
+              </a:rPr>
+              <a:t>i</a:t>
+            </a:r>
+            <a:r>
+              <a:rPr lang="en-US" altLang="zh-CN" sz="1600" dirty="0">
+                <a:latin typeface="Consolas" panose="020B0609020204030204" pitchFamily="49" charset="0"/>
+              </a:rPr>
+              <a:t> &gt; 0 &amp;&amp; </a:t>
+            </a:r>
+            <a:r>
+              <a:rPr lang="en-US" altLang="zh-CN" sz="1600" dirty="0" err="1">
+                <a:latin typeface="Consolas" panose="020B0609020204030204" pitchFamily="49" charset="0"/>
+              </a:rPr>
+              <a:t>nums</a:t>
+            </a:r>
+            <a:r>
+              <a:rPr lang="en-US" altLang="zh-CN" sz="1600" dirty="0">
+                <a:latin typeface="Consolas" panose="020B0609020204030204" pitchFamily="49" charset="0"/>
+              </a:rPr>
+              <a:t>[</a:t>
+            </a:r>
+            <a:r>
+              <a:rPr lang="en-US" altLang="zh-CN" sz="1600" dirty="0" err="1">
+                <a:latin typeface="Consolas" panose="020B0609020204030204" pitchFamily="49" charset="0"/>
+              </a:rPr>
+              <a:t>i</a:t>
+            </a:r>
+            <a:r>
+              <a:rPr lang="en-US" altLang="zh-CN" sz="1600" dirty="0">
+                <a:latin typeface="Consolas" panose="020B0609020204030204" pitchFamily="49" charset="0"/>
+              </a:rPr>
+              <a:t>] == </a:t>
+            </a:r>
+            <a:r>
+              <a:rPr lang="en-US" altLang="zh-CN" sz="1600" dirty="0" err="1">
+                <a:latin typeface="Consolas" panose="020B0609020204030204" pitchFamily="49" charset="0"/>
+              </a:rPr>
+              <a:t>nums</a:t>
+            </a:r>
+            <a:r>
+              <a:rPr lang="en-US" altLang="zh-CN" sz="1600" dirty="0">
+                <a:latin typeface="Consolas" panose="020B0609020204030204" pitchFamily="49" charset="0"/>
+              </a:rPr>
+              <a:t>[</a:t>
+            </a:r>
+            <a:r>
+              <a:rPr lang="en-US" altLang="zh-CN" sz="1600" dirty="0" err="1">
+                <a:latin typeface="Consolas" panose="020B0609020204030204" pitchFamily="49" charset="0"/>
+              </a:rPr>
+              <a:t>i</a:t>
+            </a:r>
+            <a:r>
+              <a:rPr lang="en-US" altLang="zh-CN" sz="1600" dirty="0">
+                <a:latin typeface="Consolas" panose="020B0609020204030204" pitchFamily="49" charset="0"/>
+              </a:rPr>
+              <a:t> – 1]) continue;</a:t>
+            </a:r>
+          </a:p>
+          <a:p>
+            <a:r>
+              <a:rPr lang="en-US" altLang="zh-CN" sz="1600" dirty="0">
+                <a:latin typeface="Consolas" panose="020B0609020204030204" pitchFamily="49" charset="0"/>
+              </a:rPr>
+              <a:t>    let c = </a:t>
+            </a:r>
+            <a:r>
+              <a:rPr lang="en-US" altLang="zh-CN" sz="1600" dirty="0" err="1">
+                <a:latin typeface="Consolas" panose="020B0609020204030204" pitchFamily="49" charset="0"/>
+              </a:rPr>
+              <a:t>nums</a:t>
+            </a:r>
+            <a:r>
+              <a:rPr lang="en-US" altLang="zh-CN" sz="1600" dirty="0">
+                <a:latin typeface="Consolas" panose="020B0609020204030204" pitchFamily="49" charset="0"/>
+              </a:rPr>
+              <a:t>[</a:t>
+            </a:r>
+            <a:r>
+              <a:rPr lang="en-US" altLang="zh-CN" sz="1600" dirty="0" err="1">
+                <a:latin typeface="Consolas" panose="020B0609020204030204" pitchFamily="49" charset="0"/>
+              </a:rPr>
+              <a:t>i</a:t>
+            </a:r>
+            <a:r>
+              <a:rPr lang="en-US" altLang="zh-CN" sz="1600" dirty="0">
+                <a:latin typeface="Consolas" panose="020B0609020204030204" pitchFamily="49" charset="0"/>
+              </a:rPr>
+              <a:t>];</a:t>
+            </a:r>
+          </a:p>
+          <a:p>
+            <a:r>
+              <a:rPr lang="en-US" altLang="zh-CN" sz="1600" dirty="0">
+                <a:latin typeface="Consolas" panose="020B0609020204030204" pitchFamily="49" charset="0"/>
+              </a:rPr>
+              <a:t>}</a:t>
+            </a:r>
+            <a:endParaRPr lang="zh-CN" altLang="en-US" sz="1600" dirty="0">
+              <a:latin typeface="Consolas" panose="020B0609020204030204" pitchFamily="49" charset="0"/>
+            </a:endParaRPr>
+          </a:p>
+        </p:txBody>
+      </p:sp>
+    </p:spTree>
+    <p:extLst>
+      <p:ext uri="{BB962C8B-B14F-4D97-AF65-F5344CB8AC3E}">
+        <p14:creationId xmlns:p14="http://schemas.microsoft.com/office/powerpoint/2010/main" val="3244420515"/>
+      </p:ext>
+    </p:extLst>
+  </p:cSld>
+  <p:clrMapOvr>
+    <a:masterClrMapping/>
+  </p:clrMapOvr>
+  <p:timing>
+    <p:tnLst>
+      <p:par>
+        <p:cTn id="1" dur="indefinite" restart="never" nodeType="tmRoot">
+          <p:childTnLst>
+            <p:seq concurrent="1" nextAc="seek">
+              <p:cTn id="2" dur="indefinite" nodeType="mainSeq">
+                <p:childTnLst>
+                  <p:par>
+                    <p:cTn id="3" fill="hold">
+                      <p:stCondLst>
+                        <p:cond delay="indefinite"/>
+                      </p:stCondLst>
+                      <p:childTnLst>
+                        <p:par>
+                          <p:cTn id="4" fill="hold">
+                            <p:stCondLst>
+                              <p:cond delay="0"/>
+                            </p:stCondLst>
+                            <p:childTnLst>
+                              <p:par>
+                                <p:cTn id="5" presetID="42" presetClass="entr" presetSubtype="0" fill="hold" grpId="0" nodeType="clickEffect">
+                                  <p:stCondLst>
+                                    <p:cond delay="0"/>
+                                  </p:stCondLst>
+                                  <p:childTnLst>
+                                    <p:set>
+                                      <p:cBhvr>
+                                        <p:cTn id="6" dur="1" fill="hold">
+                                          <p:stCondLst>
+                                            <p:cond delay="0"/>
+                                          </p:stCondLst>
+                                        </p:cTn>
+                                        <p:tgtEl>
+                                          <p:spTgt spid="4"/>
+                                        </p:tgtEl>
+                                        <p:attrNameLst>
+                                          <p:attrName>style.visibility</p:attrName>
+                                        </p:attrNameLst>
+                                      </p:cBhvr>
+                                      <p:to>
+                                        <p:strVal val="visible"/>
+                                      </p:to>
+                                    </p:set>
+                                    <p:animEffect transition="in" filter="fade">
+                                      <p:cBhvr>
+                                        <p:cTn id="7" dur="1000"/>
+                                        <p:tgtEl>
+                                          <p:spTgt spid="4"/>
+                                        </p:tgtEl>
+                                      </p:cBhvr>
+                                    </p:animEffect>
+                                    <p:anim calcmode="lin" valueType="num">
+                                      <p:cBhvr>
+                                        <p:cTn id="8" dur="1000" fill="hold"/>
+                                        <p:tgtEl>
+                                          <p:spTgt spid="4"/>
+                                        </p:tgtEl>
+                                        <p:attrNameLst>
+                                          <p:attrName>ppt_x</p:attrName>
+                                        </p:attrNameLst>
+                                      </p:cBhvr>
+                                      <p:tavLst>
+                                        <p:tav tm="0">
+                                          <p:val>
+                                            <p:strVal val="#ppt_x"/>
+                                          </p:val>
+                                        </p:tav>
+                                        <p:tav tm="100000">
+                                          <p:val>
+                                            <p:strVal val="#ppt_x"/>
+                                          </p:val>
+                                        </p:tav>
+                                      </p:tavLst>
+                                    </p:anim>
+                                    <p:anim calcmode="lin" valueType="num">
+                                      <p:cBhvr>
+                                        <p:cTn id="9" dur="1000" fill="hold"/>
+                                        <p:tgtEl>
+                                          <p:spTgt spid="4"/>
+                                        </p:tgtEl>
+                                        <p:attrNameLst>
+                                          <p:attrName>ppt_y</p:attrName>
+                                        </p:attrNameLst>
+                                      </p:cBhvr>
+                                      <p:tavLst>
+                                        <p:tav tm="0">
+                                          <p:val>
+                                            <p:strVal val="#ppt_y+.1"/>
+                                          </p:val>
+                                        </p:tav>
+                                        <p:tav tm="100000">
+                                          <p:val>
+                                            <p:strVal val="#ppt_y"/>
+                                          </p:val>
+                                        </p:tav>
+                                      </p:tavLst>
+                                    </p:anim>
+                                  </p:childTnLst>
+                                </p:cTn>
+                              </p:par>
+                            </p:childTnLst>
+                          </p:cTn>
+                        </p:par>
+                      </p:childTnLst>
+                    </p:cTn>
+                  </p:par>
+                  <p:par>
+                    <p:cTn id="10" fill="hold">
+                      <p:stCondLst>
+                        <p:cond delay="indefinite"/>
+                      </p:stCondLst>
+                      <p:childTnLst>
+                        <p:par>
+                          <p:cTn id="11" fill="hold">
+                            <p:stCondLst>
+                              <p:cond delay="0"/>
+                            </p:stCondLst>
+                            <p:childTnLst>
+                              <p:par>
+                                <p:cTn id="12" presetID="42" presetClass="entr" presetSubtype="0" fill="hold" grpId="0" nodeType="clickEffect">
+                                  <p:stCondLst>
+                                    <p:cond delay="0"/>
+                                  </p:stCondLst>
+                                  <p:childTnLst>
+                                    <p:set>
+                                      <p:cBhvr>
+                                        <p:cTn id="13" dur="1" fill="hold">
+                                          <p:stCondLst>
+                                            <p:cond delay="0"/>
+                                          </p:stCondLst>
+                                        </p:cTn>
+                                        <p:tgtEl>
+                                          <p:spTgt spid="5"/>
+                                        </p:tgtEl>
+                                        <p:attrNameLst>
+                                          <p:attrName>style.visibility</p:attrName>
+                                        </p:attrNameLst>
+                                      </p:cBhvr>
+                                      <p:to>
+                                        <p:strVal val="visible"/>
+                                      </p:to>
+                                    </p:set>
+                                    <p:animEffect transition="in" filter="fade">
+                                      <p:cBhvr>
+                                        <p:cTn id="14" dur="1000"/>
+                                        <p:tgtEl>
+                                          <p:spTgt spid="5"/>
+                                        </p:tgtEl>
+                                      </p:cBhvr>
+                                    </p:animEffect>
+                                    <p:anim calcmode="lin" valueType="num">
+                                      <p:cBhvr>
+                                        <p:cTn id="15" dur="1000" fill="hold"/>
+                                        <p:tgtEl>
+                                          <p:spTgt spid="5"/>
+                                        </p:tgtEl>
+                                        <p:attrNameLst>
+                                          <p:attrName>ppt_x</p:attrName>
+                                        </p:attrNameLst>
+                                      </p:cBhvr>
+                                      <p:tavLst>
+                                        <p:tav tm="0">
+                                          <p:val>
+                                            <p:strVal val="#ppt_x"/>
+                                          </p:val>
+                                        </p:tav>
+                                        <p:tav tm="100000">
+                                          <p:val>
+                                            <p:strVal val="#ppt_x"/>
+                                          </p:val>
+                                        </p:tav>
+                                      </p:tavLst>
+                                    </p:anim>
+                                    <p:anim calcmode="lin" valueType="num">
+                                      <p:cBhvr>
+                                        <p:cTn id="16" dur="1000" fill="hold"/>
+                                        <p:tgtEl>
+                                          <p:spTgt spid="5"/>
+                                        </p:tgtEl>
+                                        <p:attrNameLst>
+                                          <p:attrName>ppt_y</p:attrName>
+                                        </p:attrNameLst>
+                                      </p:cBhvr>
+                                      <p:tavLst>
+                                        <p:tav tm="0">
+                                          <p:val>
+                                            <p:strVal val="#ppt_y+.1"/>
+                                          </p:val>
+                                        </p:tav>
+                                        <p:tav tm="100000">
+                                          <p:val>
+                                            <p:strVal val="#ppt_y"/>
+                                          </p:val>
+                                        </p:tav>
+                                      </p:tavLst>
+                                    </p:anim>
+                                  </p:childTnLst>
+                                </p:cTn>
+                              </p:par>
+                            </p:childTnLst>
+                          </p:cTn>
+                        </p:par>
+                      </p:childTnLst>
+                    </p:cTn>
+                  </p:par>
+                  <p:par>
+                    <p:cTn id="17" fill="hold">
+                      <p:stCondLst>
+                        <p:cond delay="indefinite"/>
+                      </p:stCondLst>
+                      <p:childTnLst>
+                        <p:par>
+                          <p:cTn id="18" fill="hold">
+                            <p:stCondLst>
+                              <p:cond delay="0"/>
+                            </p:stCondLst>
+                            <p:childTnLst>
+                              <p:par>
+                                <p:cTn id="19" presetID="42" presetClass="entr" presetSubtype="0" fill="hold" grpId="0" nodeType="clickEffect">
+                                  <p:stCondLst>
+                                    <p:cond delay="0"/>
+                                  </p:stCondLst>
+                                  <p:childTnLst>
+                                    <p:set>
+                                      <p:cBhvr>
+                                        <p:cTn id="20" dur="1" fill="hold">
+                                          <p:stCondLst>
+                                            <p:cond delay="0"/>
+                                          </p:stCondLst>
+                                        </p:cTn>
+                                        <p:tgtEl>
+                                          <p:spTgt spid="6"/>
+                                        </p:tgtEl>
+                                        <p:attrNameLst>
+                                          <p:attrName>style.visibility</p:attrName>
+                                        </p:attrNameLst>
+                                      </p:cBhvr>
+                                      <p:to>
+                                        <p:strVal val="visible"/>
+                                      </p:to>
+                                    </p:set>
+                                    <p:animEffect transition="in" filter="fade">
+                                      <p:cBhvr>
+                                        <p:cTn id="21" dur="1000"/>
+                                        <p:tgtEl>
+                                          <p:spTgt spid="6"/>
+                                        </p:tgtEl>
+                                      </p:cBhvr>
+                                    </p:animEffect>
+                                    <p:anim calcmode="lin" valueType="num">
+                                      <p:cBhvr>
+                                        <p:cTn id="22" dur="1000" fill="hold"/>
+                                        <p:tgtEl>
+                                          <p:spTgt spid="6"/>
+                                        </p:tgtEl>
+                                        <p:attrNameLst>
+                                          <p:attrName>ppt_x</p:attrName>
+                                        </p:attrNameLst>
+                                      </p:cBhvr>
+                                      <p:tavLst>
+                                        <p:tav tm="0">
+                                          <p:val>
+                                            <p:strVal val="#ppt_x"/>
+                                          </p:val>
+                                        </p:tav>
+                                        <p:tav tm="100000">
+                                          <p:val>
+                                            <p:strVal val="#ppt_x"/>
+                                          </p:val>
+                                        </p:tav>
+                                      </p:tavLst>
+                                    </p:anim>
+                                    <p:anim calcmode="lin" valueType="num">
+                                      <p:cBhvr>
+                                        <p:cTn id="23" dur="1000" fill="hold"/>
+                                        <p:tgtEl>
+                                          <p:spTgt spid="6"/>
+                                        </p:tgtEl>
+                                        <p:attrNameLst>
+                                          <p:attrName>ppt_y</p:attrName>
+                                        </p:attrNameLst>
+                                      </p:cBhvr>
+                                      <p:tavLst>
+                                        <p:tav tm="0">
+                                          <p:val>
+                                            <p:strVal val="#ppt_y+.1"/>
+                                          </p:val>
+                                        </p:tav>
+                                        <p:tav tm="100000">
+                                          <p:val>
+                                            <p:strVal val="#ppt_y"/>
+                                          </p:val>
+                                        </p:tav>
+                                      </p:tavLst>
+                                    </p:anim>
+                                  </p:childTnLst>
+                                </p:cTn>
+                              </p:par>
+                            </p:childTnLst>
+                          </p:cTn>
+                        </p:par>
+                      </p:childTnLst>
+                    </p:cTn>
+                  </p:par>
+                  <p:par>
+                    <p:cTn id="24" fill="hold">
+                      <p:stCondLst>
+                        <p:cond delay="indefinite"/>
+                      </p:stCondLst>
+                      <p:childTnLst>
+                        <p:par>
+                          <p:cTn id="25" fill="hold">
+                            <p:stCondLst>
+                              <p:cond delay="0"/>
+                            </p:stCondLst>
+                            <p:childTnLst>
+                              <p:par>
+                                <p:cTn id="26" presetID="42" presetClass="entr" presetSubtype="0" fill="hold" grpId="0" nodeType="clickEffect">
+                                  <p:stCondLst>
+                                    <p:cond delay="0"/>
+                                  </p:stCondLst>
+                                  <p:childTnLst>
+                                    <p:set>
+                                      <p:cBhvr>
+                                        <p:cTn id="27" dur="1" fill="hold">
+                                          <p:stCondLst>
+                                            <p:cond delay="0"/>
+                                          </p:stCondLst>
+                                        </p:cTn>
+                                        <p:tgtEl>
+                                          <p:spTgt spid="7"/>
+                                        </p:tgtEl>
+                                        <p:attrNameLst>
+                                          <p:attrName>style.visibility</p:attrName>
+                                        </p:attrNameLst>
+                                      </p:cBhvr>
+                                      <p:to>
+                                        <p:strVal val="visible"/>
+                                      </p:to>
+                                    </p:set>
+                                    <p:animEffect transition="in" filter="fade">
+                                      <p:cBhvr>
+                                        <p:cTn id="28" dur="1000"/>
+                                        <p:tgtEl>
+                                          <p:spTgt spid="7"/>
+                                        </p:tgtEl>
+                                      </p:cBhvr>
+                                    </p:animEffect>
+                                    <p:anim calcmode="lin" valueType="num">
+                                      <p:cBhvr>
+                                        <p:cTn id="29" dur="1000" fill="hold"/>
+                                        <p:tgtEl>
+                                          <p:spTgt spid="7"/>
+                                        </p:tgtEl>
+                                        <p:attrNameLst>
+                                          <p:attrName>ppt_x</p:attrName>
+                                        </p:attrNameLst>
+                                      </p:cBhvr>
+                                      <p:tavLst>
+                                        <p:tav tm="0">
+                                          <p:val>
+                                            <p:strVal val="#ppt_x"/>
+                                          </p:val>
+                                        </p:tav>
+                                        <p:tav tm="100000">
+                                          <p:val>
+                                            <p:strVal val="#ppt_x"/>
+                                          </p:val>
+                                        </p:tav>
+                                      </p:tavLst>
+                                    </p:anim>
+                                    <p:anim calcmode="lin" valueType="num">
+                                      <p:cBhvr>
+                                        <p:cTn id="30" dur="1000" fill="hold"/>
+                                        <p:tgtEl>
+                                          <p:spTgt spid="7"/>
+                                        </p:tgtEl>
+                                        <p:attrNameLst>
+                                          <p:attrName>ppt_y</p:attrName>
+                                        </p:attrNameLst>
+                                      </p:cBhvr>
+                                      <p:tavLst>
+                                        <p:tav tm="0">
+                                          <p:val>
+                                            <p:strVal val="#ppt_y+.1"/>
+                                          </p:val>
+                                        </p:tav>
+                                        <p:tav tm="100000">
+                                          <p:val>
+                                            <p:strVal val="#ppt_y"/>
+                                          </p:val>
+                                        </p:tav>
+                                      </p:tavLst>
+                                    </p:anim>
+                                  </p:childTnLst>
+                                </p:cTn>
+                              </p:par>
+                            </p:childTnLst>
+                          </p:cTn>
+                        </p:par>
+                      </p:childTnLst>
+                    </p:cTn>
+                  </p:par>
+                  <p:par>
+                    <p:cTn id="31" fill="hold">
+                      <p:stCondLst>
+                        <p:cond delay="indefinite"/>
+                      </p:stCondLst>
+                      <p:childTnLst>
+                        <p:par>
+                          <p:cTn id="32" fill="hold">
+                            <p:stCondLst>
+                              <p:cond delay="0"/>
+                            </p:stCondLst>
+                            <p:childTnLst>
+                              <p:par>
+                                <p:cTn id="33" presetID="42" presetClass="entr" presetSubtype="0" fill="hold" grpId="0" nodeType="clickEffect">
+                                  <p:stCondLst>
+                                    <p:cond delay="0"/>
+                                  </p:stCondLst>
+                                  <p:childTnLst>
+                                    <p:set>
+                                      <p:cBhvr>
+                                        <p:cTn id="34" dur="1" fill="hold">
+                                          <p:stCondLst>
+                                            <p:cond delay="0"/>
+                                          </p:stCondLst>
+                                        </p:cTn>
+                                        <p:tgtEl>
+                                          <p:spTgt spid="8"/>
+                                        </p:tgtEl>
+                                        <p:attrNameLst>
+                                          <p:attrName>style.visibility</p:attrName>
+                                        </p:attrNameLst>
+                                      </p:cBhvr>
+                                      <p:to>
+                                        <p:strVal val="visible"/>
+                                      </p:to>
+                                    </p:set>
+                                    <p:animEffect transition="in" filter="fade">
+                                      <p:cBhvr>
+                                        <p:cTn id="35" dur="1000"/>
+                                        <p:tgtEl>
+                                          <p:spTgt spid="8"/>
+                                        </p:tgtEl>
+                                      </p:cBhvr>
+                                    </p:animEffect>
+                                    <p:anim calcmode="lin" valueType="num">
+                                      <p:cBhvr>
+                                        <p:cTn id="36" dur="1000" fill="hold"/>
+                                        <p:tgtEl>
+                                          <p:spTgt spid="8"/>
+                                        </p:tgtEl>
+                                        <p:attrNameLst>
+                                          <p:attrName>ppt_x</p:attrName>
+                                        </p:attrNameLst>
+                                      </p:cBhvr>
+                                      <p:tavLst>
+                                        <p:tav tm="0">
+                                          <p:val>
+                                            <p:strVal val="#ppt_x"/>
+                                          </p:val>
+                                        </p:tav>
+                                        <p:tav tm="100000">
+                                          <p:val>
+                                            <p:strVal val="#ppt_x"/>
+                                          </p:val>
+                                        </p:tav>
+                                      </p:tavLst>
+                                    </p:anim>
+                                    <p:anim calcmode="lin" valueType="num">
+                                      <p:cBhvr>
+                                        <p:cTn id="37" dur="1000" fill="hold"/>
+                                        <p:tgtEl>
+                                          <p:spTgt spid="8"/>
+                                        </p:tgtEl>
+                                        <p:attrNameLst>
+                                          <p:attrName>ppt_y</p:attrName>
+                                        </p:attrNameLst>
+                                      </p:cBhvr>
+                                      <p:tavLst>
+                                        <p:tav tm="0">
+                                          <p:val>
+                                            <p:strVal val="#ppt_y+.1"/>
+                                          </p:val>
+                                        </p:tav>
+                                        <p:tav tm="100000">
+                                          <p:val>
+                                            <p:strVal val="#ppt_y"/>
+                                          </p:val>
+                                        </p:tav>
+                                      </p:tavLst>
+                                    </p:anim>
+                                  </p:childTnLst>
+                                </p:cTn>
+                              </p:par>
+                            </p:childTnLst>
+                          </p:cTn>
+                        </p:par>
+                      </p:childTnLst>
+                    </p:cTn>
+                  </p:par>
+                  <p:par>
+                    <p:cTn id="38" fill="hold">
+                      <p:stCondLst>
+                        <p:cond delay="indefinite"/>
+                      </p:stCondLst>
+                      <p:childTnLst>
+                        <p:par>
+                          <p:cTn id="39" fill="hold">
+                            <p:stCondLst>
+                              <p:cond delay="0"/>
+                            </p:stCondLst>
+                            <p:childTnLst>
+                              <p:par>
+                                <p:cTn id="40" presetID="42" presetClass="entr" presetSubtype="0" fill="hold" grpId="0" nodeType="clickEffect">
+                                  <p:stCondLst>
+                                    <p:cond delay="0"/>
+                                  </p:stCondLst>
+                                  <p:childTnLst>
+                                    <p:set>
+                                      <p:cBhvr>
+                                        <p:cTn id="41" dur="1" fill="hold">
+                                          <p:stCondLst>
+                                            <p:cond delay="0"/>
+                                          </p:stCondLst>
+                                        </p:cTn>
+                                        <p:tgtEl>
+                                          <p:spTgt spid="9"/>
+                                        </p:tgtEl>
+                                        <p:attrNameLst>
+                                          <p:attrName>style.visibility</p:attrName>
+                                        </p:attrNameLst>
+                                      </p:cBhvr>
+                                      <p:to>
+                                        <p:strVal val="visible"/>
+                                      </p:to>
+                                    </p:set>
+                                    <p:animEffect transition="in" filter="fade">
+                                      <p:cBhvr>
+                                        <p:cTn id="42" dur="1000"/>
+                                        <p:tgtEl>
+                                          <p:spTgt spid="9"/>
+                                        </p:tgtEl>
+                                      </p:cBhvr>
+                                    </p:animEffect>
+                                    <p:anim calcmode="lin" valueType="num">
+                                      <p:cBhvr>
+                                        <p:cTn id="43" dur="1000" fill="hold"/>
+                                        <p:tgtEl>
+                                          <p:spTgt spid="9"/>
+                                        </p:tgtEl>
+                                        <p:attrNameLst>
+                                          <p:attrName>ppt_x</p:attrName>
+                                        </p:attrNameLst>
+                                      </p:cBhvr>
+                                      <p:tavLst>
+                                        <p:tav tm="0">
+                                          <p:val>
+                                            <p:strVal val="#ppt_x"/>
+                                          </p:val>
+                                        </p:tav>
+                                        <p:tav tm="100000">
+                                          <p:val>
+                                            <p:strVal val="#ppt_x"/>
+                                          </p:val>
+                                        </p:tav>
+                                      </p:tavLst>
+                                    </p:anim>
+                                    <p:anim calcmode="lin" valueType="num">
+                                      <p:cBhvr>
+                                        <p:cTn id="44" dur="1000" fill="hold"/>
+                                        <p:tgtEl>
+                                          <p:spTgt spid="9"/>
+                                        </p:tgtEl>
+                                        <p:attrNameLst>
+                                          <p:attrName>ppt_y</p:attrName>
+                                        </p:attrNameLst>
+                                      </p:cBhvr>
+                                      <p:tavLst>
+                                        <p:tav tm="0">
+                                          <p:val>
+                                            <p:strVal val="#ppt_y+.1"/>
+                                          </p:val>
+                                        </p:tav>
+                                        <p:tav tm="100000">
+                                          <p:val>
+                                            <p:strVal val="#ppt_y"/>
+                                          </p:val>
+                                        </p:tav>
+                                      </p:tavLst>
+                                    </p:anim>
+                                  </p:childTnLst>
+                                </p:cTn>
+                              </p:par>
+                            </p:childTnLst>
+                          </p:cTn>
+                        </p:par>
+                      </p:childTnLst>
+                    </p:cTn>
+                  </p:par>
+                  <p:par>
+                    <p:cTn id="45" fill="hold">
+                      <p:stCondLst>
+                        <p:cond delay="indefinite"/>
+                      </p:stCondLst>
+                      <p:childTnLst>
+                        <p:par>
+                          <p:cTn id="46" fill="hold">
+                            <p:stCondLst>
+                              <p:cond delay="0"/>
+                            </p:stCondLst>
+                            <p:childTnLst>
+                              <p:par>
+                                <p:cTn id="47" presetID="42" presetClass="entr" presetSubtype="0" fill="hold" grpId="0" nodeType="clickEffect">
+                                  <p:stCondLst>
+                                    <p:cond delay="0"/>
+                                  </p:stCondLst>
+                                  <p:childTnLst>
+                                    <p:set>
+                                      <p:cBhvr>
+                                        <p:cTn id="48" dur="1" fill="hold">
+                                          <p:stCondLst>
+                                            <p:cond delay="0"/>
+                                          </p:stCondLst>
+                                        </p:cTn>
+                                        <p:tgtEl>
+                                          <p:spTgt spid="11"/>
+                                        </p:tgtEl>
+                                        <p:attrNameLst>
+                                          <p:attrName>style.visibility</p:attrName>
+                                        </p:attrNameLst>
+                                      </p:cBhvr>
+                                      <p:to>
+                                        <p:strVal val="visible"/>
+                                      </p:to>
+                                    </p:set>
+                                    <p:animEffect transition="in" filter="fade">
+                                      <p:cBhvr>
+                                        <p:cTn id="49" dur="1000"/>
+                                        <p:tgtEl>
+                                          <p:spTgt spid="11"/>
+                                        </p:tgtEl>
+                                      </p:cBhvr>
+                                    </p:animEffect>
+                                    <p:anim calcmode="lin" valueType="num">
+                                      <p:cBhvr>
+                                        <p:cTn id="50" dur="1000" fill="hold"/>
+                                        <p:tgtEl>
+                                          <p:spTgt spid="11"/>
+                                        </p:tgtEl>
+                                        <p:attrNameLst>
+                                          <p:attrName>ppt_x</p:attrName>
+                                        </p:attrNameLst>
+                                      </p:cBhvr>
+                                      <p:tavLst>
+                                        <p:tav tm="0">
+                                          <p:val>
+                                            <p:strVal val="#ppt_x"/>
+                                          </p:val>
+                                        </p:tav>
+                                        <p:tav tm="100000">
+                                          <p:val>
+                                            <p:strVal val="#ppt_x"/>
+                                          </p:val>
+                                        </p:tav>
+                                      </p:tavLst>
+                                    </p:anim>
+                                    <p:anim calcmode="lin" valueType="num">
+                                      <p:cBhvr>
+                                        <p:cTn id="51" dur="1000" fill="hold"/>
+                                        <p:tgtEl>
+                                          <p:spTgt spid="11"/>
+                                        </p:tgtEl>
+                                        <p:attrNameLst>
+                                          <p:attrName>ppt_y</p:attrName>
+                                        </p:attrNameLst>
+                                      </p:cBhvr>
+                                      <p:tavLst>
+                                        <p:tav tm="0">
+                                          <p:val>
+                                            <p:strVal val="#ppt_y+.1"/>
+                                          </p:val>
+                                        </p:tav>
+                                        <p:tav tm="100000">
+                                          <p:val>
+                                            <p:strVal val="#ppt_y"/>
+                                          </p:val>
+                                        </p:tav>
+                                      </p:tavLst>
+                                    </p:anim>
+                                  </p:childTnLst>
+                                </p:cTn>
+                              </p:par>
+                            </p:childTnLst>
+                          </p:cTn>
+                        </p:par>
+                      </p:childTnLst>
+                    </p:cTn>
+                  </p:par>
+                </p:childTnLst>
+              </p:cTn>
+              <p:prevCondLst>
+                <p:cond evt="onPrev" delay="0">
+                  <p:tgtEl>
+                    <p:sldTgt/>
+                  </p:tgtEl>
+                </p:cond>
+              </p:prevCondLst>
+              <p:nextCondLst>
+                <p:cond evt="onNext" delay="0">
+                  <p:tgtEl>
+                    <p:sldTgt/>
+                  </p:tgtEl>
+                </p:cond>
+              </p:nextCondLst>
+            </p:seq>
+          </p:childTnLst>
+        </p:cTn>
+      </p:par>
+    </p:tnLst>
+    <p:bldLst>
+      <p:bldP spid="4" grpId="0"/>
+      <p:bldP spid="5" grpId="0"/>
+      <p:bldP spid="6" grpId="0"/>
+      <p:bldP spid="7" grpId="0"/>
+      <p:bldP spid="8" grpId="0"/>
+      <p:bldP spid="9" grpId="0"/>
+      <p:bldP spid="11" grpId="0"/>
+    </p:bldLst>
+  </p:timing>
 </p:sld>
 </file>
 
@@ -7054,4 +15499,299 @@
     </a:ext>
   </a:extLst>
 </a:theme>
+</file>
+
+<file path=ppt/theme/theme2.xml><?xml version="1.0" encoding="utf-8"?>
+<a:theme xmlns:a="http://schemas.openxmlformats.org/drawingml/2006/main" name="Office 主题​​">
+  <a:themeElements>
+    <a:clrScheme name="Office">
+      <a:dk1>
+        <a:sysClr val="windowText" lastClr="000000"/>
+      </a:dk1>
+      <a:lt1>
+        <a:sysClr val="window" lastClr="FFFFFF"/>
+      </a:lt1>
+      <a:dk2>
+        <a:srgbClr val="44546A"/>
+      </a:dk2>
+      <a:lt2>
+        <a:srgbClr val="E7E6E6"/>
+      </a:lt2>
+      <a:accent1>
+        <a:srgbClr val="4472C4"/>
+      </a:accent1>
+      <a:accent2>
+        <a:srgbClr val="ED7D31"/>
+      </a:accent2>
+      <a:accent3>
+        <a:srgbClr val="A5A5A5"/>
+      </a:accent3>
+      <a:accent4>
+        <a:srgbClr val="FFC000"/>
+      </a:accent4>
+      <a:accent5>
+        <a:srgbClr val="5B9BD5"/>
+      </a:accent5>
+      <a:accent6>
+        <a:srgbClr val="70AD47"/>
+      </a:accent6>
+      <a:hlink>
+        <a:srgbClr val="0563C1"/>
+      </a:hlink>
+      <a:folHlink>
+        <a:srgbClr val="954F72"/>
+      </a:folHlink>
+    </a:clrScheme>
+    <a:fontScheme name="Office">
+      <a:majorFont>
+        <a:latin typeface="等线 Light" panose="020F0302020204030204"/>
+        <a:ea typeface=""/>
+        <a:cs typeface=""/>
+        <a:font script="Jpan" typeface="游ゴシック Light"/>
+        <a:font script="Hang" typeface="맑은 고딕"/>
+        <a:font script="Hans" typeface="等线 Light"/>
+        <a:font script="Hant" typeface="新細明體"/>
+        <a:font script="Arab" typeface="Times New Roman"/>
+        <a:font script="Hebr" typeface="Times New Roman"/>
+        <a:font script="Thai" typeface="Angsana New"/>
+        <a:font script="Ethi" typeface="Nyala"/>
+        <a:font script="Beng" typeface="Vrinda"/>
+        <a:font script="Gujr" typeface="Shruti"/>
+        <a:font script="Khmr" typeface="MoolBoran"/>
+        <a:font script="Knda" typeface="Tunga"/>
+        <a:font script="Guru" typeface="Raavi"/>
+        <a:font script="Cans" typeface="Euphemia"/>
+        <a:font script="Cher" typeface="Plantagenet Cherokee"/>
+        <a:font script="Yiii" typeface="Microsoft Yi Baiti"/>
+        <a:font script="Tibt" typeface="Microsoft Himalaya"/>
+        <a:font script="Thaa" typeface="MV Boli"/>
+        <a:font script="Deva" typeface="Mangal"/>
+        <a:font script="Telu" typeface="Gautami"/>
+        <a:font script="Taml" typeface="Latha"/>
+        <a:font script="Syrc" typeface="Estrangelo Edessa"/>
+        <a:font script="Orya" typeface="Kalinga"/>
+        <a:font script="Mlym" typeface="Kartika"/>
+        <a:font script="Laoo" typeface="DokChampa"/>
+        <a:font script="Sinh" typeface="Iskoola Pota"/>
+        <a:font script="Mong" typeface="Mongolian Baiti"/>
+        <a:font script="Viet" typeface="Times New Roman"/>
+        <a:font script="Uigh" typeface="Microsoft Uighur"/>
+        <a:font script="Geor" typeface="Sylfaen"/>
+        <a:font script="Armn" typeface="Arial"/>
+        <a:font script="Bugi" typeface="Leelawadee UI"/>
+        <a:font script="Bopo" typeface="Microsoft JhengHei"/>
+        <a:font script="Java" typeface="Javanese Text"/>
+        <a:font script="Lisu" typeface="Segoe UI"/>
+        <a:font script="Mymr" typeface="Myanmar Text"/>
+        <a:font script="Nkoo" typeface="Ebrima"/>
+        <a:font script="Olck" typeface="Nirmala UI"/>
+        <a:font script="Osma" typeface="Ebrima"/>
+        <a:font script="Phag" typeface="Phagspa"/>
+        <a:font script="Syrn" typeface="Estrangelo Edessa"/>
+        <a:font script="Syrj" typeface="Estrangelo Edessa"/>
+        <a:font script="Syre" typeface="Estrangelo Edessa"/>
+        <a:font script="Sora" typeface="Nirmala UI"/>
+        <a:font script="Tale" typeface="Microsoft Tai Le"/>
+        <a:font script="Talu" typeface="Microsoft New Tai Lue"/>
+        <a:font script="Tfng" typeface="Ebrima"/>
+      </a:majorFont>
+      <a:minorFont>
+        <a:latin typeface="等线" panose="020F0502020204030204"/>
+        <a:ea typeface=""/>
+        <a:cs typeface=""/>
+        <a:font script="Jpan" typeface="游ゴシック"/>
+        <a:font script="Hang" typeface="맑은 고딕"/>
+        <a:font script="Hans" typeface="等线"/>
+        <a:font script="Hant" typeface="新細明體"/>
+        <a:font script="Arab" typeface="Arial"/>
+        <a:font script="Hebr" typeface="Arial"/>
+        <a:font script="Thai" typeface="Cordia New"/>
+        <a:font script="Ethi" typeface="Nyala"/>
+        <a:font script="Beng" typeface="Vrinda"/>
+        <a:font script="Gujr" typeface="Shruti"/>
+        <a:font script="Khmr" typeface="DaunPenh"/>
+        <a:font script="Knda" typeface="Tunga"/>
+        <a:font script="Guru" typeface="Raavi"/>
+        <a:font script="Cans" typeface="Euphemia"/>
+        <a:font script="Cher" typeface="Plantagenet Cherokee"/>
+        <a:font script="Yiii" typeface="Microsoft Yi Baiti"/>
+        <a:font script="Tibt" typeface="Microsoft Himalaya"/>
+        <a:font script="Thaa" typeface="MV Boli"/>
+        <a:font script="Deva" typeface="Mangal"/>
+        <a:font script="Telu" typeface="Gautami"/>
+        <a:font script="Taml" typeface="Latha"/>
+        <a:font script="Syrc" typeface="Estrangelo Edessa"/>
+        <a:font script="Orya" typeface="Kalinga"/>
+        <a:font script="Mlym" typeface="Kartika"/>
+        <a:font script="Laoo" typeface="DokChampa"/>
+        <a:font script="Sinh" typeface="Iskoola Pota"/>
+        <a:font script="Mong" typeface="Mongolian Baiti"/>
+        <a:font script="Viet" typeface="Arial"/>
+        <a:font script="Uigh" typeface="Microsoft Uighur"/>
+        <a:font script="Geor" typeface="Sylfaen"/>
+        <a:font script="Armn" typeface="Arial"/>
+        <a:font script="Bugi" typeface="Leelawadee UI"/>
+        <a:font script="Bopo" typeface="Microsoft JhengHei"/>
+        <a:font script="Java" typeface="Javanese Text"/>
+        <a:font script="Lisu" typeface="Segoe UI"/>
+        <a:font script="Mymr" typeface="Myanmar Text"/>
+        <a:font script="Nkoo" typeface="Ebrima"/>
+        <a:font script="Olck" typeface="Nirmala UI"/>
+        <a:font script="Osma" typeface="Ebrima"/>
+        <a:font script="Phag" typeface="Phagspa"/>
+        <a:font script="Syrn" typeface="Estrangelo Edessa"/>
+        <a:font script="Syrj" typeface="Estrangelo Edessa"/>
+        <a:font script="Syre" typeface="Estrangelo Edessa"/>
+        <a:font script="Sora" typeface="Nirmala UI"/>
+        <a:font script="Tale" typeface="Microsoft Tai Le"/>
+        <a:font script="Talu" typeface="Microsoft New Tai Lue"/>
+        <a:font script="Tfng" typeface="Ebrima"/>
+      </a:minorFont>
+    </a:fontScheme>
+    <a:fmtScheme name="Office">
+      <a:fillStyleLst>
+        <a:solidFill>
+          <a:schemeClr val="phClr"/>
+        </a:solidFill>
+        <a:gradFill rotWithShape="1">
+          <a:gsLst>
+            <a:gs pos="0">
+              <a:schemeClr val="phClr">
+                <a:lumMod val="110000"/>
+                <a:satMod val="105000"/>
+                <a:tint val="67000"/>
+              </a:schemeClr>
+            </a:gs>
+            <a:gs pos="50000">
+              <a:schemeClr val="phClr">
+                <a:lumMod val="105000"/>
+                <a:satMod val="103000"/>
+                <a:tint val="73000"/>
+              </a:schemeClr>
+            </a:gs>
+            <a:gs pos="100000">
+              <a:schemeClr val="phClr">
+                <a:lumMod val="105000"/>
+                <a:satMod val="109000"/>
+                <a:tint val="81000"/>
+              </a:schemeClr>
+            </a:gs>
+          </a:gsLst>
+          <a:lin ang="5400000" scaled="0"/>
+        </a:gradFill>
+        <a:gradFill rotWithShape="1">
+          <a:gsLst>
+            <a:gs pos="0">
+              <a:schemeClr val="phClr">
+                <a:satMod val="103000"/>
+                <a:lumMod val="102000"/>
+                <a:tint val="94000"/>
+              </a:schemeClr>
+            </a:gs>
+            <a:gs pos="50000">
+              <a:schemeClr val="phClr">
+                <a:satMod val="110000"/>
+                <a:lumMod val="100000"/>
+                <a:shade val="100000"/>
+              </a:schemeClr>
+            </a:gs>
+            <a:gs pos="100000">
+              <a:schemeClr val="phClr">
+                <a:lumMod val="99000"/>
+                <a:satMod val="120000"/>
+                <a:shade val="78000"/>
+              </a:schemeClr>
+            </a:gs>
+          </a:gsLst>
+          <a:lin ang="5400000" scaled="0"/>
+        </a:gradFill>
+      </a:fillStyleLst>
+      <a:lnStyleLst>
+        <a:ln w="6350" cap="flat" cmpd="sng" algn="ctr">
+          <a:solidFill>
+            <a:schemeClr val="phClr"/>
+          </a:solidFill>
+          <a:prstDash val="solid"/>
+          <a:miter lim="800000"/>
+        </a:ln>
+        <a:ln w="12700" cap="flat" cmpd="sng" algn="ctr">
+          <a:solidFill>
+            <a:schemeClr val="phClr"/>
+          </a:solidFill>
+          <a:prstDash val="solid"/>
+          <a:miter lim="800000"/>
+        </a:ln>
+        <a:ln w="19050" cap="flat" cmpd="sng" algn="ctr">
+          <a:solidFill>
+            <a:schemeClr val="phClr"/>
+          </a:solidFill>
+          <a:prstDash val="solid"/>
+          <a:miter lim="800000"/>
+        </a:ln>
+      </a:lnStyleLst>
+      <a:effectStyleLst>
+        <a:effectStyle>
+          <a:effectLst/>
+        </a:effectStyle>
+        <a:effectStyle>
+          <a:effectLst/>
+        </a:effectStyle>
+        <a:effectStyle>
+          <a:effectLst>
+            <a:outerShdw blurRad="57150" dist="19050" dir="5400000" algn="ctr" rotWithShape="0">
+              <a:srgbClr val="000000">
+                <a:alpha val="63000"/>
+              </a:srgbClr>
+            </a:outerShdw>
+          </a:effectLst>
+        </a:effectStyle>
+      </a:effectStyleLst>
+      <a:bgFillStyleLst>
+        <a:solidFill>
+          <a:schemeClr val="phClr"/>
+        </a:solidFill>
+        <a:solidFill>
+          <a:schemeClr val="phClr">
+            <a:tint val="95000"/>
+            <a:satMod val="170000"/>
+          </a:schemeClr>
+        </a:solidFill>
+        <a:gradFill rotWithShape="1">
+          <a:gsLst>
+            <a:gs pos="0">
+              <a:schemeClr val="phClr">
+                <a:tint val="93000"/>
+                <a:satMod val="150000"/>
+                <a:shade val="98000"/>
+                <a:lumMod val="102000"/>
+              </a:schemeClr>
+            </a:gs>
+            <a:gs pos="50000">
+              <a:schemeClr val="phClr">
+                <a:tint val="98000"/>
+                <a:satMod val="130000"/>
+                <a:shade val="90000"/>
+                <a:lumMod val="103000"/>
+              </a:schemeClr>
+            </a:gs>
+            <a:gs pos="100000">
+              <a:schemeClr val="phClr">
+                <a:shade val="63000"/>
+                <a:satMod val="120000"/>
+              </a:schemeClr>
+            </a:gs>
+          </a:gsLst>
+          <a:lin ang="5400000" scaled="0"/>
+        </a:gradFill>
+      </a:bgFillStyleLst>
+    </a:fmtScheme>
+  </a:themeElements>
+  <a:objectDefaults/>
+  <a:extraClrSchemeLst/>
+  <a:extLst>
+    <a:ext uri="{05A4C25C-085E-4340-85A3-A5531E510DB2}">
+      <thm15:themeFamily xmlns:thm15="http://schemas.microsoft.com/office/thememl/2012/main" name="Office Theme" id="{62F939B6-93AF-4DB8-9C6B-D6C7DFDC589F}" vid="{4A3C46E8-61CC-4603-A589-7422A47A8E4A}"/>
+    </a:ext>
+  </a:extLst>
+</a:theme>
 </file>
--- a/miao/LC15-three-sum(时间复杂度简介2).pptx
+++ b/miao/LC15-three-sum(时间复杂度简介2).pptx
@@ -5,7 +5,7 @@
     <p:sldMasterId id="2147483648" r:id="rId1"/>
   </p:sldMasterIdLst>
   <p:notesMasterIdLst>
-    <p:notesMasterId r:id="rId14"/>
+    <p:notesMasterId r:id="rId16"/>
   </p:notesMasterIdLst>
   <p:sldIdLst>
     <p:sldId id="256" r:id="rId2"/>
@@ -13,13 +13,15 @@
     <p:sldId id="258" r:id="rId4"/>
     <p:sldId id="259" r:id="rId5"/>
     <p:sldId id="260" r:id="rId6"/>
-    <p:sldId id="261" r:id="rId7"/>
-    <p:sldId id="262" r:id="rId8"/>
-    <p:sldId id="263" r:id="rId9"/>
-    <p:sldId id="264" r:id="rId10"/>
-    <p:sldId id="265" r:id="rId11"/>
-    <p:sldId id="266" r:id="rId12"/>
-    <p:sldId id="267" r:id="rId13"/>
+    <p:sldId id="268" r:id="rId7"/>
+    <p:sldId id="269" r:id="rId8"/>
+    <p:sldId id="261" r:id="rId9"/>
+    <p:sldId id="262" r:id="rId10"/>
+    <p:sldId id="263" r:id="rId11"/>
+    <p:sldId id="264" r:id="rId12"/>
+    <p:sldId id="265" r:id="rId13"/>
+    <p:sldId id="266" r:id="rId14"/>
+    <p:sldId id="267" r:id="rId15"/>
   </p:sldIdLst>
   <p:sldSz cx="12192000" cy="6858000"/>
   <p:notesSz cx="6858000" cy="9144000"/>
@@ -208,7 +210,7 @@
           <a:p>
             <a:fld id="{1E97ACA0-DD0D-4CCC-B665-A6C2E9397C08}" type="datetimeFigureOut">
               <a:rPr lang="zh-CN" altLang="en-US" smtClean="0"/>
-              <a:t>2021/10/27</a:t>
+              <a:t>2021/10/28</a:t>
             </a:fld>
             <a:endParaRPr lang="zh-CN" altLang="en-US"/>
           </a:p>
@@ -765,7 +767,7 @@
           <a:p>
             <a:fld id="{F7346A2A-9DD7-4132-A51B-5E058A3D4A9C}" type="slidenum">
               <a:rPr lang="zh-CN" altLang="en-US" smtClean="0"/>
-              <a:t>7</a:t>
+              <a:t>9</a:t>
             </a:fld>
             <a:endParaRPr lang="zh-CN" altLang="en-US"/>
           </a:p>
@@ -852,7 +854,7 @@
           <a:p>
             <a:fld id="{F7346A2A-9DD7-4132-A51B-5E058A3D4A9C}" type="slidenum">
               <a:rPr lang="zh-CN" altLang="en-US" smtClean="0"/>
-              <a:t>8</a:t>
+              <a:t>10</a:t>
             </a:fld>
             <a:endParaRPr lang="zh-CN" altLang="en-US"/>
           </a:p>
@@ -917,7 +919,7 @@
           <a:p>
             <a:r>
               <a:rPr lang="zh-CN" altLang="en-US" dirty="0"/>
-              <a:t>我们完善之后，再来提交一次（结合</a:t>
+              <a:t>完善之后，再来提交一次（结合</a:t>
             </a:r>
             <a:r>
               <a:rPr lang="en-US" altLang="zh-CN" dirty="0" err="1"/>
@@ -947,7 +949,7 @@
           <a:p>
             <a:fld id="{F7346A2A-9DD7-4132-A51B-5E058A3D4A9C}" type="slidenum">
               <a:rPr lang="zh-CN" altLang="en-US" smtClean="0"/>
-              <a:t>10</a:t>
+              <a:t>12</a:t>
             </a:fld>
             <a:endParaRPr lang="zh-CN" altLang="en-US"/>
           </a:p>
@@ -1113,7 +1115,7 @@
           <a:p>
             <a:fld id="{EADF89E7-CFC6-480C-BCC0-E8CDE8980CE4}" type="datetimeFigureOut">
               <a:rPr lang="zh-CN" altLang="en-US" smtClean="0"/>
-              <a:t>2021/10/27</a:t>
+              <a:t>2021/10/28</a:t>
             </a:fld>
             <a:endParaRPr lang="zh-CN" altLang="en-US"/>
           </a:p>
@@ -1311,7 +1313,7 @@
           <a:p>
             <a:fld id="{EADF89E7-CFC6-480C-BCC0-E8CDE8980CE4}" type="datetimeFigureOut">
               <a:rPr lang="zh-CN" altLang="en-US" smtClean="0"/>
-              <a:t>2021/10/27</a:t>
+              <a:t>2021/10/28</a:t>
             </a:fld>
             <a:endParaRPr lang="zh-CN" altLang="en-US"/>
           </a:p>
@@ -1519,7 +1521,7 @@
           <a:p>
             <a:fld id="{EADF89E7-CFC6-480C-BCC0-E8CDE8980CE4}" type="datetimeFigureOut">
               <a:rPr lang="zh-CN" altLang="en-US" smtClean="0"/>
-              <a:t>2021/10/27</a:t>
+              <a:t>2021/10/28</a:t>
             </a:fld>
             <a:endParaRPr lang="zh-CN" altLang="en-US"/>
           </a:p>
@@ -1717,7 +1719,7 @@
           <a:p>
             <a:fld id="{EADF89E7-CFC6-480C-BCC0-E8CDE8980CE4}" type="datetimeFigureOut">
               <a:rPr lang="zh-CN" altLang="en-US" smtClean="0"/>
-              <a:t>2021/10/27</a:t>
+              <a:t>2021/10/28</a:t>
             </a:fld>
             <a:endParaRPr lang="zh-CN" altLang="en-US"/>
           </a:p>
@@ -1992,7 +1994,7 @@
           <a:p>
             <a:fld id="{EADF89E7-CFC6-480C-BCC0-E8CDE8980CE4}" type="datetimeFigureOut">
               <a:rPr lang="zh-CN" altLang="en-US" smtClean="0"/>
-              <a:t>2021/10/27</a:t>
+              <a:t>2021/10/28</a:t>
             </a:fld>
             <a:endParaRPr lang="zh-CN" altLang="en-US"/>
           </a:p>
@@ -2257,7 +2259,7 @@
           <a:p>
             <a:fld id="{EADF89E7-CFC6-480C-BCC0-E8CDE8980CE4}" type="datetimeFigureOut">
               <a:rPr lang="zh-CN" altLang="en-US" smtClean="0"/>
-              <a:t>2021/10/27</a:t>
+              <a:t>2021/10/28</a:t>
             </a:fld>
             <a:endParaRPr lang="zh-CN" altLang="en-US"/>
           </a:p>
@@ -2669,7 +2671,7 @@
           <a:p>
             <a:fld id="{EADF89E7-CFC6-480C-BCC0-E8CDE8980CE4}" type="datetimeFigureOut">
               <a:rPr lang="zh-CN" altLang="en-US" smtClean="0"/>
-              <a:t>2021/10/27</a:t>
+              <a:t>2021/10/28</a:t>
             </a:fld>
             <a:endParaRPr lang="zh-CN" altLang="en-US"/>
           </a:p>
@@ -2810,7 +2812,7 @@
           <a:p>
             <a:fld id="{EADF89E7-CFC6-480C-BCC0-E8CDE8980CE4}" type="datetimeFigureOut">
               <a:rPr lang="zh-CN" altLang="en-US" smtClean="0"/>
-              <a:t>2021/10/27</a:t>
+              <a:t>2021/10/28</a:t>
             </a:fld>
             <a:endParaRPr lang="zh-CN" altLang="en-US"/>
           </a:p>
@@ -2923,7 +2925,7 @@
           <a:p>
             <a:fld id="{EADF89E7-CFC6-480C-BCC0-E8CDE8980CE4}" type="datetimeFigureOut">
               <a:rPr lang="zh-CN" altLang="en-US" smtClean="0"/>
-              <a:t>2021/10/27</a:t>
+              <a:t>2021/10/28</a:t>
             </a:fld>
             <a:endParaRPr lang="zh-CN" altLang="en-US"/>
           </a:p>
@@ -3234,7 +3236,7 @@
           <a:p>
             <a:fld id="{EADF89E7-CFC6-480C-BCC0-E8CDE8980CE4}" type="datetimeFigureOut">
               <a:rPr lang="zh-CN" altLang="en-US" smtClean="0"/>
-              <a:t>2021/10/27</a:t>
+              <a:t>2021/10/28</a:t>
             </a:fld>
             <a:endParaRPr lang="zh-CN" altLang="en-US"/>
           </a:p>
@@ -3522,7 +3524,7 @@
           <a:p>
             <a:fld id="{EADF89E7-CFC6-480C-BCC0-E8CDE8980CE4}" type="datetimeFigureOut">
               <a:rPr lang="zh-CN" altLang="en-US" smtClean="0"/>
-              <a:t>2021/10/27</a:t>
+              <a:t>2021/10/28</a:t>
             </a:fld>
             <a:endParaRPr lang="zh-CN" altLang="en-US"/>
           </a:p>
@@ -3763,7 +3765,7 @@
           <a:p>
             <a:fld id="{EADF89E7-CFC6-480C-BCC0-E8CDE8980CE4}" type="datetimeFigureOut">
               <a:rPr lang="zh-CN" altLang="en-US" smtClean="0"/>
-              <a:t>2021/10/27</a:t>
+              <a:t>2021/10/28</a:t>
             </a:fld>
             <a:endParaRPr lang="zh-CN" altLang="en-US"/>
           </a:p>
@@ -4319,62 +4321,103 @@
           <a:lstStyle/>
           <a:p>
             <a:r>
-              <a:rPr lang="zh-CN" altLang="en-US" sz="1400" dirty="0"/>
+              <a:rPr lang="zh-CN" altLang="en-US" sz="1400" dirty="0">
+                <a:latin typeface="Consolas" panose="020B0609020204030204" pitchFamily="49" charset="0"/>
+              </a:rPr>
               <a:t>参考：</a:t>
             </a:r>
-            <a:endParaRPr lang="en-US" altLang="zh-CN" sz="1400" dirty="0"/>
-          </a:p>
-          <a:p>
-            <a:r>
-              <a:rPr lang="en-US" altLang="zh-CN" sz="1400" dirty="0"/>
+            <a:endParaRPr lang="en-US" altLang="zh-CN" sz="1400" dirty="0">
+              <a:latin typeface="Consolas" panose="020B0609020204030204" pitchFamily="49" charset="0"/>
+            </a:endParaRPr>
+          </a:p>
+          <a:p>
+            <a:r>
+              <a:rPr lang="en-US" altLang="zh-CN" sz="1400" dirty="0">
+                <a:latin typeface="Consolas" panose="020B0609020204030204" pitchFamily="49" charset="0"/>
+              </a:rPr>
               <a:t>1</a:t>
             </a:r>
             <a:r>
-              <a:rPr lang="zh-CN" altLang="en-US" sz="1400" dirty="0"/>
-              <a:t>、算法（第四版）</a:t>
-            </a:r>
-            <a:endParaRPr lang="en-US" altLang="zh-CN" sz="1400" dirty="0"/>
-          </a:p>
-          <a:p>
-            <a:r>
-              <a:rPr lang="en-US" altLang="zh-CN" sz="1400" dirty="0"/>
+              <a:rPr lang="zh-CN" altLang="en-US" sz="1400" dirty="0">
+                <a:latin typeface="Consolas" panose="020B0609020204030204" pitchFamily="49" charset="0"/>
+              </a:rPr>
+              <a:t>、学习</a:t>
+            </a:r>
+            <a:r>
+              <a:rPr lang="en-US" altLang="zh-CN" sz="1400" dirty="0">
+                <a:latin typeface="Consolas" panose="020B0609020204030204" pitchFamily="49" charset="0"/>
+              </a:rPr>
+              <a:t>JavaScript</a:t>
+            </a:r>
+            <a:r>
+              <a:rPr lang="zh-CN" altLang="en-US" sz="1400" dirty="0">
+                <a:latin typeface="Consolas" panose="020B0609020204030204" pitchFamily="49" charset="0"/>
+              </a:rPr>
+              <a:t>数据结构与算法（第三版）</a:t>
+            </a:r>
+            <a:endParaRPr lang="en-US" altLang="zh-CN" sz="1400" dirty="0">
+              <a:latin typeface="Consolas" panose="020B0609020204030204" pitchFamily="49" charset="0"/>
+            </a:endParaRPr>
+          </a:p>
+          <a:p>
+            <a:r>
+              <a:rPr lang="en-US" altLang="zh-CN" sz="1400" dirty="0">
+                <a:latin typeface="Consolas" panose="020B0609020204030204" pitchFamily="49" charset="0"/>
+              </a:rPr>
               <a:t>2</a:t>
             </a:r>
             <a:r>
-              <a:rPr lang="zh-CN" altLang="en-US" sz="1400" dirty="0"/>
+              <a:rPr lang="zh-CN" altLang="en-US" sz="1400" dirty="0">
+                <a:latin typeface="Consolas" panose="020B0609020204030204" pitchFamily="49" charset="0"/>
+              </a:rPr>
               <a:t>、数据结构与算法分析（</a:t>
             </a:r>
             <a:r>
-              <a:rPr lang="en-US" altLang="zh-CN" sz="1400" dirty="0"/>
+              <a:rPr lang="en-US" altLang="zh-CN" sz="1400" dirty="0">
+                <a:latin typeface="Consolas" panose="020B0609020204030204" pitchFamily="49" charset="0"/>
+              </a:rPr>
               <a:t>Java</a:t>
             </a:r>
             <a:r>
-              <a:rPr lang="zh-CN" altLang="en-US" sz="1400" dirty="0"/>
+              <a:rPr lang="zh-CN" altLang="en-US" sz="1400" dirty="0">
+                <a:latin typeface="Consolas" panose="020B0609020204030204" pitchFamily="49" charset="0"/>
+              </a:rPr>
               <a:t>语言描述）</a:t>
             </a:r>
-            <a:endParaRPr lang="en-US" altLang="zh-CN" sz="1400" dirty="0"/>
-          </a:p>
-          <a:p>
-            <a:r>
-              <a:rPr lang="en-US" altLang="zh-CN" sz="1400" dirty="0"/>
+            <a:endParaRPr lang="en-US" altLang="zh-CN" sz="1400" dirty="0">
+              <a:latin typeface="Consolas" panose="020B0609020204030204" pitchFamily="49" charset="0"/>
+            </a:endParaRPr>
+          </a:p>
+          <a:p>
+            <a:r>
+              <a:rPr lang="en-US" altLang="zh-CN" sz="1400" dirty="0">
+                <a:latin typeface="Consolas" panose="020B0609020204030204" pitchFamily="49" charset="0"/>
+              </a:rPr>
               <a:t>3</a:t>
             </a:r>
             <a:r>
-              <a:rPr lang="zh-CN" altLang="en-US" sz="1400" dirty="0"/>
+              <a:rPr lang="zh-CN" altLang="en-US" sz="1400" dirty="0">
+                <a:latin typeface="Consolas" panose="020B0609020204030204" pitchFamily="49" charset="0"/>
+              </a:rPr>
               <a:t>、</a:t>
             </a:r>
             <a:r>
-              <a:rPr lang="en-US" altLang="zh-CN" sz="1400" dirty="0"/>
+              <a:rPr lang="en-US" altLang="zh-CN" sz="1400" dirty="0">
+                <a:latin typeface="Consolas" panose="020B0609020204030204" pitchFamily="49" charset="0"/>
+              </a:rPr>
               <a:t>three-sum(</a:t>
             </a:r>
             <a:r>
               <a:rPr lang="en-US" altLang="zh-CN" sz="1400" dirty="0">
+                <a:latin typeface="Consolas" panose="020B0609020204030204" pitchFamily="49" charset="0"/>
                 <a:hlinkClick r:id="rId2"/>
               </a:rPr>
               <a:t>https://leetcode-cn.com/problems/3sum/</a:t>
             </a:r>
             <a:r>
-              <a:rPr lang="en-US" altLang="zh-CN" sz="1400" dirty="0"/>
+              <a:rPr lang="en-US" altLang="zh-CN" sz="1400" dirty="0">
+                <a:latin typeface="Consolas" panose="020B0609020204030204" pitchFamily="49" charset="0"/>
+              </a:rPr>
               <a:t>)</a:t>
             </a:r>
           </a:p>
@@ -4394,6 +4437,2056 @@
 </file>
 
 <file path=ppt/slides/slide10.xml><?xml version="1.0" encoding="utf-8"?>
+<p:sld xmlns:a="http://schemas.openxmlformats.org/drawingml/2006/main" xmlns:r="http://schemas.openxmlformats.org/officeDocument/2006/relationships" xmlns:p="http://schemas.openxmlformats.org/presentationml/2006/main">
+  <p:cSld>
+    <p:spTree>
+      <p:nvGrpSpPr>
+        <p:cNvPr id="1" name=""/>
+        <p:cNvGrpSpPr/>
+        <p:nvPr/>
+      </p:nvGrpSpPr>
+      <p:grpSpPr>
+        <a:xfrm>
+          <a:off x="0" y="0"/>
+          <a:ext cx="0" cy="0"/>
+          <a:chOff x="0" y="0"/>
+          <a:chExt cx="0" cy="0"/>
+        </a:xfrm>
+      </p:grpSpPr>
+      <p:sp>
+        <p:nvSpPr>
+          <p:cNvPr id="3" name="文本框 2">
+            <a:extLst>
+              <a:ext uri="{FF2B5EF4-FFF2-40B4-BE49-F238E27FC236}">
+                <a16:creationId xmlns:a16="http://schemas.microsoft.com/office/drawing/2014/main" id="{8A20CE66-8755-4A91-990A-4E3AB8962B26}"/>
+              </a:ext>
+            </a:extLst>
+          </p:cNvPr>
+          <p:cNvSpPr txBox="1"/>
+          <p:nvPr/>
+        </p:nvSpPr>
+        <p:spPr>
+          <a:xfrm>
+            <a:off x="1010412" y="768096"/>
+            <a:ext cx="5536692" cy="461665"/>
+          </a:xfrm>
+          <a:prstGeom prst="rect">
+            <a:avLst/>
+          </a:prstGeom>
+          <a:noFill/>
+        </p:spPr>
+        <p:txBody>
+          <a:bodyPr wrap="square" rtlCol="0">
+            <a:spAutoFit/>
+          </a:bodyPr>
+          <a:lstStyle/>
+          <a:p>
+            <a:r>
+              <a:rPr lang="en-US" altLang="zh-CN" sz="2400" b="1" dirty="0"/>
+              <a:t>LeetCode-15</a:t>
+            </a:r>
+            <a:r>
+              <a:rPr lang="zh-CN" altLang="en-US" sz="2400" b="1" dirty="0"/>
+              <a:t>：</a:t>
+            </a:r>
+            <a:r>
+              <a:rPr lang="en-US" altLang="zh-CN" sz="2400" b="1" dirty="0"/>
+              <a:t>three-sum/</a:t>
+            </a:r>
+            <a:r>
+              <a:rPr lang="zh-CN" altLang="en-US" sz="2400" b="1" dirty="0"/>
+              <a:t>三数之和</a:t>
+            </a:r>
+          </a:p>
+        </p:txBody>
+      </p:sp>
+      <p:sp>
+        <p:nvSpPr>
+          <p:cNvPr id="4" name="文本框 3">
+            <a:extLst>
+              <a:ext uri="{FF2B5EF4-FFF2-40B4-BE49-F238E27FC236}">
+                <a16:creationId xmlns:a16="http://schemas.microsoft.com/office/drawing/2014/main" id="{85C8D245-0247-47A9-A654-011726B8BEDD}"/>
+              </a:ext>
+            </a:extLst>
+          </p:cNvPr>
+          <p:cNvSpPr txBox="1"/>
+          <p:nvPr/>
+        </p:nvSpPr>
+        <p:spPr>
+          <a:xfrm>
+            <a:off x="1984248" y="1474502"/>
+            <a:ext cx="7256486" cy="4524315"/>
+          </a:xfrm>
+          <a:prstGeom prst="rect">
+            <a:avLst/>
+          </a:prstGeom>
+          <a:noFill/>
+        </p:spPr>
+        <p:txBody>
+          <a:bodyPr wrap="square" rtlCol="0">
+            <a:spAutoFit/>
+          </a:bodyPr>
+          <a:lstStyle/>
+          <a:p>
+            <a:r>
+              <a:rPr lang="en-US" altLang="zh-CN" sz="1600" dirty="0">
+                <a:latin typeface="Consolas" panose="020B0609020204030204" pitchFamily="49" charset="0"/>
+              </a:rPr>
+              <a:t>/**</a:t>
+            </a:r>
+          </a:p>
+          <a:p>
+            <a:r>
+              <a:rPr lang="en-US" altLang="zh-CN" sz="1600" dirty="0">
+                <a:latin typeface="Consolas" panose="020B0609020204030204" pitchFamily="49" charset="0"/>
+              </a:rPr>
+              <a:t> * @param {number[]} </a:t>
+            </a:r>
+            <a:r>
+              <a:rPr lang="en-US" altLang="zh-CN" sz="1600" dirty="0" err="1">
+                <a:latin typeface="Consolas" panose="020B0609020204030204" pitchFamily="49" charset="0"/>
+              </a:rPr>
+              <a:t>nums</a:t>
+            </a:r>
+            <a:endParaRPr lang="en-US" altLang="zh-CN" sz="1600" dirty="0">
+              <a:latin typeface="Consolas" panose="020B0609020204030204" pitchFamily="49" charset="0"/>
+            </a:endParaRPr>
+          </a:p>
+          <a:p>
+            <a:r>
+              <a:rPr lang="en-US" altLang="zh-CN" sz="1600" dirty="0">
+                <a:latin typeface="Consolas" panose="020B0609020204030204" pitchFamily="49" charset="0"/>
+              </a:rPr>
+              <a:t> * @return {number[][]}</a:t>
+            </a:r>
+          </a:p>
+          <a:p>
+            <a:r>
+              <a:rPr lang="en-US" altLang="zh-CN" sz="1600" dirty="0">
+                <a:latin typeface="Consolas" panose="020B0609020204030204" pitchFamily="49" charset="0"/>
+              </a:rPr>
+              <a:t> */</a:t>
+            </a:r>
+          </a:p>
+          <a:p>
+            <a:r>
+              <a:rPr lang="en-US" altLang="zh-CN" sz="1600" dirty="0">
+                <a:latin typeface="Consolas" panose="020B0609020204030204" pitchFamily="49" charset="0"/>
+              </a:rPr>
+              <a:t>const </a:t>
+            </a:r>
+            <a:r>
+              <a:rPr lang="en-US" altLang="zh-CN" sz="1600" dirty="0" err="1">
+                <a:latin typeface="Consolas" panose="020B0609020204030204" pitchFamily="49" charset="0"/>
+              </a:rPr>
+              <a:t>threeSum</a:t>
+            </a:r>
+            <a:r>
+              <a:rPr lang="en-US" altLang="zh-CN" sz="1600" dirty="0">
+                <a:latin typeface="Consolas" panose="020B0609020204030204" pitchFamily="49" charset="0"/>
+              </a:rPr>
+              <a:t> = function(</a:t>
+            </a:r>
+            <a:r>
+              <a:rPr lang="en-US" altLang="zh-CN" sz="1600" dirty="0" err="1">
+                <a:latin typeface="Consolas" panose="020B0609020204030204" pitchFamily="49" charset="0"/>
+              </a:rPr>
+              <a:t>nums</a:t>
+            </a:r>
+            <a:r>
+              <a:rPr lang="en-US" altLang="zh-CN" sz="1600" dirty="0">
+                <a:latin typeface="Consolas" panose="020B0609020204030204" pitchFamily="49" charset="0"/>
+              </a:rPr>
+              <a:t>) {</a:t>
+            </a:r>
+          </a:p>
+          <a:p>
+            <a:r>
+              <a:rPr lang="en-US" altLang="zh-CN" sz="1600" dirty="0">
+                <a:latin typeface="Consolas" panose="020B0609020204030204" pitchFamily="49" charset="0"/>
+              </a:rPr>
+              <a:t>    </a:t>
+            </a:r>
+            <a:r>
+              <a:rPr lang="en-US" altLang="zh-CN" sz="1600" dirty="0" err="1">
+                <a:latin typeface="Consolas" panose="020B0609020204030204" pitchFamily="49" charset="0"/>
+              </a:rPr>
+              <a:t>nums.sort</a:t>
+            </a:r>
+            <a:r>
+              <a:rPr lang="en-US" altLang="zh-CN" sz="1600" dirty="0">
+                <a:latin typeface="Consolas" panose="020B0609020204030204" pitchFamily="49" charset="0"/>
+              </a:rPr>
+              <a:t>((a, b) =&gt; a - b);</a:t>
+            </a:r>
+          </a:p>
+          <a:p>
+            <a:r>
+              <a:rPr lang="en-US" altLang="zh-CN" sz="1600" dirty="0">
+                <a:latin typeface="Consolas" panose="020B0609020204030204" pitchFamily="49" charset="0"/>
+              </a:rPr>
+              <a:t>    let </a:t>
+            </a:r>
+            <a:r>
+              <a:rPr lang="en-US" altLang="zh-CN" sz="1600" dirty="0" err="1">
+                <a:latin typeface="Consolas" panose="020B0609020204030204" pitchFamily="49" charset="0"/>
+              </a:rPr>
+              <a:t>ans</a:t>
+            </a:r>
+            <a:r>
+              <a:rPr lang="en-US" altLang="zh-CN" sz="1600" dirty="0">
+                <a:latin typeface="Consolas" panose="020B0609020204030204" pitchFamily="49" charset="0"/>
+              </a:rPr>
+              <a:t> = [];</a:t>
+            </a:r>
+          </a:p>
+          <a:p>
+            <a:r>
+              <a:rPr lang="en-US" altLang="zh-CN" sz="1600" dirty="0">
+                <a:latin typeface="Consolas" panose="020B0609020204030204" pitchFamily="49" charset="0"/>
+              </a:rPr>
+              <a:t>    for (let </a:t>
+            </a:r>
+            <a:r>
+              <a:rPr lang="en-US" altLang="zh-CN" sz="1600" dirty="0" err="1">
+                <a:latin typeface="Consolas" panose="020B0609020204030204" pitchFamily="49" charset="0"/>
+              </a:rPr>
+              <a:t>i</a:t>
+            </a:r>
+            <a:r>
+              <a:rPr lang="en-US" altLang="zh-CN" sz="1600" dirty="0">
+                <a:latin typeface="Consolas" panose="020B0609020204030204" pitchFamily="49" charset="0"/>
+              </a:rPr>
+              <a:t> = 0; </a:t>
+            </a:r>
+            <a:r>
+              <a:rPr lang="en-US" altLang="zh-CN" sz="1600" dirty="0" err="1">
+                <a:latin typeface="Consolas" panose="020B0609020204030204" pitchFamily="49" charset="0"/>
+              </a:rPr>
+              <a:t>i</a:t>
+            </a:r>
+            <a:r>
+              <a:rPr lang="en-US" altLang="zh-CN" sz="1600" dirty="0">
+                <a:latin typeface="Consolas" panose="020B0609020204030204" pitchFamily="49" charset="0"/>
+              </a:rPr>
+              <a:t> &lt; </a:t>
+            </a:r>
+            <a:r>
+              <a:rPr lang="en-US" altLang="zh-CN" sz="1600" dirty="0" err="1">
+                <a:latin typeface="Consolas" panose="020B0609020204030204" pitchFamily="49" charset="0"/>
+              </a:rPr>
+              <a:t>nums.length</a:t>
+            </a:r>
+            <a:r>
+              <a:rPr lang="en-US" altLang="zh-CN" sz="1600" dirty="0">
+                <a:latin typeface="Consolas" panose="020B0609020204030204" pitchFamily="49" charset="0"/>
+              </a:rPr>
+              <a:t>; </a:t>
+            </a:r>
+            <a:r>
+              <a:rPr lang="en-US" altLang="zh-CN" sz="1600" dirty="0" err="1">
+                <a:latin typeface="Consolas" panose="020B0609020204030204" pitchFamily="49" charset="0"/>
+              </a:rPr>
+              <a:t>i</a:t>
+            </a:r>
+            <a:r>
+              <a:rPr lang="en-US" altLang="zh-CN" sz="1600" dirty="0">
+                <a:latin typeface="Consolas" panose="020B0609020204030204" pitchFamily="49" charset="0"/>
+              </a:rPr>
+              <a:t>++) {</a:t>
+            </a:r>
+          </a:p>
+          <a:p>
+            <a:r>
+              <a:rPr lang="en-US" altLang="zh-CN" sz="1600" dirty="0">
+                <a:latin typeface="Consolas" panose="020B0609020204030204" pitchFamily="49" charset="0"/>
+              </a:rPr>
+              <a:t>        let c = </a:t>
+            </a:r>
+            <a:r>
+              <a:rPr lang="en-US" altLang="zh-CN" sz="1600" dirty="0" err="1">
+                <a:latin typeface="Consolas" panose="020B0609020204030204" pitchFamily="49" charset="0"/>
+              </a:rPr>
+              <a:t>nums</a:t>
+            </a:r>
+            <a:r>
+              <a:rPr lang="en-US" altLang="zh-CN" sz="1600" dirty="0">
+                <a:latin typeface="Consolas" panose="020B0609020204030204" pitchFamily="49" charset="0"/>
+              </a:rPr>
+              <a:t>[</a:t>
+            </a:r>
+            <a:r>
+              <a:rPr lang="en-US" altLang="zh-CN" sz="1600" dirty="0" err="1">
+                <a:latin typeface="Consolas" panose="020B0609020204030204" pitchFamily="49" charset="0"/>
+              </a:rPr>
+              <a:t>i</a:t>
+            </a:r>
+            <a:r>
+              <a:rPr lang="en-US" altLang="zh-CN" sz="1600" dirty="0">
+                <a:latin typeface="Consolas" panose="020B0609020204030204" pitchFamily="49" charset="0"/>
+              </a:rPr>
+              <a:t>], target = -c;</a:t>
+            </a:r>
+          </a:p>
+          <a:p>
+            <a:r>
+              <a:rPr lang="en-US" altLang="zh-CN" sz="1600" dirty="0">
+                <a:latin typeface="Consolas" panose="020B0609020204030204" pitchFamily="49" charset="0"/>
+              </a:rPr>
+              <a:t>        for (let j = </a:t>
+            </a:r>
+            <a:r>
+              <a:rPr lang="en-US" altLang="zh-CN" sz="1600" dirty="0" err="1">
+                <a:latin typeface="Consolas" panose="020B0609020204030204" pitchFamily="49" charset="0"/>
+              </a:rPr>
+              <a:t>i</a:t>
+            </a:r>
+            <a:r>
+              <a:rPr lang="en-US" altLang="zh-CN" sz="1600" dirty="0">
+                <a:latin typeface="Consolas" panose="020B0609020204030204" pitchFamily="49" charset="0"/>
+              </a:rPr>
+              <a:t> + 1, k = </a:t>
+            </a:r>
+            <a:r>
+              <a:rPr lang="en-US" altLang="zh-CN" sz="1600" dirty="0" err="1">
+                <a:latin typeface="Consolas" panose="020B0609020204030204" pitchFamily="49" charset="0"/>
+              </a:rPr>
+              <a:t>nums.length</a:t>
+            </a:r>
+            <a:r>
+              <a:rPr lang="en-US" altLang="zh-CN" sz="1600" dirty="0">
+                <a:latin typeface="Consolas" panose="020B0609020204030204" pitchFamily="49" charset="0"/>
+              </a:rPr>
+              <a:t> - 1; j &lt; k; </a:t>
+            </a:r>
+            <a:r>
+              <a:rPr lang="en-US" altLang="zh-CN" sz="1600" dirty="0" err="1">
+                <a:latin typeface="Consolas" panose="020B0609020204030204" pitchFamily="49" charset="0"/>
+              </a:rPr>
+              <a:t>j++</a:t>
+            </a:r>
+            <a:r>
+              <a:rPr lang="en-US" altLang="zh-CN" sz="1600" dirty="0">
+                <a:latin typeface="Consolas" panose="020B0609020204030204" pitchFamily="49" charset="0"/>
+              </a:rPr>
+              <a:t>) {</a:t>
+            </a:r>
+          </a:p>
+          <a:p>
+            <a:r>
+              <a:rPr lang="en-US" altLang="zh-CN" sz="1600" dirty="0">
+                <a:latin typeface="Consolas" panose="020B0609020204030204" pitchFamily="49" charset="0"/>
+              </a:rPr>
+              <a:t>            while (j &lt; k &amp;&amp; </a:t>
+            </a:r>
+            <a:r>
+              <a:rPr lang="en-US" altLang="zh-CN" sz="1600" dirty="0" err="1">
+                <a:latin typeface="Consolas" panose="020B0609020204030204" pitchFamily="49" charset="0"/>
+              </a:rPr>
+              <a:t>nums</a:t>
+            </a:r>
+            <a:r>
+              <a:rPr lang="en-US" altLang="zh-CN" sz="1600" dirty="0">
+                <a:latin typeface="Consolas" panose="020B0609020204030204" pitchFamily="49" charset="0"/>
+              </a:rPr>
+              <a:t>[j] + </a:t>
+            </a:r>
+            <a:r>
+              <a:rPr lang="en-US" altLang="zh-CN" sz="1600" dirty="0" err="1">
+                <a:latin typeface="Consolas" panose="020B0609020204030204" pitchFamily="49" charset="0"/>
+              </a:rPr>
+              <a:t>nums</a:t>
+            </a:r>
+            <a:r>
+              <a:rPr lang="en-US" altLang="zh-CN" sz="1600" dirty="0">
+                <a:latin typeface="Consolas" panose="020B0609020204030204" pitchFamily="49" charset="0"/>
+              </a:rPr>
+              <a:t>[k] &gt; target) k--;</a:t>
+            </a:r>
+          </a:p>
+          <a:p>
+            <a:r>
+              <a:rPr lang="en-US" altLang="zh-CN" sz="1600" dirty="0">
+                <a:latin typeface="Consolas" panose="020B0609020204030204" pitchFamily="49" charset="0"/>
+              </a:rPr>
+              <a:t>            if (j &lt; k &amp;&amp; </a:t>
+            </a:r>
+            <a:r>
+              <a:rPr lang="en-US" altLang="zh-CN" sz="1600" dirty="0" err="1">
+                <a:latin typeface="Consolas" panose="020B0609020204030204" pitchFamily="49" charset="0"/>
+              </a:rPr>
+              <a:t>nums</a:t>
+            </a:r>
+            <a:r>
+              <a:rPr lang="en-US" altLang="zh-CN" sz="1600" dirty="0">
+                <a:latin typeface="Consolas" panose="020B0609020204030204" pitchFamily="49" charset="0"/>
+              </a:rPr>
+              <a:t>[j] + </a:t>
+            </a:r>
+            <a:r>
+              <a:rPr lang="en-US" altLang="zh-CN" sz="1600" dirty="0" err="1">
+                <a:latin typeface="Consolas" panose="020B0609020204030204" pitchFamily="49" charset="0"/>
+              </a:rPr>
+              <a:t>nums</a:t>
+            </a:r>
+            <a:r>
+              <a:rPr lang="en-US" altLang="zh-CN" sz="1600" dirty="0">
+                <a:latin typeface="Consolas" panose="020B0609020204030204" pitchFamily="49" charset="0"/>
+              </a:rPr>
+              <a:t>[k] == target) {</a:t>
+            </a:r>
+          </a:p>
+          <a:p>
+            <a:r>
+              <a:rPr lang="en-US" altLang="zh-CN" sz="1600" dirty="0">
+                <a:latin typeface="Consolas" panose="020B0609020204030204" pitchFamily="49" charset="0"/>
+              </a:rPr>
+              <a:t>                </a:t>
+            </a:r>
+            <a:r>
+              <a:rPr lang="en-US" altLang="zh-CN" sz="1600" dirty="0" err="1">
+                <a:latin typeface="Consolas" panose="020B0609020204030204" pitchFamily="49" charset="0"/>
+              </a:rPr>
+              <a:t>ans.push</a:t>
+            </a:r>
+            <a:r>
+              <a:rPr lang="en-US" altLang="zh-CN" sz="1600" dirty="0">
+                <a:latin typeface="Consolas" panose="020B0609020204030204" pitchFamily="49" charset="0"/>
+              </a:rPr>
+              <a:t>([</a:t>
+            </a:r>
+            <a:r>
+              <a:rPr lang="en-US" altLang="zh-CN" sz="1600" dirty="0" err="1">
+                <a:latin typeface="Consolas" panose="020B0609020204030204" pitchFamily="49" charset="0"/>
+              </a:rPr>
+              <a:t>nums</a:t>
+            </a:r>
+            <a:r>
+              <a:rPr lang="en-US" altLang="zh-CN" sz="1600" dirty="0">
+                <a:latin typeface="Consolas" panose="020B0609020204030204" pitchFamily="49" charset="0"/>
+              </a:rPr>
+              <a:t>[</a:t>
+            </a:r>
+            <a:r>
+              <a:rPr lang="en-US" altLang="zh-CN" sz="1600" dirty="0" err="1">
+                <a:latin typeface="Consolas" panose="020B0609020204030204" pitchFamily="49" charset="0"/>
+              </a:rPr>
+              <a:t>i</a:t>
+            </a:r>
+            <a:r>
+              <a:rPr lang="en-US" altLang="zh-CN" sz="1600" dirty="0">
+                <a:latin typeface="Consolas" panose="020B0609020204030204" pitchFamily="49" charset="0"/>
+              </a:rPr>
+              <a:t>], </a:t>
+            </a:r>
+            <a:r>
+              <a:rPr lang="en-US" altLang="zh-CN" sz="1600" dirty="0" err="1">
+                <a:latin typeface="Consolas" panose="020B0609020204030204" pitchFamily="49" charset="0"/>
+              </a:rPr>
+              <a:t>nums</a:t>
+            </a:r>
+            <a:r>
+              <a:rPr lang="en-US" altLang="zh-CN" sz="1600" dirty="0">
+                <a:latin typeface="Consolas" panose="020B0609020204030204" pitchFamily="49" charset="0"/>
+              </a:rPr>
+              <a:t>[j], </a:t>
+            </a:r>
+            <a:r>
+              <a:rPr lang="en-US" altLang="zh-CN" sz="1600" dirty="0" err="1">
+                <a:latin typeface="Consolas" panose="020B0609020204030204" pitchFamily="49" charset="0"/>
+              </a:rPr>
+              <a:t>nums</a:t>
+            </a:r>
+            <a:r>
+              <a:rPr lang="en-US" altLang="zh-CN" sz="1600" dirty="0">
+                <a:latin typeface="Consolas" panose="020B0609020204030204" pitchFamily="49" charset="0"/>
+              </a:rPr>
+              <a:t>[k]]);</a:t>
+            </a:r>
+          </a:p>
+          <a:p>
+            <a:r>
+              <a:rPr lang="en-US" altLang="zh-CN" sz="1600" dirty="0">
+                <a:latin typeface="Consolas" panose="020B0609020204030204" pitchFamily="49" charset="0"/>
+              </a:rPr>
+              <a:t>            }</a:t>
+            </a:r>
+          </a:p>
+          <a:p>
+            <a:r>
+              <a:rPr lang="en-US" altLang="zh-CN" sz="1600" dirty="0">
+                <a:latin typeface="Consolas" panose="020B0609020204030204" pitchFamily="49" charset="0"/>
+              </a:rPr>
+              <a:t>        }</a:t>
+            </a:r>
+          </a:p>
+          <a:p>
+            <a:r>
+              <a:rPr lang="en-US" altLang="zh-CN" sz="1600" dirty="0">
+                <a:latin typeface="Consolas" panose="020B0609020204030204" pitchFamily="49" charset="0"/>
+              </a:rPr>
+              <a:t>    }</a:t>
+            </a:r>
+          </a:p>
+          <a:p>
+            <a:r>
+              <a:rPr lang="en-US" altLang="zh-CN" sz="1600" dirty="0">
+                <a:latin typeface="Consolas" panose="020B0609020204030204" pitchFamily="49" charset="0"/>
+              </a:rPr>
+              <a:t>    return </a:t>
+            </a:r>
+            <a:r>
+              <a:rPr lang="en-US" altLang="zh-CN" sz="1600" dirty="0" err="1">
+                <a:latin typeface="Consolas" panose="020B0609020204030204" pitchFamily="49" charset="0"/>
+              </a:rPr>
+              <a:t>ans</a:t>
+            </a:r>
+            <a:r>
+              <a:rPr lang="en-US" altLang="zh-CN" sz="1600" dirty="0">
+                <a:latin typeface="Consolas" panose="020B0609020204030204" pitchFamily="49" charset="0"/>
+              </a:rPr>
+              <a:t>;</a:t>
+            </a:r>
+          </a:p>
+          <a:p>
+            <a:r>
+              <a:rPr lang="en-US" altLang="zh-CN" sz="1600" dirty="0">
+                <a:latin typeface="Consolas" panose="020B0609020204030204" pitchFamily="49" charset="0"/>
+              </a:rPr>
+              <a:t>};</a:t>
+            </a:r>
+            <a:endParaRPr lang="zh-CN" altLang="en-US" sz="1600" dirty="0">
+              <a:latin typeface="Consolas" panose="020B0609020204030204" pitchFamily="49" charset="0"/>
+            </a:endParaRPr>
+          </a:p>
+        </p:txBody>
+      </p:sp>
+    </p:spTree>
+    <p:extLst>
+      <p:ext uri="{BB962C8B-B14F-4D97-AF65-F5344CB8AC3E}">
+        <p14:creationId xmlns:p14="http://schemas.microsoft.com/office/powerpoint/2010/main" val="3513198491"/>
+      </p:ext>
+    </p:extLst>
+  </p:cSld>
+  <p:clrMapOvr>
+    <a:masterClrMapping/>
+  </p:clrMapOvr>
+  <p:timing>
+    <p:tnLst>
+      <p:par>
+        <p:cTn id="1" dur="indefinite" restart="never" nodeType="tmRoot">
+          <p:childTnLst>
+            <p:seq concurrent="1" nextAc="seek">
+              <p:cTn id="2" dur="indefinite" nodeType="mainSeq">
+                <p:childTnLst>
+                  <p:par>
+                    <p:cTn id="3" fill="hold">
+                      <p:stCondLst>
+                        <p:cond delay="indefinite"/>
+                      </p:stCondLst>
+                      <p:childTnLst>
+                        <p:par>
+                          <p:cTn id="4" fill="hold">
+                            <p:stCondLst>
+                              <p:cond delay="0"/>
+                            </p:stCondLst>
+                            <p:childTnLst>
+                              <p:par>
+                                <p:cTn id="5" presetID="42" presetClass="entr" presetSubtype="0" fill="hold" grpId="0" nodeType="clickEffect">
+                                  <p:stCondLst>
+                                    <p:cond delay="0"/>
+                                  </p:stCondLst>
+                                  <p:childTnLst>
+                                    <p:set>
+                                      <p:cBhvr>
+                                        <p:cTn id="6" dur="1" fill="hold">
+                                          <p:stCondLst>
+                                            <p:cond delay="0"/>
+                                          </p:stCondLst>
+                                        </p:cTn>
+                                        <p:tgtEl>
+                                          <p:spTgt spid="4"/>
+                                        </p:tgtEl>
+                                        <p:attrNameLst>
+                                          <p:attrName>style.visibility</p:attrName>
+                                        </p:attrNameLst>
+                                      </p:cBhvr>
+                                      <p:to>
+                                        <p:strVal val="visible"/>
+                                      </p:to>
+                                    </p:set>
+                                    <p:animEffect transition="in" filter="fade">
+                                      <p:cBhvr>
+                                        <p:cTn id="7" dur="1000"/>
+                                        <p:tgtEl>
+                                          <p:spTgt spid="4"/>
+                                        </p:tgtEl>
+                                      </p:cBhvr>
+                                    </p:animEffect>
+                                    <p:anim calcmode="lin" valueType="num">
+                                      <p:cBhvr>
+                                        <p:cTn id="8" dur="1000" fill="hold"/>
+                                        <p:tgtEl>
+                                          <p:spTgt spid="4"/>
+                                        </p:tgtEl>
+                                        <p:attrNameLst>
+                                          <p:attrName>ppt_x</p:attrName>
+                                        </p:attrNameLst>
+                                      </p:cBhvr>
+                                      <p:tavLst>
+                                        <p:tav tm="0">
+                                          <p:val>
+                                            <p:strVal val="#ppt_x"/>
+                                          </p:val>
+                                        </p:tav>
+                                        <p:tav tm="100000">
+                                          <p:val>
+                                            <p:strVal val="#ppt_x"/>
+                                          </p:val>
+                                        </p:tav>
+                                      </p:tavLst>
+                                    </p:anim>
+                                    <p:anim calcmode="lin" valueType="num">
+                                      <p:cBhvr>
+                                        <p:cTn id="9" dur="1000" fill="hold"/>
+                                        <p:tgtEl>
+                                          <p:spTgt spid="4"/>
+                                        </p:tgtEl>
+                                        <p:attrNameLst>
+                                          <p:attrName>ppt_y</p:attrName>
+                                        </p:attrNameLst>
+                                      </p:cBhvr>
+                                      <p:tavLst>
+                                        <p:tav tm="0">
+                                          <p:val>
+                                            <p:strVal val="#ppt_y+.1"/>
+                                          </p:val>
+                                        </p:tav>
+                                        <p:tav tm="100000">
+                                          <p:val>
+                                            <p:strVal val="#ppt_y"/>
+                                          </p:val>
+                                        </p:tav>
+                                      </p:tavLst>
+                                    </p:anim>
+                                  </p:childTnLst>
+                                </p:cTn>
+                              </p:par>
+                            </p:childTnLst>
+                          </p:cTn>
+                        </p:par>
+                      </p:childTnLst>
+                    </p:cTn>
+                  </p:par>
+                </p:childTnLst>
+              </p:cTn>
+              <p:prevCondLst>
+                <p:cond evt="onPrev" delay="0">
+                  <p:tgtEl>
+                    <p:sldTgt/>
+                  </p:tgtEl>
+                </p:cond>
+              </p:prevCondLst>
+              <p:nextCondLst>
+                <p:cond evt="onNext" delay="0">
+                  <p:tgtEl>
+                    <p:sldTgt/>
+                  </p:tgtEl>
+                </p:cond>
+              </p:nextCondLst>
+            </p:seq>
+          </p:childTnLst>
+        </p:cTn>
+      </p:par>
+    </p:tnLst>
+    <p:bldLst>
+      <p:bldP spid="4" grpId="0"/>
+    </p:bldLst>
+  </p:timing>
+</p:sld>
+</file>
+
+<file path=ppt/slides/slide11.xml><?xml version="1.0" encoding="utf-8"?>
+<p:sld xmlns:a="http://schemas.openxmlformats.org/drawingml/2006/main" xmlns:r="http://schemas.openxmlformats.org/officeDocument/2006/relationships" xmlns:p="http://schemas.openxmlformats.org/presentationml/2006/main">
+  <p:cSld>
+    <p:spTree>
+      <p:nvGrpSpPr>
+        <p:cNvPr id="1" name=""/>
+        <p:cNvGrpSpPr/>
+        <p:nvPr/>
+      </p:nvGrpSpPr>
+      <p:grpSpPr>
+        <a:xfrm>
+          <a:off x="0" y="0"/>
+          <a:ext cx="0" cy="0"/>
+          <a:chOff x="0" y="0"/>
+          <a:chExt cx="0" cy="0"/>
+        </a:xfrm>
+      </p:grpSpPr>
+      <p:sp>
+        <p:nvSpPr>
+          <p:cNvPr id="3" name="文本框 2">
+            <a:extLst>
+              <a:ext uri="{FF2B5EF4-FFF2-40B4-BE49-F238E27FC236}">
+                <a16:creationId xmlns:a16="http://schemas.microsoft.com/office/drawing/2014/main" id="{21986B5A-BD5F-4EB4-A858-02215CE673B3}"/>
+              </a:ext>
+            </a:extLst>
+          </p:cNvPr>
+          <p:cNvSpPr txBox="1"/>
+          <p:nvPr/>
+        </p:nvSpPr>
+        <p:spPr>
+          <a:xfrm>
+            <a:off x="1010412" y="768096"/>
+            <a:ext cx="5536692" cy="461665"/>
+          </a:xfrm>
+          <a:prstGeom prst="rect">
+            <a:avLst/>
+          </a:prstGeom>
+          <a:noFill/>
+        </p:spPr>
+        <p:txBody>
+          <a:bodyPr wrap="square" rtlCol="0">
+            <a:spAutoFit/>
+          </a:bodyPr>
+          <a:lstStyle/>
+          <a:p>
+            <a:r>
+              <a:rPr lang="en-US" altLang="zh-CN" sz="2400" b="1" dirty="0"/>
+              <a:t>LeetCode-15</a:t>
+            </a:r>
+            <a:r>
+              <a:rPr lang="zh-CN" altLang="en-US" sz="2400" b="1" dirty="0"/>
+              <a:t>：</a:t>
+            </a:r>
+            <a:r>
+              <a:rPr lang="en-US" altLang="zh-CN" sz="2400" b="1" dirty="0"/>
+              <a:t>three-sum/</a:t>
+            </a:r>
+            <a:r>
+              <a:rPr lang="zh-CN" altLang="en-US" sz="2400" b="1" dirty="0"/>
+              <a:t>三数之和</a:t>
+            </a:r>
+          </a:p>
+        </p:txBody>
+      </p:sp>
+      <p:sp>
+        <p:nvSpPr>
+          <p:cNvPr id="4" name="文本框 3">
+            <a:extLst>
+              <a:ext uri="{FF2B5EF4-FFF2-40B4-BE49-F238E27FC236}">
+                <a16:creationId xmlns:a16="http://schemas.microsoft.com/office/drawing/2014/main" id="{3BFCCF44-353D-468D-9803-B5E3DEB09ABB}"/>
+              </a:ext>
+            </a:extLst>
+          </p:cNvPr>
+          <p:cNvSpPr txBox="1"/>
+          <p:nvPr/>
+        </p:nvSpPr>
+        <p:spPr>
+          <a:xfrm>
+            <a:off x="2001612" y="2002046"/>
+            <a:ext cx="2881284" cy="338554"/>
+          </a:xfrm>
+          <a:prstGeom prst="rect">
+            <a:avLst/>
+          </a:prstGeom>
+          <a:noFill/>
+        </p:spPr>
+        <p:txBody>
+          <a:bodyPr wrap="square" rtlCol="0">
+            <a:spAutoFit/>
+          </a:bodyPr>
+          <a:lstStyle/>
+          <a:p>
+            <a:r>
+              <a:rPr lang="en-US" altLang="zh-CN" sz="1600" dirty="0">
+                <a:latin typeface="Consolas" panose="020B0609020204030204" pitchFamily="49" charset="0"/>
+              </a:rPr>
+              <a:t>[-4, -1, -1, 0, 1, 2]</a:t>
+            </a:r>
+          </a:p>
+        </p:txBody>
+      </p:sp>
+      <p:sp>
+        <p:nvSpPr>
+          <p:cNvPr id="5" name="文本框 4">
+            <a:extLst>
+              <a:ext uri="{FF2B5EF4-FFF2-40B4-BE49-F238E27FC236}">
+                <a16:creationId xmlns:a16="http://schemas.microsoft.com/office/drawing/2014/main" id="{794D095D-8270-40F9-8544-809B8D5E6A29}"/>
+              </a:ext>
+            </a:extLst>
+          </p:cNvPr>
+          <p:cNvSpPr txBox="1"/>
+          <p:nvPr/>
+        </p:nvSpPr>
+        <p:spPr>
+          <a:xfrm>
+            <a:off x="1550508" y="3551910"/>
+            <a:ext cx="9090984" cy="338554"/>
+          </a:xfrm>
+          <a:prstGeom prst="rect">
+            <a:avLst/>
+          </a:prstGeom>
+          <a:noFill/>
+        </p:spPr>
+        <p:txBody>
+          <a:bodyPr wrap="square" rtlCol="0">
+            <a:spAutoFit/>
+          </a:bodyPr>
+          <a:lstStyle/>
+          <a:p>
+            <a:r>
+              <a:rPr lang="zh-CN" altLang="en-US" sz="1600" dirty="0">
+                <a:latin typeface="Consolas" panose="020B0609020204030204" pitchFamily="49" charset="0"/>
+              </a:rPr>
+              <a:t>如何去重？</a:t>
+            </a:r>
+            <a:endParaRPr lang="en-US" altLang="zh-CN" sz="1600" dirty="0">
+              <a:latin typeface="Consolas" panose="020B0609020204030204" pitchFamily="49" charset="0"/>
+            </a:endParaRPr>
+          </a:p>
+        </p:txBody>
+      </p:sp>
+      <p:sp>
+        <p:nvSpPr>
+          <p:cNvPr id="6" name="文本框 5">
+            <a:extLst>
+              <a:ext uri="{FF2B5EF4-FFF2-40B4-BE49-F238E27FC236}">
+                <a16:creationId xmlns:a16="http://schemas.microsoft.com/office/drawing/2014/main" id="{F6DACA0D-5194-41E8-AEAD-23CAB3A7E1CC}"/>
+              </a:ext>
+            </a:extLst>
+          </p:cNvPr>
+          <p:cNvSpPr txBox="1"/>
+          <p:nvPr/>
+        </p:nvSpPr>
+        <p:spPr>
+          <a:xfrm>
+            <a:off x="2001612" y="2495989"/>
+            <a:ext cx="9090984" cy="338554"/>
+          </a:xfrm>
+          <a:prstGeom prst="rect">
+            <a:avLst/>
+          </a:prstGeom>
+          <a:noFill/>
+        </p:spPr>
+        <p:txBody>
+          <a:bodyPr wrap="square" rtlCol="0">
+            <a:spAutoFit/>
+          </a:bodyPr>
+          <a:lstStyle/>
+          <a:p>
+            <a:r>
+              <a:rPr lang="zh-CN" altLang="en-US" sz="1600" dirty="0">
+                <a:latin typeface="Consolas" panose="020B0609020204030204" pitchFamily="49" charset="0"/>
+              </a:rPr>
+              <a:t>当</a:t>
+            </a:r>
+            <a:r>
+              <a:rPr lang="en-US" altLang="zh-CN" sz="1600" dirty="0">
+                <a:latin typeface="Consolas" panose="020B0609020204030204" pitchFamily="49" charset="0"/>
+              </a:rPr>
+              <a:t> c </a:t>
+            </a:r>
+            <a:r>
+              <a:rPr lang="zh-CN" altLang="en-US" sz="1600" dirty="0">
+                <a:latin typeface="Consolas" panose="020B0609020204030204" pitchFamily="49" charset="0"/>
+              </a:rPr>
+              <a:t>位于索引</a:t>
+            </a:r>
+            <a:r>
+              <a:rPr lang="en-US" altLang="zh-CN" sz="1600" dirty="0">
+                <a:latin typeface="Consolas" panose="020B0609020204030204" pitchFamily="49" charset="0"/>
+              </a:rPr>
+              <a:t> 1 </a:t>
+            </a:r>
+            <a:r>
+              <a:rPr lang="zh-CN" altLang="en-US" sz="1600" dirty="0">
+                <a:latin typeface="Consolas" panose="020B0609020204030204" pitchFamily="49" charset="0"/>
+              </a:rPr>
+              <a:t>时，即等于 </a:t>
+            </a:r>
+            <a:r>
+              <a:rPr lang="en-US" altLang="zh-CN" sz="1600" dirty="0">
+                <a:latin typeface="Consolas" panose="020B0609020204030204" pitchFamily="49" charset="0"/>
+              </a:rPr>
+              <a:t>-1 </a:t>
+            </a:r>
+            <a:r>
+              <a:rPr lang="zh-CN" altLang="en-US" sz="1600" dirty="0">
+                <a:latin typeface="Consolas" panose="020B0609020204030204" pitchFamily="49" charset="0"/>
+              </a:rPr>
+              <a:t>时，我们可以取 </a:t>
+            </a:r>
+            <a:r>
+              <a:rPr lang="en-US" altLang="zh-CN" sz="1600" dirty="0">
+                <a:latin typeface="Consolas" panose="020B0609020204030204" pitchFamily="49" charset="0"/>
+              </a:rPr>
+              <a:t>b = 0, a = 1</a:t>
+            </a:r>
+          </a:p>
+        </p:txBody>
+      </p:sp>
+      <p:sp>
+        <p:nvSpPr>
+          <p:cNvPr id="7" name="文本框 6">
+            <a:extLst>
+              <a:ext uri="{FF2B5EF4-FFF2-40B4-BE49-F238E27FC236}">
+                <a16:creationId xmlns:a16="http://schemas.microsoft.com/office/drawing/2014/main" id="{BA7509B8-DDD2-456C-B8A4-E24CFE3939CE}"/>
+              </a:ext>
+            </a:extLst>
+          </p:cNvPr>
+          <p:cNvSpPr txBox="1"/>
+          <p:nvPr/>
+        </p:nvSpPr>
+        <p:spPr>
+          <a:xfrm>
+            <a:off x="2001612" y="2960814"/>
+            <a:ext cx="9090984" cy="338554"/>
+          </a:xfrm>
+          <a:prstGeom prst="rect">
+            <a:avLst/>
+          </a:prstGeom>
+          <a:noFill/>
+        </p:spPr>
+        <p:txBody>
+          <a:bodyPr wrap="square" rtlCol="0">
+            <a:spAutoFit/>
+          </a:bodyPr>
+          <a:lstStyle/>
+          <a:p>
+            <a:r>
+              <a:rPr lang="zh-CN" altLang="en-US" sz="1600" dirty="0">
+                <a:latin typeface="Consolas" panose="020B0609020204030204" pitchFamily="49" charset="0"/>
+              </a:rPr>
+              <a:t>当</a:t>
+            </a:r>
+            <a:r>
+              <a:rPr lang="en-US" altLang="zh-CN" sz="1600" dirty="0">
+                <a:latin typeface="Consolas" panose="020B0609020204030204" pitchFamily="49" charset="0"/>
+              </a:rPr>
+              <a:t> c </a:t>
+            </a:r>
+            <a:r>
+              <a:rPr lang="zh-CN" altLang="en-US" sz="1600" dirty="0">
+                <a:latin typeface="Consolas" panose="020B0609020204030204" pitchFamily="49" charset="0"/>
+              </a:rPr>
+              <a:t>位于索引</a:t>
+            </a:r>
+            <a:r>
+              <a:rPr lang="en-US" altLang="zh-CN" sz="1600" dirty="0">
+                <a:latin typeface="Consolas" panose="020B0609020204030204" pitchFamily="49" charset="0"/>
+              </a:rPr>
+              <a:t> 2 </a:t>
+            </a:r>
+            <a:r>
+              <a:rPr lang="zh-CN" altLang="en-US" sz="1600" dirty="0">
+                <a:latin typeface="Consolas" panose="020B0609020204030204" pitchFamily="49" charset="0"/>
+              </a:rPr>
+              <a:t>时，也等于 </a:t>
+            </a:r>
+            <a:r>
+              <a:rPr lang="en-US" altLang="zh-CN" sz="1600" dirty="0">
+                <a:latin typeface="Consolas" panose="020B0609020204030204" pitchFamily="49" charset="0"/>
+              </a:rPr>
+              <a:t>-1 </a:t>
+            </a:r>
+            <a:r>
+              <a:rPr lang="zh-CN" altLang="en-US" sz="1600" dirty="0">
+                <a:latin typeface="Consolas" panose="020B0609020204030204" pitchFamily="49" charset="0"/>
+              </a:rPr>
+              <a:t>时，我们也可以取 </a:t>
+            </a:r>
+            <a:r>
+              <a:rPr lang="en-US" altLang="zh-CN" sz="1600" dirty="0">
+                <a:latin typeface="Consolas" panose="020B0609020204030204" pitchFamily="49" charset="0"/>
+              </a:rPr>
+              <a:t>b = 0, a = 1</a:t>
+            </a:r>
+          </a:p>
+        </p:txBody>
+      </p:sp>
+      <p:sp>
+        <p:nvSpPr>
+          <p:cNvPr id="8" name="文本框 7">
+            <a:extLst>
+              <a:ext uri="{FF2B5EF4-FFF2-40B4-BE49-F238E27FC236}">
+                <a16:creationId xmlns:a16="http://schemas.microsoft.com/office/drawing/2014/main" id="{E7F36DB6-0346-4D26-BE41-7F42F4381F70}"/>
+              </a:ext>
+            </a:extLst>
+          </p:cNvPr>
+          <p:cNvSpPr txBox="1"/>
+          <p:nvPr/>
+        </p:nvSpPr>
+        <p:spPr>
+          <a:xfrm>
+            <a:off x="1550508" y="1581256"/>
+            <a:ext cx="9090984" cy="338554"/>
+          </a:xfrm>
+          <a:prstGeom prst="rect">
+            <a:avLst/>
+          </a:prstGeom>
+          <a:noFill/>
+        </p:spPr>
+        <p:txBody>
+          <a:bodyPr wrap="square" rtlCol="0">
+            <a:spAutoFit/>
+          </a:bodyPr>
+          <a:lstStyle/>
+          <a:p>
+            <a:r>
+              <a:rPr lang="zh-CN" altLang="en-US" sz="1600" dirty="0">
+                <a:latin typeface="Consolas" panose="020B0609020204030204" pitchFamily="49" charset="0"/>
+              </a:rPr>
+              <a:t>为什么会出现重复呢？</a:t>
+            </a:r>
+            <a:endParaRPr lang="en-US" altLang="zh-CN" sz="1600" dirty="0">
+              <a:latin typeface="Consolas" panose="020B0609020204030204" pitchFamily="49" charset="0"/>
+            </a:endParaRPr>
+          </a:p>
+        </p:txBody>
+      </p:sp>
+      <p:sp>
+        <p:nvSpPr>
+          <p:cNvPr id="9" name="文本框 8">
+            <a:extLst>
+              <a:ext uri="{FF2B5EF4-FFF2-40B4-BE49-F238E27FC236}">
+                <a16:creationId xmlns:a16="http://schemas.microsoft.com/office/drawing/2014/main" id="{1AF74564-0622-4056-A3DA-F1EAB3A118DE}"/>
+              </a:ext>
+            </a:extLst>
+          </p:cNvPr>
+          <p:cNvSpPr txBox="1"/>
+          <p:nvPr/>
+        </p:nvSpPr>
+        <p:spPr>
+          <a:xfrm>
+            <a:off x="2001612" y="4045853"/>
+            <a:ext cx="9090984" cy="584775"/>
+          </a:xfrm>
+          <a:prstGeom prst="rect">
+            <a:avLst/>
+          </a:prstGeom>
+          <a:noFill/>
+        </p:spPr>
+        <p:txBody>
+          <a:bodyPr wrap="square" rtlCol="0">
+            <a:spAutoFit/>
+          </a:bodyPr>
+          <a:lstStyle/>
+          <a:p>
+            <a:r>
+              <a:rPr lang="zh-CN" altLang="en-US" sz="1600" dirty="0">
+                <a:latin typeface="Consolas" panose="020B0609020204030204" pitchFamily="49" charset="0"/>
+              </a:rPr>
+              <a:t>结合上面，其实我们可以发现，当我们计算过一次 </a:t>
+            </a:r>
+            <a:r>
+              <a:rPr lang="en-US" altLang="zh-CN" sz="1600" dirty="0">
+                <a:latin typeface="Consolas" panose="020B0609020204030204" pitchFamily="49" charset="0"/>
+              </a:rPr>
+              <a:t>c </a:t>
+            </a:r>
+            <a:r>
+              <a:rPr lang="zh-CN" altLang="en-US" sz="1600" dirty="0">
+                <a:latin typeface="Consolas" panose="020B0609020204030204" pitchFamily="49" charset="0"/>
+              </a:rPr>
+              <a:t>为 </a:t>
+            </a:r>
+            <a:r>
+              <a:rPr lang="en-US" altLang="zh-CN" sz="1600" dirty="0">
+                <a:latin typeface="Consolas" panose="020B0609020204030204" pitchFamily="49" charset="0"/>
+              </a:rPr>
+              <a:t>-1 </a:t>
+            </a:r>
+            <a:r>
+              <a:rPr lang="zh-CN" altLang="en-US" sz="1600" dirty="0">
+                <a:latin typeface="Consolas" panose="020B0609020204030204" pitchFamily="49" charset="0"/>
+              </a:rPr>
+              <a:t>的情况后，之后 </a:t>
+            </a:r>
+            <a:r>
+              <a:rPr lang="en-US" altLang="zh-CN" sz="1600" dirty="0">
+                <a:latin typeface="Consolas" panose="020B0609020204030204" pitchFamily="49" charset="0"/>
+              </a:rPr>
+              <a:t>c </a:t>
+            </a:r>
+            <a:r>
+              <a:rPr lang="zh-CN" altLang="en-US" sz="1600" dirty="0">
+                <a:latin typeface="Consolas" panose="020B0609020204030204" pitchFamily="49" charset="0"/>
+              </a:rPr>
+              <a:t>再次等于 </a:t>
+            </a:r>
+            <a:r>
+              <a:rPr lang="en-US" altLang="zh-CN" sz="1600" dirty="0">
+                <a:latin typeface="Consolas" panose="020B0609020204030204" pitchFamily="49" charset="0"/>
+              </a:rPr>
+              <a:t>-1 </a:t>
+            </a:r>
+            <a:r>
+              <a:rPr lang="zh-CN" altLang="en-US" sz="1600" dirty="0">
+                <a:latin typeface="Consolas" panose="020B0609020204030204" pitchFamily="49" charset="0"/>
+              </a:rPr>
+              <a:t>时，应该跳过这个</a:t>
+            </a:r>
+            <a:r>
+              <a:rPr lang="en-US" altLang="zh-CN" sz="1600" dirty="0">
+                <a:latin typeface="Consolas" panose="020B0609020204030204" pitchFamily="49" charset="0"/>
+              </a:rPr>
+              <a:t>c</a:t>
+            </a:r>
+            <a:r>
+              <a:rPr lang="zh-CN" altLang="en-US" sz="1600" dirty="0">
+                <a:latin typeface="Consolas" panose="020B0609020204030204" pitchFamily="49" charset="0"/>
+              </a:rPr>
+              <a:t>。</a:t>
+            </a:r>
+            <a:endParaRPr lang="en-US" altLang="zh-CN" sz="1600" dirty="0">
+              <a:latin typeface="Consolas" panose="020B0609020204030204" pitchFamily="49" charset="0"/>
+            </a:endParaRPr>
+          </a:p>
+        </p:txBody>
+      </p:sp>
+      <p:sp>
+        <p:nvSpPr>
+          <p:cNvPr id="11" name="文本框 10">
+            <a:extLst>
+              <a:ext uri="{FF2B5EF4-FFF2-40B4-BE49-F238E27FC236}">
+                <a16:creationId xmlns:a16="http://schemas.microsoft.com/office/drawing/2014/main" id="{90B9D306-23C8-444E-B499-5BF55AD1DBB5}"/>
+              </a:ext>
+            </a:extLst>
+          </p:cNvPr>
+          <p:cNvSpPr txBox="1"/>
+          <p:nvPr/>
+        </p:nvSpPr>
+        <p:spPr>
+          <a:xfrm>
+            <a:off x="2001612" y="4832393"/>
+            <a:ext cx="7256486" cy="1077218"/>
+          </a:xfrm>
+          <a:prstGeom prst="rect">
+            <a:avLst/>
+          </a:prstGeom>
+          <a:noFill/>
+        </p:spPr>
+        <p:txBody>
+          <a:bodyPr wrap="square" rtlCol="0">
+            <a:spAutoFit/>
+          </a:bodyPr>
+          <a:lstStyle/>
+          <a:p>
+            <a:r>
+              <a:rPr lang="en-US" altLang="zh-CN" sz="1600" dirty="0">
+                <a:latin typeface="Consolas" panose="020B0609020204030204" pitchFamily="49" charset="0"/>
+              </a:rPr>
+              <a:t>for (let </a:t>
+            </a:r>
+            <a:r>
+              <a:rPr lang="en-US" altLang="zh-CN" sz="1600" dirty="0" err="1">
+                <a:latin typeface="Consolas" panose="020B0609020204030204" pitchFamily="49" charset="0"/>
+              </a:rPr>
+              <a:t>i</a:t>
+            </a:r>
+            <a:r>
+              <a:rPr lang="en-US" altLang="zh-CN" sz="1600" dirty="0">
+                <a:latin typeface="Consolas" panose="020B0609020204030204" pitchFamily="49" charset="0"/>
+              </a:rPr>
+              <a:t> = 0; </a:t>
+            </a:r>
+            <a:r>
+              <a:rPr lang="en-US" altLang="zh-CN" sz="1600" dirty="0" err="1">
+                <a:latin typeface="Consolas" panose="020B0609020204030204" pitchFamily="49" charset="0"/>
+              </a:rPr>
+              <a:t>i</a:t>
+            </a:r>
+            <a:r>
+              <a:rPr lang="en-US" altLang="zh-CN" sz="1600" dirty="0">
+                <a:latin typeface="Consolas" panose="020B0609020204030204" pitchFamily="49" charset="0"/>
+              </a:rPr>
+              <a:t> &lt; </a:t>
+            </a:r>
+            <a:r>
+              <a:rPr lang="en-US" altLang="zh-CN" sz="1600" dirty="0" err="1">
+                <a:latin typeface="Consolas" panose="020B0609020204030204" pitchFamily="49" charset="0"/>
+              </a:rPr>
+              <a:t>nums.length</a:t>
+            </a:r>
+            <a:r>
+              <a:rPr lang="en-US" altLang="zh-CN" sz="1600" dirty="0">
+                <a:latin typeface="Consolas" panose="020B0609020204030204" pitchFamily="49" charset="0"/>
+              </a:rPr>
+              <a:t>; </a:t>
+            </a:r>
+            <a:r>
+              <a:rPr lang="en-US" altLang="zh-CN" sz="1600" dirty="0" err="1">
+                <a:latin typeface="Consolas" panose="020B0609020204030204" pitchFamily="49" charset="0"/>
+              </a:rPr>
+              <a:t>i</a:t>
+            </a:r>
+            <a:r>
+              <a:rPr lang="en-US" altLang="zh-CN" sz="1600" dirty="0">
+                <a:latin typeface="Consolas" panose="020B0609020204030204" pitchFamily="49" charset="0"/>
+              </a:rPr>
+              <a:t>++) {</a:t>
+            </a:r>
+          </a:p>
+          <a:p>
+            <a:r>
+              <a:rPr lang="en-US" altLang="zh-CN" sz="1600" dirty="0">
+                <a:latin typeface="Consolas" panose="020B0609020204030204" pitchFamily="49" charset="0"/>
+              </a:rPr>
+              <a:t>    if (</a:t>
+            </a:r>
+            <a:r>
+              <a:rPr lang="en-US" altLang="zh-CN" sz="1600" dirty="0" err="1">
+                <a:latin typeface="Consolas" panose="020B0609020204030204" pitchFamily="49" charset="0"/>
+              </a:rPr>
+              <a:t>i</a:t>
+            </a:r>
+            <a:r>
+              <a:rPr lang="en-US" altLang="zh-CN" sz="1600" dirty="0">
+                <a:latin typeface="Consolas" panose="020B0609020204030204" pitchFamily="49" charset="0"/>
+              </a:rPr>
+              <a:t> &gt; 0 &amp;&amp; </a:t>
+            </a:r>
+            <a:r>
+              <a:rPr lang="en-US" altLang="zh-CN" sz="1600" dirty="0" err="1">
+                <a:latin typeface="Consolas" panose="020B0609020204030204" pitchFamily="49" charset="0"/>
+              </a:rPr>
+              <a:t>nums</a:t>
+            </a:r>
+            <a:r>
+              <a:rPr lang="en-US" altLang="zh-CN" sz="1600" dirty="0">
+                <a:latin typeface="Consolas" panose="020B0609020204030204" pitchFamily="49" charset="0"/>
+              </a:rPr>
+              <a:t>[</a:t>
+            </a:r>
+            <a:r>
+              <a:rPr lang="en-US" altLang="zh-CN" sz="1600" dirty="0" err="1">
+                <a:latin typeface="Consolas" panose="020B0609020204030204" pitchFamily="49" charset="0"/>
+              </a:rPr>
+              <a:t>i</a:t>
+            </a:r>
+            <a:r>
+              <a:rPr lang="en-US" altLang="zh-CN" sz="1600" dirty="0">
+                <a:latin typeface="Consolas" panose="020B0609020204030204" pitchFamily="49" charset="0"/>
+              </a:rPr>
+              <a:t>] == </a:t>
+            </a:r>
+            <a:r>
+              <a:rPr lang="en-US" altLang="zh-CN" sz="1600" dirty="0" err="1">
+                <a:latin typeface="Consolas" panose="020B0609020204030204" pitchFamily="49" charset="0"/>
+              </a:rPr>
+              <a:t>nums</a:t>
+            </a:r>
+            <a:r>
+              <a:rPr lang="en-US" altLang="zh-CN" sz="1600" dirty="0">
+                <a:latin typeface="Consolas" panose="020B0609020204030204" pitchFamily="49" charset="0"/>
+              </a:rPr>
+              <a:t>[</a:t>
+            </a:r>
+            <a:r>
+              <a:rPr lang="en-US" altLang="zh-CN" sz="1600" dirty="0" err="1">
+                <a:latin typeface="Consolas" panose="020B0609020204030204" pitchFamily="49" charset="0"/>
+              </a:rPr>
+              <a:t>i</a:t>
+            </a:r>
+            <a:r>
+              <a:rPr lang="en-US" altLang="zh-CN" sz="1600" dirty="0">
+                <a:latin typeface="Consolas" panose="020B0609020204030204" pitchFamily="49" charset="0"/>
+              </a:rPr>
+              <a:t> – 1]) continue;</a:t>
+            </a:r>
+          </a:p>
+          <a:p>
+            <a:r>
+              <a:rPr lang="en-US" altLang="zh-CN" sz="1600" dirty="0">
+                <a:latin typeface="Consolas" panose="020B0609020204030204" pitchFamily="49" charset="0"/>
+              </a:rPr>
+              <a:t>    let c = </a:t>
+            </a:r>
+            <a:r>
+              <a:rPr lang="en-US" altLang="zh-CN" sz="1600" dirty="0" err="1">
+                <a:latin typeface="Consolas" panose="020B0609020204030204" pitchFamily="49" charset="0"/>
+              </a:rPr>
+              <a:t>nums</a:t>
+            </a:r>
+            <a:r>
+              <a:rPr lang="en-US" altLang="zh-CN" sz="1600" dirty="0">
+                <a:latin typeface="Consolas" panose="020B0609020204030204" pitchFamily="49" charset="0"/>
+              </a:rPr>
+              <a:t>[</a:t>
+            </a:r>
+            <a:r>
+              <a:rPr lang="en-US" altLang="zh-CN" sz="1600" dirty="0" err="1">
+                <a:latin typeface="Consolas" panose="020B0609020204030204" pitchFamily="49" charset="0"/>
+              </a:rPr>
+              <a:t>i</a:t>
+            </a:r>
+            <a:r>
+              <a:rPr lang="en-US" altLang="zh-CN" sz="1600" dirty="0">
+                <a:latin typeface="Consolas" panose="020B0609020204030204" pitchFamily="49" charset="0"/>
+              </a:rPr>
+              <a:t>];</a:t>
+            </a:r>
+          </a:p>
+          <a:p>
+            <a:r>
+              <a:rPr lang="en-US" altLang="zh-CN" sz="1600" dirty="0">
+                <a:latin typeface="Consolas" panose="020B0609020204030204" pitchFamily="49" charset="0"/>
+              </a:rPr>
+              <a:t>}</a:t>
+            </a:r>
+            <a:endParaRPr lang="zh-CN" altLang="en-US" sz="1600" dirty="0">
+              <a:latin typeface="Consolas" panose="020B0609020204030204" pitchFamily="49" charset="0"/>
+            </a:endParaRPr>
+          </a:p>
+        </p:txBody>
+      </p:sp>
+    </p:spTree>
+    <p:extLst>
+      <p:ext uri="{BB962C8B-B14F-4D97-AF65-F5344CB8AC3E}">
+        <p14:creationId xmlns:p14="http://schemas.microsoft.com/office/powerpoint/2010/main" val="3244420515"/>
+      </p:ext>
+    </p:extLst>
+  </p:cSld>
+  <p:clrMapOvr>
+    <a:masterClrMapping/>
+  </p:clrMapOvr>
+  <p:timing>
+    <p:tnLst>
+      <p:par>
+        <p:cTn id="1" dur="indefinite" restart="never" nodeType="tmRoot">
+          <p:childTnLst>
+            <p:seq concurrent="1" nextAc="seek">
+              <p:cTn id="2" dur="indefinite" nodeType="mainSeq">
+                <p:childTnLst>
+                  <p:par>
+                    <p:cTn id="3" fill="hold">
+                      <p:stCondLst>
+                        <p:cond delay="indefinite"/>
+                      </p:stCondLst>
+                      <p:childTnLst>
+                        <p:par>
+                          <p:cTn id="4" fill="hold">
+                            <p:stCondLst>
+                              <p:cond delay="0"/>
+                            </p:stCondLst>
+                            <p:childTnLst>
+                              <p:par>
+                                <p:cTn id="5" presetID="42" presetClass="entr" presetSubtype="0" fill="hold" grpId="0" nodeType="clickEffect">
+                                  <p:stCondLst>
+                                    <p:cond delay="0"/>
+                                  </p:stCondLst>
+                                  <p:childTnLst>
+                                    <p:set>
+                                      <p:cBhvr>
+                                        <p:cTn id="6" dur="1" fill="hold">
+                                          <p:stCondLst>
+                                            <p:cond delay="0"/>
+                                          </p:stCondLst>
+                                        </p:cTn>
+                                        <p:tgtEl>
+                                          <p:spTgt spid="8"/>
+                                        </p:tgtEl>
+                                        <p:attrNameLst>
+                                          <p:attrName>style.visibility</p:attrName>
+                                        </p:attrNameLst>
+                                      </p:cBhvr>
+                                      <p:to>
+                                        <p:strVal val="visible"/>
+                                      </p:to>
+                                    </p:set>
+                                    <p:animEffect transition="in" filter="fade">
+                                      <p:cBhvr>
+                                        <p:cTn id="7" dur="1000"/>
+                                        <p:tgtEl>
+                                          <p:spTgt spid="8"/>
+                                        </p:tgtEl>
+                                      </p:cBhvr>
+                                    </p:animEffect>
+                                    <p:anim calcmode="lin" valueType="num">
+                                      <p:cBhvr>
+                                        <p:cTn id="8" dur="1000" fill="hold"/>
+                                        <p:tgtEl>
+                                          <p:spTgt spid="8"/>
+                                        </p:tgtEl>
+                                        <p:attrNameLst>
+                                          <p:attrName>ppt_x</p:attrName>
+                                        </p:attrNameLst>
+                                      </p:cBhvr>
+                                      <p:tavLst>
+                                        <p:tav tm="0">
+                                          <p:val>
+                                            <p:strVal val="#ppt_x"/>
+                                          </p:val>
+                                        </p:tav>
+                                        <p:tav tm="100000">
+                                          <p:val>
+                                            <p:strVal val="#ppt_x"/>
+                                          </p:val>
+                                        </p:tav>
+                                      </p:tavLst>
+                                    </p:anim>
+                                    <p:anim calcmode="lin" valueType="num">
+                                      <p:cBhvr>
+                                        <p:cTn id="9" dur="1000" fill="hold"/>
+                                        <p:tgtEl>
+                                          <p:spTgt spid="8"/>
+                                        </p:tgtEl>
+                                        <p:attrNameLst>
+                                          <p:attrName>ppt_y</p:attrName>
+                                        </p:attrNameLst>
+                                      </p:cBhvr>
+                                      <p:tavLst>
+                                        <p:tav tm="0">
+                                          <p:val>
+                                            <p:strVal val="#ppt_y+.1"/>
+                                          </p:val>
+                                        </p:tav>
+                                        <p:tav tm="100000">
+                                          <p:val>
+                                            <p:strVal val="#ppt_y"/>
+                                          </p:val>
+                                        </p:tav>
+                                      </p:tavLst>
+                                    </p:anim>
+                                  </p:childTnLst>
+                                </p:cTn>
+                              </p:par>
+                            </p:childTnLst>
+                          </p:cTn>
+                        </p:par>
+                      </p:childTnLst>
+                    </p:cTn>
+                  </p:par>
+                  <p:par>
+                    <p:cTn id="10" fill="hold">
+                      <p:stCondLst>
+                        <p:cond delay="indefinite"/>
+                      </p:stCondLst>
+                      <p:childTnLst>
+                        <p:par>
+                          <p:cTn id="11" fill="hold">
+                            <p:stCondLst>
+                              <p:cond delay="0"/>
+                            </p:stCondLst>
+                            <p:childTnLst>
+                              <p:par>
+                                <p:cTn id="12" presetID="42" presetClass="entr" presetSubtype="0" fill="hold" grpId="0" nodeType="clickEffect">
+                                  <p:stCondLst>
+                                    <p:cond delay="0"/>
+                                  </p:stCondLst>
+                                  <p:childTnLst>
+                                    <p:set>
+                                      <p:cBhvr>
+                                        <p:cTn id="13" dur="1" fill="hold">
+                                          <p:stCondLst>
+                                            <p:cond delay="0"/>
+                                          </p:stCondLst>
+                                        </p:cTn>
+                                        <p:tgtEl>
+                                          <p:spTgt spid="4"/>
+                                        </p:tgtEl>
+                                        <p:attrNameLst>
+                                          <p:attrName>style.visibility</p:attrName>
+                                        </p:attrNameLst>
+                                      </p:cBhvr>
+                                      <p:to>
+                                        <p:strVal val="visible"/>
+                                      </p:to>
+                                    </p:set>
+                                    <p:animEffect transition="in" filter="fade">
+                                      <p:cBhvr>
+                                        <p:cTn id="14" dur="1000"/>
+                                        <p:tgtEl>
+                                          <p:spTgt spid="4"/>
+                                        </p:tgtEl>
+                                      </p:cBhvr>
+                                    </p:animEffect>
+                                    <p:anim calcmode="lin" valueType="num">
+                                      <p:cBhvr>
+                                        <p:cTn id="15" dur="1000" fill="hold"/>
+                                        <p:tgtEl>
+                                          <p:spTgt spid="4"/>
+                                        </p:tgtEl>
+                                        <p:attrNameLst>
+                                          <p:attrName>ppt_x</p:attrName>
+                                        </p:attrNameLst>
+                                      </p:cBhvr>
+                                      <p:tavLst>
+                                        <p:tav tm="0">
+                                          <p:val>
+                                            <p:strVal val="#ppt_x"/>
+                                          </p:val>
+                                        </p:tav>
+                                        <p:tav tm="100000">
+                                          <p:val>
+                                            <p:strVal val="#ppt_x"/>
+                                          </p:val>
+                                        </p:tav>
+                                      </p:tavLst>
+                                    </p:anim>
+                                    <p:anim calcmode="lin" valueType="num">
+                                      <p:cBhvr>
+                                        <p:cTn id="16" dur="1000" fill="hold"/>
+                                        <p:tgtEl>
+                                          <p:spTgt spid="4"/>
+                                        </p:tgtEl>
+                                        <p:attrNameLst>
+                                          <p:attrName>ppt_y</p:attrName>
+                                        </p:attrNameLst>
+                                      </p:cBhvr>
+                                      <p:tavLst>
+                                        <p:tav tm="0">
+                                          <p:val>
+                                            <p:strVal val="#ppt_y+.1"/>
+                                          </p:val>
+                                        </p:tav>
+                                        <p:tav tm="100000">
+                                          <p:val>
+                                            <p:strVal val="#ppt_y"/>
+                                          </p:val>
+                                        </p:tav>
+                                      </p:tavLst>
+                                    </p:anim>
+                                  </p:childTnLst>
+                                </p:cTn>
+                              </p:par>
+                            </p:childTnLst>
+                          </p:cTn>
+                        </p:par>
+                      </p:childTnLst>
+                    </p:cTn>
+                  </p:par>
+                  <p:par>
+                    <p:cTn id="17" fill="hold">
+                      <p:stCondLst>
+                        <p:cond delay="indefinite"/>
+                      </p:stCondLst>
+                      <p:childTnLst>
+                        <p:par>
+                          <p:cTn id="18" fill="hold">
+                            <p:stCondLst>
+                              <p:cond delay="0"/>
+                            </p:stCondLst>
+                            <p:childTnLst>
+                              <p:par>
+                                <p:cTn id="19" presetID="42" presetClass="entr" presetSubtype="0" fill="hold" grpId="0" nodeType="clickEffect">
+                                  <p:stCondLst>
+                                    <p:cond delay="0"/>
+                                  </p:stCondLst>
+                                  <p:childTnLst>
+                                    <p:set>
+                                      <p:cBhvr>
+                                        <p:cTn id="20" dur="1" fill="hold">
+                                          <p:stCondLst>
+                                            <p:cond delay="0"/>
+                                          </p:stCondLst>
+                                        </p:cTn>
+                                        <p:tgtEl>
+                                          <p:spTgt spid="6"/>
+                                        </p:tgtEl>
+                                        <p:attrNameLst>
+                                          <p:attrName>style.visibility</p:attrName>
+                                        </p:attrNameLst>
+                                      </p:cBhvr>
+                                      <p:to>
+                                        <p:strVal val="visible"/>
+                                      </p:to>
+                                    </p:set>
+                                    <p:animEffect transition="in" filter="fade">
+                                      <p:cBhvr>
+                                        <p:cTn id="21" dur="1000"/>
+                                        <p:tgtEl>
+                                          <p:spTgt spid="6"/>
+                                        </p:tgtEl>
+                                      </p:cBhvr>
+                                    </p:animEffect>
+                                    <p:anim calcmode="lin" valueType="num">
+                                      <p:cBhvr>
+                                        <p:cTn id="22" dur="1000" fill="hold"/>
+                                        <p:tgtEl>
+                                          <p:spTgt spid="6"/>
+                                        </p:tgtEl>
+                                        <p:attrNameLst>
+                                          <p:attrName>ppt_x</p:attrName>
+                                        </p:attrNameLst>
+                                      </p:cBhvr>
+                                      <p:tavLst>
+                                        <p:tav tm="0">
+                                          <p:val>
+                                            <p:strVal val="#ppt_x"/>
+                                          </p:val>
+                                        </p:tav>
+                                        <p:tav tm="100000">
+                                          <p:val>
+                                            <p:strVal val="#ppt_x"/>
+                                          </p:val>
+                                        </p:tav>
+                                      </p:tavLst>
+                                    </p:anim>
+                                    <p:anim calcmode="lin" valueType="num">
+                                      <p:cBhvr>
+                                        <p:cTn id="23" dur="1000" fill="hold"/>
+                                        <p:tgtEl>
+                                          <p:spTgt spid="6"/>
+                                        </p:tgtEl>
+                                        <p:attrNameLst>
+                                          <p:attrName>ppt_y</p:attrName>
+                                        </p:attrNameLst>
+                                      </p:cBhvr>
+                                      <p:tavLst>
+                                        <p:tav tm="0">
+                                          <p:val>
+                                            <p:strVal val="#ppt_y+.1"/>
+                                          </p:val>
+                                        </p:tav>
+                                        <p:tav tm="100000">
+                                          <p:val>
+                                            <p:strVal val="#ppt_y"/>
+                                          </p:val>
+                                        </p:tav>
+                                      </p:tavLst>
+                                    </p:anim>
+                                  </p:childTnLst>
+                                </p:cTn>
+                              </p:par>
+                            </p:childTnLst>
+                          </p:cTn>
+                        </p:par>
+                      </p:childTnLst>
+                    </p:cTn>
+                  </p:par>
+                  <p:par>
+                    <p:cTn id="24" fill="hold">
+                      <p:stCondLst>
+                        <p:cond delay="indefinite"/>
+                      </p:stCondLst>
+                      <p:childTnLst>
+                        <p:par>
+                          <p:cTn id="25" fill="hold">
+                            <p:stCondLst>
+                              <p:cond delay="0"/>
+                            </p:stCondLst>
+                            <p:childTnLst>
+                              <p:par>
+                                <p:cTn id="26" presetID="42" presetClass="entr" presetSubtype="0" fill="hold" grpId="0" nodeType="clickEffect">
+                                  <p:stCondLst>
+                                    <p:cond delay="0"/>
+                                  </p:stCondLst>
+                                  <p:childTnLst>
+                                    <p:set>
+                                      <p:cBhvr>
+                                        <p:cTn id="27" dur="1" fill="hold">
+                                          <p:stCondLst>
+                                            <p:cond delay="0"/>
+                                          </p:stCondLst>
+                                        </p:cTn>
+                                        <p:tgtEl>
+                                          <p:spTgt spid="7"/>
+                                        </p:tgtEl>
+                                        <p:attrNameLst>
+                                          <p:attrName>style.visibility</p:attrName>
+                                        </p:attrNameLst>
+                                      </p:cBhvr>
+                                      <p:to>
+                                        <p:strVal val="visible"/>
+                                      </p:to>
+                                    </p:set>
+                                    <p:animEffect transition="in" filter="fade">
+                                      <p:cBhvr>
+                                        <p:cTn id="28" dur="1000"/>
+                                        <p:tgtEl>
+                                          <p:spTgt spid="7"/>
+                                        </p:tgtEl>
+                                      </p:cBhvr>
+                                    </p:animEffect>
+                                    <p:anim calcmode="lin" valueType="num">
+                                      <p:cBhvr>
+                                        <p:cTn id="29" dur="1000" fill="hold"/>
+                                        <p:tgtEl>
+                                          <p:spTgt spid="7"/>
+                                        </p:tgtEl>
+                                        <p:attrNameLst>
+                                          <p:attrName>ppt_x</p:attrName>
+                                        </p:attrNameLst>
+                                      </p:cBhvr>
+                                      <p:tavLst>
+                                        <p:tav tm="0">
+                                          <p:val>
+                                            <p:strVal val="#ppt_x"/>
+                                          </p:val>
+                                        </p:tav>
+                                        <p:tav tm="100000">
+                                          <p:val>
+                                            <p:strVal val="#ppt_x"/>
+                                          </p:val>
+                                        </p:tav>
+                                      </p:tavLst>
+                                    </p:anim>
+                                    <p:anim calcmode="lin" valueType="num">
+                                      <p:cBhvr>
+                                        <p:cTn id="30" dur="1000" fill="hold"/>
+                                        <p:tgtEl>
+                                          <p:spTgt spid="7"/>
+                                        </p:tgtEl>
+                                        <p:attrNameLst>
+                                          <p:attrName>ppt_y</p:attrName>
+                                        </p:attrNameLst>
+                                      </p:cBhvr>
+                                      <p:tavLst>
+                                        <p:tav tm="0">
+                                          <p:val>
+                                            <p:strVal val="#ppt_y+.1"/>
+                                          </p:val>
+                                        </p:tav>
+                                        <p:tav tm="100000">
+                                          <p:val>
+                                            <p:strVal val="#ppt_y"/>
+                                          </p:val>
+                                        </p:tav>
+                                      </p:tavLst>
+                                    </p:anim>
+                                  </p:childTnLst>
+                                </p:cTn>
+                              </p:par>
+                            </p:childTnLst>
+                          </p:cTn>
+                        </p:par>
+                      </p:childTnLst>
+                    </p:cTn>
+                  </p:par>
+                  <p:par>
+                    <p:cTn id="31" fill="hold">
+                      <p:stCondLst>
+                        <p:cond delay="indefinite"/>
+                      </p:stCondLst>
+                      <p:childTnLst>
+                        <p:par>
+                          <p:cTn id="32" fill="hold">
+                            <p:stCondLst>
+                              <p:cond delay="0"/>
+                            </p:stCondLst>
+                            <p:childTnLst>
+                              <p:par>
+                                <p:cTn id="33" presetID="42" presetClass="entr" presetSubtype="0" fill="hold" grpId="0" nodeType="clickEffect">
+                                  <p:stCondLst>
+                                    <p:cond delay="0"/>
+                                  </p:stCondLst>
+                                  <p:childTnLst>
+                                    <p:set>
+                                      <p:cBhvr>
+                                        <p:cTn id="34" dur="1" fill="hold">
+                                          <p:stCondLst>
+                                            <p:cond delay="0"/>
+                                          </p:stCondLst>
+                                        </p:cTn>
+                                        <p:tgtEl>
+                                          <p:spTgt spid="5"/>
+                                        </p:tgtEl>
+                                        <p:attrNameLst>
+                                          <p:attrName>style.visibility</p:attrName>
+                                        </p:attrNameLst>
+                                      </p:cBhvr>
+                                      <p:to>
+                                        <p:strVal val="visible"/>
+                                      </p:to>
+                                    </p:set>
+                                    <p:animEffect transition="in" filter="fade">
+                                      <p:cBhvr>
+                                        <p:cTn id="35" dur="1000"/>
+                                        <p:tgtEl>
+                                          <p:spTgt spid="5"/>
+                                        </p:tgtEl>
+                                      </p:cBhvr>
+                                    </p:animEffect>
+                                    <p:anim calcmode="lin" valueType="num">
+                                      <p:cBhvr>
+                                        <p:cTn id="36" dur="1000" fill="hold"/>
+                                        <p:tgtEl>
+                                          <p:spTgt spid="5"/>
+                                        </p:tgtEl>
+                                        <p:attrNameLst>
+                                          <p:attrName>ppt_x</p:attrName>
+                                        </p:attrNameLst>
+                                      </p:cBhvr>
+                                      <p:tavLst>
+                                        <p:tav tm="0">
+                                          <p:val>
+                                            <p:strVal val="#ppt_x"/>
+                                          </p:val>
+                                        </p:tav>
+                                        <p:tav tm="100000">
+                                          <p:val>
+                                            <p:strVal val="#ppt_x"/>
+                                          </p:val>
+                                        </p:tav>
+                                      </p:tavLst>
+                                    </p:anim>
+                                    <p:anim calcmode="lin" valueType="num">
+                                      <p:cBhvr>
+                                        <p:cTn id="37" dur="1000" fill="hold"/>
+                                        <p:tgtEl>
+                                          <p:spTgt spid="5"/>
+                                        </p:tgtEl>
+                                        <p:attrNameLst>
+                                          <p:attrName>ppt_y</p:attrName>
+                                        </p:attrNameLst>
+                                      </p:cBhvr>
+                                      <p:tavLst>
+                                        <p:tav tm="0">
+                                          <p:val>
+                                            <p:strVal val="#ppt_y+.1"/>
+                                          </p:val>
+                                        </p:tav>
+                                        <p:tav tm="100000">
+                                          <p:val>
+                                            <p:strVal val="#ppt_y"/>
+                                          </p:val>
+                                        </p:tav>
+                                      </p:tavLst>
+                                    </p:anim>
+                                  </p:childTnLst>
+                                </p:cTn>
+                              </p:par>
+                            </p:childTnLst>
+                          </p:cTn>
+                        </p:par>
+                      </p:childTnLst>
+                    </p:cTn>
+                  </p:par>
+                  <p:par>
+                    <p:cTn id="38" fill="hold">
+                      <p:stCondLst>
+                        <p:cond delay="indefinite"/>
+                      </p:stCondLst>
+                      <p:childTnLst>
+                        <p:par>
+                          <p:cTn id="39" fill="hold">
+                            <p:stCondLst>
+                              <p:cond delay="0"/>
+                            </p:stCondLst>
+                            <p:childTnLst>
+                              <p:par>
+                                <p:cTn id="40" presetID="42" presetClass="entr" presetSubtype="0" fill="hold" grpId="0" nodeType="clickEffect">
+                                  <p:stCondLst>
+                                    <p:cond delay="0"/>
+                                  </p:stCondLst>
+                                  <p:childTnLst>
+                                    <p:set>
+                                      <p:cBhvr>
+                                        <p:cTn id="41" dur="1" fill="hold">
+                                          <p:stCondLst>
+                                            <p:cond delay="0"/>
+                                          </p:stCondLst>
+                                        </p:cTn>
+                                        <p:tgtEl>
+                                          <p:spTgt spid="9"/>
+                                        </p:tgtEl>
+                                        <p:attrNameLst>
+                                          <p:attrName>style.visibility</p:attrName>
+                                        </p:attrNameLst>
+                                      </p:cBhvr>
+                                      <p:to>
+                                        <p:strVal val="visible"/>
+                                      </p:to>
+                                    </p:set>
+                                    <p:animEffect transition="in" filter="fade">
+                                      <p:cBhvr>
+                                        <p:cTn id="42" dur="1000"/>
+                                        <p:tgtEl>
+                                          <p:spTgt spid="9"/>
+                                        </p:tgtEl>
+                                      </p:cBhvr>
+                                    </p:animEffect>
+                                    <p:anim calcmode="lin" valueType="num">
+                                      <p:cBhvr>
+                                        <p:cTn id="43" dur="1000" fill="hold"/>
+                                        <p:tgtEl>
+                                          <p:spTgt spid="9"/>
+                                        </p:tgtEl>
+                                        <p:attrNameLst>
+                                          <p:attrName>ppt_x</p:attrName>
+                                        </p:attrNameLst>
+                                      </p:cBhvr>
+                                      <p:tavLst>
+                                        <p:tav tm="0">
+                                          <p:val>
+                                            <p:strVal val="#ppt_x"/>
+                                          </p:val>
+                                        </p:tav>
+                                        <p:tav tm="100000">
+                                          <p:val>
+                                            <p:strVal val="#ppt_x"/>
+                                          </p:val>
+                                        </p:tav>
+                                      </p:tavLst>
+                                    </p:anim>
+                                    <p:anim calcmode="lin" valueType="num">
+                                      <p:cBhvr>
+                                        <p:cTn id="44" dur="1000" fill="hold"/>
+                                        <p:tgtEl>
+                                          <p:spTgt spid="9"/>
+                                        </p:tgtEl>
+                                        <p:attrNameLst>
+                                          <p:attrName>ppt_y</p:attrName>
+                                        </p:attrNameLst>
+                                      </p:cBhvr>
+                                      <p:tavLst>
+                                        <p:tav tm="0">
+                                          <p:val>
+                                            <p:strVal val="#ppt_y+.1"/>
+                                          </p:val>
+                                        </p:tav>
+                                        <p:tav tm="100000">
+                                          <p:val>
+                                            <p:strVal val="#ppt_y"/>
+                                          </p:val>
+                                        </p:tav>
+                                      </p:tavLst>
+                                    </p:anim>
+                                  </p:childTnLst>
+                                </p:cTn>
+                              </p:par>
+                            </p:childTnLst>
+                          </p:cTn>
+                        </p:par>
+                      </p:childTnLst>
+                    </p:cTn>
+                  </p:par>
+                  <p:par>
+                    <p:cTn id="45" fill="hold">
+                      <p:stCondLst>
+                        <p:cond delay="indefinite"/>
+                      </p:stCondLst>
+                      <p:childTnLst>
+                        <p:par>
+                          <p:cTn id="46" fill="hold">
+                            <p:stCondLst>
+                              <p:cond delay="0"/>
+                            </p:stCondLst>
+                            <p:childTnLst>
+                              <p:par>
+                                <p:cTn id="47" presetID="42" presetClass="entr" presetSubtype="0" fill="hold" grpId="0" nodeType="clickEffect">
+                                  <p:stCondLst>
+                                    <p:cond delay="0"/>
+                                  </p:stCondLst>
+                                  <p:childTnLst>
+                                    <p:set>
+                                      <p:cBhvr>
+                                        <p:cTn id="48" dur="1" fill="hold">
+                                          <p:stCondLst>
+                                            <p:cond delay="0"/>
+                                          </p:stCondLst>
+                                        </p:cTn>
+                                        <p:tgtEl>
+                                          <p:spTgt spid="11"/>
+                                        </p:tgtEl>
+                                        <p:attrNameLst>
+                                          <p:attrName>style.visibility</p:attrName>
+                                        </p:attrNameLst>
+                                      </p:cBhvr>
+                                      <p:to>
+                                        <p:strVal val="visible"/>
+                                      </p:to>
+                                    </p:set>
+                                    <p:animEffect transition="in" filter="fade">
+                                      <p:cBhvr>
+                                        <p:cTn id="49" dur="1000"/>
+                                        <p:tgtEl>
+                                          <p:spTgt spid="11"/>
+                                        </p:tgtEl>
+                                      </p:cBhvr>
+                                    </p:animEffect>
+                                    <p:anim calcmode="lin" valueType="num">
+                                      <p:cBhvr>
+                                        <p:cTn id="50" dur="1000" fill="hold"/>
+                                        <p:tgtEl>
+                                          <p:spTgt spid="11"/>
+                                        </p:tgtEl>
+                                        <p:attrNameLst>
+                                          <p:attrName>ppt_x</p:attrName>
+                                        </p:attrNameLst>
+                                      </p:cBhvr>
+                                      <p:tavLst>
+                                        <p:tav tm="0">
+                                          <p:val>
+                                            <p:strVal val="#ppt_x"/>
+                                          </p:val>
+                                        </p:tav>
+                                        <p:tav tm="100000">
+                                          <p:val>
+                                            <p:strVal val="#ppt_x"/>
+                                          </p:val>
+                                        </p:tav>
+                                      </p:tavLst>
+                                    </p:anim>
+                                    <p:anim calcmode="lin" valueType="num">
+                                      <p:cBhvr>
+                                        <p:cTn id="51" dur="1000" fill="hold"/>
+                                        <p:tgtEl>
+                                          <p:spTgt spid="11"/>
+                                        </p:tgtEl>
+                                        <p:attrNameLst>
+                                          <p:attrName>ppt_y</p:attrName>
+                                        </p:attrNameLst>
+                                      </p:cBhvr>
+                                      <p:tavLst>
+                                        <p:tav tm="0">
+                                          <p:val>
+                                            <p:strVal val="#ppt_y+.1"/>
+                                          </p:val>
+                                        </p:tav>
+                                        <p:tav tm="100000">
+                                          <p:val>
+                                            <p:strVal val="#ppt_y"/>
+                                          </p:val>
+                                        </p:tav>
+                                      </p:tavLst>
+                                    </p:anim>
+                                  </p:childTnLst>
+                                </p:cTn>
+                              </p:par>
+                            </p:childTnLst>
+                          </p:cTn>
+                        </p:par>
+                      </p:childTnLst>
+                    </p:cTn>
+                  </p:par>
+                </p:childTnLst>
+              </p:cTn>
+              <p:prevCondLst>
+                <p:cond evt="onPrev" delay="0">
+                  <p:tgtEl>
+                    <p:sldTgt/>
+                  </p:tgtEl>
+                </p:cond>
+              </p:prevCondLst>
+              <p:nextCondLst>
+                <p:cond evt="onNext" delay="0">
+                  <p:tgtEl>
+                    <p:sldTgt/>
+                  </p:tgtEl>
+                </p:cond>
+              </p:nextCondLst>
+            </p:seq>
+          </p:childTnLst>
+        </p:cTn>
+      </p:par>
+    </p:tnLst>
+    <p:bldLst>
+      <p:bldP spid="4" grpId="0"/>
+      <p:bldP spid="5" grpId="0"/>
+      <p:bldP spid="6" grpId="0"/>
+      <p:bldP spid="7" grpId="0"/>
+      <p:bldP spid="8" grpId="0"/>
+      <p:bldP spid="9" grpId="0"/>
+      <p:bldP spid="11" grpId="0"/>
+    </p:bldLst>
+  </p:timing>
+</p:sld>
+</file>
+
+<file path=ppt/slides/slide12.xml><?xml version="1.0" encoding="utf-8"?>
 <p:sld xmlns:a="http://schemas.openxmlformats.org/drawingml/2006/main" xmlns:r="http://schemas.openxmlformats.org/officeDocument/2006/relationships" xmlns:p="http://schemas.openxmlformats.org/presentationml/2006/main">
   <p:cSld>
     <p:spTree>
@@ -5131,7 +7224,7 @@
 </p:sld>
 </file>
 
-<file path=ppt/slides/slide11.xml><?xml version="1.0" encoding="utf-8"?>
+<file path=ppt/slides/slide13.xml><?xml version="1.0" encoding="utf-8"?>
 <p:sld xmlns:a="http://schemas.openxmlformats.org/drawingml/2006/main" xmlns:r="http://schemas.openxmlformats.org/officeDocument/2006/relationships" xmlns:p="http://schemas.openxmlformats.org/presentationml/2006/main">
   <p:cSld>
     <p:spTree>
@@ -6035,7 +8128,7 @@
 </p:sld>
 </file>
 
-<file path=ppt/slides/slide12.xml><?xml version="1.0" encoding="utf-8"?>
+<file path=ppt/slides/slide14.xml><?xml version="1.0" encoding="utf-8"?>
 <p:sld xmlns:a="http://schemas.openxmlformats.org/drawingml/2006/main" xmlns:r="http://schemas.openxmlformats.org/officeDocument/2006/relationships" xmlns:p="http://schemas.openxmlformats.org/presentationml/2006/main">
   <p:cSld>
     <p:spTree>
@@ -9049,8 +11142,8 @@
           </a:p>
         </p:txBody>
       </p:sp>
-      <mc:AlternateContent xmlns:mc="http://schemas.openxmlformats.org/markup-compatibility/2006">
-        <mc:Choice xmlns:a14="http://schemas.microsoft.com/office/drawing/2010/main" Requires="a14">
+      <mc:AlternateContent xmlns:mc="http://schemas.openxmlformats.org/markup-compatibility/2006" xmlns:a14="http://schemas.microsoft.com/office/drawing/2010/main">
+        <mc:Choice Requires="a14">
           <p:sp>
             <p:nvSpPr>
               <p:cNvPr id="14" name="文本框 13">
@@ -9079,6 +11172,7 @@
               </a:bodyPr>
               <a:lstStyle/>
               <a:p>
+                <a:pPr/>
                 <a14:m>
                   <m:oMathPara xmlns:m="http://schemas.openxmlformats.org/officeDocument/2006/math">
                     <m:oMathParaPr>
@@ -9088,7 +11182,7 @@
                       <m:sSup>
                         <m:sSupPr>
                           <m:ctrlPr>
-                            <a:rPr lang="en-US" altLang="zh-CN" sz="1600" dirty="0" smtClean="0">
+                            <a:rPr lang="en-US" altLang="zh-CN" sz="1600" i="1" dirty="0" smtClean="0">
                               <a:solidFill>
                                 <a:srgbClr val="836967"/>
                               </a:solidFill>
@@ -9217,7 +11311,7 @@
             </p:txBody>
           </p:sp>
         </mc:Choice>
-        <mc:Fallback>
+        <mc:Fallback xmlns="">
           <p:sp>
             <p:nvSpPr>
               <p:cNvPr id="14" name="文本框 13">
@@ -10498,7 +12592,7 @@
         <p:spPr>
           <a:xfrm>
             <a:off x="1904318" y="1503837"/>
-            <a:ext cx="6681898" cy="4031873"/>
+            <a:ext cx="6681898" cy="4278094"/>
           </a:xfrm>
           <a:prstGeom prst="rect">
             <a:avLst/>
@@ -10577,6 +12671,26 @@
                 <a:latin typeface="Consolas" panose="020B0609020204030204" pitchFamily="49" charset="0"/>
               </a:rPr>
               <a:t>    if (l &gt;= r) return;</a:t>
+            </a:r>
+          </a:p>
+          <a:p>
+            <a:r>
+              <a:rPr lang="en-US" altLang="zh-CN" sz="1600" dirty="0">
+                <a:latin typeface="Consolas" panose="020B0609020204030204" pitchFamily="49" charset="0"/>
+              </a:rPr>
+              <a:t>    swap(</a:t>
+            </a:r>
+            <a:r>
+              <a:rPr lang="en-US" altLang="zh-CN" sz="1600" dirty="0" err="1">
+                <a:latin typeface="Consolas" panose="020B0609020204030204" pitchFamily="49" charset="0"/>
+              </a:rPr>
+              <a:t>arr</a:t>
+            </a:r>
+            <a:r>
+              <a:rPr lang="en-US" altLang="zh-CN" sz="1600" dirty="0">
+                <a:latin typeface="Consolas" panose="020B0609020204030204" pitchFamily="49" charset="0"/>
+              </a:rPr>
+              <a:t>, l, l + r &gt;&gt; 1);</a:t>
             </a:r>
           </a:p>
           <a:p>
@@ -10993,6 +13107,1547 @@
 </file>
 
 <file path=ppt/slides/slide6.xml><?xml version="1.0" encoding="utf-8"?>
+<p:sld xmlns:a="http://schemas.openxmlformats.org/drawingml/2006/main" xmlns:r="http://schemas.openxmlformats.org/officeDocument/2006/relationships" xmlns:p="http://schemas.openxmlformats.org/presentationml/2006/main">
+  <p:cSld>
+    <p:spTree>
+      <p:nvGrpSpPr>
+        <p:cNvPr id="1" name=""/>
+        <p:cNvGrpSpPr/>
+        <p:nvPr/>
+      </p:nvGrpSpPr>
+      <p:grpSpPr>
+        <a:xfrm>
+          <a:off x="0" y="0"/>
+          <a:ext cx="0" cy="0"/>
+          <a:chOff x="0" y="0"/>
+          <a:chExt cx="0" cy="0"/>
+        </a:xfrm>
+      </p:grpSpPr>
+      <p:sp>
+        <p:nvSpPr>
+          <p:cNvPr id="3" name="文本框 2">
+            <a:extLst>
+              <a:ext uri="{FF2B5EF4-FFF2-40B4-BE49-F238E27FC236}">
+                <a16:creationId xmlns:a16="http://schemas.microsoft.com/office/drawing/2014/main" id="{1D92F7B3-8981-4D3B-88AB-534A3A8E543F}"/>
+              </a:ext>
+            </a:extLst>
+          </p:cNvPr>
+          <p:cNvSpPr txBox="1"/>
+          <p:nvPr/>
+        </p:nvSpPr>
+        <p:spPr>
+          <a:xfrm>
+            <a:off x="1010412" y="768096"/>
+            <a:ext cx="4764024" cy="461665"/>
+          </a:xfrm>
+          <a:prstGeom prst="rect">
+            <a:avLst/>
+          </a:prstGeom>
+          <a:noFill/>
+        </p:spPr>
+        <p:txBody>
+          <a:bodyPr wrap="square" rtlCol="0">
+            <a:spAutoFit/>
+          </a:bodyPr>
+          <a:lstStyle/>
+          <a:p>
+            <a:r>
+              <a:rPr lang="zh-CN" altLang="en-US" sz="2400" b="1" dirty="0"/>
+              <a:t>一些典型算法的时间复杂度</a:t>
+            </a:r>
+          </a:p>
+        </p:txBody>
+      </p:sp>
+      <p:pic>
+        <p:nvPicPr>
+          <p:cNvPr id="5" name="图片 4" descr="表格&#10;&#10;描述已自动生成">
+            <a:extLst>
+              <a:ext uri="{FF2B5EF4-FFF2-40B4-BE49-F238E27FC236}">
+                <a16:creationId xmlns:a16="http://schemas.microsoft.com/office/drawing/2014/main" id="{04A84E19-953B-4A20-B0CA-CCE7370E1600}"/>
+              </a:ext>
+            </a:extLst>
+          </p:cNvPr>
+          <p:cNvPicPr>
+            <a:picLocks noChangeAspect="1"/>
+          </p:cNvPicPr>
+          <p:nvPr/>
+        </p:nvPicPr>
+        <p:blipFill>
+          <a:blip r:embed="rId2">
+            <a:extLst>
+              <a:ext uri="{28A0092B-C50C-407E-A947-70E740481C1C}">
+                <a14:useLocalDpi xmlns:a14="http://schemas.microsoft.com/office/drawing/2010/main" val="0"/>
+              </a:ext>
+            </a:extLst>
+          </a:blip>
+          <a:stretch>
+            <a:fillRect/>
+          </a:stretch>
+        </p:blipFill>
+        <p:spPr>
+          <a:xfrm>
+            <a:off x="1717802" y="2546915"/>
+            <a:ext cx="8421275" cy="2457793"/>
+          </a:xfrm>
+          <a:prstGeom prst="rect">
+            <a:avLst/>
+          </a:prstGeom>
+        </p:spPr>
+      </p:pic>
+      <p:sp>
+        <p:nvSpPr>
+          <p:cNvPr id="8" name="文本框 7">
+            <a:extLst>
+              <a:ext uri="{FF2B5EF4-FFF2-40B4-BE49-F238E27FC236}">
+                <a16:creationId xmlns:a16="http://schemas.microsoft.com/office/drawing/2014/main" id="{3878D0A3-5836-404F-B531-903D40ADDEFD}"/>
+              </a:ext>
+            </a:extLst>
+          </p:cNvPr>
+          <p:cNvSpPr txBox="1"/>
+          <p:nvPr/>
+        </p:nvSpPr>
+        <p:spPr>
+          <a:xfrm>
+            <a:off x="1717802" y="1896178"/>
+            <a:ext cx="4267200" cy="369332"/>
+          </a:xfrm>
+          <a:prstGeom prst="rect">
+            <a:avLst/>
+          </a:prstGeom>
+          <a:noFill/>
+        </p:spPr>
+        <p:txBody>
+          <a:bodyPr wrap="square" rtlCol="0">
+            <a:spAutoFit/>
+          </a:bodyPr>
+          <a:lstStyle/>
+          <a:p>
+            <a:r>
+              <a:rPr lang="zh-CN" altLang="en-US" dirty="0">
+                <a:latin typeface="Consolas" panose="020B0609020204030204" pitchFamily="49" charset="0"/>
+              </a:rPr>
+              <a:t>不同时间复杂度的对比</a:t>
+            </a:r>
+            <a:r>
+              <a:rPr lang="en-US" altLang="zh-CN" dirty="0">
+                <a:latin typeface="Consolas" panose="020B0609020204030204" pitchFamily="49" charset="0"/>
+              </a:rPr>
+              <a:t>:</a:t>
+            </a:r>
+            <a:endParaRPr lang="zh-CN" altLang="en-US" dirty="0">
+              <a:latin typeface="Consolas" panose="020B0609020204030204" pitchFamily="49" charset="0"/>
+            </a:endParaRPr>
+          </a:p>
+        </p:txBody>
+      </p:sp>
+      <p:sp>
+        <p:nvSpPr>
+          <p:cNvPr id="12" name="文本框 11">
+            <a:extLst>
+              <a:ext uri="{FF2B5EF4-FFF2-40B4-BE49-F238E27FC236}">
+                <a16:creationId xmlns:a16="http://schemas.microsoft.com/office/drawing/2014/main" id="{C31CC393-B096-4FBF-820F-0D0C8B950C87}"/>
+              </a:ext>
+            </a:extLst>
+          </p:cNvPr>
+          <p:cNvSpPr txBox="1"/>
+          <p:nvPr/>
+        </p:nvSpPr>
+        <p:spPr>
+          <a:xfrm>
+            <a:off x="1717802" y="6089904"/>
+            <a:ext cx="6415545" cy="584775"/>
+          </a:xfrm>
+          <a:prstGeom prst="rect">
+            <a:avLst/>
+          </a:prstGeom>
+          <a:noFill/>
+        </p:spPr>
+        <p:txBody>
+          <a:bodyPr wrap="square" rtlCol="0">
+            <a:spAutoFit/>
+          </a:bodyPr>
+          <a:lstStyle/>
+          <a:p>
+            <a:r>
+              <a:rPr lang="zh-CN" altLang="en-US" sz="1600" dirty="0">
+                <a:latin typeface="Consolas" panose="020B0609020204030204" pitchFamily="49" charset="0"/>
+              </a:rPr>
+              <a:t>上图来自</a:t>
+            </a:r>
+            <a:r>
+              <a:rPr lang="en-US" altLang="zh-CN" sz="1600" dirty="0">
+                <a:latin typeface="Consolas" panose="020B0609020204030204" pitchFamily="49" charset="0"/>
+              </a:rPr>
+              <a:t>《</a:t>
+            </a:r>
+            <a:r>
+              <a:rPr lang="zh-CN" altLang="en-US" sz="1600" dirty="0">
+                <a:latin typeface="Consolas" panose="020B0609020204030204" pitchFamily="49" charset="0"/>
+              </a:rPr>
+              <a:t>学习</a:t>
+            </a:r>
+            <a:r>
+              <a:rPr lang="en-US" altLang="zh-CN" sz="1600" dirty="0">
+                <a:latin typeface="Consolas" panose="020B0609020204030204" pitchFamily="49" charset="0"/>
+              </a:rPr>
+              <a:t>JavaScript</a:t>
+            </a:r>
+            <a:r>
+              <a:rPr lang="zh-CN" altLang="en-US" sz="1600" dirty="0">
+                <a:latin typeface="Consolas" panose="020B0609020204030204" pitchFamily="49" charset="0"/>
+              </a:rPr>
+              <a:t>数据结构与算法</a:t>
+            </a:r>
+            <a:r>
+              <a:rPr lang="en-US" altLang="zh-CN" sz="1600" dirty="0">
+                <a:latin typeface="Consolas" panose="020B0609020204030204" pitchFamily="49" charset="0"/>
+              </a:rPr>
+              <a:t>》(</a:t>
+            </a:r>
+            <a:r>
+              <a:rPr lang="zh-CN" altLang="en-US" sz="1600" dirty="0">
+                <a:latin typeface="Consolas" panose="020B0609020204030204" pitchFamily="49" charset="0"/>
+              </a:rPr>
+              <a:t>第三版</a:t>
+            </a:r>
+            <a:r>
+              <a:rPr lang="en-US" altLang="zh-CN" sz="1600" dirty="0">
+                <a:latin typeface="Consolas" panose="020B0609020204030204" pitchFamily="49" charset="0"/>
+              </a:rPr>
+              <a:t>)</a:t>
+            </a:r>
+          </a:p>
+          <a:p>
+            <a:r>
+              <a:rPr lang="zh-CN" altLang="en-US" sz="1600" dirty="0">
+                <a:latin typeface="Consolas" panose="020B0609020204030204" pitchFamily="49" charset="0"/>
+              </a:rPr>
+              <a:t>图灵社区</a:t>
+            </a:r>
+            <a:r>
+              <a:rPr lang="en-US" altLang="zh-CN" sz="1600" dirty="0">
+                <a:latin typeface="Consolas" panose="020B0609020204030204" pitchFamily="49" charset="0"/>
+              </a:rPr>
+              <a:t>:</a:t>
+            </a:r>
+            <a:r>
+              <a:rPr lang="en-US" altLang="zh-CN" sz="1600" dirty="0">
+                <a:latin typeface="Consolas" panose="020B0609020204030204" pitchFamily="49" charset="0"/>
+                <a:hlinkClick r:id="rId3"/>
+              </a:rPr>
+              <a:t>https://www.ituring.com.cn/book/2653</a:t>
+            </a:r>
+            <a:r>
+              <a:rPr lang="en-US" altLang="zh-CN" sz="1600" dirty="0">
+                <a:latin typeface="Consolas" panose="020B0609020204030204" pitchFamily="49" charset="0"/>
+              </a:rPr>
+              <a:t> </a:t>
+            </a:r>
+            <a:endParaRPr lang="zh-CN" altLang="en-US" sz="1600" dirty="0">
+              <a:latin typeface="Consolas" panose="020B0609020204030204" pitchFamily="49" charset="0"/>
+            </a:endParaRPr>
+          </a:p>
+        </p:txBody>
+      </p:sp>
+    </p:spTree>
+    <p:extLst>
+      <p:ext uri="{BB962C8B-B14F-4D97-AF65-F5344CB8AC3E}">
+        <p14:creationId xmlns:p14="http://schemas.microsoft.com/office/powerpoint/2010/main" val="1400537810"/>
+      </p:ext>
+    </p:extLst>
+  </p:cSld>
+  <p:clrMapOvr>
+    <a:masterClrMapping/>
+  </p:clrMapOvr>
+</p:sld>
+</file>
+
+<file path=ppt/slides/slide7.xml><?xml version="1.0" encoding="utf-8"?>
+<p:sld xmlns:a="http://schemas.openxmlformats.org/drawingml/2006/main" xmlns:r="http://schemas.openxmlformats.org/officeDocument/2006/relationships" xmlns:p="http://schemas.openxmlformats.org/presentationml/2006/main">
+  <p:cSld>
+    <p:spTree>
+      <p:nvGrpSpPr>
+        <p:cNvPr id="1" name=""/>
+        <p:cNvGrpSpPr/>
+        <p:nvPr/>
+      </p:nvGrpSpPr>
+      <p:grpSpPr>
+        <a:xfrm>
+          <a:off x="0" y="0"/>
+          <a:ext cx="0" cy="0"/>
+          <a:chOff x="0" y="0"/>
+          <a:chExt cx="0" cy="0"/>
+        </a:xfrm>
+      </p:grpSpPr>
+      <p:sp>
+        <p:nvSpPr>
+          <p:cNvPr id="3" name="文本框 2">
+            <a:extLst>
+              <a:ext uri="{FF2B5EF4-FFF2-40B4-BE49-F238E27FC236}">
+                <a16:creationId xmlns:a16="http://schemas.microsoft.com/office/drawing/2014/main" id="{BE32D20A-7A3A-43E8-A265-8C62B37F8750}"/>
+              </a:ext>
+            </a:extLst>
+          </p:cNvPr>
+          <p:cNvSpPr txBox="1"/>
+          <p:nvPr/>
+        </p:nvSpPr>
+        <p:spPr>
+          <a:xfrm>
+            <a:off x="1010412" y="768096"/>
+            <a:ext cx="4764024" cy="461665"/>
+          </a:xfrm>
+          <a:prstGeom prst="rect">
+            <a:avLst/>
+          </a:prstGeom>
+          <a:noFill/>
+        </p:spPr>
+        <p:txBody>
+          <a:bodyPr wrap="square" rtlCol="0">
+            <a:spAutoFit/>
+          </a:bodyPr>
+          <a:lstStyle/>
+          <a:p>
+            <a:r>
+              <a:rPr lang="zh-CN" altLang="en-US" sz="2400" b="1" dirty="0"/>
+              <a:t>一些典型算法</a:t>
+            </a:r>
+            <a:r>
+              <a:rPr lang="en-US" altLang="zh-CN" sz="2400" b="1" dirty="0"/>
+              <a:t>/</a:t>
+            </a:r>
+            <a:r>
+              <a:rPr lang="zh-CN" altLang="en-US" sz="2400" b="1" dirty="0"/>
+              <a:t>操作的时间复杂度</a:t>
+            </a:r>
+          </a:p>
+        </p:txBody>
+      </p:sp>
+      <p:sp>
+        <p:nvSpPr>
+          <p:cNvPr id="4" name="文本框 3">
+            <a:extLst>
+              <a:ext uri="{FF2B5EF4-FFF2-40B4-BE49-F238E27FC236}">
+                <a16:creationId xmlns:a16="http://schemas.microsoft.com/office/drawing/2014/main" id="{F07923D7-9578-40AC-8BDC-1A7280E49B97}"/>
+              </a:ext>
+            </a:extLst>
+          </p:cNvPr>
+          <p:cNvSpPr txBox="1"/>
+          <p:nvPr/>
+        </p:nvSpPr>
+        <p:spPr>
+          <a:xfrm>
+            <a:off x="1288299" y="1382627"/>
+            <a:ext cx="6681898" cy="338554"/>
+          </a:xfrm>
+          <a:prstGeom prst="rect">
+            <a:avLst/>
+          </a:prstGeom>
+          <a:noFill/>
+        </p:spPr>
+        <p:txBody>
+          <a:bodyPr wrap="square" rtlCol="0">
+            <a:spAutoFit/>
+          </a:bodyPr>
+          <a:lstStyle/>
+          <a:p>
+            <a:r>
+              <a:rPr lang="en-US" altLang="zh-CN" sz="1600" dirty="0">
+                <a:latin typeface="Consolas" panose="020B0609020204030204" pitchFamily="49" charset="0"/>
+              </a:rPr>
+              <a:t>O(1): Map, Set</a:t>
+            </a:r>
+            <a:r>
+              <a:rPr lang="zh-CN" altLang="en-US" sz="1600" dirty="0">
+                <a:latin typeface="Consolas" panose="020B0609020204030204" pitchFamily="49" charset="0"/>
+              </a:rPr>
+              <a:t>的插入和查找</a:t>
+            </a:r>
+            <a:r>
+              <a:rPr lang="en-US" altLang="zh-CN" sz="1600" dirty="0">
+                <a:latin typeface="Consolas" panose="020B0609020204030204" pitchFamily="49" charset="0"/>
+              </a:rPr>
+              <a:t>;</a:t>
+            </a:r>
+          </a:p>
+        </p:txBody>
+      </p:sp>
+      <p:sp>
+        <p:nvSpPr>
+          <p:cNvPr id="5" name="文本框 4">
+            <a:extLst>
+              <a:ext uri="{FF2B5EF4-FFF2-40B4-BE49-F238E27FC236}">
+                <a16:creationId xmlns:a16="http://schemas.microsoft.com/office/drawing/2014/main" id="{A6591990-1D83-42F2-A16F-3A040E9FA0B0}"/>
+              </a:ext>
+            </a:extLst>
+          </p:cNvPr>
+          <p:cNvSpPr txBox="1"/>
+          <p:nvPr/>
+        </p:nvSpPr>
+        <p:spPr>
+          <a:xfrm>
+            <a:off x="1288299" y="1867833"/>
+            <a:ext cx="6681898" cy="338554"/>
+          </a:xfrm>
+          <a:prstGeom prst="rect">
+            <a:avLst/>
+          </a:prstGeom>
+          <a:noFill/>
+        </p:spPr>
+        <p:txBody>
+          <a:bodyPr wrap="square" rtlCol="0">
+            <a:spAutoFit/>
+          </a:bodyPr>
+          <a:lstStyle/>
+          <a:p>
+            <a:r>
+              <a:rPr lang="en-US" altLang="zh-CN" sz="1600" dirty="0">
+                <a:latin typeface="Consolas" panose="020B0609020204030204" pitchFamily="49" charset="0"/>
+              </a:rPr>
+              <a:t>O(log(n)): </a:t>
+            </a:r>
+            <a:r>
+              <a:rPr lang="zh-CN" altLang="en-US" sz="1600" dirty="0">
+                <a:latin typeface="Consolas" panose="020B0609020204030204" pitchFamily="49" charset="0"/>
+              </a:rPr>
+              <a:t>二分查找</a:t>
+            </a:r>
+            <a:r>
+              <a:rPr lang="en-US" altLang="zh-CN" sz="1600" dirty="0">
+                <a:latin typeface="Consolas" panose="020B0609020204030204" pitchFamily="49" charset="0"/>
+              </a:rPr>
+              <a:t>(</a:t>
+            </a:r>
+            <a:r>
+              <a:rPr lang="zh-CN" altLang="en-US" sz="1600" dirty="0">
+                <a:latin typeface="Consolas" panose="020B0609020204030204" pitchFamily="49" charset="0"/>
+              </a:rPr>
+              <a:t>有序数组</a:t>
+            </a:r>
+            <a:r>
+              <a:rPr lang="en-US" altLang="zh-CN" sz="1600" dirty="0">
+                <a:latin typeface="Consolas" panose="020B0609020204030204" pitchFamily="49" charset="0"/>
+              </a:rPr>
+              <a:t>);</a:t>
+            </a:r>
+          </a:p>
+        </p:txBody>
+      </p:sp>
+      <p:sp>
+        <p:nvSpPr>
+          <p:cNvPr id="6" name="文本框 5">
+            <a:extLst>
+              <a:ext uri="{FF2B5EF4-FFF2-40B4-BE49-F238E27FC236}">
+                <a16:creationId xmlns:a16="http://schemas.microsoft.com/office/drawing/2014/main" id="{259FD09F-7C27-4E6E-B869-22377CBA3CE0}"/>
+              </a:ext>
+            </a:extLst>
+          </p:cNvPr>
+          <p:cNvSpPr txBox="1"/>
+          <p:nvPr/>
+        </p:nvSpPr>
+        <p:spPr>
+          <a:xfrm>
+            <a:off x="1288299" y="2328292"/>
+            <a:ext cx="8654597" cy="1162369"/>
+          </a:xfrm>
+          <a:prstGeom prst="rect">
+            <a:avLst/>
+          </a:prstGeom>
+          <a:noFill/>
+        </p:spPr>
+        <p:txBody>
+          <a:bodyPr wrap="square" rtlCol="0">
+            <a:spAutoFit/>
+          </a:bodyPr>
+          <a:lstStyle/>
+          <a:p>
+            <a:pPr>
+              <a:lnSpc>
+                <a:spcPct val="150000"/>
+              </a:lnSpc>
+            </a:pPr>
+            <a:r>
+              <a:rPr lang="en-US" altLang="zh-CN" sz="1600" dirty="0">
+                <a:latin typeface="Consolas" panose="020B0609020204030204" pitchFamily="49" charset="0"/>
+              </a:rPr>
+              <a:t>O(n): </a:t>
+            </a:r>
+          </a:p>
+          <a:p>
+            <a:pPr>
+              <a:lnSpc>
+                <a:spcPct val="150000"/>
+              </a:lnSpc>
+            </a:pPr>
+            <a:r>
+              <a:rPr lang="en-US" altLang="zh-CN" sz="1600" dirty="0">
+                <a:latin typeface="Consolas" panose="020B0609020204030204" pitchFamily="49" charset="0"/>
+              </a:rPr>
+              <a:t>    1</a:t>
+            </a:r>
+            <a:r>
+              <a:rPr lang="zh-CN" altLang="en-US" sz="1600" dirty="0">
+                <a:latin typeface="Consolas" panose="020B0609020204030204" pitchFamily="49" charset="0"/>
+              </a:rPr>
+              <a:t>、</a:t>
+            </a:r>
+            <a:r>
+              <a:rPr lang="en-US" altLang="zh-CN" sz="1600" dirty="0" err="1">
+                <a:latin typeface="Consolas" panose="020B0609020204030204" pitchFamily="49" charset="0"/>
+              </a:rPr>
+              <a:t>String.prototype.includes</a:t>
+            </a:r>
+            <a:r>
+              <a:rPr lang="en-US" altLang="zh-CN" sz="1600" dirty="0">
+                <a:latin typeface="Consolas" panose="020B0609020204030204" pitchFamily="49" charset="0"/>
+              </a:rPr>
+              <a:t>, </a:t>
+            </a:r>
+            <a:r>
+              <a:rPr lang="en-US" altLang="zh-CN" sz="1600" dirty="0" err="1">
+                <a:latin typeface="Consolas" panose="020B0609020204030204" pitchFamily="49" charset="0"/>
+              </a:rPr>
+              <a:t>String.prototype.indexOf</a:t>
+            </a:r>
+            <a:r>
+              <a:rPr lang="en-US" altLang="zh-CN" sz="1600" dirty="0">
+                <a:latin typeface="Consolas" panose="020B0609020204030204" pitchFamily="49" charset="0"/>
+              </a:rPr>
+              <a:t>(</a:t>
+            </a:r>
+            <a:r>
+              <a:rPr lang="zh-CN" altLang="en-US" sz="1600" dirty="0">
+                <a:latin typeface="Consolas" panose="020B0609020204030204" pitchFamily="49" charset="0"/>
+              </a:rPr>
+              <a:t>利用了</a:t>
+            </a:r>
+            <a:r>
+              <a:rPr lang="en-US" altLang="zh-CN" sz="1600" dirty="0" err="1">
+                <a:latin typeface="Consolas" panose="020B0609020204030204" pitchFamily="49" charset="0"/>
+              </a:rPr>
+              <a:t>KMP</a:t>
+            </a:r>
+            <a:r>
+              <a:rPr lang="zh-CN" altLang="en-US" sz="1600" dirty="0">
+                <a:latin typeface="Consolas" panose="020B0609020204030204" pitchFamily="49" charset="0"/>
+              </a:rPr>
+              <a:t>算法</a:t>
+            </a:r>
+            <a:r>
+              <a:rPr lang="en-US" altLang="zh-CN" sz="1600" dirty="0">
+                <a:latin typeface="Consolas" panose="020B0609020204030204" pitchFamily="49" charset="0"/>
+              </a:rPr>
+              <a:t>);</a:t>
+            </a:r>
+          </a:p>
+          <a:p>
+            <a:pPr>
+              <a:lnSpc>
+                <a:spcPct val="150000"/>
+              </a:lnSpc>
+            </a:pPr>
+            <a:r>
+              <a:rPr lang="en-US" altLang="zh-CN" sz="1600" dirty="0">
+                <a:latin typeface="Consolas" panose="020B0609020204030204" pitchFamily="49" charset="0"/>
+              </a:rPr>
+              <a:t>    2</a:t>
+            </a:r>
+            <a:r>
+              <a:rPr lang="zh-CN" altLang="en-US" sz="1600" dirty="0">
+                <a:latin typeface="Consolas" panose="020B0609020204030204" pitchFamily="49" charset="0"/>
+              </a:rPr>
+              <a:t>、数组众多的方法时间复杂度均是</a:t>
+            </a:r>
+            <a:r>
+              <a:rPr lang="en-US" altLang="zh-CN" sz="1600" dirty="0">
+                <a:latin typeface="Consolas" panose="020B0609020204030204" pitchFamily="49" charset="0"/>
+              </a:rPr>
+              <a:t>O(n)</a:t>
+            </a:r>
+          </a:p>
+        </p:txBody>
+      </p:sp>
+      <p:sp>
+        <p:nvSpPr>
+          <p:cNvPr id="7" name="文本框 6">
+            <a:extLst>
+              <a:ext uri="{FF2B5EF4-FFF2-40B4-BE49-F238E27FC236}">
+                <a16:creationId xmlns:a16="http://schemas.microsoft.com/office/drawing/2014/main" id="{D80B4AAA-ECE8-442C-A411-17C0F97EADC0}"/>
+              </a:ext>
+            </a:extLst>
+          </p:cNvPr>
+          <p:cNvSpPr txBox="1"/>
+          <p:nvPr/>
+        </p:nvSpPr>
+        <p:spPr>
+          <a:xfrm>
+            <a:off x="1288299" y="3612566"/>
+            <a:ext cx="10672693" cy="2268763"/>
+          </a:xfrm>
+          <a:prstGeom prst="rect">
+            <a:avLst/>
+          </a:prstGeom>
+          <a:noFill/>
+        </p:spPr>
+        <p:txBody>
+          <a:bodyPr wrap="square" rtlCol="0">
+            <a:spAutoFit/>
+          </a:bodyPr>
+          <a:lstStyle/>
+          <a:p>
+            <a:pPr>
+              <a:lnSpc>
+                <a:spcPct val="150000"/>
+              </a:lnSpc>
+            </a:pPr>
+            <a:r>
+              <a:rPr lang="en-US" altLang="zh-CN" sz="1600" dirty="0">
+                <a:latin typeface="Consolas" panose="020B0609020204030204" pitchFamily="49" charset="0"/>
+              </a:rPr>
+              <a:t>O(</a:t>
+            </a:r>
+            <a:r>
+              <a:rPr lang="en-US" altLang="zh-CN" sz="1600" dirty="0" err="1">
+                <a:latin typeface="Consolas" panose="020B0609020204030204" pitchFamily="49" charset="0"/>
+              </a:rPr>
+              <a:t>nlog</a:t>
+            </a:r>
+            <a:r>
+              <a:rPr lang="en-US" altLang="zh-CN" sz="1600" dirty="0">
+                <a:latin typeface="Consolas" panose="020B0609020204030204" pitchFamily="49" charset="0"/>
+              </a:rPr>
+              <a:t>(n)): </a:t>
+            </a:r>
+            <a:r>
+              <a:rPr lang="en-US" altLang="zh-CN" sz="1600" dirty="0" err="1">
+                <a:latin typeface="Consolas" panose="020B0609020204030204" pitchFamily="49" charset="0"/>
+              </a:rPr>
+              <a:t>Array.prototype.sort</a:t>
+            </a:r>
+            <a:r>
+              <a:rPr lang="en-US" altLang="zh-CN" sz="1600" dirty="0">
+                <a:latin typeface="Consolas" panose="020B0609020204030204" pitchFamily="49" charset="0"/>
+              </a:rPr>
+              <a:t>;</a:t>
+            </a:r>
+          </a:p>
+          <a:p>
+            <a:pPr>
+              <a:lnSpc>
+                <a:spcPct val="150000"/>
+              </a:lnSpc>
+            </a:pPr>
+            <a:r>
+              <a:rPr lang="en-US" altLang="zh-CN" sz="1600" dirty="0">
+                <a:latin typeface="Consolas" panose="020B0609020204030204" pitchFamily="49" charset="0"/>
+              </a:rPr>
+              <a:t>    ECMA</a:t>
+            </a:r>
+            <a:r>
+              <a:rPr lang="zh-CN" altLang="en-US" sz="1600" dirty="0">
+                <a:latin typeface="Consolas" panose="020B0609020204030204" pitchFamily="49" charset="0"/>
+              </a:rPr>
+              <a:t>只是定义了</a:t>
+            </a:r>
+            <a:r>
+              <a:rPr lang="en-US" altLang="zh-CN" sz="1600" dirty="0">
+                <a:latin typeface="Consolas" panose="020B0609020204030204" pitchFamily="49" charset="0"/>
+              </a:rPr>
+              <a:t>Array</a:t>
+            </a:r>
+            <a:r>
+              <a:rPr lang="zh-CN" altLang="en-US" sz="1600" dirty="0">
+                <a:latin typeface="Consolas" panose="020B0609020204030204" pitchFamily="49" charset="0"/>
+              </a:rPr>
+              <a:t>的原型上具有</a:t>
+            </a:r>
+            <a:r>
+              <a:rPr lang="en-US" altLang="zh-CN" sz="1600" dirty="0">
+                <a:latin typeface="Consolas" panose="020B0609020204030204" pitchFamily="49" charset="0"/>
+              </a:rPr>
+              <a:t>sort</a:t>
+            </a:r>
+            <a:r>
+              <a:rPr lang="zh-CN" altLang="en-US" sz="1600" dirty="0">
+                <a:latin typeface="Consolas" panose="020B0609020204030204" pitchFamily="49" charset="0"/>
+              </a:rPr>
+              <a:t>方法</a:t>
+            </a:r>
+            <a:r>
+              <a:rPr lang="en-US" altLang="zh-CN" sz="1600" dirty="0">
+                <a:latin typeface="Consolas" panose="020B0609020204030204" pitchFamily="49" charset="0"/>
+              </a:rPr>
+              <a:t>, </a:t>
+            </a:r>
+            <a:r>
+              <a:rPr lang="zh-CN" altLang="en-US" sz="1600" dirty="0">
+                <a:latin typeface="Consolas" panose="020B0609020204030204" pitchFamily="49" charset="0"/>
+              </a:rPr>
+              <a:t>但是没有规定如何去实现</a:t>
+            </a:r>
+            <a:r>
+              <a:rPr lang="en-US" altLang="zh-CN" sz="1600" dirty="0">
+                <a:latin typeface="Consolas" panose="020B0609020204030204" pitchFamily="49" charset="0"/>
+              </a:rPr>
+              <a:t>, </a:t>
+            </a:r>
+            <a:r>
+              <a:rPr lang="zh-CN" altLang="en-US" sz="1600" dirty="0">
+                <a:latin typeface="Consolas" panose="020B0609020204030204" pitchFamily="49" charset="0"/>
+              </a:rPr>
+              <a:t>所以各大浏览器厂商都有自己的实现</a:t>
+            </a:r>
+            <a:r>
+              <a:rPr lang="en-US" altLang="zh-CN" sz="1600" dirty="0">
+                <a:latin typeface="Consolas" panose="020B0609020204030204" pitchFamily="49" charset="0"/>
+              </a:rPr>
+              <a:t>:</a:t>
+            </a:r>
+          </a:p>
+          <a:p>
+            <a:pPr>
+              <a:lnSpc>
+                <a:spcPct val="150000"/>
+              </a:lnSpc>
+            </a:pPr>
+            <a:r>
+              <a:rPr lang="en-US" altLang="zh-CN" sz="1600" dirty="0">
+                <a:latin typeface="Consolas" panose="020B0609020204030204" pitchFamily="49" charset="0"/>
+              </a:rPr>
+              <a:t>    Google Chrome: </a:t>
+            </a:r>
+            <a:r>
+              <a:rPr lang="zh-CN" altLang="en-US" sz="1600" dirty="0">
+                <a:latin typeface="Consolas" panose="020B0609020204030204" pitchFamily="49" charset="0"/>
+              </a:rPr>
+              <a:t>使用了</a:t>
+            </a:r>
+            <a:r>
+              <a:rPr lang="en-US" altLang="zh-CN" sz="1600" dirty="0">
+                <a:latin typeface="Consolas" panose="020B0609020204030204" pitchFamily="49" charset="0"/>
+              </a:rPr>
+              <a:t>V8</a:t>
+            </a:r>
+            <a:r>
+              <a:rPr lang="zh-CN" altLang="en-US" sz="1600" dirty="0">
+                <a:latin typeface="Consolas" panose="020B0609020204030204" pitchFamily="49" charset="0"/>
+              </a:rPr>
+              <a:t>引擎</a:t>
+            </a:r>
+            <a:r>
+              <a:rPr lang="en-US" altLang="zh-CN" sz="1600" dirty="0">
+                <a:latin typeface="Consolas" panose="020B0609020204030204" pitchFamily="49" charset="0"/>
+              </a:rPr>
+              <a:t>, </a:t>
+            </a:r>
+            <a:r>
+              <a:rPr lang="zh-CN" altLang="en-US" sz="1600" dirty="0">
+                <a:latin typeface="Consolas" panose="020B0609020204030204" pitchFamily="49" charset="0"/>
+              </a:rPr>
+              <a:t>内部排序实现使用了</a:t>
+            </a:r>
+            <a:r>
+              <a:rPr lang="en-US" altLang="zh-CN" sz="1600" dirty="0">
+                <a:latin typeface="Consolas" panose="020B0609020204030204" pitchFamily="49" charset="0"/>
+              </a:rPr>
+              <a:t>`</a:t>
+            </a:r>
+            <a:r>
+              <a:rPr lang="zh-CN" altLang="en-US" sz="1600" dirty="0">
+                <a:latin typeface="Consolas" panose="020B0609020204030204" pitchFamily="49" charset="0"/>
+              </a:rPr>
+              <a:t>插入排序</a:t>
+            </a:r>
+            <a:r>
+              <a:rPr lang="en-US" altLang="zh-CN" sz="1600" dirty="0">
+                <a:latin typeface="Consolas" panose="020B0609020204030204" pitchFamily="49" charset="0"/>
+              </a:rPr>
+              <a:t>+</a:t>
+            </a:r>
+            <a:r>
+              <a:rPr lang="zh-CN" altLang="en-US" sz="1600" dirty="0">
+                <a:latin typeface="Consolas" panose="020B0609020204030204" pitchFamily="49" charset="0"/>
+              </a:rPr>
+              <a:t>快速排序</a:t>
+            </a:r>
+            <a:r>
+              <a:rPr lang="en-US" altLang="zh-CN" sz="1600" dirty="0">
+                <a:latin typeface="Consolas" panose="020B0609020204030204" pitchFamily="49" charset="0"/>
+              </a:rPr>
+              <a:t>`(</a:t>
+            </a:r>
+            <a:r>
+              <a:rPr lang="zh-CN" altLang="en-US" sz="1600" dirty="0">
+                <a:latin typeface="Consolas" panose="020B0609020204030204" pitchFamily="49" charset="0"/>
+              </a:rPr>
+              <a:t>长度</a:t>
+            </a:r>
+            <a:r>
+              <a:rPr lang="en-US" altLang="zh-CN" sz="1600" dirty="0">
+                <a:latin typeface="Consolas" panose="020B0609020204030204" pitchFamily="49" charset="0"/>
+              </a:rPr>
+              <a:t>&lt;=10</a:t>
+            </a:r>
+            <a:r>
+              <a:rPr lang="zh-CN" altLang="en-US" sz="1600" dirty="0">
+                <a:latin typeface="Consolas" panose="020B0609020204030204" pitchFamily="49" charset="0"/>
+              </a:rPr>
+              <a:t>时使用插入排序</a:t>
+            </a:r>
+            <a:r>
+              <a:rPr lang="en-US" altLang="zh-CN" sz="1600" dirty="0">
+                <a:latin typeface="Consolas" panose="020B0609020204030204" pitchFamily="49" charset="0"/>
+              </a:rPr>
+              <a:t>)</a:t>
+            </a:r>
+          </a:p>
+          <a:p>
+            <a:pPr>
+              <a:lnSpc>
+                <a:spcPct val="150000"/>
+              </a:lnSpc>
+            </a:pPr>
+            <a:r>
+              <a:rPr lang="en-US" altLang="zh-CN" sz="1600" dirty="0">
+                <a:latin typeface="Consolas" panose="020B0609020204030204" pitchFamily="49" charset="0"/>
+              </a:rPr>
+              <a:t>    Mozilla Firefox: </a:t>
+            </a:r>
+            <a:r>
+              <a:rPr lang="en-US" altLang="zh-CN" sz="1600" dirty="0" err="1">
+                <a:latin typeface="Consolas" panose="020B0609020204030204" pitchFamily="49" charset="0"/>
+              </a:rPr>
+              <a:t>SpiderMonkey</a:t>
+            </a:r>
+            <a:r>
+              <a:rPr lang="zh-CN" altLang="en-US" sz="1600" dirty="0">
+                <a:latin typeface="Consolas" panose="020B0609020204030204" pitchFamily="49" charset="0"/>
+              </a:rPr>
+              <a:t>引擎</a:t>
+            </a:r>
+            <a:r>
+              <a:rPr lang="en-US" altLang="zh-CN" sz="1600" dirty="0">
+                <a:latin typeface="Consolas" panose="020B0609020204030204" pitchFamily="49" charset="0"/>
+              </a:rPr>
+              <a:t>, </a:t>
+            </a:r>
+            <a:r>
+              <a:rPr lang="zh-CN" altLang="en-US" sz="1600" dirty="0">
+                <a:latin typeface="Consolas" panose="020B0609020204030204" pitchFamily="49" charset="0"/>
+              </a:rPr>
+              <a:t>内部排序算法使用了</a:t>
+            </a:r>
+            <a:r>
+              <a:rPr lang="en-US" altLang="zh-CN" sz="1600" dirty="0">
+                <a:latin typeface="Consolas" panose="020B0609020204030204" pitchFamily="49" charset="0"/>
+              </a:rPr>
+              <a:t>`</a:t>
+            </a:r>
+            <a:r>
+              <a:rPr lang="zh-CN" altLang="en-US" sz="1600" dirty="0">
+                <a:latin typeface="Consolas" panose="020B0609020204030204" pitchFamily="49" charset="0"/>
+              </a:rPr>
+              <a:t>归并排序</a:t>
+            </a:r>
+            <a:r>
+              <a:rPr lang="en-US" altLang="zh-CN" sz="1600" dirty="0">
+                <a:latin typeface="Consolas" panose="020B0609020204030204" pitchFamily="49" charset="0"/>
+              </a:rPr>
+              <a:t>`</a:t>
+            </a:r>
+          </a:p>
+          <a:p>
+            <a:pPr>
+              <a:lnSpc>
+                <a:spcPct val="150000"/>
+              </a:lnSpc>
+            </a:pPr>
+            <a:r>
+              <a:rPr lang="en-US" altLang="zh-CN" sz="1600" dirty="0">
+                <a:latin typeface="Consolas" panose="020B0609020204030204" pitchFamily="49" charset="0"/>
+              </a:rPr>
+              <a:t>    Apple Safari: Nitro</a:t>
+            </a:r>
+            <a:r>
+              <a:rPr lang="zh-CN" altLang="en-US" sz="1600" dirty="0">
+                <a:latin typeface="Consolas" panose="020B0609020204030204" pitchFamily="49" charset="0"/>
+              </a:rPr>
+              <a:t>引擎</a:t>
+            </a:r>
+            <a:r>
+              <a:rPr lang="en-US" altLang="zh-CN" sz="1600" dirty="0">
+                <a:latin typeface="Consolas" panose="020B0609020204030204" pitchFamily="49" charset="0"/>
+              </a:rPr>
+              <a:t>, </a:t>
+            </a:r>
+            <a:r>
+              <a:rPr lang="zh-CN" altLang="en-US" sz="1600" dirty="0">
+                <a:latin typeface="Consolas" panose="020B0609020204030204" pitchFamily="49" charset="0"/>
+              </a:rPr>
+              <a:t>内部排序算法使用了</a:t>
+            </a:r>
+            <a:r>
+              <a:rPr lang="en-US" altLang="zh-CN" sz="1600" dirty="0">
+                <a:latin typeface="Consolas" panose="020B0609020204030204" pitchFamily="49" charset="0"/>
+              </a:rPr>
+              <a:t>`</a:t>
+            </a:r>
+            <a:r>
+              <a:rPr lang="zh-CN" altLang="en-US" sz="1600" dirty="0">
+                <a:latin typeface="Consolas" panose="020B0609020204030204" pitchFamily="49" charset="0"/>
+              </a:rPr>
+              <a:t>归并排序</a:t>
+            </a:r>
+            <a:r>
+              <a:rPr lang="en-US" altLang="zh-CN" sz="1600" dirty="0">
+                <a:latin typeface="Consolas" panose="020B0609020204030204" pitchFamily="49" charset="0"/>
+              </a:rPr>
+              <a:t>+</a:t>
+            </a:r>
+            <a:r>
+              <a:rPr lang="zh-CN" altLang="en-US" sz="1600" dirty="0">
+                <a:latin typeface="Consolas" panose="020B0609020204030204" pitchFamily="49" charset="0"/>
+              </a:rPr>
+              <a:t>桶排序</a:t>
+            </a:r>
+            <a:r>
+              <a:rPr lang="en-US" altLang="zh-CN" sz="1600" dirty="0">
+                <a:latin typeface="Consolas" panose="020B0609020204030204" pitchFamily="49" charset="0"/>
+              </a:rPr>
+              <a:t>`</a:t>
+            </a:r>
+          </a:p>
+          <a:p>
+            <a:pPr>
+              <a:lnSpc>
+                <a:spcPct val="150000"/>
+              </a:lnSpc>
+            </a:pPr>
+            <a:endParaRPr lang="en-US" altLang="zh-CN" sz="1600" dirty="0">
+              <a:latin typeface="Consolas" panose="020B0609020204030204" pitchFamily="49" charset="0"/>
+            </a:endParaRPr>
+          </a:p>
+        </p:txBody>
+      </p:sp>
+      <p:sp>
+        <p:nvSpPr>
+          <p:cNvPr id="10" name="文本框 9">
+            <a:extLst>
+              <a:ext uri="{FF2B5EF4-FFF2-40B4-BE49-F238E27FC236}">
+                <a16:creationId xmlns:a16="http://schemas.microsoft.com/office/drawing/2014/main" id="{C8FECBC7-8043-4927-80B4-780348ECA20B}"/>
+              </a:ext>
+            </a:extLst>
+          </p:cNvPr>
+          <p:cNvSpPr txBox="1"/>
+          <p:nvPr/>
+        </p:nvSpPr>
+        <p:spPr>
+          <a:xfrm>
+            <a:off x="1288299" y="5881329"/>
+            <a:ext cx="6681898" cy="584775"/>
+          </a:xfrm>
+          <a:prstGeom prst="rect">
+            <a:avLst/>
+          </a:prstGeom>
+          <a:noFill/>
+        </p:spPr>
+        <p:txBody>
+          <a:bodyPr wrap="square" rtlCol="0">
+            <a:spAutoFit/>
+          </a:bodyPr>
+          <a:lstStyle/>
+          <a:p>
+            <a:r>
+              <a:rPr lang="en-US" altLang="zh-CN" sz="1600" dirty="0">
+                <a:latin typeface="Consolas" panose="020B0609020204030204" pitchFamily="49" charset="0"/>
+              </a:rPr>
+              <a:t>V8</a:t>
+            </a:r>
+            <a:r>
+              <a:rPr lang="zh-CN" altLang="en-US" sz="1600" dirty="0">
+                <a:latin typeface="Consolas" panose="020B0609020204030204" pitchFamily="49" charset="0"/>
+              </a:rPr>
+              <a:t>引擎</a:t>
+            </a:r>
+            <a:r>
+              <a:rPr lang="en-US" altLang="zh-CN" sz="1600" dirty="0">
+                <a:latin typeface="Consolas" panose="020B0609020204030204" pitchFamily="49" charset="0"/>
+              </a:rPr>
+              <a:t>sort</a:t>
+            </a:r>
+            <a:r>
+              <a:rPr lang="zh-CN" altLang="en-US" sz="1600" dirty="0">
+                <a:latin typeface="Consolas" panose="020B0609020204030204" pitchFamily="49" charset="0"/>
+              </a:rPr>
+              <a:t>源码地址</a:t>
+            </a:r>
+            <a:r>
+              <a:rPr lang="en-US" altLang="zh-CN" sz="1600" dirty="0">
+                <a:latin typeface="Consolas" panose="020B0609020204030204" pitchFamily="49" charset="0"/>
+              </a:rPr>
+              <a:t>: </a:t>
+            </a:r>
+            <a:r>
+              <a:rPr lang="en-US" altLang="zh-CN" sz="1600" dirty="0">
+                <a:latin typeface="Consolas" panose="020B0609020204030204" pitchFamily="49" charset="0"/>
+                <a:hlinkClick r:id="rId2"/>
+              </a:rPr>
+              <a:t>https://github.com/v8/v8/blob/5.9.221/src/js/array.js#L709</a:t>
+            </a:r>
+            <a:r>
+              <a:rPr lang="en-US" altLang="zh-CN" sz="1600" dirty="0">
+                <a:latin typeface="Consolas" panose="020B0609020204030204" pitchFamily="49" charset="0"/>
+              </a:rPr>
+              <a:t> </a:t>
+            </a:r>
+          </a:p>
+        </p:txBody>
+      </p:sp>
+    </p:spTree>
+    <p:extLst>
+      <p:ext uri="{BB962C8B-B14F-4D97-AF65-F5344CB8AC3E}">
+        <p14:creationId xmlns:p14="http://schemas.microsoft.com/office/powerpoint/2010/main" val="3672023704"/>
+      </p:ext>
+    </p:extLst>
+  </p:cSld>
+  <p:clrMapOvr>
+    <a:masterClrMapping/>
+  </p:clrMapOvr>
+  <p:timing>
+    <p:tnLst>
+      <p:par>
+        <p:cTn id="1" dur="indefinite" restart="never" nodeType="tmRoot">
+          <p:childTnLst>
+            <p:seq concurrent="1" nextAc="seek">
+              <p:cTn id="2" dur="indefinite" nodeType="mainSeq">
+                <p:childTnLst>
+                  <p:par>
+                    <p:cTn id="3" fill="hold">
+                      <p:stCondLst>
+                        <p:cond delay="indefinite"/>
+                      </p:stCondLst>
+                      <p:childTnLst>
+                        <p:par>
+                          <p:cTn id="4" fill="hold">
+                            <p:stCondLst>
+                              <p:cond delay="0"/>
+                            </p:stCondLst>
+                            <p:childTnLst>
+                              <p:par>
+                                <p:cTn id="5" presetID="42" presetClass="entr" presetSubtype="0" fill="hold" grpId="0" nodeType="clickEffect">
+                                  <p:stCondLst>
+                                    <p:cond delay="0"/>
+                                  </p:stCondLst>
+                                  <p:childTnLst>
+                                    <p:set>
+                                      <p:cBhvr>
+                                        <p:cTn id="6" dur="1" fill="hold">
+                                          <p:stCondLst>
+                                            <p:cond delay="0"/>
+                                          </p:stCondLst>
+                                        </p:cTn>
+                                        <p:tgtEl>
+                                          <p:spTgt spid="4"/>
+                                        </p:tgtEl>
+                                        <p:attrNameLst>
+                                          <p:attrName>style.visibility</p:attrName>
+                                        </p:attrNameLst>
+                                      </p:cBhvr>
+                                      <p:to>
+                                        <p:strVal val="visible"/>
+                                      </p:to>
+                                    </p:set>
+                                    <p:animEffect transition="in" filter="fade">
+                                      <p:cBhvr>
+                                        <p:cTn id="7" dur="1000"/>
+                                        <p:tgtEl>
+                                          <p:spTgt spid="4"/>
+                                        </p:tgtEl>
+                                      </p:cBhvr>
+                                    </p:animEffect>
+                                    <p:anim calcmode="lin" valueType="num">
+                                      <p:cBhvr>
+                                        <p:cTn id="8" dur="1000" fill="hold"/>
+                                        <p:tgtEl>
+                                          <p:spTgt spid="4"/>
+                                        </p:tgtEl>
+                                        <p:attrNameLst>
+                                          <p:attrName>ppt_x</p:attrName>
+                                        </p:attrNameLst>
+                                      </p:cBhvr>
+                                      <p:tavLst>
+                                        <p:tav tm="0">
+                                          <p:val>
+                                            <p:strVal val="#ppt_x"/>
+                                          </p:val>
+                                        </p:tav>
+                                        <p:tav tm="100000">
+                                          <p:val>
+                                            <p:strVal val="#ppt_x"/>
+                                          </p:val>
+                                        </p:tav>
+                                      </p:tavLst>
+                                    </p:anim>
+                                    <p:anim calcmode="lin" valueType="num">
+                                      <p:cBhvr>
+                                        <p:cTn id="9" dur="1000" fill="hold"/>
+                                        <p:tgtEl>
+                                          <p:spTgt spid="4"/>
+                                        </p:tgtEl>
+                                        <p:attrNameLst>
+                                          <p:attrName>ppt_y</p:attrName>
+                                        </p:attrNameLst>
+                                      </p:cBhvr>
+                                      <p:tavLst>
+                                        <p:tav tm="0">
+                                          <p:val>
+                                            <p:strVal val="#ppt_y+.1"/>
+                                          </p:val>
+                                        </p:tav>
+                                        <p:tav tm="100000">
+                                          <p:val>
+                                            <p:strVal val="#ppt_y"/>
+                                          </p:val>
+                                        </p:tav>
+                                      </p:tavLst>
+                                    </p:anim>
+                                  </p:childTnLst>
+                                </p:cTn>
+                              </p:par>
+                            </p:childTnLst>
+                          </p:cTn>
+                        </p:par>
+                      </p:childTnLst>
+                    </p:cTn>
+                  </p:par>
+                  <p:par>
+                    <p:cTn id="10" fill="hold">
+                      <p:stCondLst>
+                        <p:cond delay="indefinite"/>
+                      </p:stCondLst>
+                      <p:childTnLst>
+                        <p:par>
+                          <p:cTn id="11" fill="hold">
+                            <p:stCondLst>
+                              <p:cond delay="0"/>
+                            </p:stCondLst>
+                            <p:childTnLst>
+                              <p:par>
+                                <p:cTn id="12" presetID="42" presetClass="entr" presetSubtype="0" fill="hold" grpId="0" nodeType="clickEffect">
+                                  <p:stCondLst>
+                                    <p:cond delay="0"/>
+                                  </p:stCondLst>
+                                  <p:childTnLst>
+                                    <p:set>
+                                      <p:cBhvr>
+                                        <p:cTn id="13" dur="1" fill="hold">
+                                          <p:stCondLst>
+                                            <p:cond delay="0"/>
+                                          </p:stCondLst>
+                                        </p:cTn>
+                                        <p:tgtEl>
+                                          <p:spTgt spid="5"/>
+                                        </p:tgtEl>
+                                        <p:attrNameLst>
+                                          <p:attrName>style.visibility</p:attrName>
+                                        </p:attrNameLst>
+                                      </p:cBhvr>
+                                      <p:to>
+                                        <p:strVal val="visible"/>
+                                      </p:to>
+                                    </p:set>
+                                    <p:animEffect transition="in" filter="fade">
+                                      <p:cBhvr>
+                                        <p:cTn id="14" dur="1000"/>
+                                        <p:tgtEl>
+                                          <p:spTgt spid="5"/>
+                                        </p:tgtEl>
+                                      </p:cBhvr>
+                                    </p:animEffect>
+                                    <p:anim calcmode="lin" valueType="num">
+                                      <p:cBhvr>
+                                        <p:cTn id="15" dur="1000" fill="hold"/>
+                                        <p:tgtEl>
+                                          <p:spTgt spid="5"/>
+                                        </p:tgtEl>
+                                        <p:attrNameLst>
+                                          <p:attrName>ppt_x</p:attrName>
+                                        </p:attrNameLst>
+                                      </p:cBhvr>
+                                      <p:tavLst>
+                                        <p:tav tm="0">
+                                          <p:val>
+                                            <p:strVal val="#ppt_x"/>
+                                          </p:val>
+                                        </p:tav>
+                                        <p:tav tm="100000">
+                                          <p:val>
+                                            <p:strVal val="#ppt_x"/>
+                                          </p:val>
+                                        </p:tav>
+                                      </p:tavLst>
+                                    </p:anim>
+                                    <p:anim calcmode="lin" valueType="num">
+                                      <p:cBhvr>
+                                        <p:cTn id="16" dur="1000" fill="hold"/>
+                                        <p:tgtEl>
+                                          <p:spTgt spid="5"/>
+                                        </p:tgtEl>
+                                        <p:attrNameLst>
+                                          <p:attrName>ppt_y</p:attrName>
+                                        </p:attrNameLst>
+                                      </p:cBhvr>
+                                      <p:tavLst>
+                                        <p:tav tm="0">
+                                          <p:val>
+                                            <p:strVal val="#ppt_y+.1"/>
+                                          </p:val>
+                                        </p:tav>
+                                        <p:tav tm="100000">
+                                          <p:val>
+                                            <p:strVal val="#ppt_y"/>
+                                          </p:val>
+                                        </p:tav>
+                                      </p:tavLst>
+                                    </p:anim>
+                                  </p:childTnLst>
+                                </p:cTn>
+                              </p:par>
+                            </p:childTnLst>
+                          </p:cTn>
+                        </p:par>
+                      </p:childTnLst>
+                    </p:cTn>
+                  </p:par>
+                  <p:par>
+                    <p:cTn id="17" fill="hold">
+                      <p:stCondLst>
+                        <p:cond delay="indefinite"/>
+                      </p:stCondLst>
+                      <p:childTnLst>
+                        <p:par>
+                          <p:cTn id="18" fill="hold">
+                            <p:stCondLst>
+                              <p:cond delay="0"/>
+                            </p:stCondLst>
+                            <p:childTnLst>
+                              <p:par>
+                                <p:cTn id="19" presetID="42" presetClass="entr" presetSubtype="0" fill="hold" grpId="0" nodeType="clickEffect">
+                                  <p:stCondLst>
+                                    <p:cond delay="0"/>
+                                  </p:stCondLst>
+                                  <p:childTnLst>
+                                    <p:set>
+                                      <p:cBhvr>
+                                        <p:cTn id="20" dur="1" fill="hold">
+                                          <p:stCondLst>
+                                            <p:cond delay="0"/>
+                                          </p:stCondLst>
+                                        </p:cTn>
+                                        <p:tgtEl>
+                                          <p:spTgt spid="6"/>
+                                        </p:tgtEl>
+                                        <p:attrNameLst>
+                                          <p:attrName>style.visibility</p:attrName>
+                                        </p:attrNameLst>
+                                      </p:cBhvr>
+                                      <p:to>
+                                        <p:strVal val="visible"/>
+                                      </p:to>
+                                    </p:set>
+                                    <p:animEffect transition="in" filter="fade">
+                                      <p:cBhvr>
+                                        <p:cTn id="21" dur="1000"/>
+                                        <p:tgtEl>
+                                          <p:spTgt spid="6"/>
+                                        </p:tgtEl>
+                                      </p:cBhvr>
+                                    </p:animEffect>
+                                    <p:anim calcmode="lin" valueType="num">
+                                      <p:cBhvr>
+                                        <p:cTn id="22" dur="1000" fill="hold"/>
+                                        <p:tgtEl>
+                                          <p:spTgt spid="6"/>
+                                        </p:tgtEl>
+                                        <p:attrNameLst>
+                                          <p:attrName>ppt_x</p:attrName>
+                                        </p:attrNameLst>
+                                      </p:cBhvr>
+                                      <p:tavLst>
+                                        <p:tav tm="0">
+                                          <p:val>
+                                            <p:strVal val="#ppt_x"/>
+                                          </p:val>
+                                        </p:tav>
+                                        <p:tav tm="100000">
+                                          <p:val>
+                                            <p:strVal val="#ppt_x"/>
+                                          </p:val>
+                                        </p:tav>
+                                      </p:tavLst>
+                                    </p:anim>
+                                    <p:anim calcmode="lin" valueType="num">
+                                      <p:cBhvr>
+                                        <p:cTn id="23" dur="1000" fill="hold"/>
+                                        <p:tgtEl>
+                                          <p:spTgt spid="6"/>
+                                        </p:tgtEl>
+                                        <p:attrNameLst>
+                                          <p:attrName>ppt_y</p:attrName>
+                                        </p:attrNameLst>
+                                      </p:cBhvr>
+                                      <p:tavLst>
+                                        <p:tav tm="0">
+                                          <p:val>
+                                            <p:strVal val="#ppt_y+.1"/>
+                                          </p:val>
+                                        </p:tav>
+                                        <p:tav tm="100000">
+                                          <p:val>
+                                            <p:strVal val="#ppt_y"/>
+                                          </p:val>
+                                        </p:tav>
+                                      </p:tavLst>
+                                    </p:anim>
+                                  </p:childTnLst>
+                                </p:cTn>
+                              </p:par>
+                            </p:childTnLst>
+                          </p:cTn>
+                        </p:par>
+                      </p:childTnLst>
+                    </p:cTn>
+                  </p:par>
+                  <p:par>
+                    <p:cTn id="24" fill="hold">
+                      <p:stCondLst>
+                        <p:cond delay="indefinite"/>
+                      </p:stCondLst>
+                      <p:childTnLst>
+                        <p:par>
+                          <p:cTn id="25" fill="hold">
+                            <p:stCondLst>
+                              <p:cond delay="0"/>
+                            </p:stCondLst>
+                            <p:childTnLst>
+                              <p:par>
+                                <p:cTn id="26" presetID="42" presetClass="entr" presetSubtype="0" fill="hold" grpId="0" nodeType="clickEffect">
+                                  <p:stCondLst>
+                                    <p:cond delay="0"/>
+                                  </p:stCondLst>
+                                  <p:childTnLst>
+                                    <p:set>
+                                      <p:cBhvr>
+                                        <p:cTn id="27" dur="1" fill="hold">
+                                          <p:stCondLst>
+                                            <p:cond delay="0"/>
+                                          </p:stCondLst>
+                                        </p:cTn>
+                                        <p:tgtEl>
+                                          <p:spTgt spid="7"/>
+                                        </p:tgtEl>
+                                        <p:attrNameLst>
+                                          <p:attrName>style.visibility</p:attrName>
+                                        </p:attrNameLst>
+                                      </p:cBhvr>
+                                      <p:to>
+                                        <p:strVal val="visible"/>
+                                      </p:to>
+                                    </p:set>
+                                    <p:animEffect transition="in" filter="fade">
+                                      <p:cBhvr>
+                                        <p:cTn id="28" dur="1000"/>
+                                        <p:tgtEl>
+                                          <p:spTgt spid="7"/>
+                                        </p:tgtEl>
+                                      </p:cBhvr>
+                                    </p:animEffect>
+                                    <p:anim calcmode="lin" valueType="num">
+                                      <p:cBhvr>
+                                        <p:cTn id="29" dur="1000" fill="hold"/>
+                                        <p:tgtEl>
+                                          <p:spTgt spid="7"/>
+                                        </p:tgtEl>
+                                        <p:attrNameLst>
+                                          <p:attrName>ppt_x</p:attrName>
+                                        </p:attrNameLst>
+                                      </p:cBhvr>
+                                      <p:tavLst>
+                                        <p:tav tm="0">
+                                          <p:val>
+                                            <p:strVal val="#ppt_x"/>
+                                          </p:val>
+                                        </p:tav>
+                                        <p:tav tm="100000">
+                                          <p:val>
+                                            <p:strVal val="#ppt_x"/>
+                                          </p:val>
+                                        </p:tav>
+                                      </p:tavLst>
+                                    </p:anim>
+                                    <p:anim calcmode="lin" valueType="num">
+                                      <p:cBhvr>
+                                        <p:cTn id="30" dur="1000" fill="hold"/>
+                                        <p:tgtEl>
+                                          <p:spTgt spid="7"/>
+                                        </p:tgtEl>
+                                        <p:attrNameLst>
+                                          <p:attrName>ppt_y</p:attrName>
+                                        </p:attrNameLst>
+                                      </p:cBhvr>
+                                      <p:tavLst>
+                                        <p:tav tm="0">
+                                          <p:val>
+                                            <p:strVal val="#ppt_y+.1"/>
+                                          </p:val>
+                                        </p:tav>
+                                        <p:tav tm="100000">
+                                          <p:val>
+                                            <p:strVal val="#ppt_y"/>
+                                          </p:val>
+                                        </p:tav>
+                                      </p:tavLst>
+                                    </p:anim>
+                                  </p:childTnLst>
+                                </p:cTn>
+                              </p:par>
+                            </p:childTnLst>
+                          </p:cTn>
+                        </p:par>
+                      </p:childTnLst>
+                    </p:cTn>
+                  </p:par>
+                  <p:par>
+                    <p:cTn id="31" fill="hold">
+                      <p:stCondLst>
+                        <p:cond delay="indefinite"/>
+                      </p:stCondLst>
+                      <p:childTnLst>
+                        <p:par>
+                          <p:cTn id="32" fill="hold">
+                            <p:stCondLst>
+                              <p:cond delay="0"/>
+                            </p:stCondLst>
+                            <p:childTnLst>
+                              <p:par>
+                                <p:cTn id="33" presetID="42" presetClass="entr" presetSubtype="0" fill="hold" grpId="0" nodeType="clickEffect">
+                                  <p:stCondLst>
+                                    <p:cond delay="0"/>
+                                  </p:stCondLst>
+                                  <p:childTnLst>
+                                    <p:set>
+                                      <p:cBhvr>
+                                        <p:cTn id="34" dur="1" fill="hold">
+                                          <p:stCondLst>
+                                            <p:cond delay="0"/>
+                                          </p:stCondLst>
+                                        </p:cTn>
+                                        <p:tgtEl>
+                                          <p:spTgt spid="10"/>
+                                        </p:tgtEl>
+                                        <p:attrNameLst>
+                                          <p:attrName>style.visibility</p:attrName>
+                                        </p:attrNameLst>
+                                      </p:cBhvr>
+                                      <p:to>
+                                        <p:strVal val="visible"/>
+                                      </p:to>
+                                    </p:set>
+                                    <p:animEffect transition="in" filter="fade">
+                                      <p:cBhvr>
+                                        <p:cTn id="35" dur="1000"/>
+                                        <p:tgtEl>
+                                          <p:spTgt spid="10"/>
+                                        </p:tgtEl>
+                                      </p:cBhvr>
+                                    </p:animEffect>
+                                    <p:anim calcmode="lin" valueType="num">
+                                      <p:cBhvr>
+                                        <p:cTn id="36" dur="1000" fill="hold"/>
+                                        <p:tgtEl>
+                                          <p:spTgt spid="10"/>
+                                        </p:tgtEl>
+                                        <p:attrNameLst>
+                                          <p:attrName>ppt_x</p:attrName>
+                                        </p:attrNameLst>
+                                      </p:cBhvr>
+                                      <p:tavLst>
+                                        <p:tav tm="0">
+                                          <p:val>
+                                            <p:strVal val="#ppt_x"/>
+                                          </p:val>
+                                        </p:tav>
+                                        <p:tav tm="100000">
+                                          <p:val>
+                                            <p:strVal val="#ppt_x"/>
+                                          </p:val>
+                                        </p:tav>
+                                      </p:tavLst>
+                                    </p:anim>
+                                    <p:anim calcmode="lin" valueType="num">
+                                      <p:cBhvr>
+                                        <p:cTn id="37" dur="1000" fill="hold"/>
+                                        <p:tgtEl>
+                                          <p:spTgt spid="10"/>
+                                        </p:tgtEl>
+                                        <p:attrNameLst>
+                                          <p:attrName>ppt_y</p:attrName>
+                                        </p:attrNameLst>
+                                      </p:cBhvr>
+                                      <p:tavLst>
+                                        <p:tav tm="0">
+                                          <p:val>
+                                            <p:strVal val="#ppt_y+.1"/>
+                                          </p:val>
+                                        </p:tav>
+                                        <p:tav tm="100000">
+                                          <p:val>
+                                            <p:strVal val="#ppt_y"/>
+                                          </p:val>
+                                        </p:tav>
+                                      </p:tavLst>
+                                    </p:anim>
+                                  </p:childTnLst>
+                                </p:cTn>
+                              </p:par>
+                            </p:childTnLst>
+                          </p:cTn>
+                        </p:par>
+                      </p:childTnLst>
+                    </p:cTn>
+                  </p:par>
+                </p:childTnLst>
+              </p:cTn>
+              <p:prevCondLst>
+                <p:cond evt="onPrev" delay="0">
+                  <p:tgtEl>
+                    <p:sldTgt/>
+                  </p:tgtEl>
+                </p:cond>
+              </p:prevCondLst>
+              <p:nextCondLst>
+                <p:cond evt="onNext" delay="0">
+                  <p:tgtEl>
+                    <p:sldTgt/>
+                  </p:tgtEl>
+                </p:cond>
+              </p:nextCondLst>
+            </p:seq>
+          </p:childTnLst>
+        </p:cTn>
+      </p:par>
+    </p:tnLst>
+    <p:bldLst>
+      <p:bldP spid="4" grpId="0"/>
+      <p:bldP spid="5" grpId="0"/>
+      <p:bldP spid="6" grpId="0"/>
+      <p:bldP spid="7" grpId="0"/>
+      <p:bldP spid="10" grpId="0"/>
+    </p:bldLst>
+  </p:timing>
+</p:sld>
+</file>
+
+<file path=ppt/slides/slide8.xml><?xml version="1.0" encoding="utf-8"?>
 <p:sld xmlns:a="http://schemas.openxmlformats.org/drawingml/2006/main" xmlns:r="http://schemas.openxmlformats.org/officeDocument/2006/relationships" xmlns:p="http://schemas.openxmlformats.org/presentationml/2006/main">
   <p:cSld>
     <p:spTree>
@@ -11798,7 +15453,7 @@
 </p:sld>
 </file>
 
-<file path=ppt/slides/slide7.xml><?xml version="1.0" encoding="utf-8"?>
+<file path=ppt/slides/slide9.xml><?xml version="1.0" encoding="utf-8"?>
 <p:sld xmlns:a="http://schemas.openxmlformats.org/drawingml/2006/main" xmlns:r="http://schemas.openxmlformats.org/officeDocument/2006/relationships" xmlns:p="http://schemas.openxmlformats.org/presentationml/2006/main">
   <p:cSld>
     <p:spTree>
@@ -13168,2044 +16823,6 @@
 </p:sld>
 </file>
 
-<file path=ppt/slides/slide8.xml><?xml version="1.0" encoding="utf-8"?>
-<p:sld xmlns:a="http://schemas.openxmlformats.org/drawingml/2006/main" xmlns:r="http://schemas.openxmlformats.org/officeDocument/2006/relationships" xmlns:p="http://schemas.openxmlformats.org/presentationml/2006/main">
-  <p:cSld>
-    <p:spTree>
-      <p:nvGrpSpPr>
-        <p:cNvPr id="1" name=""/>
-        <p:cNvGrpSpPr/>
-        <p:nvPr/>
-      </p:nvGrpSpPr>
-      <p:grpSpPr>
-        <a:xfrm>
-          <a:off x="0" y="0"/>
-          <a:ext cx="0" cy="0"/>
-          <a:chOff x="0" y="0"/>
-          <a:chExt cx="0" cy="0"/>
-        </a:xfrm>
-      </p:grpSpPr>
-      <p:sp>
-        <p:nvSpPr>
-          <p:cNvPr id="3" name="文本框 2">
-            <a:extLst>
-              <a:ext uri="{FF2B5EF4-FFF2-40B4-BE49-F238E27FC236}">
-                <a16:creationId xmlns:a16="http://schemas.microsoft.com/office/drawing/2014/main" id="{8A20CE66-8755-4A91-990A-4E3AB8962B26}"/>
-              </a:ext>
-            </a:extLst>
-          </p:cNvPr>
-          <p:cNvSpPr txBox="1"/>
-          <p:nvPr/>
-        </p:nvSpPr>
-        <p:spPr>
-          <a:xfrm>
-            <a:off x="1010412" y="768096"/>
-            <a:ext cx="5536692" cy="461665"/>
-          </a:xfrm>
-          <a:prstGeom prst="rect">
-            <a:avLst/>
-          </a:prstGeom>
-          <a:noFill/>
-        </p:spPr>
-        <p:txBody>
-          <a:bodyPr wrap="square" rtlCol="0">
-            <a:spAutoFit/>
-          </a:bodyPr>
-          <a:lstStyle/>
-          <a:p>
-            <a:r>
-              <a:rPr lang="en-US" altLang="zh-CN" sz="2400" b="1" dirty="0"/>
-              <a:t>LeetCode-15</a:t>
-            </a:r>
-            <a:r>
-              <a:rPr lang="zh-CN" altLang="en-US" sz="2400" b="1" dirty="0"/>
-              <a:t>：</a:t>
-            </a:r>
-            <a:r>
-              <a:rPr lang="en-US" altLang="zh-CN" sz="2400" b="1" dirty="0"/>
-              <a:t>three-sum/</a:t>
-            </a:r>
-            <a:r>
-              <a:rPr lang="zh-CN" altLang="en-US" sz="2400" b="1" dirty="0"/>
-              <a:t>三数之和</a:t>
-            </a:r>
-          </a:p>
-        </p:txBody>
-      </p:sp>
-      <p:sp>
-        <p:nvSpPr>
-          <p:cNvPr id="4" name="文本框 3">
-            <a:extLst>
-              <a:ext uri="{FF2B5EF4-FFF2-40B4-BE49-F238E27FC236}">
-                <a16:creationId xmlns:a16="http://schemas.microsoft.com/office/drawing/2014/main" id="{85C8D245-0247-47A9-A654-011726B8BEDD}"/>
-              </a:ext>
-            </a:extLst>
-          </p:cNvPr>
-          <p:cNvSpPr txBox="1"/>
-          <p:nvPr/>
-        </p:nvSpPr>
-        <p:spPr>
-          <a:xfrm>
-            <a:off x="1984248" y="1474502"/>
-            <a:ext cx="7256486" cy="4524315"/>
-          </a:xfrm>
-          <a:prstGeom prst="rect">
-            <a:avLst/>
-          </a:prstGeom>
-          <a:noFill/>
-        </p:spPr>
-        <p:txBody>
-          <a:bodyPr wrap="square" rtlCol="0">
-            <a:spAutoFit/>
-          </a:bodyPr>
-          <a:lstStyle/>
-          <a:p>
-            <a:r>
-              <a:rPr lang="en-US" altLang="zh-CN" sz="1600" dirty="0">
-                <a:latin typeface="Consolas" panose="020B0609020204030204" pitchFamily="49" charset="0"/>
-              </a:rPr>
-              <a:t>/**</a:t>
-            </a:r>
-          </a:p>
-          <a:p>
-            <a:r>
-              <a:rPr lang="en-US" altLang="zh-CN" sz="1600" dirty="0">
-                <a:latin typeface="Consolas" panose="020B0609020204030204" pitchFamily="49" charset="0"/>
-              </a:rPr>
-              <a:t> * @param {number[]} </a:t>
-            </a:r>
-            <a:r>
-              <a:rPr lang="en-US" altLang="zh-CN" sz="1600" dirty="0" err="1">
-                <a:latin typeface="Consolas" panose="020B0609020204030204" pitchFamily="49" charset="0"/>
-              </a:rPr>
-              <a:t>nums</a:t>
-            </a:r>
-            <a:endParaRPr lang="en-US" altLang="zh-CN" sz="1600" dirty="0">
-              <a:latin typeface="Consolas" panose="020B0609020204030204" pitchFamily="49" charset="0"/>
-            </a:endParaRPr>
-          </a:p>
-          <a:p>
-            <a:r>
-              <a:rPr lang="en-US" altLang="zh-CN" sz="1600" dirty="0">
-                <a:latin typeface="Consolas" panose="020B0609020204030204" pitchFamily="49" charset="0"/>
-              </a:rPr>
-              <a:t> * @return {number[][]}</a:t>
-            </a:r>
-          </a:p>
-          <a:p>
-            <a:r>
-              <a:rPr lang="en-US" altLang="zh-CN" sz="1600" dirty="0">
-                <a:latin typeface="Consolas" panose="020B0609020204030204" pitchFamily="49" charset="0"/>
-              </a:rPr>
-              <a:t> */</a:t>
-            </a:r>
-          </a:p>
-          <a:p>
-            <a:r>
-              <a:rPr lang="en-US" altLang="zh-CN" sz="1600" dirty="0">
-                <a:latin typeface="Consolas" panose="020B0609020204030204" pitchFamily="49" charset="0"/>
-              </a:rPr>
-              <a:t>const </a:t>
-            </a:r>
-            <a:r>
-              <a:rPr lang="en-US" altLang="zh-CN" sz="1600" dirty="0" err="1">
-                <a:latin typeface="Consolas" panose="020B0609020204030204" pitchFamily="49" charset="0"/>
-              </a:rPr>
-              <a:t>threeSum</a:t>
-            </a:r>
-            <a:r>
-              <a:rPr lang="en-US" altLang="zh-CN" sz="1600" dirty="0">
-                <a:latin typeface="Consolas" panose="020B0609020204030204" pitchFamily="49" charset="0"/>
-              </a:rPr>
-              <a:t> = function(</a:t>
-            </a:r>
-            <a:r>
-              <a:rPr lang="en-US" altLang="zh-CN" sz="1600" dirty="0" err="1">
-                <a:latin typeface="Consolas" panose="020B0609020204030204" pitchFamily="49" charset="0"/>
-              </a:rPr>
-              <a:t>nums</a:t>
-            </a:r>
-            <a:r>
-              <a:rPr lang="en-US" altLang="zh-CN" sz="1600" dirty="0">
-                <a:latin typeface="Consolas" panose="020B0609020204030204" pitchFamily="49" charset="0"/>
-              </a:rPr>
-              <a:t>) {</a:t>
-            </a:r>
-          </a:p>
-          <a:p>
-            <a:r>
-              <a:rPr lang="en-US" altLang="zh-CN" sz="1600" dirty="0">
-                <a:latin typeface="Consolas" panose="020B0609020204030204" pitchFamily="49" charset="0"/>
-              </a:rPr>
-              <a:t>    </a:t>
-            </a:r>
-            <a:r>
-              <a:rPr lang="en-US" altLang="zh-CN" sz="1600" dirty="0" err="1">
-                <a:latin typeface="Consolas" panose="020B0609020204030204" pitchFamily="49" charset="0"/>
-              </a:rPr>
-              <a:t>nums.sort</a:t>
-            </a:r>
-            <a:r>
-              <a:rPr lang="en-US" altLang="zh-CN" sz="1600" dirty="0">
-                <a:latin typeface="Consolas" panose="020B0609020204030204" pitchFamily="49" charset="0"/>
-              </a:rPr>
-              <a:t>((a, b) =&gt; a - b);</a:t>
-            </a:r>
-          </a:p>
-          <a:p>
-            <a:r>
-              <a:rPr lang="en-US" altLang="zh-CN" sz="1600" dirty="0">
-                <a:latin typeface="Consolas" panose="020B0609020204030204" pitchFamily="49" charset="0"/>
-              </a:rPr>
-              <a:t>    let </a:t>
-            </a:r>
-            <a:r>
-              <a:rPr lang="en-US" altLang="zh-CN" sz="1600" dirty="0" err="1">
-                <a:latin typeface="Consolas" panose="020B0609020204030204" pitchFamily="49" charset="0"/>
-              </a:rPr>
-              <a:t>ans</a:t>
-            </a:r>
-            <a:r>
-              <a:rPr lang="en-US" altLang="zh-CN" sz="1600" dirty="0">
-                <a:latin typeface="Consolas" panose="020B0609020204030204" pitchFamily="49" charset="0"/>
-              </a:rPr>
-              <a:t> = [];</a:t>
-            </a:r>
-          </a:p>
-          <a:p>
-            <a:r>
-              <a:rPr lang="en-US" altLang="zh-CN" sz="1600" dirty="0">
-                <a:latin typeface="Consolas" panose="020B0609020204030204" pitchFamily="49" charset="0"/>
-              </a:rPr>
-              <a:t>    for (let </a:t>
-            </a:r>
-            <a:r>
-              <a:rPr lang="en-US" altLang="zh-CN" sz="1600" dirty="0" err="1">
-                <a:latin typeface="Consolas" panose="020B0609020204030204" pitchFamily="49" charset="0"/>
-              </a:rPr>
-              <a:t>i</a:t>
-            </a:r>
-            <a:r>
-              <a:rPr lang="en-US" altLang="zh-CN" sz="1600" dirty="0">
-                <a:latin typeface="Consolas" panose="020B0609020204030204" pitchFamily="49" charset="0"/>
-              </a:rPr>
-              <a:t> = 0; </a:t>
-            </a:r>
-            <a:r>
-              <a:rPr lang="en-US" altLang="zh-CN" sz="1600" dirty="0" err="1">
-                <a:latin typeface="Consolas" panose="020B0609020204030204" pitchFamily="49" charset="0"/>
-              </a:rPr>
-              <a:t>i</a:t>
-            </a:r>
-            <a:r>
-              <a:rPr lang="en-US" altLang="zh-CN" sz="1600" dirty="0">
-                <a:latin typeface="Consolas" panose="020B0609020204030204" pitchFamily="49" charset="0"/>
-              </a:rPr>
-              <a:t> &lt; </a:t>
-            </a:r>
-            <a:r>
-              <a:rPr lang="en-US" altLang="zh-CN" sz="1600" dirty="0" err="1">
-                <a:latin typeface="Consolas" panose="020B0609020204030204" pitchFamily="49" charset="0"/>
-              </a:rPr>
-              <a:t>nums.length</a:t>
-            </a:r>
-            <a:r>
-              <a:rPr lang="en-US" altLang="zh-CN" sz="1600" dirty="0">
-                <a:latin typeface="Consolas" panose="020B0609020204030204" pitchFamily="49" charset="0"/>
-              </a:rPr>
-              <a:t>; </a:t>
-            </a:r>
-            <a:r>
-              <a:rPr lang="en-US" altLang="zh-CN" sz="1600" dirty="0" err="1">
-                <a:latin typeface="Consolas" panose="020B0609020204030204" pitchFamily="49" charset="0"/>
-              </a:rPr>
-              <a:t>i</a:t>
-            </a:r>
-            <a:r>
-              <a:rPr lang="en-US" altLang="zh-CN" sz="1600" dirty="0">
-                <a:latin typeface="Consolas" panose="020B0609020204030204" pitchFamily="49" charset="0"/>
-              </a:rPr>
-              <a:t>++) {</a:t>
-            </a:r>
-          </a:p>
-          <a:p>
-            <a:r>
-              <a:rPr lang="en-US" altLang="zh-CN" sz="1600" dirty="0">
-                <a:latin typeface="Consolas" panose="020B0609020204030204" pitchFamily="49" charset="0"/>
-              </a:rPr>
-              <a:t>        let c = </a:t>
-            </a:r>
-            <a:r>
-              <a:rPr lang="en-US" altLang="zh-CN" sz="1600" dirty="0" err="1">
-                <a:latin typeface="Consolas" panose="020B0609020204030204" pitchFamily="49" charset="0"/>
-              </a:rPr>
-              <a:t>nums</a:t>
-            </a:r>
-            <a:r>
-              <a:rPr lang="en-US" altLang="zh-CN" sz="1600" dirty="0">
-                <a:latin typeface="Consolas" panose="020B0609020204030204" pitchFamily="49" charset="0"/>
-              </a:rPr>
-              <a:t>[</a:t>
-            </a:r>
-            <a:r>
-              <a:rPr lang="en-US" altLang="zh-CN" sz="1600" dirty="0" err="1">
-                <a:latin typeface="Consolas" panose="020B0609020204030204" pitchFamily="49" charset="0"/>
-              </a:rPr>
-              <a:t>i</a:t>
-            </a:r>
-            <a:r>
-              <a:rPr lang="en-US" altLang="zh-CN" sz="1600" dirty="0">
-                <a:latin typeface="Consolas" panose="020B0609020204030204" pitchFamily="49" charset="0"/>
-              </a:rPr>
-              <a:t>], target = -c;</a:t>
-            </a:r>
-          </a:p>
-          <a:p>
-            <a:r>
-              <a:rPr lang="en-US" altLang="zh-CN" sz="1600" dirty="0">
-                <a:latin typeface="Consolas" panose="020B0609020204030204" pitchFamily="49" charset="0"/>
-              </a:rPr>
-              <a:t>        for (let j = </a:t>
-            </a:r>
-            <a:r>
-              <a:rPr lang="en-US" altLang="zh-CN" sz="1600" dirty="0" err="1">
-                <a:latin typeface="Consolas" panose="020B0609020204030204" pitchFamily="49" charset="0"/>
-              </a:rPr>
-              <a:t>i</a:t>
-            </a:r>
-            <a:r>
-              <a:rPr lang="en-US" altLang="zh-CN" sz="1600" dirty="0">
-                <a:latin typeface="Consolas" panose="020B0609020204030204" pitchFamily="49" charset="0"/>
-              </a:rPr>
-              <a:t> + 1, k = </a:t>
-            </a:r>
-            <a:r>
-              <a:rPr lang="en-US" altLang="zh-CN" sz="1600" dirty="0" err="1">
-                <a:latin typeface="Consolas" panose="020B0609020204030204" pitchFamily="49" charset="0"/>
-              </a:rPr>
-              <a:t>nums.length</a:t>
-            </a:r>
-            <a:r>
-              <a:rPr lang="en-US" altLang="zh-CN" sz="1600" dirty="0">
-                <a:latin typeface="Consolas" panose="020B0609020204030204" pitchFamily="49" charset="0"/>
-              </a:rPr>
-              <a:t> - 1; j &lt; k; </a:t>
-            </a:r>
-            <a:r>
-              <a:rPr lang="en-US" altLang="zh-CN" sz="1600" dirty="0" err="1">
-                <a:latin typeface="Consolas" panose="020B0609020204030204" pitchFamily="49" charset="0"/>
-              </a:rPr>
-              <a:t>j++</a:t>
-            </a:r>
-            <a:r>
-              <a:rPr lang="en-US" altLang="zh-CN" sz="1600" dirty="0">
-                <a:latin typeface="Consolas" panose="020B0609020204030204" pitchFamily="49" charset="0"/>
-              </a:rPr>
-              <a:t>) {</a:t>
-            </a:r>
-          </a:p>
-          <a:p>
-            <a:r>
-              <a:rPr lang="en-US" altLang="zh-CN" sz="1600" dirty="0">
-                <a:latin typeface="Consolas" panose="020B0609020204030204" pitchFamily="49" charset="0"/>
-              </a:rPr>
-              <a:t>            while (j &lt; k &amp;&amp; </a:t>
-            </a:r>
-            <a:r>
-              <a:rPr lang="en-US" altLang="zh-CN" sz="1600" dirty="0" err="1">
-                <a:latin typeface="Consolas" panose="020B0609020204030204" pitchFamily="49" charset="0"/>
-              </a:rPr>
-              <a:t>nums</a:t>
-            </a:r>
-            <a:r>
-              <a:rPr lang="en-US" altLang="zh-CN" sz="1600" dirty="0">
-                <a:latin typeface="Consolas" panose="020B0609020204030204" pitchFamily="49" charset="0"/>
-              </a:rPr>
-              <a:t>[j] + </a:t>
-            </a:r>
-            <a:r>
-              <a:rPr lang="en-US" altLang="zh-CN" sz="1600" dirty="0" err="1">
-                <a:latin typeface="Consolas" panose="020B0609020204030204" pitchFamily="49" charset="0"/>
-              </a:rPr>
-              <a:t>nums</a:t>
-            </a:r>
-            <a:r>
-              <a:rPr lang="en-US" altLang="zh-CN" sz="1600" dirty="0">
-                <a:latin typeface="Consolas" panose="020B0609020204030204" pitchFamily="49" charset="0"/>
-              </a:rPr>
-              <a:t>[k] &gt; target) k--;</a:t>
-            </a:r>
-          </a:p>
-          <a:p>
-            <a:r>
-              <a:rPr lang="en-US" altLang="zh-CN" sz="1600" dirty="0">
-                <a:latin typeface="Consolas" panose="020B0609020204030204" pitchFamily="49" charset="0"/>
-              </a:rPr>
-              <a:t>            if (j &lt; k &amp;&amp; </a:t>
-            </a:r>
-            <a:r>
-              <a:rPr lang="en-US" altLang="zh-CN" sz="1600" dirty="0" err="1">
-                <a:latin typeface="Consolas" panose="020B0609020204030204" pitchFamily="49" charset="0"/>
-              </a:rPr>
-              <a:t>nums</a:t>
-            </a:r>
-            <a:r>
-              <a:rPr lang="en-US" altLang="zh-CN" sz="1600" dirty="0">
-                <a:latin typeface="Consolas" panose="020B0609020204030204" pitchFamily="49" charset="0"/>
-              </a:rPr>
-              <a:t>[j] + </a:t>
-            </a:r>
-            <a:r>
-              <a:rPr lang="en-US" altLang="zh-CN" sz="1600" dirty="0" err="1">
-                <a:latin typeface="Consolas" panose="020B0609020204030204" pitchFamily="49" charset="0"/>
-              </a:rPr>
-              <a:t>nums</a:t>
-            </a:r>
-            <a:r>
-              <a:rPr lang="en-US" altLang="zh-CN" sz="1600" dirty="0">
-                <a:latin typeface="Consolas" panose="020B0609020204030204" pitchFamily="49" charset="0"/>
-              </a:rPr>
-              <a:t>[k] == target) {</a:t>
-            </a:r>
-          </a:p>
-          <a:p>
-            <a:r>
-              <a:rPr lang="en-US" altLang="zh-CN" sz="1600" dirty="0">
-                <a:latin typeface="Consolas" panose="020B0609020204030204" pitchFamily="49" charset="0"/>
-              </a:rPr>
-              <a:t>                </a:t>
-            </a:r>
-            <a:r>
-              <a:rPr lang="en-US" altLang="zh-CN" sz="1600" dirty="0" err="1">
-                <a:latin typeface="Consolas" panose="020B0609020204030204" pitchFamily="49" charset="0"/>
-              </a:rPr>
-              <a:t>ans.push</a:t>
-            </a:r>
-            <a:r>
-              <a:rPr lang="en-US" altLang="zh-CN" sz="1600" dirty="0">
-                <a:latin typeface="Consolas" panose="020B0609020204030204" pitchFamily="49" charset="0"/>
-              </a:rPr>
-              <a:t>([</a:t>
-            </a:r>
-            <a:r>
-              <a:rPr lang="en-US" altLang="zh-CN" sz="1600" dirty="0" err="1">
-                <a:latin typeface="Consolas" panose="020B0609020204030204" pitchFamily="49" charset="0"/>
-              </a:rPr>
-              <a:t>nums</a:t>
-            </a:r>
-            <a:r>
-              <a:rPr lang="en-US" altLang="zh-CN" sz="1600" dirty="0">
-                <a:latin typeface="Consolas" panose="020B0609020204030204" pitchFamily="49" charset="0"/>
-              </a:rPr>
-              <a:t>[</a:t>
-            </a:r>
-            <a:r>
-              <a:rPr lang="en-US" altLang="zh-CN" sz="1600" dirty="0" err="1">
-                <a:latin typeface="Consolas" panose="020B0609020204030204" pitchFamily="49" charset="0"/>
-              </a:rPr>
-              <a:t>i</a:t>
-            </a:r>
-            <a:r>
-              <a:rPr lang="en-US" altLang="zh-CN" sz="1600" dirty="0">
-                <a:latin typeface="Consolas" panose="020B0609020204030204" pitchFamily="49" charset="0"/>
-              </a:rPr>
-              <a:t>], </a:t>
-            </a:r>
-            <a:r>
-              <a:rPr lang="en-US" altLang="zh-CN" sz="1600" dirty="0" err="1">
-                <a:latin typeface="Consolas" panose="020B0609020204030204" pitchFamily="49" charset="0"/>
-              </a:rPr>
-              <a:t>nums</a:t>
-            </a:r>
-            <a:r>
-              <a:rPr lang="en-US" altLang="zh-CN" sz="1600" dirty="0">
-                <a:latin typeface="Consolas" panose="020B0609020204030204" pitchFamily="49" charset="0"/>
-              </a:rPr>
-              <a:t>[j], </a:t>
-            </a:r>
-            <a:r>
-              <a:rPr lang="en-US" altLang="zh-CN" sz="1600" dirty="0" err="1">
-                <a:latin typeface="Consolas" panose="020B0609020204030204" pitchFamily="49" charset="0"/>
-              </a:rPr>
-              <a:t>nums</a:t>
-            </a:r>
-            <a:r>
-              <a:rPr lang="en-US" altLang="zh-CN" sz="1600" dirty="0">
-                <a:latin typeface="Consolas" panose="020B0609020204030204" pitchFamily="49" charset="0"/>
-              </a:rPr>
-              <a:t>[k]]);</a:t>
-            </a:r>
-          </a:p>
-          <a:p>
-            <a:r>
-              <a:rPr lang="en-US" altLang="zh-CN" sz="1600" dirty="0">
-                <a:latin typeface="Consolas" panose="020B0609020204030204" pitchFamily="49" charset="0"/>
-              </a:rPr>
-              <a:t>            }</a:t>
-            </a:r>
-          </a:p>
-          <a:p>
-            <a:r>
-              <a:rPr lang="en-US" altLang="zh-CN" sz="1600" dirty="0">
-                <a:latin typeface="Consolas" panose="020B0609020204030204" pitchFamily="49" charset="0"/>
-              </a:rPr>
-              <a:t>        }</a:t>
-            </a:r>
-          </a:p>
-          <a:p>
-            <a:r>
-              <a:rPr lang="en-US" altLang="zh-CN" sz="1600" dirty="0">
-                <a:latin typeface="Consolas" panose="020B0609020204030204" pitchFamily="49" charset="0"/>
-              </a:rPr>
-              <a:t>    }</a:t>
-            </a:r>
-          </a:p>
-          <a:p>
-            <a:r>
-              <a:rPr lang="en-US" altLang="zh-CN" sz="1600" dirty="0">
-                <a:latin typeface="Consolas" panose="020B0609020204030204" pitchFamily="49" charset="0"/>
-              </a:rPr>
-              <a:t>    return </a:t>
-            </a:r>
-            <a:r>
-              <a:rPr lang="en-US" altLang="zh-CN" sz="1600" dirty="0" err="1">
-                <a:latin typeface="Consolas" panose="020B0609020204030204" pitchFamily="49" charset="0"/>
-              </a:rPr>
-              <a:t>ans</a:t>
-            </a:r>
-            <a:r>
-              <a:rPr lang="en-US" altLang="zh-CN" sz="1600" dirty="0">
-                <a:latin typeface="Consolas" panose="020B0609020204030204" pitchFamily="49" charset="0"/>
-              </a:rPr>
-              <a:t>;</a:t>
-            </a:r>
-          </a:p>
-          <a:p>
-            <a:r>
-              <a:rPr lang="en-US" altLang="zh-CN" sz="1600" dirty="0">
-                <a:latin typeface="Consolas" panose="020B0609020204030204" pitchFamily="49" charset="0"/>
-              </a:rPr>
-              <a:t>};</a:t>
-            </a:r>
-            <a:endParaRPr lang="zh-CN" altLang="en-US" sz="1600" dirty="0">
-              <a:latin typeface="Consolas" panose="020B0609020204030204" pitchFamily="49" charset="0"/>
-            </a:endParaRPr>
-          </a:p>
-        </p:txBody>
-      </p:sp>
-    </p:spTree>
-    <p:extLst>
-      <p:ext uri="{BB962C8B-B14F-4D97-AF65-F5344CB8AC3E}">
-        <p14:creationId xmlns:p14="http://schemas.microsoft.com/office/powerpoint/2010/main" val="3513198491"/>
-      </p:ext>
-    </p:extLst>
-  </p:cSld>
-  <p:clrMapOvr>
-    <a:masterClrMapping/>
-  </p:clrMapOvr>
-  <p:timing>
-    <p:tnLst>
-      <p:par>
-        <p:cTn id="1" dur="indefinite" restart="never" nodeType="tmRoot">
-          <p:childTnLst>
-            <p:seq concurrent="1" nextAc="seek">
-              <p:cTn id="2" dur="indefinite" nodeType="mainSeq">
-                <p:childTnLst>
-                  <p:par>
-                    <p:cTn id="3" fill="hold">
-                      <p:stCondLst>
-                        <p:cond delay="indefinite"/>
-                      </p:stCondLst>
-                      <p:childTnLst>
-                        <p:par>
-                          <p:cTn id="4" fill="hold">
-                            <p:stCondLst>
-                              <p:cond delay="0"/>
-                            </p:stCondLst>
-                            <p:childTnLst>
-                              <p:par>
-                                <p:cTn id="5" presetID="42" presetClass="entr" presetSubtype="0" fill="hold" grpId="0" nodeType="clickEffect">
-                                  <p:stCondLst>
-                                    <p:cond delay="0"/>
-                                  </p:stCondLst>
-                                  <p:childTnLst>
-                                    <p:set>
-                                      <p:cBhvr>
-                                        <p:cTn id="6" dur="1" fill="hold">
-                                          <p:stCondLst>
-                                            <p:cond delay="0"/>
-                                          </p:stCondLst>
-                                        </p:cTn>
-                                        <p:tgtEl>
-                                          <p:spTgt spid="4"/>
-                                        </p:tgtEl>
-                                        <p:attrNameLst>
-                                          <p:attrName>style.visibility</p:attrName>
-                                        </p:attrNameLst>
-                                      </p:cBhvr>
-                                      <p:to>
-                                        <p:strVal val="visible"/>
-                                      </p:to>
-                                    </p:set>
-                                    <p:animEffect transition="in" filter="fade">
-                                      <p:cBhvr>
-                                        <p:cTn id="7" dur="1000"/>
-                                        <p:tgtEl>
-                                          <p:spTgt spid="4"/>
-                                        </p:tgtEl>
-                                      </p:cBhvr>
-                                    </p:animEffect>
-                                    <p:anim calcmode="lin" valueType="num">
-                                      <p:cBhvr>
-                                        <p:cTn id="8" dur="1000" fill="hold"/>
-                                        <p:tgtEl>
-                                          <p:spTgt spid="4"/>
-                                        </p:tgtEl>
-                                        <p:attrNameLst>
-                                          <p:attrName>ppt_x</p:attrName>
-                                        </p:attrNameLst>
-                                      </p:cBhvr>
-                                      <p:tavLst>
-                                        <p:tav tm="0">
-                                          <p:val>
-                                            <p:strVal val="#ppt_x"/>
-                                          </p:val>
-                                        </p:tav>
-                                        <p:tav tm="100000">
-                                          <p:val>
-                                            <p:strVal val="#ppt_x"/>
-                                          </p:val>
-                                        </p:tav>
-                                      </p:tavLst>
-                                    </p:anim>
-                                    <p:anim calcmode="lin" valueType="num">
-                                      <p:cBhvr>
-                                        <p:cTn id="9" dur="1000" fill="hold"/>
-                                        <p:tgtEl>
-                                          <p:spTgt spid="4"/>
-                                        </p:tgtEl>
-                                        <p:attrNameLst>
-                                          <p:attrName>ppt_y</p:attrName>
-                                        </p:attrNameLst>
-                                      </p:cBhvr>
-                                      <p:tavLst>
-                                        <p:tav tm="0">
-                                          <p:val>
-                                            <p:strVal val="#ppt_y+.1"/>
-                                          </p:val>
-                                        </p:tav>
-                                        <p:tav tm="100000">
-                                          <p:val>
-                                            <p:strVal val="#ppt_y"/>
-                                          </p:val>
-                                        </p:tav>
-                                      </p:tavLst>
-                                    </p:anim>
-                                  </p:childTnLst>
-                                </p:cTn>
-                              </p:par>
-                            </p:childTnLst>
-                          </p:cTn>
-                        </p:par>
-                      </p:childTnLst>
-                    </p:cTn>
-                  </p:par>
-                </p:childTnLst>
-              </p:cTn>
-              <p:prevCondLst>
-                <p:cond evt="onPrev" delay="0">
-                  <p:tgtEl>
-                    <p:sldTgt/>
-                  </p:tgtEl>
-                </p:cond>
-              </p:prevCondLst>
-              <p:nextCondLst>
-                <p:cond evt="onNext" delay="0">
-                  <p:tgtEl>
-                    <p:sldTgt/>
-                  </p:tgtEl>
-                </p:cond>
-              </p:nextCondLst>
-            </p:seq>
-          </p:childTnLst>
-        </p:cTn>
-      </p:par>
-    </p:tnLst>
-    <p:bldLst>
-      <p:bldP spid="4" grpId="0"/>
-    </p:bldLst>
-  </p:timing>
-</p:sld>
-</file>
-
-<file path=ppt/slides/slide9.xml><?xml version="1.0" encoding="utf-8"?>
-<p:sld xmlns:a="http://schemas.openxmlformats.org/drawingml/2006/main" xmlns:r="http://schemas.openxmlformats.org/officeDocument/2006/relationships" xmlns:p="http://schemas.openxmlformats.org/presentationml/2006/main">
-  <p:cSld>
-    <p:spTree>
-      <p:nvGrpSpPr>
-        <p:cNvPr id="1" name=""/>
-        <p:cNvGrpSpPr/>
-        <p:nvPr/>
-      </p:nvGrpSpPr>
-      <p:grpSpPr>
-        <a:xfrm>
-          <a:off x="0" y="0"/>
-          <a:ext cx="0" cy="0"/>
-          <a:chOff x="0" y="0"/>
-          <a:chExt cx="0" cy="0"/>
-        </a:xfrm>
-      </p:grpSpPr>
-      <p:sp>
-        <p:nvSpPr>
-          <p:cNvPr id="3" name="文本框 2">
-            <a:extLst>
-              <a:ext uri="{FF2B5EF4-FFF2-40B4-BE49-F238E27FC236}">
-                <a16:creationId xmlns:a16="http://schemas.microsoft.com/office/drawing/2014/main" id="{21986B5A-BD5F-4EB4-A858-02215CE673B3}"/>
-              </a:ext>
-            </a:extLst>
-          </p:cNvPr>
-          <p:cNvSpPr txBox="1"/>
-          <p:nvPr/>
-        </p:nvSpPr>
-        <p:spPr>
-          <a:xfrm>
-            <a:off x="1010412" y="768096"/>
-            <a:ext cx="5536692" cy="461665"/>
-          </a:xfrm>
-          <a:prstGeom prst="rect">
-            <a:avLst/>
-          </a:prstGeom>
-          <a:noFill/>
-        </p:spPr>
-        <p:txBody>
-          <a:bodyPr wrap="square" rtlCol="0">
-            <a:spAutoFit/>
-          </a:bodyPr>
-          <a:lstStyle/>
-          <a:p>
-            <a:r>
-              <a:rPr lang="en-US" altLang="zh-CN" sz="2400" b="1" dirty="0"/>
-              <a:t>LeetCode-15</a:t>
-            </a:r>
-            <a:r>
-              <a:rPr lang="zh-CN" altLang="en-US" sz="2400" b="1" dirty="0"/>
-              <a:t>：</a:t>
-            </a:r>
-            <a:r>
-              <a:rPr lang="en-US" altLang="zh-CN" sz="2400" b="1" dirty="0"/>
-              <a:t>three-sum/</a:t>
-            </a:r>
-            <a:r>
-              <a:rPr lang="zh-CN" altLang="en-US" sz="2400" b="1" dirty="0"/>
-              <a:t>三数之和</a:t>
-            </a:r>
-          </a:p>
-        </p:txBody>
-      </p:sp>
-      <p:sp>
-        <p:nvSpPr>
-          <p:cNvPr id="4" name="文本框 3">
-            <a:extLst>
-              <a:ext uri="{FF2B5EF4-FFF2-40B4-BE49-F238E27FC236}">
-                <a16:creationId xmlns:a16="http://schemas.microsoft.com/office/drawing/2014/main" id="{3BFCCF44-353D-468D-9803-B5E3DEB09ABB}"/>
-              </a:ext>
-            </a:extLst>
-          </p:cNvPr>
-          <p:cNvSpPr txBox="1"/>
-          <p:nvPr/>
-        </p:nvSpPr>
-        <p:spPr>
-          <a:xfrm>
-            <a:off x="2001612" y="2002046"/>
-            <a:ext cx="2881284" cy="338554"/>
-          </a:xfrm>
-          <a:prstGeom prst="rect">
-            <a:avLst/>
-          </a:prstGeom>
-          <a:noFill/>
-        </p:spPr>
-        <p:txBody>
-          <a:bodyPr wrap="square" rtlCol="0">
-            <a:spAutoFit/>
-          </a:bodyPr>
-          <a:lstStyle/>
-          <a:p>
-            <a:r>
-              <a:rPr lang="en-US" altLang="zh-CN" sz="1600" dirty="0">
-                <a:latin typeface="Consolas" panose="020B0609020204030204" pitchFamily="49" charset="0"/>
-              </a:rPr>
-              <a:t>[-4, -1, -1, 0, 1, 2]</a:t>
-            </a:r>
-          </a:p>
-        </p:txBody>
-      </p:sp>
-      <p:sp>
-        <p:nvSpPr>
-          <p:cNvPr id="5" name="文本框 4">
-            <a:extLst>
-              <a:ext uri="{FF2B5EF4-FFF2-40B4-BE49-F238E27FC236}">
-                <a16:creationId xmlns:a16="http://schemas.microsoft.com/office/drawing/2014/main" id="{794D095D-8270-40F9-8544-809B8D5E6A29}"/>
-              </a:ext>
-            </a:extLst>
-          </p:cNvPr>
-          <p:cNvSpPr txBox="1"/>
-          <p:nvPr/>
-        </p:nvSpPr>
-        <p:spPr>
-          <a:xfrm>
-            <a:off x="1550508" y="3551910"/>
-            <a:ext cx="9090984" cy="338554"/>
-          </a:xfrm>
-          <a:prstGeom prst="rect">
-            <a:avLst/>
-          </a:prstGeom>
-          <a:noFill/>
-        </p:spPr>
-        <p:txBody>
-          <a:bodyPr wrap="square" rtlCol="0">
-            <a:spAutoFit/>
-          </a:bodyPr>
-          <a:lstStyle/>
-          <a:p>
-            <a:r>
-              <a:rPr lang="zh-CN" altLang="en-US" sz="1600" dirty="0">
-                <a:latin typeface="Consolas" panose="020B0609020204030204" pitchFamily="49" charset="0"/>
-              </a:rPr>
-              <a:t>如何去重？</a:t>
-            </a:r>
-            <a:endParaRPr lang="en-US" altLang="zh-CN" sz="1600" dirty="0">
-              <a:latin typeface="Consolas" panose="020B0609020204030204" pitchFamily="49" charset="0"/>
-            </a:endParaRPr>
-          </a:p>
-        </p:txBody>
-      </p:sp>
-      <p:sp>
-        <p:nvSpPr>
-          <p:cNvPr id="6" name="文本框 5">
-            <a:extLst>
-              <a:ext uri="{FF2B5EF4-FFF2-40B4-BE49-F238E27FC236}">
-                <a16:creationId xmlns:a16="http://schemas.microsoft.com/office/drawing/2014/main" id="{F6DACA0D-5194-41E8-AEAD-23CAB3A7E1CC}"/>
-              </a:ext>
-            </a:extLst>
-          </p:cNvPr>
-          <p:cNvSpPr txBox="1"/>
-          <p:nvPr/>
-        </p:nvSpPr>
-        <p:spPr>
-          <a:xfrm>
-            <a:off x="2001612" y="2495989"/>
-            <a:ext cx="9090984" cy="338554"/>
-          </a:xfrm>
-          <a:prstGeom prst="rect">
-            <a:avLst/>
-          </a:prstGeom>
-          <a:noFill/>
-        </p:spPr>
-        <p:txBody>
-          <a:bodyPr wrap="square" rtlCol="0">
-            <a:spAutoFit/>
-          </a:bodyPr>
-          <a:lstStyle/>
-          <a:p>
-            <a:r>
-              <a:rPr lang="zh-CN" altLang="en-US" sz="1600" dirty="0">
-                <a:latin typeface="Consolas" panose="020B0609020204030204" pitchFamily="49" charset="0"/>
-              </a:rPr>
-              <a:t>当</a:t>
-            </a:r>
-            <a:r>
-              <a:rPr lang="en-US" altLang="zh-CN" sz="1600" dirty="0">
-                <a:latin typeface="Consolas" panose="020B0609020204030204" pitchFamily="49" charset="0"/>
-              </a:rPr>
-              <a:t> c </a:t>
-            </a:r>
-            <a:r>
-              <a:rPr lang="zh-CN" altLang="en-US" sz="1600" dirty="0">
-                <a:latin typeface="Consolas" panose="020B0609020204030204" pitchFamily="49" charset="0"/>
-              </a:rPr>
-              <a:t>位于索引</a:t>
-            </a:r>
-            <a:r>
-              <a:rPr lang="en-US" altLang="zh-CN" sz="1600" dirty="0">
-                <a:latin typeface="Consolas" panose="020B0609020204030204" pitchFamily="49" charset="0"/>
-              </a:rPr>
-              <a:t> 1 </a:t>
-            </a:r>
-            <a:r>
-              <a:rPr lang="zh-CN" altLang="en-US" sz="1600" dirty="0">
-                <a:latin typeface="Consolas" panose="020B0609020204030204" pitchFamily="49" charset="0"/>
-              </a:rPr>
-              <a:t>时，即等于 </a:t>
-            </a:r>
-            <a:r>
-              <a:rPr lang="en-US" altLang="zh-CN" sz="1600" dirty="0">
-                <a:latin typeface="Consolas" panose="020B0609020204030204" pitchFamily="49" charset="0"/>
-              </a:rPr>
-              <a:t>-1 </a:t>
-            </a:r>
-            <a:r>
-              <a:rPr lang="zh-CN" altLang="en-US" sz="1600" dirty="0">
-                <a:latin typeface="Consolas" panose="020B0609020204030204" pitchFamily="49" charset="0"/>
-              </a:rPr>
-              <a:t>时，我们可以取 </a:t>
-            </a:r>
-            <a:r>
-              <a:rPr lang="en-US" altLang="zh-CN" sz="1600" dirty="0">
-                <a:latin typeface="Consolas" panose="020B0609020204030204" pitchFamily="49" charset="0"/>
-              </a:rPr>
-              <a:t>b = 0, a = 1</a:t>
-            </a:r>
-          </a:p>
-        </p:txBody>
-      </p:sp>
-      <p:sp>
-        <p:nvSpPr>
-          <p:cNvPr id="7" name="文本框 6">
-            <a:extLst>
-              <a:ext uri="{FF2B5EF4-FFF2-40B4-BE49-F238E27FC236}">
-                <a16:creationId xmlns:a16="http://schemas.microsoft.com/office/drawing/2014/main" id="{BA7509B8-DDD2-456C-B8A4-E24CFE3939CE}"/>
-              </a:ext>
-            </a:extLst>
-          </p:cNvPr>
-          <p:cNvSpPr txBox="1"/>
-          <p:nvPr/>
-        </p:nvSpPr>
-        <p:spPr>
-          <a:xfrm>
-            <a:off x="2001612" y="2960814"/>
-            <a:ext cx="9090984" cy="338554"/>
-          </a:xfrm>
-          <a:prstGeom prst="rect">
-            <a:avLst/>
-          </a:prstGeom>
-          <a:noFill/>
-        </p:spPr>
-        <p:txBody>
-          <a:bodyPr wrap="square" rtlCol="0">
-            <a:spAutoFit/>
-          </a:bodyPr>
-          <a:lstStyle/>
-          <a:p>
-            <a:r>
-              <a:rPr lang="zh-CN" altLang="en-US" sz="1600" dirty="0">
-                <a:latin typeface="Consolas" panose="020B0609020204030204" pitchFamily="49" charset="0"/>
-              </a:rPr>
-              <a:t>当</a:t>
-            </a:r>
-            <a:r>
-              <a:rPr lang="en-US" altLang="zh-CN" sz="1600" dirty="0">
-                <a:latin typeface="Consolas" panose="020B0609020204030204" pitchFamily="49" charset="0"/>
-              </a:rPr>
-              <a:t> c </a:t>
-            </a:r>
-            <a:r>
-              <a:rPr lang="zh-CN" altLang="en-US" sz="1600" dirty="0">
-                <a:latin typeface="Consolas" panose="020B0609020204030204" pitchFamily="49" charset="0"/>
-              </a:rPr>
-              <a:t>位于索引</a:t>
-            </a:r>
-            <a:r>
-              <a:rPr lang="en-US" altLang="zh-CN" sz="1600" dirty="0">
-                <a:latin typeface="Consolas" panose="020B0609020204030204" pitchFamily="49" charset="0"/>
-              </a:rPr>
-              <a:t> 2 </a:t>
-            </a:r>
-            <a:r>
-              <a:rPr lang="zh-CN" altLang="en-US" sz="1600" dirty="0">
-                <a:latin typeface="Consolas" panose="020B0609020204030204" pitchFamily="49" charset="0"/>
-              </a:rPr>
-              <a:t>时，也等于 </a:t>
-            </a:r>
-            <a:r>
-              <a:rPr lang="en-US" altLang="zh-CN" sz="1600" dirty="0">
-                <a:latin typeface="Consolas" panose="020B0609020204030204" pitchFamily="49" charset="0"/>
-              </a:rPr>
-              <a:t>-1 </a:t>
-            </a:r>
-            <a:r>
-              <a:rPr lang="zh-CN" altLang="en-US" sz="1600" dirty="0">
-                <a:latin typeface="Consolas" panose="020B0609020204030204" pitchFamily="49" charset="0"/>
-              </a:rPr>
-              <a:t>时，我们也可以取 </a:t>
-            </a:r>
-            <a:r>
-              <a:rPr lang="en-US" altLang="zh-CN" sz="1600" dirty="0">
-                <a:latin typeface="Consolas" panose="020B0609020204030204" pitchFamily="49" charset="0"/>
-              </a:rPr>
-              <a:t>b = 0, a = 1</a:t>
-            </a:r>
-          </a:p>
-        </p:txBody>
-      </p:sp>
-      <p:sp>
-        <p:nvSpPr>
-          <p:cNvPr id="8" name="文本框 7">
-            <a:extLst>
-              <a:ext uri="{FF2B5EF4-FFF2-40B4-BE49-F238E27FC236}">
-                <a16:creationId xmlns:a16="http://schemas.microsoft.com/office/drawing/2014/main" id="{E7F36DB6-0346-4D26-BE41-7F42F4381F70}"/>
-              </a:ext>
-            </a:extLst>
-          </p:cNvPr>
-          <p:cNvSpPr txBox="1"/>
-          <p:nvPr/>
-        </p:nvSpPr>
-        <p:spPr>
-          <a:xfrm>
-            <a:off x="1550508" y="1581256"/>
-            <a:ext cx="9090984" cy="338554"/>
-          </a:xfrm>
-          <a:prstGeom prst="rect">
-            <a:avLst/>
-          </a:prstGeom>
-          <a:noFill/>
-        </p:spPr>
-        <p:txBody>
-          <a:bodyPr wrap="square" rtlCol="0">
-            <a:spAutoFit/>
-          </a:bodyPr>
-          <a:lstStyle/>
-          <a:p>
-            <a:r>
-              <a:rPr lang="zh-CN" altLang="en-US" sz="1600" dirty="0">
-                <a:latin typeface="Consolas" panose="020B0609020204030204" pitchFamily="49" charset="0"/>
-              </a:rPr>
-              <a:t>为什么会出现重复呢？</a:t>
-            </a:r>
-            <a:endParaRPr lang="en-US" altLang="zh-CN" sz="1600" dirty="0">
-              <a:latin typeface="Consolas" panose="020B0609020204030204" pitchFamily="49" charset="0"/>
-            </a:endParaRPr>
-          </a:p>
-        </p:txBody>
-      </p:sp>
-      <p:sp>
-        <p:nvSpPr>
-          <p:cNvPr id="9" name="文本框 8">
-            <a:extLst>
-              <a:ext uri="{FF2B5EF4-FFF2-40B4-BE49-F238E27FC236}">
-                <a16:creationId xmlns:a16="http://schemas.microsoft.com/office/drawing/2014/main" id="{1AF74564-0622-4056-A3DA-F1EAB3A118DE}"/>
-              </a:ext>
-            </a:extLst>
-          </p:cNvPr>
-          <p:cNvSpPr txBox="1"/>
-          <p:nvPr/>
-        </p:nvSpPr>
-        <p:spPr>
-          <a:xfrm>
-            <a:off x="2001612" y="4045853"/>
-            <a:ext cx="9090984" cy="584775"/>
-          </a:xfrm>
-          <a:prstGeom prst="rect">
-            <a:avLst/>
-          </a:prstGeom>
-          <a:noFill/>
-        </p:spPr>
-        <p:txBody>
-          <a:bodyPr wrap="square" rtlCol="0">
-            <a:spAutoFit/>
-          </a:bodyPr>
-          <a:lstStyle/>
-          <a:p>
-            <a:r>
-              <a:rPr lang="zh-CN" altLang="en-US" sz="1600" dirty="0">
-                <a:latin typeface="Consolas" panose="020B0609020204030204" pitchFamily="49" charset="0"/>
-              </a:rPr>
-              <a:t>结合上面，其实我们可以发现，当我们计算过一次</a:t>
-            </a:r>
-            <a:r>
-              <a:rPr lang="en-US" altLang="zh-CN" sz="1600" dirty="0">
-                <a:latin typeface="Consolas" panose="020B0609020204030204" pitchFamily="49" charset="0"/>
-              </a:rPr>
-              <a:t>c</a:t>
-            </a:r>
-            <a:r>
-              <a:rPr lang="zh-CN" altLang="en-US" sz="1600" dirty="0">
-                <a:latin typeface="Consolas" panose="020B0609020204030204" pitchFamily="49" charset="0"/>
-              </a:rPr>
-              <a:t>为</a:t>
-            </a:r>
-            <a:r>
-              <a:rPr lang="en-US" altLang="zh-CN" sz="1600" dirty="0">
-                <a:latin typeface="Consolas" panose="020B0609020204030204" pitchFamily="49" charset="0"/>
-              </a:rPr>
-              <a:t>-1</a:t>
-            </a:r>
-            <a:r>
-              <a:rPr lang="zh-CN" altLang="en-US" sz="1600" dirty="0">
-                <a:latin typeface="Consolas" panose="020B0609020204030204" pitchFamily="49" charset="0"/>
-              </a:rPr>
-              <a:t>的情况后，之后</a:t>
-            </a:r>
-            <a:r>
-              <a:rPr lang="en-US" altLang="zh-CN" sz="1600" dirty="0">
-                <a:latin typeface="Consolas" panose="020B0609020204030204" pitchFamily="49" charset="0"/>
-              </a:rPr>
-              <a:t>c</a:t>
-            </a:r>
-            <a:r>
-              <a:rPr lang="zh-CN" altLang="en-US" sz="1600" dirty="0">
-                <a:latin typeface="Consolas" panose="020B0609020204030204" pitchFamily="49" charset="0"/>
-              </a:rPr>
-              <a:t>再次等于</a:t>
-            </a:r>
-            <a:r>
-              <a:rPr lang="en-US" altLang="zh-CN" sz="1600" dirty="0">
-                <a:latin typeface="Consolas" panose="020B0609020204030204" pitchFamily="49" charset="0"/>
-              </a:rPr>
-              <a:t>-1</a:t>
-            </a:r>
-            <a:r>
-              <a:rPr lang="zh-CN" altLang="en-US" sz="1600" dirty="0">
-                <a:latin typeface="Consolas" panose="020B0609020204030204" pitchFamily="49" charset="0"/>
-              </a:rPr>
-              <a:t>时，应该舍弃掉这个重复的答案。</a:t>
-            </a:r>
-            <a:endParaRPr lang="en-US" altLang="zh-CN" sz="1600" dirty="0">
-              <a:latin typeface="Consolas" panose="020B0609020204030204" pitchFamily="49" charset="0"/>
-            </a:endParaRPr>
-          </a:p>
-        </p:txBody>
-      </p:sp>
-      <p:sp>
-        <p:nvSpPr>
-          <p:cNvPr id="11" name="文本框 10">
-            <a:extLst>
-              <a:ext uri="{FF2B5EF4-FFF2-40B4-BE49-F238E27FC236}">
-                <a16:creationId xmlns:a16="http://schemas.microsoft.com/office/drawing/2014/main" id="{90B9D306-23C8-444E-B499-5BF55AD1DBB5}"/>
-              </a:ext>
-            </a:extLst>
-          </p:cNvPr>
-          <p:cNvSpPr txBox="1"/>
-          <p:nvPr/>
-        </p:nvSpPr>
-        <p:spPr>
-          <a:xfrm>
-            <a:off x="2001612" y="4832393"/>
-            <a:ext cx="7256486" cy="1077218"/>
-          </a:xfrm>
-          <a:prstGeom prst="rect">
-            <a:avLst/>
-          </a:prstGeom>
-          <a:noFill/>
-        </p:spPr>
-        <p:txBody>
-          <a:bodyPr wrap="square" rtlCol="0">
-            <a:spAutoFit/>
-          </a:bodyPr>
-          <a:lstStyle/>
-          <a:p>
-            <a:r>
-              <a:rPr lang="en-US" altLang="zh-CN" sz="1600" dirty="0">
-                <a:latin typeface="Consolas" panose="020B0609020204030204" pitchFamily="49" charset="0"/>
-              </a:rPr>
-              <a:t>for (let </a:t>
-            </a:r>
-            <a:r>
-              <a:rPr lang="en-US" altLang="zh-CN" sz="1600" dirty="0" err="1">
-                <a:latin typeface="Consolas" panose="020B0609020204030204" pitchFamily="49" charset="0"/>
-              </a:rPr>
-              <a:t>i</a:t>
-            </a:r>
-            <a:r>
-              <a:rPr lang="en-US" altLang="zh-CN" sz="1600" dirty="0">
-                <a:latin typeface="Consolas" panose="020B0609020204030204" pitchFamily="49" charset="0"/>
-              </a:rPr>
-              <a:t> = 0; </a:t>
-            </a:r>
-            <a:r>
-              <a:rPr lang="en-US" altLang="zh-CN" sz="1600" dirty="0" err="1">
-                <a:latin typeface="Consolas" panose="020B0609020204030204" pitchFamily="49" charset="0"/>
-              </a:rPr>
-              <a:t>i</a:t>
-            </a:r>
-            <a:r>
-              <a:rPr lang="en-US" altLang="zh-CN" sz="1600" dirty="0">
-                <a:latin typeface="Consolas" panose="020B0609020204030204" pitchFamily="49" charset="0"/>
-              </a:rPr>
-              <a:t> &lt; </a:t>
-            </a:r>
-            <a:r>
-              <a:rPr lang="en-US" altLang="zh-CN" sz="1600" dirty="0" err="1">
-                <a:latin typeface="Consolas" panose="020B0609020204030204" pitchFamily="49" charset="0"/>
-              </a:rPr>
-              <a:t>nums.length</a:t>
-            </a:r>
-            <a:r>
-              <a:rPr lang="en-US" altLang="zh-CN" sz="1600" dirty="0">
-                <a:latin typeface="Consolas" panose="020B0609020204030204" pitchFamily="49" charset="0"/>
-              </a:rPr>
-              <a:t>; </a:t>
-            </a:r>
-            <a:r>
-              <a:rPr lang="en-US" altLang="zh-CN" sz="1600" dirty="0" err="1">
-                <a:latin typeface="Consolas" panose="020B0609020204030204" pitchFamily="49" charset="0"/>
-              </a:rPr>
-              <a:t>i</a:t>
-            </a:r>
-            <a:r>
-              <a:rPr lang="en-US" altLang="zh-CN" sz="1600" dirty="0">
-                <a:latin typeface="Consolas" panose="020B0609020204030204" pitchFamily="49" charset="0"/>
-              </a:rPr>
-              <a:t>++) {</a:t>
-            </a:r>
-          </a:p>
-          <a:p>
-            <a:r>
-              <a:rPr lang="en-US" altLang="zh-CN" sz="1600" dirty="0">
-                <a:latin typeface="Consolas" panose="020B0609020204030204" pitchFamily="49" charset="0"/>
-              </a:rPr>
-              <a:t>    if (</a:t>
-            </a:r>
-            <a:r>
-              <a:rPr lang="en-US" altLang="zh-CN" sz="1600" dirty="0" err="1">
-                <a:latin typeface="Consolas" panose="020B0609020204030204" pitchFamily="49" charset="0"/>
-              </a:rPr>
-              <a:t>i</a:t>
-            </a:r>
-            <a:r>
-              <a:rPr lang="en-US" altLang="zh-CN" sz="1600" dirty="0">
-                <a:latin typeface="Consolas" panose="020B0609020204030204" pitchFamily="49" charset="0"/>
-              </a:rPr>
-              <a:t> &gt; 0 &amp;&amp; </a:t>
-            </a:r>
-            <a:r>
-              <a:rPr lang="en-US" altLang="zh-CN" sz="1600" dirty="0" err="1">
-                <a:latin typeface="Consolas" panose="020B0609020204030204" pitchFamily="49" charset="0"/>
-              </a:rPr>
-              <a:t>nums</a:t>
-            </a:r>
-            <a:r>
-              <a:rPr lang="en-US" altLang="zh-CN" sz="1600" dirty="0">
-                <a:latin typeface="Consolas" panose="020B0609020204030204" pitchFamily="49" charset="0"/>
-              </a:rPr>
-              <a:t>[</a:t>
-            </a:r>
-            <a:r>
-              <a:rPr lang="en-US" altLang="zh-CN" sz="1600" dirty="0" err="1">
-                <a:latin typeface="Consolas" panose="020B0609020204030204" pitchFamily="49" charset="0"/>
-              </a:rPr>
-              <a:t>i</a:t>
-            </a:r>
-            <a:r>
-              <a:rPr lang="en-US" altLang="zh-CN" sz="1600" dirty="0">
-                <a:latin typeface="Consolas" panose="020B0609020204030204" pitchFamily="49" charset="0"/>
-              </a:rPr>
-              <a:t>] == </a:t>
-            </a:r>
-            <a:r>
-              <a:rPr lang="en-US" altLang="zh-CN" sz="1600" dirty="0" err="1">
-                <a:latin typeface="Consolas" panose="020B0609020204030204" pitchFamily="49" charset="0"/>
-              </a:rPr>
-              <a:t>nums</a:t>
-            </a:r>
-            <a:r>
-              <a:rPr lang="en-US" altLang="zh-CN" sz="1600" dirty="0">
-                <a:latin typeface="Consolas" panose="020B0609020204030204" pitchFamily="49" charset="0"/>
-              </a:rPr>
-              <a:t>[</a:t>
-            </a:r>
-            <a:r>
-              <a:rPr lang="en-US" altLang="zh-CN" sz="1600" dirty="0" err="1">
-                <a:latin typeface="Consolas" panose="020B0609020204030204" pitchFamily="49" charset="0"/>
-              </a:rPr>
-              <a:t>i</a:t>
-            </a:r>
-            <a:r>
-              <a:rPr lang="en-US" altLang="zh-CN" sz="1600" dirty="0">
-                <a:latin typeface="Consolas" panose="020B0609020204030204" pitchFamily="49" charset="0"/>
-              </a:rPr>
-              <a:t> – 1]) continue;</a:t>
-            </a:r>
-          </a:p>
-          <a:p>
-            <a:r>
-              <a:rPr lang="en-US" altLang="zh-CN" sz="1600" dirty="0">
-                <a:latin typeface="Consolas" panose="020B0609020204030204" pitchFamily="49" charset="0"/>
-              </a:rPr>
-              <a:t>    let c = </a:t>
-            </a:r>
-            <a:r>
-              <a:rPr lang="en-US" altLang="zh-CN" sz="1600" dirty="0" err="1">
-                <a:latin typeface="Consolas" panose="020B0609020204030204" pitchFamily="49" charset="0"/>
-              </a:rPr>
-              <a:t>nums</a:t>
-            </a:r>
-            <a:r>
-              <a:rPr lang="en-US" altLang="zh-CN" sz="1600" dirty="0">
-                <a:latin typeface="Consolas" panose="020B0609020204030204" pitchFamily="49" charset="0"/>
-              </a:rPr>
-              <a:t>[</a:t>
-            </a:r>
-            <a:r>
-              <a:rPr lang="en-US" altLang="zh-CN" sz="1600" dirty="0" err="1">
-                <a:latin typeface="Consolas" panose="020B0609020204030204" pitchFamily="49" charset="0"/>
-              </a:rPr>
-              <a:t>i</a:t>
-            </a:r>
-            <a:r>
-              <a:rPr lang="en-US" altLang="zh-CN" sz="1600" dirty="0">
-                <a:latin typeface="Consolas" panose="020B0609020204030204" pitchFamily="49" charset="0"/>
-              </a:rPr>
-              <a:t>];</a:t>
-            </a:r>
-          </a:p>
-          <a:p>
-            <a:r>
-              <a:rPr lang="en-US" altLang="zh-CN" sz="1600" dirty="0">
-                <a:latin typeface="Consolas" panose="020B0609020204030204" pitchFamily="49" charset="0"/>
-              </a:rPr>
-              <a:t>}</a:t>
-            </a:r>
-            <a:endParaRPr lang="zh-CN" altLang="en-US" sz="1600" dirty="0">
-              <a:latin typeface="Consolas" panose="020B0609020204030204" pitchFamily="49" charset="0"/>
-            </a:endParaRPr>
-          </a:p>
-        </p:txBody>
-      </p:sp>
-    </p:spTree>
-    <p:extLst>
-      <p:ext uri="{BB962C8B-B14F-4D97-AF65-F5344CB8AC3E}">
-        <p14:creationId xmlns:p14="http://schemas.microsoft.com/office/powerpoint/2010/main" val="3244420515"/>
-      </p:ext>
-    </p:extLst>
-  </p:cSld>
-  <p:clrMapOvr>
-    <a:masterClrMapping/>
-  </p:clrMapOvr>
-  <p:timing>
-    <p:tnLst>
-      <p:par>
-        <p:cTn id="1" dur="indefinite" restart="never" nodeType="tmRoot">
-          <p:childTnLst>
-            <p:seq concurrent="1" nextAc="seek">
-              <p:cTn id="2" dur="indefinite" nodeType="mainSeq">
-                <p:childTnLst>
-                  <p:par>
-                    <p:cTn id="3" fill="hold">
-                      <p:stCondLst>
-                        <p:cond delay="indefinite"/>
-                      </p:stCondLst>
-                      <p:childTnLst>
-                        <p:par>
-                          <p:cTn id="4" fill="hold">
-                            <p:stCondLst>
-                              <p:cond delay="0"/>
-                            </p:stCondLst>
-                            <p:childTnLst>
-                              <p:par>
-                                <p:cTn id="5" presetID="42" presetClass="entr" presetSubtype="0" fill="hold" grpId="0" nodeType="clickEffect">
-                                  <p:stCondLst>
-                                    <p:cond delay="0"/>
-                                  </p:stCondLst>
-                                  <p:childTnLst>
-                                    <p:set>
-                                      <p:cBhvr>
-                                        <p:cTn id="6" dur="1" fill="hold">
-                                          <p:stCondLst>
-                                            <p:cond delay="0"/>
-                                          </p:stCondLst>
-                                        </p:cTn>
-                                        <p:tgtEl>
-                                          <p:spTgt spid="4"/>
-                                        </p:tgtEl>
-                                        <p:attrNameLst>
-                                          <p:attrName>style.visibility</p:attrName>
-                                        </p:attrNameLst>
-                                      </p:cBhvr>
-                                      <p:to>
-                                        <p:strVal val="visible"/>
-                                      </p:to>
-                                    </p:set>
-                                    <p:animEffect transition="in" filter="fade">
-                                      <p:cBhvr>
-                                        <p:cTn id="7" dur="1000"/>
-                                        <p:tgtEl>
-                                          <p:spTgt spid="4"/>
-                                        </p:tgtEl>
-                                      </p:cBhvr>
-                                    </p:animEffect>
-                                    <p:anim calcmode="lin" valueType="num">
-                                      <p:cBhvr>
-                                        <p:cTn id="8" dur="1000" fill="hold"/>
-                                        <p:tgtEl>
-                                          <p:spTgt spid="4"/>
-                                        </p:tgtEl>
-                                        <p:attrNameLst>
-                                          <p:attrName>ppt_x</p:attrName>
-                                        </p:attrNameLst>
-                                      </p:cBhvr>
-                                      <p:tavLst>
-                                        <p:tav tm="0">
-                                          <p:val>
-                                            <p:strVal val="#ppt_x"/>
-                                          </p:val>
-                                        </p:tav>
-                                        <p:tav tm="100000">
-                                          <p:val>
-                                            <p:strVal val="#ppt_x"/>
-                                          </p:val>
-                                        </p:tav>
-                                      </p:tavLst>
-                                    </p:anim>
-                                    <p:anim calcmode="lin" valueType="num">
-                                      <p:cBhvr>
-                                        <p:cTn id="9" dur="1000" fill="hold"/>
-                                        <p:tgtEl>
-                                          <p:spTgt spid="4"/>
-                                        </p:tgtEl>
-                                        <p:attrNameLst>
-                                          <p:attrName>ppt_y</p:attrName>
-                                        </p:attrNameLst>
-                                      </p:cBhvr>
-                                      <p:tavLst>
-                                        <p:tav tm="0">
-                                          <p:val>
-                                            <p:strVal val="#ppt_y+.1"/>
-                                          </p:val>
-                                        </p:tav>
-                                        <p:tav tm="100000">
-                                          <p:val>
-                                            <p:strVal val="#ppt_y"/>
-                                          </p:val>
-                                        </p:tav>
-                                      </p:tavLst>
-                                    </p:anim>
-                                  </p:childTnLst>
-                                </p:cTn>
-                              </p:par>
-                            </p:childTnLst>
-                          </p:cTn>
-                        </p:par>
-                      </p:childTnLst>
-                    </p:cTn>
-                  </p:par>
-                  <p:par>
-                    <p:cTn id="10" fill="hold">
-                      <p:stCondLst>
-                        <p:cond delay="indefinite"/>
-                      </p:stCondLst>
-                      <p:childTnLst>
-                        <p:par>
-                          <p:cTn id="11" fill="hold">
-                            <p:stCondLst>
-                              <p:cond delay="0"/>
-                            </p:stCondLst>
-                            <p:childTnLst>
-                              <p:par>
-                                <p:cTn id="12" presetID="42" presetClass="entr" presetSubtype="0" fill="hold" grpId="0" nodeType="clickEffect">
-                                  <p:stCondLst>
-                                    <p:cond delay="0"/>
-                                  </p:stCondLst>
-                                  <p:childTnLst>
-                                    <p:set>
-                                      <p:cBhvr>
-                                        <p:cTn id="13" dur="1" fill="hold">
-                                          <p:stCondLst>
-                                            <p:cond delay="0"/>
-                                          </p:stCondLst>
-                                        </p:cTn>
-                                        <p:tgtEl>
-                                          <p:spTgt spid="5"/>
-                                        </p:tgtEl>
-                                        <p:attrNameLst>
-                                          <p:attrName>style.visibility</p:attrName>
-                                        </p:attrNameLst>
-                                      </p:cBhvr>
-                                      <p:to>
-                                        <p:strVal val="visible"/>
-                                      </p:to>
-                                    </p:set>
-                                    <p:animEffect transition="in" filter="fade">
-                                      <p:cBhvr>
-                                        <p:cTn id="14" dur="1000"/>
-                                        <p:tgtEl>
-                                          <p:spTgt spid="5"/>
-                                        </p:tgtEl>
-                                      </p:cBhvr>
-                                    </p:animEffect>
-                                    <p:anim calcmode="lin" valueType="num">
-                                      <p:cBhvr>
-                                        <p:cTn id="15" dur="1000" fill="hold"/>
-                                        <p:tgtEl>
-                                          <p:spTgt spid="5"/>
-                                        </p:tgtEl>
-                                        <p:attrNameLst>
-                                          <p:attrName>ppt_x</p:attrName>
-                                        </p:attrNameLst>
-                                      </p:cBhvr>
-                                      <p:tavLst>
-                                        <p:tav tm="0">
-                                          <p:val>
-                                            <p:strVal val="#ppt_x"/>
-                                          </p:val>
-                                        </p:tav>
-                                        <p:tav tm="100000">
-                                          <p:val>
-                                            <p:strVal val="#ppt_x"/>
-                                          </p:val>
-                                        </p:tav>
-                                      </p:tavLst>
-                                    </p:anim>
-                                    <p:anim calcmode="lin" valueType="num">
-                                      <p:cBhvr>
-                                        <p:cTn id="16" dur="1000" fill="hold"/>
-                                        <p:tgtEl>
-                                          <p:spTgt spid="5"/>
-                                        </p:tgtEl>
-                                        <p:attrNameLst>
-                                          <p:attrName>ppt_y</p:attrName>
-                                        </p:attrNameLst>
-                                      </p:cBhvr>
-                                      <p:tavLst>
-                                        <p:tav tm="0">
-                                          <p:val>
-                                            <p:strVal val="#ppt_y+.1"/>
-                                          </p:val>
-                                        </p:tav>
-                                        <p:tav tm="100000">
-                                          <p:val>
-                                            <p:strVal val="#ppt_y"/>
-                                          </p:val>
-                                        </p:tav>
-                                      </p:tavLst>
-                                    </p:anim>
-                                  </p:childTnLst>
-                                </p:cTn>
-                              </p:par>
-                            </p:childTnLst>
-                          </p:cTn>
-                        </p:par>
-                      </p:childTnLst>
-                    </p:cTn>
-                  </p:par>
-                  <p:par>
-                    <p:cTn id="17" fill="hold">
-                      <p:stCondLst>
-                        <p:cond delay="indefinite"/>
-                      </p:stCondLst>
-                      <p:childTnLst>
-                        <p:par>
-                          <p:cTn id="18" fill="hold">
-                            <p:stCondLst>
-                              <p:cond delay="0"/>
-                            </p:stCondLst>
-                            <p:childTnLst>
-                              <p:par>
-                                <p:cTn id="19" presetID="42" presetClass="entr" presetSubtype="0" fill="hold" grpId="0" nodeType="clickEffect">
-                                  <p:stCondLst>
-                                    <p:cond delay="0"/>
-                                  </p:stCondLst>
-                                  <p:childTnLst>
-                                    <p:set>
-                                      <p:cBhvr>
-                                        <p:cTn id="20" dur="1" fill="hold">
-                                          <p:stCondLst>
-                                            <p:cond delay="0"/>
-                                          </p:stCondLst>
-                                        </p:cTn>
-                                        <p:tgtEl>
-                                          <p:spTgt spid="6"/>
-                                        </p:tgtEl>
-                                        <p:attrNameLst>
-                                          <p:attrName>style.visibility</p:attrName>
-                                        </p:attrNameLst>
-                                      </p:cBhvr>
-                                      <p:to>
-                                        <p:strVal val="visible"/>
-                                      </p:to>
-                                    </p:set>
-                                    <p:animEffect transition="in" filter="fade">
-                                      <p:cBhvr>
-                                        <p:cTn id="21" dur="1000"/>
-                                        <p:tgtEl>
-                                          <p:spTgt spid="6"/>
-                                        </p:tgtEl>
-                                      </p:cBhvr>
-                                    </p:animEffect>
-                                    <p:anim calcmode="lin" valueType="num">
-                                      <p:cBhvr>
-                                        <p:cTn id="22" dur="1000" fill="hold"/>
-                                        <p:tgtEl>
-                                          <p:spTgt spid="6"/>
-                                        </p:tgtEl>
-                                        <p:attrNameLst>
-                                          <p:attrName>ppt_x</p:attrName>
-                                        </p:attrNameLst>
-                                      </p:cBhvr>
-                                      <p:tavLst>
-                                        <p:tav tm="0">
-                                          <p:val>
-                                            <p:strVal val="#ppt_x"/>
-                                          </p:val>
-                                        </p:tav>
-                                        <p:tav tm="100000">
-                                          <p:val>
-                                            <p:strVal val="#ppt_x"/>
-                                          </p:val>
-                                        </p:tav>
-                                      </p:tavLst>
-                                    </p:anim>
-                                    <p:anim calcmode="lin" valueType="num">
-                                      <p:cBhvr>
-                                        <p:cTn id="23" dur="1000" fill="hold"/>
-                                        <p:tgtEl>
-                                          <p:spTgt spid="6"/>
-                                        </p:tgtEl>
-                                        <p:attrNameLst>
-                                          <p:attrName>ppt_y</p:attrName>
-                                        </p:attrNameLst>
-                                      </p:cBhvr>
-                                      <p:tavLst>
-                                        <p:tav tm="0">
-                                          <p:val>
-                                            <p:strVal val="#ppt_y+.1"/>
-                                          </p:val>
-                                        </p:tav>
-                                        <p:tav tm="100000">
-                                          <p:val>
-                                            <p:strVal val="#ppt_y"/>
-                                          </p:val>
-                                        </p:tav>
-                                      </p:tavLst>
-                                    </p:anim>
-                                  </p:childTnLst>
-                                </p:cTn>
-                              </p:par>
-                            </p:childTnLst>
-                          </p:cTn>
-                        </p:par>
-                      </p:childTnLst>
-                    </p:cTn>
-                  </p:par>
-                  <p:par>
-                    <p:cTn id="24" fill="hold">
-                      <p:stCondLst>
-                        <p:cond delay="indefinite"/>
-                      </p:stCondLst>
-                      <p:childTnLst>
-                        <p:par>
-                          <p:cTn id="25" fill="hold">
-                            <p:stCondLst>
-                              <p:cond delay="0"/>
-                            </p:stCondLst>
-                            <p:childTnLst>
-                              <p:par>
-                                <p:cTn id="26" presetID="42" presetClass="entr" presetSubtype="0" fill="hold" grpId="0" nodeType="clickEffect">
-                                  <p:stCondLst>
-                                    <p:cond delay="0"/>
-                                  </p:stCondLst>
-                                  <p:childTnLst>
-                                    <p:set>
-                                      <p:cBhvr>
-                                        <p:cTn id="27" dur="1" fill="hold">
-                                          <p:stCondLst>
-                                            <p:cond delay="0"/>
-                                          </p:stCondLst>
-                                        </p:cTn>
-                                        <p:tgtEl>
-                                          <p:spTgt spid="7"/>
-                                        </p:tgtEl>
-                                        <p:attrNameLst>
-                                          <p:attrName>style.visibility</p:attrName>
-                                        </p:attrNameLst>
-                                      </p:cBhvr>
-                                      <p:to>
-                                        <p:strVal val="visible"/>
-                                      </p:to>
-                                    </p:set>
-                                    <p:animEffect transition="in" filter="fade">
-                                      <p:cBhvr>
-                                        <p:cTn id="28" dur="1000"/>
-                                        <p:tgtEl>
-                                          <p:spTgt spid="7"/>
-                                        </p:tgtEl>
-                                      </p:cBhvr>
-                                    </p:animEffect>
-                                    <p:anim calcmode="lin" valueType="num">
-                                      <p:cBhvr>
-                                        <p:cTn id="29" dur="1000" fill="hold"/>
-                                        <p:tgtEl>
-                                          <p:spTgt spid="7"/>
-                                        </p:tgtEl>
-                                        <p:attrNameLst>
-                                          <p:attrName>ppt_x</p:attrName>
-                                        </p:attrNameLst>
-                                      </p:cBhvr>
-                                      <p:tavLst>
-                                        <p:tav tm="0">
-                                          <p:val>
-                                            <p:strVal val="#ppt_x"/>
-                                          </p:val>
-                                        </p:tav>
-                                        <p:tav tm="100000">
-                                          <p:val>
-                                            <p:strVal val="#ppt_x"/>
-                                          </p:val>
-                                        </p:tav>
-                                      </p:tavLst>
-                                    </p:anim>
-                                    <p:anim calcmode="lin" valueType="num">
-                                      <p:cBhvr>
-                                        <p:cTn id="30" dur="1000" fill="hold"/>
-                                        <p:tgtEl>
-                                          <p:spTgt spid="7"/>
-                                        </p:tgtEl>
-                                        <p:attrNameLst>
-                                          <p:attrName>ppt_y</p:attrName>
-                                        </p:attrNameLst>
-                                      </p:cBhvr>
-                                      <p:tavLst>
-                                        <p:tav tm="0">
-                                          <p:val>
-                                            <p:strVal val="#ppt_y+.1"/>
-                                          </p:val>
-                                        </p:tav>
-                                        <p:tav tm="100000">
-                                          <p:val>
-                                            <p:strVal val="#ppt_y"/>
-                                          </p:val>
-                                        </p:tav>
-                                      </p:tavLst>
-                                    </p:anim>
-                                  </p:childTnLst>
-                                </p:cTn>
-                              </p:par>
-                            </p:childTnLst>
-                          </p:cTn>
-                        </p:par>
-                      </p:childTnLst>
-                    </p:cTn>
-                  </p:par>
-                  <p:par>
-                    <p:cTn id="31" fill="hold">
-                      <p:stCondLst>
-                        <p:cond delay="indefinite"/>
-                      </p:stCondLst>
-                      <p:childTnLst>
-                        <p:par>
-                          <p:cTn id="32" fill="hold">
-                            <p:stCondLst>
-                              <p:cond delay="0"/>
-                            </p:stCondLst>
-                            <p:childTnLst>
-                              <p:par>
-                                <p:cTn id="33" presetID="42" presetClass="entr" presetSubtype="0" fill="hold" grpId="0" nodeType="clickEffect">
-                                  <p:stCondLst>
-                                    <p:cond delay="0"/>
-                                  </p:stCondLst>
-                                  <p:childTnLst>
-                                    <p:set>
-                                      <p:cBhvr>
-                                        <p:cTn id="34" dur="1" fill="hold">
-                                          <p:stCondLst>
-                                            <p:cond delay="0"/>
-                                          </p:stCondLst>
-                                        </p:cTn>
-                                        <p:tgtEl>
-                                          <p:spTgt spid="8"/>
-                                        </p:tgtEl>
-                                        <p:attrNameLst>
-                                          <p:attrName>style.visibility</p:attrName>
-                                        </p:attrNameLst>
-                                      </p:cBhvr>
-                                      <p:to>
-                                        <p:strVal val="visible"/>
-                                      </p:to>
-                                    </p:set>
-                                    <p:animEffect transition="in" filter="fade">
-                                      <p:cBhvr>
-                                        <p:cTn id="35" dur="1000"/>
-                                        <p:tgtEl>
-                                          <p:spTgt spid="8"/>
-                                        </p:tgtEl>
-                                      </p:cBhvr>
-                                    </p:animEffect>
-                                    <p:anim calcmode="lin" valueType="num">
-                                      <p:cBhvr>
-                                        <p:cTn id="36" dur="1000" fill="hold"/>
-                                        <p:tgtEl>
-                                          <p:spTgt spid="8"/>
-                                        </p:tgtEl>
-                                        <p:attrNameLst>
-                                          <p:attrName>ppt_x</p:attrName>
-                                        </p:attrNameLst>
-                                      </p:cBhvr>
-                                      <p:tavLst>
-                                        <p:tav tm="0">
-                                          <p:val>
-                                            <p:strVal val="#ppt_x"/>
-                                          </p:val>
-                                        </p:tav>
-                                        <p:tav tm="100000">
-                                          <p:val>
-                                            <p:strVal val="#ppt_x"/>
-                                          </p:val>
-                                        </p:tav>
-                                      </p:tavLst>
-                                    </p:anim>
-                                    <p:anim calcmode="lin" valueType="num">
-                                      <p:cBhvr>
-                                        <p:cTn id="37" dur="1000" fill="hold"/>
-                                        <p:tgtEl>
-                                          <p:spTgt spid="8"/>
-                                        </p:tgtEl>
-                                        <p:attrNameLst>
-                                          <p:attrName>ppt_y</p:attrName>
-                                        </p:attrNameLst>
-                                      </p:cBhvr>
-                                      <p:tavLst>
-                                        <p:tav tm="0">
-                                          <p:val>
-                                            <p:strVal val="#ppt_y+.1"/>
-                                          </p:val>
-                                        </p:tav>
-                                        <p:tav tm="100000">
-                                          <p:val>
-                                            <p:strVal val="#ppt_y"/>
-                                          </p:val>
-                                        </p:tav>
-                                      </p:tavLst>
-                                    </p:anim>
-                                  </p:childTnLst>
-                                </p:cTn>
-                              </p:par>
-                            </p:childTnLst>
-                          </p:cTn>
-                        </p:par>
-                      </p:childTnLst>
-                    </p:cTn>
-                  </p:par>
-                  <p:par>
-                    <p:cTn id="38" fill="hold">
-                      <p:stCondLst>
-                        <p:cond delay="indefinite"/>
-                      </p:stCondLst>
-                      <p:childTnLst>
-                        <p:par>
-                          <p:cTn id="39" fill="hold">
-                            <p:stCondLst>
-                              <p:cond delay="0"/>
-                            </p:stCondLst>
-                            <p:childTnLst>
-                              <p:par>
-                                <p:cTn id="40" presetID="42" presetClass="entr" presetSubtype="0" fill="hold" grpId="0" nodeType="clickEffect">
-                                  <p:stCondLst>
-                                    <p:cond delay="0"/>
-                                  </p:stCondLst>
-                                  <p:childTnLst>
-                                    <p:set>
-                                      <p:cBhvr>
-                                        <p:cTn id="41" dur="1" fill="hold">
-                                          <p:stCondLst>
-                                            <p:cond delay="0"/>
-                                          </p:stCondLst>
-                                        </p:cTn>
-                                        <p:tgtEl>
-                                          <p:spTgt spid="9"/>
-                                        </p:tgtEl>
-                                        <p:attrNameLst>
-                                          <p:attrName>style.visibility</p:attrName>
-                                        </p:attrNameLst>
-                                      </p:cBhvr>
-                                      <p:to>
-                                        <p:strVal val="visible"/>
-                                      </p:to>
-                                    </p:set>
-                                    <p:animEffect transition="in" filter="fade">
-                                      <p:cBhvr>
-                                        <p:cTn id="42" dur="1000"/>
-                                        <p:tgtEl>
-                                          <p:spTgt spid="9"/>
-                                        </p:tgtEl>
-                                      </p:cBhvr>
-                                    </p:animEffect>
-                                    <p:anim calcmode="lin" valueType="num">
-                                      <p:cBhvr>
-                                        <p:cTn id="43" dur="1000" fill="hold"/>
-                                        <p:tgtEl>
-                                          <p:spTgt spid="9"/>
-                                        </p:tgtEl>
-                                        <p:attrNameLst>
-                                          <p:attrName>ppt_x</p:attrName>
-                                        </p:attrNameLst>
-                                      </p:cBhvr>
-                                      <p:tavLst>
-                                        <p:tav tm="0">
-                                          <p:val>
-                                            <p:strVal val="#ppt_x"/>
-                                          </p:val>
-                                        </p:tav>
-                                        <p:tav tm="100000">
-                                          <p:val>
-                                            <p:strVal val="#ppt_x"/>
-                                          </p:val>
-                                        </p:tav>
-                                      </p:tavLst>
-                                    </p:anim>
-                                    <p:anim calcmode="lin" valueType="num">
-                                      <p:cBhvr>
-                                        <p:cTn id="44" dur="1000" fill="hold"/>
-                                        <p:tgtEl>
-                                          <p:spTgt spid="9"/>
-                                        </p:tgtEl>
-                                        <p:attrNameLst>
-                                          <p:attrName>ppt_y</p:attrName>
-                                        </p:attrNameLst>
-                                      </p:cBhvr>
-                                      <p:tavLst>
-                                        <p:tav tm="0">
-                                          <p:val>
-                                            <p:strVal val="#ppt_y+.1"/>
-                                          </p:val>
-                                        </p:tav>
-                                        <p:tav tm="100000">
-                                          <p:val>
-                                            <p:strVal val="#ppt_y"/>
-                                          </p:val>
-                                        </p:tav>
-                                      </p:tavLst>
-                                    </p:anim>
-                                  </p:childTnLst>
-                                </p:cTn>
-                              </p:par>
-                            </p:childTnLst>
-                          </p:cTn>
-                        </p:par>
-                      </p:childTnLst>
-                    </p:cTn>
-                  </p:par>
-                  <p:par>
-                    <p:cTn id="45" fill="hold">
-                      <p:stCondLst>
-                        <p:cond delay="indefinite"/>
-                      </p:stCondLst>
-                      <p:childTnLst>
-                        <p:par>
-                          <p:cTn id="46" fill="hold">
-                            <p:stCondLst>
-                              <p:cond delay="0"/>
-                            </p:stCondLst>
-                            <p:childTnLst>
-                              <p:par>
-                                <p:cTn id="47" presetID="42" presetClass="entr" presetSubtype="0" fill="hold" grpId="0" nodeType="clickEffect">
-                                  <p:stCondLst>
-                                    <p:cond delay="0"/>
-                                  </p:stCondLst>
-                                  <p:childTnLst>
-                                    <p:set>
-                                      <p:cBhvr>
-                                        <p:cTn id="48" dur="1" fill="hold">
-                                          <p:stCondLst>
-                                            <p:cond delay="0"/>
-                                          </p:stCondLst>
-                                        </p:cTn>
-                                        <p:tgtEl>
-                                          <p:spTgt spid="11"/>
-                                        </p:tgtEl>
-                                        <p:attrNameLst>
-                                          <p:attrName>style.visibility</p:attrName>
-                                        </p:attrNameLst>
-                                      </p:cBhvr>
-                                      <p:to>
-                                        <p:strVal val="visible"/>
-                                      </p:to>
-                                    </p:set>
-                                    <p:animEffect transition="in" filter="fade">
-                                      <p:cBhvr>
-                                        <p:cTn id="49" dur="1000"/>
-                                        <p:tgtEl>
-                                          <p:spTgt spid="11"/>
-                                        </p:tgtEl>
-                                      </p:cBhvr>
-                                    </p:animEffect>
-                                    <p:anim calcmode="lin" valueType="num">
-                                      <p:cBhvr>
-                                        <p:cTn id="50" dur="1000" fill="hold"/>
-                                        <p:tgtEl>
-                                          <p:spTgt spid="11"/>
-                                        </p:tgtEl>
-                                        <p:attrNameLst>
-                                          <p:attrName>ppt_x</p:attrName>
-                                        </p:attrNameLst>
-                                      </p:cBhvr>
-                                      <p:tavLst>
-                                        <p:tav tm="0">
-                                          <p:val>
-                                            <p:strVal val="#ppt_x"/>
-                                          </p:val>
-                                        </p:tav>
-                                        <p:tav tm="100000">
-                                          <p:val>
-                                            <p:strVal val="#ppt_x"/>
-                                          </p:val>
-                                        </p:tav>
-                                      </p:tavLst>
-                                    </p:anim>
-                                    <p:anim calcmode="lin" valueType="num">
-                                      <p:cBhvr>
-                                        <p:cTn id="51" dur="1000" fill="hold"/>
-                                        <p:tgtEl>
-                                          <p:spTgt spid="11"/>
-                                        </p:tgtEl>
-                                        <p:attrNameLst>
-                                          <p:attrName>ppt_y</p:attrName>
-                                        </p:attrNameLst>
-                                      </p:cBhvr>
-                                      <p:tavLst>
-                                        <p:tav tm="0">
-                                          <p:val>
-                                            <p:strVal val="#ppt_y+.1"/>
-                                          </p:val>
-                                        </p:tav>
-                                        <p:tav tm="100000">
-                                          <p:val>
-                                            <p:strVal val="#ppt_y"/>
-                                          </p:val>
-                                        </p:tav>
-                                      </p:tavLst>
-                                    </p:anim>
-                                  </p:childTnLst>
-                                </p:cTn>
-                              </p:par>
-                            </p:childTnLst>
-                          </p:cTn>
-                        </p:par>
-                      </p:childTnLst>
-                    </p:cTn>
-                  </p:par>
-                </p:childTnLst>
-              </p:cTn>
-              <p:prevCondLst>
-                <p:cond evt="onPrev" delay="0">
-                  <p:tgtEl>
-                    <p:sldTgt/>
-                  </p:tgtEl>
-                </p:cond>
-              </p:prevCondLst>
-              <p:nextCondLst>
-                <p:cond evt="onNext" delay="0">
-                  <p:tgtEl>
-                    <p:sldTgt/>
-                  </p:tgtEl>
-                </p:cond>
-              </p:nextCondLst>
-            </p:seq>
-          </p:childTnLst>
-        </p:cTn>
-      </p:par>
-    </p:tnLst>
-    <p:bldLst>
-      <p:bldP spid="4" grpId="0"/>
-      <p:bldP spid="5" grpId="0"/>
-      <p:bldP spid="6" grpId="0"/>
-      <p:bldP spid="7" grpId="0"/>
-      <p:bldP spid="8" grpId="0"/>
-      <p:bldP spid="9" grpId="0"/>
-      <p:bldP spid="11" grpId="0"/>
-    </p:bldLst>
-  </p:timing>
-</p:sld>
-</file>
-
 <file path=ppt/theme/theme1.xml><?xml version="1.0" encoding="utf-8"?>
 <a:theme xmlns:a="http://schemas.openxmlformats.org/drawingml/2006/main" name="Office 主题​​">
   <a:themeElements>
